--- a/AI展示.pptx
+++ b/AI展示.pptx
@@ -5,15 +5,18 @@
     <p:sldMasterId id="2147483648" r:id="rId1"/>
   </p:sldMasterIdLst>
   <p:notesMasterIdLst>
-    <p:notesMasterId r:id="rId4"/>
+    <p:notesMasterId r:id="rId11"/>
   </p:notesMasterIdLst>
   <p:sldIdLst>
-    <p:sldId id="256" r:id="rId3"/>
-    <p:sldId id="259" r:id="rId5"/>
-    <p:sldId id="272" r:id="rId6"/>
-    <p:sldId id="273" r:id="rId7"/>
-    <p:sldId id="260" r:id="rId8"/>
-    <p:sldId id="274" r:id="rId9"/>
+    <p:sldId id="256" r:id="rId2"/>
+    <p:sldId id="259" r:id="rId3"/>
+    <p:sldId id="272" r:id="rId4"/>
+    <p:sldId id="273" r:id="rId5"/>
+    <p:sldId id="260" r:id="rId6"/>
+    <p:sldId id="274" r:id="rId7"/>
+    <p:sldId id="275" r:id="rId8"/>
+    <p:sldId id="276" r:id="rId9"/>
+    <p:sldId id="277" r:id="rId10"/>
   </p:sldIdLst>
   <p:sldSz cx="12192000" cy="6858000"/>
   <p:notesSz cx="6858000" cy="9144000"/>
@@ -112,6 +115,11 @@
       </a:defRPr>
     </a:lvl9pPr>
   </p:defaultTextStyle>
+  <p:extLst>
+    <p:ext uri="{EFAFB233-063F-42B5-8137-9DF3F51BA10A}">
+      <p15:sldGuideLst xmlns:p15="http://schemas.microsoft.com/office/powerpoint/2012/main"/>
+    </p:ext>
+  </p:extLst>
 </p:presentation>
 </file>
 
@@ -197,6 +205,7 @@
           <a:p>
             <a:fld id="{7F25A8C7-CC1A-4A08-9B4B-31F43B054C7F}" type="datetimeFigureOut">
               <a:rPr lang="zh-CN" altLang="en-US" smtClean="0"/>
+              <a:t>2018/12/23</a:t>
             </a:fld>
             <a:endParaRPr lang="zh-CN" altLang="en-US"/>
           </a:p>
@@ -263,7 +272,6 @@
               <a:rPr lang="zh-CN" altLang="en-US"/>
               <a:t>单击此处编辑母版文本样式</a:t>
             </a:r>
-            <a:endParaRPr lang="zh-CN" altLang="en-US"/>
           </a:p>
           <a:p>
             <a:pPr lvl="1"/>
@@ -271,7 +279,6 @@
               <a:rPr lang="zh-CN" altLang="en-US"/>
               <a:t>第二级</a:t>
             </a:r>
-            <a:endParaRPr lang="zh-CN" altLang="en-US"/>
           </a:p>
           <a:p>
             <a:pPr lvl="2"/>
@@ -279,7 +286,6 @@
               <a:rPr lang="zh-CN" altLang="en-US"/>
               <a:t>第三级</a:t>
             </a:r>
-            <a:endParaRPr lang="zh-CN" altLang="en-US"/>
           </a:p>
           <a:p>
             <a:pPr lvl="3"/>
@@ -287,7 +293,6 @@
               <a:rPr lang="zh-CN" altLang="en-US"/>
               <a:t>第四级</a:t>
             </a:r>
-            <a:endParaRPr lang="zh-CN" altLang="en-US"/>
           </a:p>
           <a:p>
             <a:pPr lvl="4"/>
@@ -295,7 +300,6 @@
               <a:rPr lang="zh-CN" altLang="en-US"/>
               <a:t>第五级</a:t>
             </a:r>
-            <a:endParaRPr lang="zh-CN" altLang="en-US"/>
           </a:p>
         </p:txBody>
       </p:sp>
@@ -359,6 +363,7 @@
           <a:p>
             <a:fld id="{F9E1B693-632D-4080-9CF6-EA28B66DC801}" type="slidenum">
               <a:rPr lang="zh-CN" altLang="en-US" smtClean="0"/>
+              <a:t>‹#›</a:t>
             </a:fld>
             <a:endParaRPr lang="zh-CN" altLang="en-US"/>
           </a:p>
@@ -555,6 +560,7 @@
                 <a:latin typeface="Calibri" panose="020F0502020204030204" pitchFamily="34" charset="0"/>
                 <a:ea typeface="微软雅黑" panose="020B0503020204020204" pitchFamily="34" charset="-122"/>
               </a:rPr>
+              <a:t>1</a:t>
             </a:fld>
             <a:endParaRPr kumimoji="0" lang="zh-CN" altLang="en-US" sz="1200" b="0" i="0" u="none" strike="noStrike" kern="1200" cap="none" spc="0" normalizeH="0" baseline="0" noProof="0">
               <a:ln>
@@ -673,6 +679,7 @@
                 <a:latin typeface="Calibri" panose="020F0502020204030204" pitchFamily="34" charset="0"/>
                 <a:ea typeface="微软雅黑" panose="020B0503020204020204" pitchFamily="34" charset="-122"/>
               </a:rPr>
+              <a:t>2</a:t>
             </a:fld>
             <a:endParaRPr kumimoji="0" lang="zh-CN" altLang="en-US" sz="1200" b="0" i="0" u="none" strike="noStrike" kern="1200" cap="none" spc="0" normalizeH="0" baseline="0" noProof="0">
               <a:ln>
@@ -791,6 +798,7 @@
                 <a:latin typeface="Calibri" panose="020F0502020204030204" pitchFamily="34" charset="0"/>
                 <a:ea typeface="微软雅黑" panose="020B0503020204020204" pitchFamily="34" charset="-122"/>
               </a:rPr>
+              <a:t>3</a:t>
             </a:fld>
             <a:endParaRPr kumimoji="0" lang="zh-CN" altLang="en-US" sz="1200" b="0" i="0" u="none" strike="noStrike" kern="1200" cap="none" spc="0" normalizeH="0" baseline="0" noProof="0">
               <a:ln>
@@ -909,6 +917,7 @@
                 <a:latin typeface="Calibri" panose="020F0502020204030204" pitchFamily="34" charset="0"/>
                 <a:ea typeface="微软雅黑" panose="020B0503020204020204" pitchFamily="34" charset="-122"/>
               </a:rPr>
+              <a:t>4</a:t>
             </a:fld>
             <a:endParaRPr kumimoji="0" lang="zh-CN" altLang="en-US" sz="1200" b="0" i="0" u="none" strike="noStrike" kern="1200" cap="none" spc="0" normalizeH="0" baseline="0" noProof="0">
               <a:ln>
@@ -1027,6 +1036,7 @@
                 <a:latin typeface="Calibri" panose="020F0502020204030204" pitchFamily="34" charset="0"/>
                 <a:ea typeface="微软雅黑" panose="020B0503020204020204" pitchFamily="34" charset="-122"/>
               </a:rPr>
+              <a:t>5</a:t>
             </a:fld>
             <a:endParaRPr kumimoji="0" lang="zh-CN" altLang="en-US" sz="1200" b="0" i="0" u="none" strike="noStrike" kern="1200" cap="none" spc="0" normalizeH="0" baseline="0" noProof="0">
               <a:ln>
@@ -1145,6 +1155,7 @@
                 <a:latin typeface="Calibri" panose="020F0502020204030204" pitchFamily="34" charset="0"/>
                 <a:ea typeface="微软雅黑" panose="020B0503020204020204" pitchFamily="34" charset="-122"/>
               </a:rPr>
+              <a:t>6</a:t>
             </a:fld>
             <a:endParaRPr kumimoji="0" lang="zh-CN" altLang="en-US" sz="1200" b="0" i="0" u="none" strike="noStrike" kern="1200" cap="none" spc="0" normalizeH="0" baseline="0" noProof="0">
               <a:ln>
@@ -1163,6 +1174,378 @@
         </p:txBody>
       </p:sp>
     </p:spTree>
+  </p:cSld>
+  <p:clrMapOvr>
+    <a:masterClrMapping/>
+  </p:clrMapOvr>
+</p:notes>
+</file>
+
+<file path=ppt/notesSlides/notesSlide7.xml><?xml version="1.0" encoding="utf-8"?>
+<p:notes xmlns:a="http://schemas.openxmlformats.org/drawingml/2006/main" xmlns:r="http://schemas.openxmlformats.org/officeDocument/2006/relationships" xmlns:p="http://schemas.openxmlformats.org/presentationml/2006/main">
+  <p:cSld>
+    <p:spTree>
+      <p:nvGrpSpPr>
+        <p:cNvPr id="1" name=""/>
+        <p:cNvGrpSpPr/>
+        <p:nvPr/>
+      </p:nvGrpSpPr>
+      <p:grpSpPr>
+        <a:xfrm>
+          <a:off x="0" y="0"/>
+          <a:ext cx="0" cy="0"/>
+          <a:chOff x="0" y="0"/>
+          <a:chExt cx="0" cy="0"/>
+        </a:xfrm>
+      </p:grpSpPr>
+      <p:sp>
+        <p:nvSpPr>
+          <p:cNvPr id="2" name="幻灯片图像占位符 1"/>
+          <p:cNvSpPr>
+            <a:spLocks noGrp="1" noRot="1" noChangeAspect="1"/>
+          </p:cNvSpPr>
+          <p:nvPr>
+            <p:ph type="sldImg"/>
+          </p:nvPr>
+        </p:nvSpPr>
+        <p:spPr/>
+      </p:sp>
+      <p:sp>
+        <p:nvSpPr>
+          <p:cNvPr id="3" name="备注占位符 2"/>
+          <p:cNvSpPr>
+            <a:spLocks noGrp="1"/>
+          </p:cNvSpPr>
+          <p:nvPr>
+            <p:ph type="body" idx="1"/>
+          </p:nvPr>
+        </p:nvSpPr>
+        <p:spPr/>
+        <p:txBody>
+          <a:bodyPr/>
+          <a:lstStyle/>
+          <a:p>
+            <a:endParaRPr lang="zh-CN" altLang="en-US"/>
+          </a:p>
+        </p:txBody>
+      </p:sp>
+      <p:sp>
+        <p:nvSpPr>
+          <p:cNvPr id="4" name="灯片编号占位符 3"/>
+          <p:cNvSpPr>
+            <a:spLocks noGrp="1"/>
+          </p:cNvSpPr>
+          <p:nvPr>
+            <p:ph type="sldNum" sz="quarter" idx="10"/>
+          </p:nvPr>
+        </p:nvSpPr>
+        <p:spPr/>
+        <p:txBody>
+          <a:bodyPr/>
+          <a:lstStyle/>
+          <a:p>
+            <a:pPr marL="0" marR="0" lvl="0" indent="0" algn="r" defTabSz="914400" eaLnBrk="0" fontAlgn="base" latinLnBrk="0" hangingPunct="0">
+              <a:lnSpc>
+                <a:spcPct val="100000"/>
+              </a:lnSpc>
+              <a:spcBef>
+                <a:spcPct val="0"/>
+              </a:spcBef>
+              <a:spcAft>
+                <a:spcPct val="0"/>
+              </a:spcAft>
+              <a:buClrTx/>
+              <a:buSzTx/>
+              <a:buFontTx/>
+              <a:buNone/>
+              <a:defRPr/>
+            </a:pPr>
+            <a:fld id="{39AD698A-D66C-4FA1-BBD8-F72AE9E6E751}" type="slidenum">
+              <a:rPr kumimoji="0" lang="zh-CN" altLang="en-US" sz="1200" b="0" i="0" u="none" strike="noStrike" kern="1200" cap="none" spc="0" normalizeH="0" baseline="0" noProof="0" smtClean="0">
+                <a:ln>
+                  <a:noFill/>
+                </a:ln>
+                <a:solidFill>
+                  <a:prstClr val="black"/>
+                </a:solidFill>
+                <a:effectLst/>
+                <a:uLnTx/>
+                <a:uFillTx/>
+                <a:latin typeface="Calibri" panose="020F0502020204030204" pitchFamily="34" charset="0"/>
+                <a:ea typeface="微软雅黑" panose="020B0503020204020204" pitchFamily="34" charset="-122"/>
+              </a:rPr>
+              <a:t>7</a:t>
+            </a:fld>
+            <a:endParaRPr kumimoji="0" lang="zh-CN" altLang="en-US" sz="1200" b="0" i="0" u="none" strike="noStrike" kern="1200" cap="none" spc="0" normalizeH="0" baseline="0" noProof="0">
+              <a:ln>
+                <a:noFill/>
+              </a:ln>
+              <a:solidFill>
+                <a:prstClr val="black"/>
+              </a:solidFill>
+              <a:effectLst/>
+              <a:uLnTx/>
+              <a:uFillTx/>
+              <a:latin typeface="Calibri" panose="020F0502020204030204" pitchFamily="34" charset="0"/>
+              <a:ea typeface="微软雅黑" panose="020B0503020204020204" pitchFamily="34" charset="-122"/>
+            </a:endParaRPr>
+          </a:p>
+        </p:txBody>
+      </p:sp>
+    </p:spTree>
+    <p:extLst>
+      <p:ext uri="{BB962C8B-B14F-4D97-AF65-F5344CB8AC3E}">
+        <p14:creationId xmlns:p14="http://schemas.microsoft.com/office/powerpoint/2010/main" val="1985175509"/>
+      </p:ext>
+    </p:extLst>
+  </p:cSld>
+  <p:clrMapOvr>
+    <a:masterClrMapping/>
+  </p:clrMapOvr>
+</p:notes>
+</file>
+
+<file path=ppt/notesSlides/notesSlide8.xml><?xml version="1.0" encoding="utf-8"?>
+<p:notes xmlns:a="http://schemas.openxmlformats.org/drawingml/2006/main" xmlns:r="http://schemas.openxmlformats.org/officeDocument/2006/relationships" xmlns:p="http://schemas.openxmlformats.org/presentationml/2006/main">
+  <p:cSld>
+    <p:spTree>
+      <p:nvGrpSpPr>
+        <p:cNvPr id="1" name=""/>
+        <p:cNvGrpSpPr/>
+        <p:nvPr/>
+      </p:nvGrpSpPr>
+      <p:grpSpPr>
+        <a:xfrm>
+          <a:off x="0" y="0"/>
+          <a:ext cx="0" cy="0"/>
+          <a:chOff x="0" y="0"/>
+          <a:chExt cx="0" cy="0"/>
+        </a:xfrm>
+      </p:grpSpPr>
+      <p:sp>
+        <p:nvSpPr>
+          <p:cNvPr id="2" name="幻灯片图像占位符 1"/>
+          <p:cNvSpPr>
+            <a:spLocks noGrp="1" noRot="1" noChangeAspect="1"/>
+          </p:cNvSpPr>
+          <p:nvPr>
+            <p:ph type="sldImg"/>
+          </p:nvPr>
+        </p:nvSpPr>
+        <p:spPr/>
+      </p:sp>
+      <p:sp>
+        <p:nvSpPr>
+          <p:cNvPr id="3" name="备注占位符 2"/>
+          <p:cNvSpPr>
+            <a:spLocks noGrp="1"/>
+          </p:cNvSpPr>
+          <p:nvPr>
+            <p:ph type="body" idx="1"/>
+          </p:nvPr>
+        </p:nvSpPr>
+        <p:spPr/>
+        <p:txBody>
+          <a:bodyPr/>
+          <a:lstStyle/>
+          <a:p>
+            <a:endParaRPr lang="zh-CN" altLang="en-US"/>
+          </a:p>
+        </p:txBody>
+      </p:sp>
+      <p:sp>
+        <p:nvSpPr>
+          <p:cNvPr id="4" name="灯片编号占位符 3"/>
+          <p:cNvSpPr>
+            <a:spLocks noGrp="1"/>
+          </p:cNvSpPr>
+          <p:nvPr>
+            <p:ph type="sldNum" sz="quarter" idx="10"/>
+          </p:nvPr>
+        </p:nvSpPr>
+        <p:spPr/>
+        <p:txBody>
+          <a:bodyPr/>
+          <a:lstStyle/>
+          <a:p>
+            <a:pPr marL="0" marR="0" lvl="0" indent="0" algn="r" defTabSz="914400" eaLnBrk="0" fontAlgn="base" latinLnBrk="0" hangingPunct="0">
+              <a:lnSpc>
+                <a:spcPct val="100000"/>
+              </a:lnSpc>
+              <a:spcBef>
+                <a:spcPct val="0"/>
+              </a:spcBef>
+              <a:spcAft>
+                <a:spcPct val="0"/>
+              </a:spcAft>
+              <a:buClrTx/>
+              <a:buSzTx/>
+              <a:buFontTx/>
+              <a:buNone/>
+              <a:defRPr/>
+            </a:pPr>
+            <a:fld id="{39AD698A-D66C-4FA1-BBD8-F72AE9E6E751}" type="slidenum">
+              <a:rPr kumimoji="0" lang="zh-CN" altLang="en-US" sz="1200" b="0" i="0" u="none" strike="noStrike" kern="1200" cap="none" spc="0" normalizeH="0" baseline="0" noProof="0" smtClean="0">
+                <a:ln>
+                  <a:noFill/>
+                </a:ln>
+                <a:solidFill>
+                  <a:prstClr val="black"/>
+                </a:solidFill>
+                <a:effectLst/>
+                <a:uLnTx/>
+                <a:uFillTx/>
+                <a:latin typeface="Calibri" panose="020F0502020204030204" pitchFamily="34" charset="0"/>
+                <a:ea typeface="微软雅黑" panose="020B0503020204020204" pitchFamily="34" charset="-122"/>
+              </a:rPr>
+              <a:t>8</a:t>
+            </a:fld>
+            <a:endParaRPr kumimoji="0" lang="zh-CN" altLang="en-US" sz="1200" b="0" i="0" u="none" strike="noStrike" kern="1200" cap="none" spc="0" normalizeH="0" baseline="0" noProof="0">
+              <a:ln>
+                <a:noFill/>
+              </a:ln>
+              <a:solidFill>
+                <a:prstClr val="black"/>
+              </a:solidFill>
+              <a:effectLst/>
+              <a:uLnTx/>
+              <a:uFillTx/>
+              <a:latin typeface="Calibri" panose="020F0502020204030204" pitchFamily="34" charset="0"/>
+              <a:ea typeface="微软雅黑" panose="020B0503020204020204" pitchFamily="34" charset="-122"/>
+            </a:endParaRPr>
+          </a:p>
+        </p:txBody>
+      </p:sp>
+    </p:spTree>
+    <p:extLst>
+      <p:ext uri="{BB962C8B-B14F-4D97-AF65-F5344CB8AC3E}">
+        <p14:creationId xmlns:p14="http://schemas.microsoft.com/office/powerpoint/2010/main" val="793410105"/>
+      </p:ext>
+    </p:extLst>
+  </p:cSld>
+  <p:clrMapOvr>
+    <a:masterClrMapping/>
+  </p:clrMapOvr>
+</p:notes>
+</file>
+
+<file path=ppt/notesSlides/notesSlide9.xml><?xml version="1.0" encoding="utf-8"?>
+<p:notes xmlns:a="http://schemas.openxmlformats.org/drawingml/2006/main" xmlns:r="http://schemas.openxmlformats.org/officeDocument/2006/relationships" xmlns:p="http://schemas.openxmlformats.org/presentationml/2006/main">
+  <p:cSld>
+    <p:spTree>
+      <p:nvGrpSpPr>
+        <p:cNvPr id="1" name=""/>
+        <p:cNvGrpSpPr/>
+        <p:nvPr/>
+      </p:nvGrpSpPr>
+      <p:grpSpPr>
+        <a:xfrm>
+          <a:off x="0" y="0"/>
+          <a:ext cx="0" cy="0"/>
+          <a:chOff x="0" y="0"/>
+          <a:chExt cx="0" cy="0"/>
+        </a:xfrm>
+      </p:grpSpPr>
+      <p:sp>
+        <p:nvSpPr>
+          <p:cNvPr id="2" name="幻灯片图像占位符 1"/>
+          <p:cNvSpPr>
+            <a:spLocks noGrp="1" noRot="1" noChangeAspect="1"/>
+          </p:cNvSpPr>
+          <p:nvPr>
+            <p:ph type="sldImg"/>
+          </p:nvPr>
+        </p:nvSpPr>
+        <p:spPr/>
+      </p:sp>
+      <p:sp>
+        <p:nvSpPr>
+          <p:cNvPr id="3" name="备注占位符 2"/>
+          <p:cNvSpPr>
+            <a:spLocks noGrp="1"/>
+          </p:cNvSpPr>
+          <p:nvPr>
+            <p:ph type="body" idx="1"/>
+          </p:nvPr>
+        </p:nvSpPr>
+        <p:spPr/>
+        <p:txBody>
+          <a:bodyPr/>
+          <a:lstStyle/>
+          <a:p>
+            <a:endParaRPr lang="zh-CN" altLang="en-US"/>
+          </a:p>
+        </p:txBody>
+      </p:sp>
+      <p:sp>
+        <p:nvSpPr>
+          <p:cNvPr id="4" name="灯片编号占位符 3"/>
+          <p:cNvSpPr>
+            <a:spLocks noGrp="1"/>
+          </p:cNvSpPr>
+          <p:nvPr>
+            <p:ph type="sldNum" sz="quarter" idx="10"/>
+          </p:nvPr>
+        </p:nvSpPr>
+        <p:spPr/>
+        <p:txBody>
+          <a:bodyPr/>
+          <a:lstStyle/>
+          <a:p>
+            <a:pPr marL="0" marR="0" lvl="0" indent="0" algn="r" defTabSz="914400" eaLnBrk="0" fontAlgn="base" latinLnBrk="0" hangingPunct="0">
+              <a:lnSpc>
+                <a:spcPct val="100000"/>
+              </a:lnSpc>
+              <a:spcBef>
+                <a:spcPct val="0"/>
+              </a:spcBef>
+              <a:spcAft>
+                <a:spcPct val="0"/>
+              </a:spcAft>
+              <a:buClrTx/>
+              <a:buSzTx/>
+              <a:buFontTx/>
+              <a:buNone/>
+              <a:defRPr/>
+            </a:pPr>
+            <a:fld id="{39AD698A-D66C-4FA1-BBD8-F72AE9E6E751}" type="slidenum">
+              <a:rPr kumimoji="0" lang="zh-CN" altLang="en-US" sz="1200" b="0" i="0" u="none" strike="noStrike" kern="1200" cap="none" spc="0" normalizeH="0" baseline="0" noProof="0" smtClean="0">
+                <a:ln>
+                  <a:noFill/>
+                </a:ln>
+                <a:solidFill>
+                  <a:prstClr val="black"/>
+                </a:solidFill>
+                <a:effectLst/>
+                <a:uLnTx/>
+                <a:uFillTx/>
+                <a:latin typeface="Calibri" panose="020F0502020204030204" pitchFamily="34" charset="0"/>
+                <a:ea typeface="微软雅黑" panose="020B0503020204020204" pitchFamily="34" charset="-122"/>
+              </a:rPr>
+              <a:t>9</a:t>
+            </a:fld>
+            <a:endParaRPr kumimoji="0" lang="zh-CN" altLang="en-US" sz="1200" b="0" i="0" u="none" strike="noStrike" kern="1200" cap="none" spc="0" normalizeH="0" baseline="0" noProof="0">
+              <a:ln>
+                <a:noFill/>
+              </a:ln>
+              <a:solidFill>
+                <a:prstClr val="black"/>
+              </a:solidFill>
+              <a:effectLst/>
+              <a:uLnTx/>
+              <a:uFillTx/>
+              <a:latin typeface="Calibri" panose="020F0502020204030204" pitchFamily="34" charset="0"/>
+              <a:ea typeface="微软雅黑" panose="020B0503020204020204" pitchFamily="34" charset="-122"/>
+            </a:endParaRPr>
+          </a:p>
+        </p:txBody>
+      </p:sp>
+    </p:spTree>
+    <p:extLst>
+      <p:ext uri="{BB962C8B-B14F-4D97-AF65-F5344CB8AC3E}">
+        <p14:creationId xmlns:p14="http://schemas.microsoft.com/office/powerpoint/2010/main" val="3245682758"/>
+      </p:ext>
+    </p:extLst>
   </p:cSld>
   <p:clrMapOvr>
     <a:masterClrMapping/>
@@ -1217,7 +1600,6 @@
               <a:rPr lang="zh-CN" altLang="en-US" dirty="0"/>
               <a:t>单击此处编辑标题</a:t>
             </a:r>
-            <a:endParaRPr lang="zh-CN" altLang="en-US" dirty="0"/>
           </a:p>
         </p:txBody>
       </p:sp>
@@ -1284,7 +1666,6 @@
               <a:rPr lang="zh-CN" altLang="en-US" dirty="0"/>
               <a:t>单击此处编辑母版副标题样式</a:t>
             </a:r>
-            <a:endParaRPr lang="zh-CN" altLang="en-US" dirty="0"/>
           </a:p>
         </p:txBody>
       </p:sp>
@@ -1305,6 +1686,7 @@
           <a:p>
             <a:fld id="{D997B5FA-0921-464F-AAE1-844C04324D75}" type="datetimeFigureOut">
               <a:rPr lang="zh-CN" altLang="en-US" smtClean="0"/>
+              <a:t>2018/12/23</a:t>
             </a:fld>
             <a:endParaRPr lang="zh-CN" altLang="en-US" dirty="0"/>
           </a:p>
@@ -1346,6 +1728,7 @@
           <a:p>
             <a:fld id="{565CE74E-AB26-4998-AD42-012C4C1AD076}" type="slidenum">
               <a:rPr lang="zh-CN" altLang="en-US" smtClean="0"/>
+              <a:t>‹#›</a:t>
             </a:fld>
             <a:endParaRPr lang="zh-CN" altLang="en-US"/>
           </a:p>
@@ -1393,6 +1776,7 @@
           <a:p>
             <a:fld id="{760FBDFE-C587-4B4C-A407-44438C67B59E}" type="datetimeFigureOut">
               <a:rPr lang="zh-CN" altLang="en-US" smtClean="0"/>
+              <a:t>2018/12/23</a:t>
             </a:fld>
             <a:endParaRPr lang="zh-CN" altLang="en-US"/>
           </a:p>
@@ -1434,6 +1818,7 @@
           <a:p>
             <a:fld id="{49AE70B2-8BF9-45C0-BB95-33D1B9D3A854}" type="slidenum">
               <a:rPr lang="zh-CN" altLang="en-US" smtClean="0"/>
+              <a:t>‹#›</a:t>
             </a:fld>
             <a:endParaRPr lang="zh-CN" altLang="en-US"/>
           </a:p>
@@ -1464,7 +1849,6 @@
               <a:rPr lang="zh-CN" altLang="en-US" dirty="0"/>
               <a:t>单击此处编辑母版文本样式</a:t>
             </a:r>
-            <a:endParaRPr lang="zh-CN" altLang="en-US" dirty="0"/>
           </a:p>
           <a:p>
             <a:pPr lvl="1"/>
@@ -1472,7 +1856,6 @@
               <a:rPr lang="zh-CN" altLang="en-US" dirty="0"/>
               <a:t>第二级</a:t>
             </a:r>
-            <a:endParaRPr lang="zh-CN" altLang="en-US" dirty="0"/>
           </a:p>
           <a:p>
             <a:pPr lvl="2"/>
@@ -1480,7 +1863,6 @@
               <a:rPr lang="zh-CN" altLang="en-US" dirty="0"/>
               <a:t>第三级</a:t>
             </a:r>
-            <a:endParaRPr lang="zh-CN" altLang="en-US" dirty="0"/>
           </a:p>
           <a:p>
             <a:pPr lvl="3"/>
@@ -1488,7 +1870,6 @@
               <a:rPr lang="zh-CN" altLang="en-US" dirty="0"/>
               <a:t>第四级</a:t>
             </a:r>
-            <a:endParaRPr lang="zh-CN" altLang="en-US" dirty="0"/>
           </a:p>
           <a:p>
             <a:pPr lvl="4"/>
@@ -1496,7 +1877,6 @@
               <a:rPr lang="zh-CN" altLang="en-US" dirty="0"/>
               <a:t>第五级</a:t>
             </a:r>
-            <a:endParaRPr lang="zh-CN" altLang="en-US" dirty="0"/>
           </a:p>
         </p:txBody>
       </p:sp>
@@ -1544,7 +1924,6 @@
               <a:rPr lang="zh-CN" altLang="en-US" dirty="0"/>
               <a:t>单击此处编辑母版标题样式</a:t>
             </a:r>
-            <a:endParaRPr lang="zh-CN" altLang="en-US" dirty="0"/>
           </a:p>
         </p:txBody>
       </p:sp>
@@ -1584,7 +1963,6 @@
               <a:rPr lang="zh-CN" altLang="en-US" dirty="0"/>
               <a:t>单击此处编辑母版文本样式</a:t>
             </a:r>
-            <a:endParaRPr lang="zh-CN" altLang="en-US" dirty="0"/>
           </a:p>
           <a:p>
             <a:pPr lvl="1"/>
@@ -1592,7 +1970,6 @@
               <a:rPr lang="zh-CN" altLang="en-US" dirty="0"/>
               <a:t>第二级</a:t>
             </a:r>
-            <a:endParaRPr lang="zh-CN" altLang="en-US" dirty="0"/>
           </a:p>
           <a:p>
             <a:pPr lvl="2"/>
@@ -1600,7 +1977,6 @@
               <a:rPr lang="zh-CN" altLang="en-US" dirty="0"/>
               <a:t>第三级</a:t>
             </a:r>
-            <a:endParaRPr lang="zh-CN" altLang="en-US" dirty="0"/>
           </a:p>
           <a:p>
             <a:pPr lvl="3"/>
@@ -1608,7 +1984,6 @@
               <a:rPr lang="zh-CN" altLang="en-US" dirty="0"/>
               <a:t>第四级</a:t>
             </a:r>
-            <a:endParaRPr lang="zh-CN" altLang="en-US" dirty="0"/>
           </a:p>
           <a:p>
             <a:pPr lvl="4"/>
@@ -1616,7 +1991,6 @@
               <a:rPr lang="zh-CN" altLang="en-US" dirty="0"/>
               <a:t>第五级</a:t>
             </a:r>
-            <a:endParaRPr lang="zh-CN" altLang="en-US" dirty="0"/>
           </a:p>
         </p:txBody>
       </p:sp>
@@ -1637,6 +2011,7 @@
           <a:p>
             <a:fld id="{760FBDFE-C587-4B4C-A407-44438C67B59E}" type="datetimeFigureOut">
               <a:rPr lang="zh-CN" altLang="en-US" smtClean="0"/>
+              <a:t>2018/12/23</a:t>
             </a:fld>
             <a:endParaRPr lang="zh-CN" altLang="en-US" dirty="0"/>
           </a:p>
@@ -1678,6 +2053,7 @@
           <a:p>
             <a:fld id="{49AE70B2-8BF9-45C0-BB95-33D1B9D3A854}" type="slidenum">
               <a:rPr lang="zh-CN" altLang="en-US" smtClean="0"/>
+              <a:t>‹#›</a:t>
             </a:fld>
             <a:endParaRPr lang="zh-CN" altLang="en-US"/>
           </a:p>
@@ -1856,7 +2232,6 @@
               <a:rPr lang="zh-CN" altLang="en-US" smtClean="0"/>
               <a:t>单击此处编辑母版文本样式</a:t>
             </a:r>
-            <a:endParaRPr lang="zh-CN" altLang="en-US" smtClean="0"/>
           </a:p>
         </p:txBody>
       </p:sp>
@@ -1877,6 +2252,7 @@
           <a:p>
             <a:fld id="{5CAADBD5-FF6F-4F1F-AF78-B518D2CD176F}" type="datetimeFigureOut">
               <a:rPr lang="zh-CN" altLang="en-US" smtClean="0"/>
+              <a:t>2018/12/23</a:t>
             </a:fld>
             <a:endParaRPr lang="zh-CN" altLang="en-US"/>
           </a:p>
@@ -1918,6 +2294,7 @@
           <a:p>
             <a:fld id="{E21C2A10-E97F-46DF-9873-696D05EB38D6}" type="slidenum">
               <a:rPr lang="zh-CN" altLang="en-US" smtClean="0"/>
+              <a:t>‹#›</a:t>
             </a:fld>
             <a:endParaRPr lang="zh-CN" altLang="en-US"/>
           </a:p>
@@ -1967,7 +2344,6 @@
               <a:rPr lang="zh-CN" altLang="en-US"/>
               <a:t>单击此处编辑母版标题样式</a:t>
             </a:r>
-            <a:endParaRPr lang="zh-CN" altLang="en-US"/>
           </a:p>
         </p:txBody>
       </p:sp>
@@ -1996,7 +2372,6 @@
               <a:rPr lang="zh-CN" altLang="en-US" dirty="0"/>
               <a:t>单击此处编辑母版文本样式</a:t>
             </a:r>
-            <a:endParaRPr lang="zh-CN" altLang="en-US" dirty="0"/>
           </a:p>
           <a:p>
             <a:pPr lvl="1"/>
@@ -2004,7 +2379,6 @@
               <a:rPr lang="zh-CN" altLang="en-US" dirty="0"/>
               <a:t>第二级</a:t>
             </a:r>
-            <a:endParaRPr lang="zh-CN" altLang="en-US" dirty="0"/>
           </a:p>
           <a:p>
             <a:pPr lvl="2"/>
@@ -2012,7 +2386,6 @@
               <a:rPr lang="zh-CN" altLang="en-US" dirty="0"/>
               <a:t>第三级</a:t>
             </a:r>
-            <a:endParaRPr lang="zh-CN" altLang="en-US" dirty="0"/>
           </a:p>
           <a:p>
             <a:pPr lvl="3"/>
@@ -2020,7 +2393,6 @@
               <a:rPr lang="zh-CN" altLang="en-US" dirty="0"/>
               <a:t>第四级</a:t>
             </a:r>
-            <a:endParaRPr lang="zh-CN" altLang="en-US" dirty="0"/>
           </a:p>
           <a:p>
             <a:pPr lvl="4"/>
@@ -2028,7 +2400,6 @@
               <a:rPr lang="zh-CN" altLang="en-US" dirty="0"/>
               <a:t>第五级</a:t>
             </a:r>
-            <a:endParaRPr lang="zh-CN" altLang="en-US" dirty="0"/>
           </a:p>
         </p:txBody>
       </p:sp>
@@ -2057,7 +2428,6 @@
               <a:rPr lang="zh-CN" altLang="en-US" dirty="0"/>
               <a:t>单击此处编辑母版文本样式</a:t>
             </a:r>
-            <a:endParaRPr lang="zh-CN" altLang="en-US" dirty="0"/>
           </a:p>
           <a:p>
             <a:pPr lvl="1"/>
@@ -2065,7 +2435,6 @@
               <a:rPr lang="zh-CN" altLang="en-US" dirty="0"/>
               <a:t>第二级</a:t>
             </a:r>
-            <a:endParaRPr lang="zh-CN" altLang="en-US" dirty="0"/>
           </a:p>
           <a:p>
             <a:pPr lvl="2"/>
@@ -2073,7 +2442,6 @@
               <a:rPr lang="zh-CN" altLang="en-US" dirty="0"/>
               <a:t>第三级</a:t>
             </a:r>
-            <a:endParaRPr lang="zh-CN" altLang="en-US" dirty="0"/>
           </a:p>
           <a:p>
             <a:pPr lvl="3"/>
@@ -2081,7 +2449,6 @@
               <a:rPr lang="zh-CN" altLang="en-US" dirty="0"/>
               <a:t>第四级</a:t>
             </a:r>
-            <a:endParaRPr lang="zh-CN" altLang="en-US" dirty="0"/>
           </a:p>
           <a:p>
             <a:pPr lvl="4"/>
@@ -2089,7 +2456,6 @@
               <a:rPr lang="zh-CN" altLang="en-US" dirty="0"/>
               <a:t>第五级</a:t>
             </a:r>
-            <a:endParaRPr lang="zh-CN" altLang="en-US" dirty="0"/>
           </a:p>
         </p:txBody>
       </p:sp>
@@ -2110,6 +2476,7 @@
           <a:p>
             <a:fld id="{760FBDFE-C587-4B4C-A407-44438C67B59E}" type="datetimeFigureOut">
               <a:rPr lang="zh-CN" altLang="en-US" smtClean="0"/>
+              <a:t>2018/12/23</a:t>
             </a:fld>
             <a:endParaRPr lang="zh-CN" altLang="en-US"/>
           </a:p>
@@ -2151,6 +2518,7 @@
           <a:p>
             <a:fld id="{49AE70B2-8BF9-45C0-BB95-33D1B9D3A854}" type="slidenum">
               <a:rPr lang="zh-CN" altLang="en-US" smtClean="0"/>
+              <a:t>‹#›</a:t>
             </a:fld>
             <a:endParaRPr lang="zh-CN" altLang="en-US"/>
           </a:p>
@@ -2205,7 +2573,6 @@
               <a:rPr lang="zh-CN" altLang="en-US"/>
               <a:t>单击此处编辑母版标题样式</a:t>
             </a:r>
-            <a:endParaRPr lang="zh-CN" altLang="en-US"/>
           </a:p>
         </p:txBody>
       </p:sp>
@@ -2271,7 +2638,6 @@
               <a:rPr lang="zh-CN" altLang="en-US" dirty="0"/>
               <a:t>单击此处编辑母版文本样式</a:t>
             </a:r>
-            <a:endParaRPr lang="zh-CN" altLang="en-US" dirty="0"/>
           </a:p>
         </p:txBody>
       </p:sp>
@@ -2300,7 +2666,6 @@
               <a:rPr lang="zh-CN" altLang="en-US" dirty="0"/>
               <a:t>单击此处编辑母版文本样式</a:t>
             </a:r>
-            <a:endParaRPr lang="zh-CN" altLang="en-US" dirty="0"/>
           </a:p>
           <a:p>
             <a:pPr lvl="1"/>
@@ -2308,7 +2673,6 @@
               <a:rPr lang="zh-CN" altLang="en-US" dirty="0"/>
               <a:t>第二级</a:t>
             </a:r>
-            <a:endParaRPr lang="zh-CN" altLang="en-US" dirty="0"/>
           </a:p>
           <a:p>
             <a:pPr lvl="2"/>
@@ -2316,7 +2680,6 @@
               <a:rPr lang="zh-CN" altLang="en-US" dirty="0"/>
               <a:t>第三级</a:t>
             </a:r>
-            <a:endParaRPr lang="zh-CN" altLang="en-US" dirty="0"/>
           </a:p>
           <a:p>
             <a:pPr lvl="3"/>
@@ -2324,7 +2687,6 @@
               <a:rPr lang="zh-CN" altLang="en-US" dirty="0"/>
               <a:t>第四级</a:t>
             </a:r>
-            <a:endParaRPr lang="zh-CN" altLang="en-US" dirty="0"/>
           </a:p>
           <a:p>
             <a:pPr lvl="4"/>
@@ -2332,7 +2694,6 @@
               <a:rPr lang="zh-CN" altLang="en-US" dirty="0"/>
               <a:t>第五级</a:t>
             </a:r>
-            <a:endParaRPr lang="zh-CN" altLang="en-US" dirty="0"/>
           </a:p>
         </p:txBody>
       </p:sp>
@@ -2398,7 +2759,6 @@
               <a:rPr lang="zh-CN" altLang="en-US" dirty="0"/>
               <a:t>单击此处编辑母版文本样式</a:t>
             </a:r>
-            <a:endParaRPr lang="zh-CN" altLang="en-US" dirty="0"/>
           </a:p>
         </p:txBody>
       </p:sp>
@@ -2427,7 +2787,6 @@
               <a:rPr lang="zh-CN" altLang="en-US" dirty="0"/>
               <a:t>单击此处编辑母版文本样式</a:t>
             </a:r>
-            <a:endParaRPr lang="zh-CN" altLang="en-US" dirty="0"/>
           </a:p>
           <a:p>
             <a:pPr lvl="1"/>
@@ -2435,7 +2794,6 @@
               <a:rPr lang="zh-CN" altLang="en-US" dirty="0"/>
               <a:t>第二级</a:t>
             </a:r>
-            <a:endParaRPr lang="zh-CN" altLang="en-US" dirty="0"/>
           </a:p>
           <a:p>
             <a:pPr lvl="2"/>
@@ -2443,7 +2801,6 @@
               <a:rPr lang="zh-CN" altLang="en-US" dirty="0"/>
               <a:t>第三级</a:t>
             </a:r>
-            <a:endParaRPr lang="zh-CN" altLang="en-US" dirty="0"/>
           </a:p>
           <a:p>
             <a:pPr lvl="3"/>
@@ -2451,7 +2808,6 @@
               <a:rPr lang="zh-CN" altLang="en-US" dirty="0"/>
               <a:t>第四级</a:t>
             </a:r>
-            <a:endParaRPr lang="zh-CN" altLang="en-US" dirty="0"/>
           </a:p>
           <a:p>
             <a:pPr lvl="4"/>
@@ -2459,7 +2815,6 @@
               <a:rPr lang="zh-CN" altLang="en-US" dirty="0"/>
               <a:t>第五级</a:t>
             </a:r>
-            <a:endParaRPr lang="zh-CN" altLang="en-US" dirty="0"/>
           </a:p>
         </p:txBody>
       </p:sp>
@@ -2480,6 +2835,7 @@
           <a:p>
             <a:fld id="{760FBDFE-C587-4B4C-A407-44438C67B59E}" type="datetimeFigureOut">
               <a:rPr lang="zh-CN" altLang="en-US" smtClean="0"/>
+              <a:t>2018/12/23</a:t>
             </a:fld>
             <a:endParaRPr lang="zh-CN" altLang="en-US"/>
           </a:p>
@@ -2521,6 +2877,7 @@
           <a:p>
             <a:fld id="{49AE70B2-8BF9-45C0-BB95-33D1B9D3A854}" type="slidenum">
               <a:rPr lang="zh-CN" altLang="en-US" smtClean="0"/>
+              <a:t>‹#›</a:t>
             </a:fld>
             <a:endParaRPr lang="zh-CN" altLang="en-US"/>
           </a:p>
@@ -2591,6 +2948,7 @@
           <a:p>
             <a:fld id="{5CAADBD5-FF6F-4F1F-AF78-B518D2CD176F}" type="datetimeFigureOut">
               <a:rPr lang="zh-CN" altLang="en-US" smtClean="0"/>
+              <a:t>2018/12/23</a:t>
             </a:fld>
             <a:endParaRPr lang="zh-CN" altLang="en-US"/>
           </a:p>
@@ -2632,6 +2990,7 @@
           <a:p>
             <a:fld id="{E21C2A10-E97F-46DF-9873-696D05EB38D6}" type="slidenum">
               <a:rPr lang="zh-CN" altLang="en-US" smtClean="0"/>
+              <a:t>‹#›</a:t>
             </a:fld>
             <a:endParaRPr lang="zh-CN" altLang="en-US"/>
           </a:p>
@@ -2679,6 +3038,7 @@
           <a:p>
             <a:fld id="{760FBDFE-C587-4B4C-A407-44438C67B59E}" type="datetimeFigureOut">
               <a:rPr lang="zh-CN" altLang="en-US" smtClean="0"/>
+              <a:t>2018/12/23</a:t>
             </a:fld>
             <a:endParaRPr lang="zh-CN" altLang="en-US"/>
           </a:p>
@@ -2720,6 +3080,7 @@
           <a:p>
             <a:fld id="{49AE70B2-8BF9-45C0-BB95-33D1B9D3A854}" type="slidenum">
               <a:rPr lang="zh-CN" altLang="en-US" smtClean="0"/>
+              <a:t>‹#›</a:t>
             </a:fld>
             <a:endParaRPr lang="zh-CN" altLang="en-US"/>
           </a:p>
@@ -2780,7 +3141,6 @@
               <a:rPr lang="zh-CN" altLang="en-US" dirty="0"/>
               <a:t>单击此处编辑标题</a:t>
             </a:r>
-            <a:endParaRPr lang="zh-CN" altLang="en-US" dirty="0"/>
           </a:p>
         </p:txBody>
       </p:sp>
@@ -2909,7 +3269,6 @@
               <a:rPr lang="zh-CN" altLang="en-US" dirty="0"/>
               <a:t>单击此处编辑母版文本样式</a:t>
             </a:r>
-            <a:endParaRPr lang="zh-CN" altLang="en-US" dirty="0"/>
           </a:p>
         </p:txBody>
       </p:sp>
@@ -2930,6 +3289,7 @@
           <a:p>
             <a:fld id="{9EFD9D74-47D9-4702-A33C-335B63B48DBF}" type="datetimeFigureOut">
               <a:rPr lang="zh-CN" altLang="en-US" smtClean="0"/>
+              <a:t>2018/12/23</a:t>
             </a:fld>
             <a:endParaRPr lang="zh-CN" altLang="en-US" dirty="0"/>
           </a:p>
@@ -2971,6 +3331,7 @@
           <a:p>
             <a:fld id="{FABC47A4-756D-490B-A52F-7D9E2C9FC05F}" type="slidenum">
               <a:rPr lang="zh-CN" altLang="en-US" smtClean="0"/>
+              <a:t>‹#›</a:t>
             </a:fld>
             <a:endParaRPr lang="zh-CN" altLang="en-US"/>
           </a:p>
@@ -3031,7 +3392,6 @@
               <a:rPr lang="zh-CN" altLang="en-US" dirty="0"/>
               <a:t>单击此处编辑标题</a:t>
             </a:r>
-            <a:endParaRPr lang="zh-CN" altLang="en-US" dirty="0"/>
           </a:p>
         </p:txBody>
       </p:sp>
@@ -3060,7 +3420,6 @@
               <a:rPr lang="zh-CN" altLang="en-US" dirty="0"/>
               <a:t>单击此处编辑母版文本样式</a:t>
             </a:r>
-            <a:endParaRPr lang="zh-CN" altLang="en-US" dirty="0"/>
           </a:p>
           <a:p>
             <a:pPr lvl="1"/>
@@ -3068,7 +3427,6 @@
               <a:rPr lang="zh-CN" altLang="en-US" dirty="0"/>
               <a:t>第二级</a:t>
             </a:r>
-            <a:endParaRPr lang="zh-CN" altLang="en-US" dirty="0"/>
           </a:p>
           <a:p>
             <a:pPr lvl="2"/>
@@ -3076,7 +3434,6 @@
               <a:rPr lang="zh-CN" altLang="en-US" dirty="0"/>
               <a:t>第三级</a:t>
             </a:r>
-            <a:endParaRPr lang="zh-CN" altLang="en-US" dirty="0"/>
           </a:p>
           <a:p>
             <a:pPr lvl="3"/>
@@ -3084,7 +3441,6 @@
               <a:rPr lang="zh-CN" altLang="en-US" dirty="0"/>
               <a:t>第四级</a:t>
             </a:r>
-            <a:endParaRPr lang="zh-CN" altLang="en-US" dirty="0"/>
           </a:p>
           <a:p>
             <a:pPr lvl="4"/>
@@ -3092,7 +3448,6 @@
               <a:rPr lang="zh-CN" altLang="en-US" dirty="0"/>
               <a:t>第五级</a:t>
             </a:r>
-            <a:endParaRPr lang="zh-CN" altLang="en-US" dirty="0"/>
           </a:p>
         </p:txBody>
       </p:sp>
@@ -3113,6 +3468,7 @@
           <a:p>
             <a:fld id="{760FBDFE-C587-4B4C-A407-44438C67B59E}" type="datetimeFigureOut">
               <a:rPr lang="zh-CN" altLang="en-US" smtClean="0"/>
+              <a:t>2018/12/23</a:t>
             </a:fld>
             <a:endParaRPr lang="zh-CN" altLang="en-US"/>
           </a:p>
@@ -3154,6 +3510,7 @@
           <a:p>
             <a:fld id="{49AE70B2-8BF9-45C0-BB95-33D1B9D3A854}" type="slidenum">
               <a:rPr lang="zh-CN" altLang="en-US" smtClean="0"/>
+              <a:t>‹#›</a:t>
             </a:fld>
             <a:endParaRPr lang="zh-CN" altLang="en-US"/>
           </a:p>
@@ -3198,7 +3555,7 @@
           <p:nvPr>
             <p:ph type="title"/>
             <p:custDataLst>
-              <p:tags r:id="rId11"/>
+              <p:tags r:id="rId12"/>
             </p:custDataLst>
           </p:nvPr>
         </p:nvSpPr>
@@ -3221,7 +3578,6 @@
               <a:rPr lang="zh-CN" altLang="en-US" dirty="0"/>
               <a:t>单击此处编辑母版标题样式</a:t>
             </a:r>
-            <a:endParaRPr lang="zh-CN" altLang="en-US" dirty="0"/>
           </a:p>
         </p:txBody>
       </p:sp>
@@ -3234,7 +3590,7 @@
           <p:nvPr>
             <p:ph type="body" idx="1"/>
             <p:custDataLst>
-              <p:tags r:id="rId12"/>
+              <p:tags r:id="rId13"/>
             </p:custDataLst>
           </p:nvPr>
         </p:nvSpPr>
@@ -3258,7 +3614,6 @@
               <a:rPr lang="zh-CN" altLang="en-US" dirty="0"/>
               <a:t>单击此处编辑母版文本样式</a:t>
             </a:r>
-            <a:endParaRPr lang="zh-CN" altLang="en-US" dirty="0"/>
           </a:p>
           <a:p>
             <a:pPr lvl="1"/>
@@ -3266,7 +3621,6 @@
               <a:rPr lang="zh-CN" altLang="en-US" dirty="0"/>
               <a:t>第二级</a:t>
             </a:r>
-            <a:endParaRPr lang="zh-CN" altLang="en-US" dirty="0"/>
           </a:p>
           <a:p>
             <a:pPr lvl="2"/>
@@ -3274,7 +3628,6 @@
               <a:rPr lang="zh-CN" altLang="en-US" dirty="0"/>
               <a:t>第三级</a:t>
             </a:r>
-            <a:endParaRPr lang="zh-CN" altLang="en-US" dirty="0"/>
           </a:p>
           <a:p>
             <a:pPr lvl="3"/>
@@ -3282,7 +3635,6 @@
               <a:rPr lang="zh-CN" altLang="en-US" dirty="0"/>
               <a:t>第四级</a:t>
             </a:r>
-            <a:endParaRPr lang="zh-CN" altLang="en-US" dirty="0"/>
           </a:p>
           <a:p>
             <a:pPr lvl="4"/>
@@ -3290,7 +3642,6 @@
               <a:rPr lang="zh-CN" altLang="en-US" dirty="0"/>
               <a:t>第五级</a:t>
             </a:r>
-            <a:endParaRPr lang="zh-CN" altLang="en-US" dirty="0"/>
           </a:p>
         </p:txBody>
       </p:sp>
@@ -3333,6 +3684,7 @@
           <a:p>
             <a:fld id="{D997B5FA-0921-464F-AAE1-844C04324D75}" type="datetimeFigureOut">
               <a:rPr lang="zh-CN" altLang="en-US" smtClean="0"/>
+              <a:t>2018/12/23</a:t>
             </a:fld>
             <a:endParaRPr lang="zh-CN" altLang="en-US" dirty="0"/>
           </a:p>
@@ -3418,6 +3770,7 @@
           <a:p>
             <a:fld id="{565CE74E-AB26-4998-AD42-012C4C1AD076}" type="slidenum">
               <a:rPr lang="zh-CN" altLang="en-US" smtClean="0"/>
+              <a:t>‹#›</a:t>
             </a:fld>
             <a:endParaRPr lang="zh-CN" altLang="en-US"/>
           </a:p>
@@ -3429,7 +3782,7 @@
           <p:cNvSpPr/>
           <p:nvPr userDrawn="1">
             <p:custDataLst>
-              <p:tags r:id="rId13"/>
+              <p:tags r:id="rId14"/>
             </p:custDataLst>
           </p:nvPr>
         </p:nvSpPr>
@@ -3791,7 +4144,7 @@
           <p:nvPr/>
         </p:nvPicPr>
         <p:blipFill>
-          <a:blip r:embed="rId1"/>
+          <a:blip r:embed="rId4"/>
           <a:stretch>
             <a:fillRect/>
           </a:stretch>
@@ -3826,6 +4179,7 @@
           <a:bodyPr wrap="none" rtlCol="0">
             <a:spAutoFit/>
           </a:bodyPr>
+          <a:lstStyle/>
           <a:p>
             <a:pPr algn="l"/>
             <a:r>
@@ -3847,7 +4201,7 @@
       </p:sp>
     </p:spTree>
     <p:custDataLst>
-      <p:tags r:id="rId2"/>
+      <p:tags r:id="rId1"/>
     </p:custDataLst>
   </p:cSld>
   <p:clrMapOvr>
@@ -3882,7 +4236,7 @@
           <p:nvPr/>
         </p:nvPicPr>
         <p:blipFill>
-          <a:blip r:embed="rId1"/>
+          <a:blip r:embed="rId4"/>
           <a:srcRect r="43805"/>
           <a:stretch>
             <a:fillRect/>
@@ -3937,6 +4291,7 @@
         </p:style>
         <p:txBody>
           <a:bodyPr rtlCol="0" anchor="ctr"/>
+          <a:lstStyle/>
           <a:p>
             <a:pPr algn="ctr"/>
             <a:endParaRPr lang="zh-CN" altLang="en-US"/>
@@ -3982,6 +4337,7 @@
         </p:style>
         <p:txBody>
           <a:bodyPr rtlCol="0" anchor="ctr"/>
+          <a:lstStyle/>
           <a:p>
             <a:pPr algn="ctr"/>
             <a:r>
@@ -3992,11 +4348,6 @@
               </a:rPr>
               <a:t>中国象棋</a:t>
             </a:r>
-            <a:endParaRPr lang="zh-CN" altLang="en-US" sz="4000">
-              <a:solidFill>
-                <a:schemeClr val="tx1"/>
-              </a:solidFill>
-            </a:endParaRPr>
           </a:p>
         </p:txBody>
       </p:sp>
@@ -4009,7 +4360,7 @@
           <p:nvPr/>
         </p:nvPicPr>
         <p:blipFill>
-          <a:blip r:embed="rId1"/>
+          <a:blip r:embed="rId4"/>
           <a:srcRect r="43805"/>
           <a:stretch>
             <a:fillRect/>
@@ -4064,21 +4415,17 @@
         </p:style>
         <p:txBody>
           <a:bodyPr rtlCol="0" anchor="ctr"/>
+          <a:lstStyle/>
           <a:p>
             <a:pPr algn="ctr"/>
             <a:r>
-              <a:rPr lang="zh-CN" altLang="en-US" sz="3200">
+              <a:rPr lang="zh-CN" altLang="en-US" sz="3200" dirty="0">
                 <a:solidFill>
                   <a:schemeClr val="tx1"/>
                 </a:solidFill>
               </a:rPr>
               <a:t>算法概述：</a:t>
             </a:r>
-            <a:endParaRPr lang="zh-CN" altLang="en-US" sz="3200">
-              <a:solidFill>
-                <a:schemeClr val="tx1"/>
-              </a:solidFill>
-            </a:endParaRPr>
           </a:p>
         </p:txBody>
       </p:sp>
@@ -4121,6 +4468,7 @@
         </p:style>
         <p:txBody>
           <a:bodyPr rtlCol="0" anchor="ctr"/>
+          <a:lstStyle/>
           <a:p>
             <a:pPr algn="ctr"/>
             <a:r>
@@ -4131,11 +4479,6 @@
               </a:rPr>
               <a:t>定义极大层的下界为alpha，极小层的上界为beta，alpha-beta剪枝规则描述如下： </a:t>
             </a:r>
-            <a:endParaRPr sz="2000">
-              <a:solidFill>
-                <a:schemeClr val="tx1"/>
-              </a:solidFill>
-            </a:endParaRPr>
           </a:p>
           <a:p>
             <a:pPr algn="ctr"/>
@@ -4155,11 +4498,6 @@
               </a:rPr>
               <a:t>（1）alpha剪枝。若任一极小值层结点的beta值不大于它任一前驱极大值层结点的alpha值，即alpha(前驱层) &gt;= beta(后继层)，则可终止该极小值层中这个MIN结点以下的搜索过程</a:t>
             </a:r>
-            <a:endParaRPr sz="2000">
-              <a:solidFill>
-                <a:schemeClr val="tx1"/>
-              </a:solidFill>
-            </a:endParaRPr>
           </a:p>
           <a:p>
             <a:pPr algn="ctr"/>
@@ -4179,17 +4517,12 @@
               </a:rPr>
               <a:t>（2）beta剪枝。若任一极大值层结点的alpha值不小于它任一前驱极小值层结点的beta值，即alpha(后继层) &gt;= beta(前驱层)，则可以终止该极大值层中这个MAX结点以下的搜索过程</a:t>
             </a:r>
-            <a:endParaRPr sz="2000">
-              <a:solidFill>
-                <a:schemeClr val="tx1"/>
-              </a:solidFill>
-            </a:endParaRPr>
           </a:p>
         </p:txBody>
       </p:sp>
     </p:spTree>
     <p:custDataLst>
-      <p:tags r:id="rId2"/>
+      <p:tags r:id="rId1"/>
     </p:custDataLst>
   </p:cSld>
   <p:clrMapOvr>
@@ -4224,7 +4557,7 @@
           <p:nvPr/>
         </p:nvPicPr>
         <p:blipFill>
-          <a:blip r:embed="rId1"/>
+          <a:blip r:embed="rId4"/>
           <a:srcRect r="43805"/>
           <a:stretch>
             <a:fillRect/>
@@ -4279,6 +4612,7 @@
         </p:style>
         <p:txBody>
           <a:bodyPr rtlCol="0" anchor="ctr"/>
+          <a:lstStyle/>
           <a:p>
             <a:pPr algn="ctr"/>
             <a:endParaRPr lang="zh-CN" altLang="en-US"/>
@@ -4294,7 +4628,7 @@
           <p:nvPr/>
         </p:nvPicPr>
         <p:blipFill>
-          <a:blip r:embed="rId1"/>
+          <a:blip r:embed="rId4"/>
           <a:srcRect r="43805"/>
           <a:stretch>
             <a:fillRect/>
@@ -4319,7 +4653,7 @@
           <p:nvPr/>
         </p:nvPicPr>
         <p:blipFill>
-          <a:blip r:embed="rId2"/>
+          <a:blip r:embed="rId5"/>
           <a:stretch>
             <a:fillRect/>
           </a:stretch>
@@ -4336,7 +4670,7 @@
       </p:pic>
     </p:spTree>
     <p:custDataLst>
-      <p:tags r:id="rId3"/>
+      <p:tags r:id="rId1"/>
     </p:custDataLst>
   </p:cSld>
   <p:clrMapOvr>
@@ -4371,7 +4705,7 @@
           <p:nvPr/>
         </p:nvPicPr>
         <p:blipFill>
-          <a:blip r:embed="rId1"/>
+          <a:blip r:embed="rId4"/>
           <a:srcRect r="43805"/>
           <a:stretch>
             <a:fillRect/>
@@ -4426,6 +4760,7 @@
         </p:style>
         <p:txBody>
           <a:bodyPr rtlCol="0" anchor="ctr"/>
+          <a:lstStyle/>
           <a:p>
             <a:pPr algn="ctr"/>
             <a:endParaRPr lang="zh-CN" altLang="en-US"/>
@@ -4441,7 +4776,7 @@
           <p:nvPr/>
         </p:nvPicPr>
         <p:blipFill>
-          <a:blip r:embed="rId1"/>
+          <a:blip r:embed="rId4"/>
           <a:srcRect r="43805"/>
           <a:stretch>
             <a:fillRect/>
@@ -4496,6 +4831,7 @@
         </p:style>
         <p:txBody>
           <a:bodyPr rtlCol="0" anchor="ctr"/>
+          <a:lstStyle/>
           <a:p>
             <a:pPr algn="ctr"/>
             <a:r>
@@ -4506,11 +4842,6 @@
               </a:rPr>
               <a:t>算法实现：</a:t>
             </a:r>
-            <a:endParaRPr lang="zh-CN" altLang="en-US" sz="3200">
-              <a:solidFill>
-                <a:schemeClr val="tx1"/>
-              </a:solidFill>
-            </a:endParaRPr>
           </a:p>
         </p:txBody>
       </p:sp>
@@ -4523,7 +4854,7 @@
           <p:nvPr/>
         </p:nvPicPr>
         <p:blipFill>
-          <a:blip r:embed="rId2"/>
+          <a:blip r:embed="rId5"/>
           <a:stretch>
             <a:fillRect/>
           </a:stretch>
@@ -4547,7 +4878,7 @@
           <p:nvPr/>
         </p:nvPicPr>
         <p:blipFill>
-          <a:blip r:embed="rId3"/>
+          <a:blip r:embed="rId6"/>
           <a:stretch>
             <a:fillRect/>
           </a:stretch>
@@ -4564,7 +4895,7 @@
       </p:pic>
     </p:spTree>
     <p:custDataLst>
-      <p:tags r:id="rId4"/>
+      <p:tags r:id="rId1"/>
     </p:custDataLst>
   </p:cSld>
   <p:clrMapOvr>
@@ -4599,7 +4930,7 @@
           <p:nvPr/>
         </p:nvPicPr>
         <p:blipFill>
-          <a:blip r:embed="rId1"/>
+          <a:blip r:embed="rId4"/>
           <a:srcRect r="43805"/>
           <a:stretch>
             <a:fillRect/>
@@ -4635,21 +4966,17 @@
           <a:bodyPr wrap="square" rtlCol="0">
             <a:spAutoFit/>
           </a:bodyPr>
+          <a:lstStyle/>
           <a:p>
             <a:pPr algn="ctr"/>
             <a:r>
-              <a:rPr lang="zh-CN" altLang="en-US" sz="4000">
+              <a:rPr lang="zh-CN" altLang="en-US" sz="4000" dirty="0">
                 <a:solidFill>
                   <a:schemeClr val="tx1"/>
                 </a:solidFill>
               </a:rPr>
               <a:t>遗传算法</a:t>
             </a:r>
-            <a:endParaRPr lang="zh-CN" altLang="en-US" sz="4000">
-              <a:solidFill>
-                <a:schemeClr val="tx1"/>
-              </a:solidFill>
-            </a:endParaRPr>
           </a:p>
         </p:txBody>
       </p:sp>
@@ -4662,7 +4989,7 @@
           <p:nvPr/>
         </p:nvPicPr>
         <p:blipFill>
-          <a:blip r:embed="rId2"/>
+          <a:blip r:embed="rId5"/>
           <a:stretch>
             <a:fillRect/>
           </a:stretch>
@@ -4751,6 +5078,7 @@
         </p:style>
         <p:txBody>
           <a:bodyPr rtlCol="0" anchor="ctr"/>
+          <a:lstStyle/>
           <a:p>
             <a:pPr algn="ctr"/>
             <a:r>
@@ -4761,11 +5089,6 @@
               </a:rPr>
               <a:t>选择操作采用轮盘法，其基本思想是：通过上面适应度的计算，将适应度求倒数累加，对更短路径进行选择的概率越大</a:t>
             </a:r>
-            <a:endParaRPr lang="zh-CN" altLang="en-US" sz="1600">
-              <a:solidFill>
-                <a:schemeClr val="tx1"/>
-              </a:solidFill>
-            </a:endParaRPr>
           </a:p>
         </p:txBody>
       </p:sp>
@@ -4808,6 +5131,7 @@
         </p:style>
         <p:txBody>
           <a:bodyPr rtlCol="0" anchor="ctr"/>
+          <a:lstStyle/>
           <a:p>
             <a:pPr algn="ctr"/>
             <a:r>
@@ -4818,11 +5142,6 @@
               </a:rPr>
               <a:t>种群个体适应度表现为当前路径的总长度</a:t>
             </a:r>
-            <a:endParaRPr lang="zh-CN" altLang="en-US" sz="1600">
-              <a:solidFill>
-                <a:schemeClr val="tx1"/>
-              </a:solidFill>
-            </a:endParaRPr>
           </a:p>
         </p:txBody>
       </p:sp>
@@ -4868,7 +5187,7 @@
           <p:nvPr/>
         </p:nvPicPr>
         <p:blipFill>
-          <a:blip r:embed="rId3"/>
+          <a:blip r:embed="rId6"/>
           <a:stretch>
             <a:fillRect/>
           </a:stretch>
@@ -4892,7 +5211,7 @@
           <p:nvPr/>
         </p:nvPicPr>
         <p:blipFill>
-          <a:blip r:embed="rId4"/>
+          <a:blip r:embed="rId7"/>
           <a:stretch>
             <a:fillRect/>
           </a:stretch>
@@ -4909,12 +5228,19 @@
       </p:pic>
     </p:spTree>
     <p:custDataLst>
-      <p:tags r:id="rId5"/>
+      <p:tags r:id="rId1"/>
     </p:custDataLst>
   </p:cSld>
   <p:clrMapOvr>
     <a:masterClrMapping/>
   </p:clrMapOvr>
+  <p:timing>
+    <p:tnLst>
+      <p:par>
+        <p:cTn id="1" dur="indefinite" restart="never" nodeType="tmRoot"/>
+      </p:par>
+    </p:tnLst>
+  </p:timing>
 </p:sld>
 </file>
 
@@ -4944,7 +5270,7 @@
           <p:nvPr/>
         </p:nvPicPr>
         <p:blipFill>
-          <a:blip r:embed="rId1"/>
+          <a:blip r:embed="rId4"/>
           <a:srcRect r="43805"/>
           <a:stretch>
             <a:fillRect/>
@@ -4999,6 +5325,7 @@
         </p:style>
         <p:txBody>
           <a:bodyPr rtlCol="0" anchor="ctr"/>
+          <a:lstStyle/>
           <a:p>
             <a:pPr algn="ctr"/>
             <a:r>
@@ -5026,7 +5353,7 @@
           <p:nvPr/>
         </p:nvPicPr>
         <p:blipFill>
-          <a:blip r:embed="rId2"/>
+          <a:blip r:embed="rId5"/>
           <a:stretch>
             <a:fillRect/>
           </a:stretch>
@@ -5080,6 +5407,7 @@
         </p:style>
         <p:txBody>
           <a:bodyPr rtlCol="0" anchor="ctr"/>
+          <a:lstStyle/>
           <a:p>
             <a:pPr algn="ctr"/>
             <a:r>
@@ -5090,11 +5418,6 @@
               </a:rPr>
               <a:t>变异操作：</a:t>
             </a:r>
-            <a:endParaRPr lang="zh-CN" sz="1600">
-              <a:solidFill>
-                <a:schemeClr val="tx1"/>
-              </a:solidFill>
-            </a:endParaRPr>
           </a:p>
         </p:txBody>
       </p:sp>
@@ -5137,6 +5460,7 @@
         </p:style>
         <p:txBody>
           <a:bodyPr rtlCol="0" anchor="ctr"/>
+          <a:lstStyle/>
           <a:p>
             <a:pPr algn="ctr"/>
             <a:r>
@@ -5155,11 +5479,6 @@
               </a:rPr>
               <a:t>范围倒置变异</a:t>
             </a:r>
-            <a:endParaRPr lang="zh-CN" altLang="en-US" sz="1600">
-              <a:solidFill>
-                <a:schemeClr val="tx1"/>
-              </a:solidFill>
-            </a:endParaRPr>
           </a:p>
         </p:txBody>
       </p:sp>
@@ -5202,6 +5521,7 @@
         </p:style>
         <p:txBody>
           <a:bodyPr rtlCol="0" anchor="ctr"/>
+          <a:lstStyle/>
           <a:p>
             <a:pPr algn="ctr"/>
             <a:r>
@@ -5220,11 +5540,6 @@
               </a:rPr>
               <a:t>基本位变异交换</a:t>
             </a:r>
-            <a:endParaRPr lang="zh-CN" altLang="en-US" sz="1600">
-              <a:solidFill>
-                <a:schemeClr val="tx1"/>
-              </a:solidFill>
-            </a:endParaRPr>
           </a:p>
         </p:txBody>
       </p:sp>
@@ -5237,7 +5552,7 @@
           <p:nvPr/>
         </p:nvPicPr>
         <p:blipFill>
-          <a:blip r:embed="rId3"/>
+          <a:blip r:embed="rId6"/>
           <a:stretch>
             <a:fillRect/>
           </a:stretch>
@@ -5254,25 +5569,951 @@
       </p:pic>
     </p:spTree>
     <p:custDataLst>
-      <p:tags r:id="rId4"/>
+      <p:tags r:id="rId1"/>
     </p:custDataLst>
   </p:cSld>
   <p:clrMapOvr>
     <a:masterClrMapping/>
   </p:clrMapOvr>
+  <p:timing>
+    <p:tnLst>
+      <p:par>
+        <p:cTn id="1" dur="indefinite" restart="never" nodeType="tmRoot"/>
+      </p:par>
+    </p:tnLst>
+  </p:timing>
+</p:sld>
+</file>
+
+<file path=ppt/slides/slide7.xml><?xml version="1.0" encoding="utf-8"?>
+<p:sld xmlns:a="http://schemas.openxmlformats.org/drawingml/2006/main" xmlns:r="http://schemas.openxmlformats.org/officeDocument/2006/relationships" xmlns:p="http://schemas.openxmlformats.org/presentationml/2006/main">
+  <p:cSld>
+    <p:spTree>
+      <p:nvGrpSpPr>
+        <p:cNvPr id="1" name=""/>
+        <p:cNvGrpSpPr/>
+        <p:nvPr/>
+      </p:nvGrpSpPr>
+      <p:grpSpPr>
+        <a:xfrm>
+          <a:off x="0" y="0"/>
+          <a:ext cx="0" cy="0"/>
+          <a:chOff x="0" y="0"/>
+          <a:chExt cx="0" cy="0"/>
+        </a:xfrm>
+      </p:grpSpPr>
+      <p:pic>
+        <p:nvPicPr>
+          <p:cNvPr id="41" name="图片 40" descr="sccnn.com_2018011761074383rpx8_02 [转换]-01"/>
+          <p:cNvPicPr>
+            <a:picLocks noChangeAspect="1"/>
+          </p:cNvPicPr>
+          <p:nvPr/>
+        </p:nvPicPr>
+        <p:blipFill>
+          <a:blip r:embed="rId4"/>
+          <a:srcRect r="43805"/>
+          <a:stretch>
+            <a:fillRect/>
+          </a:stretch>
+        </p:blipFill>
+        <p:spPr>
+          <a:xfrm>
+            <a:off x="-9525" y="22860"/>
+            <a:ext cx="3543300" cy="3557270"/>
+          </a:xfrm>
+          <a:prstGeom prst="rect">
+            <a:avLst/>
+          </a:prstGeom>
+        </p:spPr>
+      </p:pic>
+      <p:sp>
+        <p:nvSpPr>
+          <p:cNvPr id="10" name="文本框 9"/>
+          <p:cNvSpPr txBox="1"/>
+          <p:nvPr/>
+        </p:nvSpPr>
+        <p:spPr>
+          <a:xfrm>
+            <a:off x="3533775" y="454660"/>
+            <a:ext cx="6253480" cy="706755"/>
+          </a:xfrm>
+          <a:prstGeom prst="rect">
+            <a:avLst/>
+          </a:prstGeom>
+          <a:noFill/>
+        </p:spPr>
+        <p:txBody>
+          <a:bodyPr wrap="square" rtlCol="0">
+            <a:spAutoFit/>
+          </a:bodyPr>
+          <a:lstStyle/>
+          <a:p>
+            <a:pPr algn="ctr"/>
+            <a:r>
+              <a:rPr lang="en-US" altLang="zh-CN" sz="4000" dirty="0" smtClean="0"/>
+              <a:t>TSP-</a:t>
+            </a:r>
+            <a:r>
+              <a:rPr lang="zh-CN" altLang="en-US" sz="4000" dirty="0" smtClean="0"/>
+              <a:t>局域搜索</a:t>
+            </a:r>
+            <a:endParaRPr lang="zh-CN" altLang="en-US" sz="4000" dirty="0">
+              <a:solidFill>
+                <a:schemeClr val="tx1"/>
+              </a:solidFill>
+            </a:endParaRPr>
+          </a:p>
+        </p:txBody>
+      </p:sp>
+      <p:sp>
+        <p:nvSpPr>
+          <p:cNvPr id="8" name="矩形 7"/>
+          <p:cNvSpPr/>
+          <p:nvPr/>
+        </p:nvSpPr>
+        <p:spPr>
+          <a:xfrm>
+            <a:off x="8625705" y="3253704"/>
+            <a:ext cx="2510624" cy="646331"/>
+          </a:xfrm>
+          <a:prstGeom prst="rect">
+            <a:avLst/>
+          </a:prstGeom>
+        </p:spPr>
+        <p:txBody>
+          <a:bodyPr wrap="none">
+            <a:spAutoFit/>
+          </a:bodyPr>
+          <a:lstStyle/>
+          <a:p>
+            <a:pPr algn="ctr"/>
+            <a:r>
+              <a:rPr lang="zh-CN" altLang="en-US" dirty="0" smtClean="0"/>
+              <a:t>效果：</a:t>
+            </a:r>
+            <a:endParaRPr lang="en-US" altLang="zh-CN" dirty="0" smtClean="0"/>
+          </a:p>
+          <a:p>
+            <a:pPr algn="ctr"/>
+            <a:r>
+              <a:rPr lang="en-US" altLang="zh-CN" dirty="0" smtClean="0"/>
+              <a:t>Swap &lt; reverse </a:t>
+            </a:r>
+            <a:r>
+              <a:rPr lang="zh-CN" altLang="en-US" dirty="0" smtClean="0"/>
+              <a:t>≈ 混用</a:t>
+            </a:r>
+            <a:endParaRPr lang="zh-CN" altLang="en-US" dirty="0"/>
+          </a:p>
+        </p:txBody>
+      </p:sp>
+      <p:sp>
+        <p:nvSpPr>
+          <p:cNvPr id="12" name="矩形 11"/>
+          <p:cNvSpPr/>
+          <p:nvPr/>
+        </p:nvSpPr>
+        <p:spPr>
+          <a:xfrm>
+            <a:off x="3504033" y="4614668"/>
+            <a:ext cx="1210589" cy="369332"/>
+          </a:xfrm>
+          <a:prstGeom prst="rect">
+            <a:avLst/>
+          </a:prstGeom>
+        </p:spPr>
+        <p:txBody>
+          <a:bodyPr wrap="none">
+            <a:spAutoFit/>
+          </a:bodyPr>
+          <a:lstStyle/>
+          <a:p>
+            <a:pPr algn="ctr"/>
+            <a:r>
+              <a:rPr lang="en-US" altLang="zh-CN" dirty="0"/>
+              <a:t>2</a:t>
+            </a:r>
+            <a:r>
+              <a:rPr lang="en-US" altLang="zh-CN" dirty="0" smtClean="0"/>
+              <a:t>. swap</a:t>
+            </a:r>
+            <a:r>
+              <a:rPr lang="zh-CN" altLang="en-US" dirty="0" smtClean="0"/>
+              <a:t>：</a:t>
+            </a:r>
+            <a:endParaRPr lang="zh-CN" altLang="en-US" dirty="0"/>
+          </a:p>
+        </p:txBody>
+      </p:sp>
+      <p:pic>
+        <p:nvPicPr>
+          <p:cNvPr id="9" name="图片 8"/>
+          <p:cNvPicPr>
+            <a:picLocks noChangeAspect="1"/>
+          </p:cNvPicPr>
+          <p:nvPr/>
+        </p:nvPicPr>
+        <p:blipFill>
+          <a:blip r:embed="rId5">
+            <a:extLst>
+              <a:ext uri="{28A0092B-C50C-407E-A947-70E740481C1C}">
+                <a14:useLocalDpi xmlns:a14="http://schemas.microsoft.com/office/drawing/2010/main" val="0"/>
+              </a:ext>
+            </a:extLst>
+          </a:blip>
+          <a:stretch>
+            <a:fillRect/>
+          </a:stretch>
+        </p:blipFill>
+        <p:spPr>
+          <a:xfrm>
+            <a:off x="5587439" y="1731156"/>
+            <a:ext cx="2404768" cy="2168879"/>
+          </a:xfrm>
+          <a:prstGeom prst="rect">
+            <a:avLst/>
+          </a:prstGeom>
+        </p:spPr>
+      </p:pic>
+      <p:sp>
+        <p:nvSpPr>
+          <p:cNvPr id="15" name="矩形 14"/>
+          <p:cNvSpPr/>
+          <p:nvPr/>
+        </p:nvSpPr>
+        <p:spPr>
+          <a:xfrm>
+            <a:off x="3388618" y="2380619"/>
+            <a:ext cx="1441420" cy="369332"/>
+          </a:xfrm>
+          <a:prstGeom prst="rect">
+            <a:avLst/>
+          </a:prstGeom>
+        </p:spPr>
+        <p:txBody>
+          <a:bodyPr wrap="none">
+            <a:spAutoFit/>
+          </a:bodyPr>
+          <a:lstStyle/>
+          <a:p>
+            <a:pPr algn="ctr"/>
+            <a:r>
+              <a:rPr lang="en-US" altLang="zh-CN" dirty="0" smtClean="0"/>
+              <a:t>1. </a:t>
+            </a:r>
+            <a:r>
+              <a:rPr lang="en-US" altLang="zh-CN" dirty="0"/>
+              <a:t>reverse</a:t>
+            </a:r>
+            <a:r>
+              <a:rPr lang="zh-CN" altLang="en-US" dirty="0" smtClean="0"/>
+              <a:t>：</a:t>
+            </a:r>
+            <a:endParaRPr lang="zh-CN" altLang="en-US" dirty="0"/>
+          </a:p>
+        </p:txBody>
+      </p:sp>
+      <p:pic>
+        <p:nvPicPr>
+          <p:cNvPr id="11" name="图片 10"/>
+          <p:cNvPicPr>
+            <a:picLocks noChangeAspect="1"/>
+          </p:cNvPicPr>
+          <p:nvPr/>
+        </p:nvPicPr>
+        <p:blipFill>
+          <a:blip r:embed="rId6">
+            <a:extLst>
+              <a:ext uri="{28A0092B-C50C-407E-A947-70E740481C1C}">
+                <a14:useLocalDpi xmlns:a14="http://schemas.microsoft.com/office/drawing/2010/main" val="0"/>
+              </a:ext>
+            </a:extLst>
+          </a:blip>
+          <a:stretch>
+            <a:fillRect/>
+          </a:stretch>
+        </p:blipFill>
+        <p:spPr>
+          <a:xfrm>
+            <a:off x="5587439" y="4075882"/>
+            <a:ext cx="2404768" cy="2168878"/>
+          </a:xfrm>
+          <a:prstGeom prst="rect">
+            <a:avLst/>
+          </a:prstGeom>
+        </p:spPr>
+      </p:pic>
+      <p:sp>
+        <p:nvSpPr>
+          <p:cNvPr id="17" name="矩形 16"/>
+          <p:cNvSpPr/>
+          <p:nvPr/>
+        </p:nvSpPr>
+        <p:spPr>
+          <a:xfrm>
+            <a:off x="2719256" y="1769229"/>
+            <a:ext cx="1800493" cy="369332"/>
+          </a:xfrm>
+          <a:prstGeom prst="rect">
+            <a:avLst/>
+          </a:prstGeom>
+        </p:spPr>
+        <p:txBody>
+          <a:bodyPr wrap="none">
+            <a:spAutoFit/>
+          </a:bodyPr>
+          <a:lstStyle/>
+          <a:p>
+            <a:pPr algn="ctr"/>
+            <a:r>
+              <a:rPr lang="zh-CN" altLang="en-US" dirty="0" smtClean="0"/>
+              <a:t>两种邻域操作：</a:t>
+            </a:r>
+            <a:endParaRPr lang="zh-CN" altLang="en-US" dirty="0"/>
+          </a:p>
+        </p:txBody>
+      </p:sp>
+    </p:spTree>
+    <p:custDataLst>
+      <p:tags r:id="rId1"/>
+    </p:custDataLst>
+    <p:extLst>
+      <p:ext uri="{BB962C8B-B14F-4D97-AF65-F5344CB8AC3E}">
+        <p14:creationId xmlns:p14="http://schemas.microsoft.com/office/powerpoint/2010/main" val="3543819269"/>
+      </p:ext>
+    </p:extLst>
+  </p:cSld>
+  <p:clrMapOvr>
+    <a:masterClrMapping/>
+  </p:clrMapOvr>
+  <p:timing>
+    <p:tnLst>
+      <p:par>
+        <p:cTn id="1" dur="indefinite" restart="never" nodeType="tmRoot"/>
+      </p:par>
+    </p:tnLst>
+  </p:timing>
+</p:sld>
+</file>
+
+<file path=ppt/slides/slide8.xml><?xml version="1.0" encoding="utf-8"?>
+<p:sld xmlns:a="http://schemas.openxmlformats.org/drawingml/2006/main" xmlns:r="http://schemas.openxmlformats.org/officeDocument/2006/relationships" xmlns:p="http://schemas.openxmlformats.org/presentationml/2006/main">
+  <p:cSld>
+    <p:spTree>
+      <p:nvGrpSpPr>
+        <p:cNvPr id="1" name=""/>
+        <p:cNvGrpSpPr/>
+        <p:nvPr/>
+      </p:nvGrpSpPr>
+      <p:grpSpPr>
+        <a:xfrm>
+          <a:off x="0" y="0"/>
+          <a:ext cx="0" cy="0"/>
+          <a:chOff x="0" y="0"/>
+          <a:chExt cx="0" cy="0"/>
+        </a:xfrm>
+      </p:grpSpPr>
+      <p:pic>
+        <p:nvPicPr>
+          <p:cNvPr id="41" name="图片 40" descr="sccnn.com_2018011761074383rpx8_02 [转换]-01"/>
+          <p:cNvPicPr>
+            <a:picLocks noChangeAspect="1"/>
+          </p:cNvPicPr>
+          <p:nvPr/>
+        </p:nvPicPr>
+        <p:blipFill>
+          <a:blip r:embed="rId4"/>
+          <a:srcRect r="43805"/>
+          <a:stretch>
+            <a:fillRect/>
+          </a:stretch>
+        </p:blipFill>
+        <p:spPr>
+          <a:xfrm>
+            <a:off x="-9525" y="22860"/>
+            <a:ext cx="3543300" cy="3557270"/>
+          </a:xfrm>
+          <a:prstGeom prst="rect">
+            <a:avLst/>
+          </a:prstGeom>
+        </p:spPr>
+      </p:pic>
+      <p:sp>
+        <p:nvSpPr>
+          <p:cNvPr id="10" name="文本框 9"/>
+          <p:cNvSpPr txBox="1"/>
+          <p:nvPr/>
+        </p:nvSpPr>
+        <p:spPr>
+          <a:xfrm>
+            <a:off x="3533775" y="454660"/>
+            <a:ext cx="6253480" cy="706755"/>
+          </a:xfrm>
+          <a:prstGeom prst="rect">
+            <a:avLst/>
+          </a:prstGeom>
+          <a:noFill/>
+        </p:spPr>
+        <p:txBody>
+          <a:bodyPr wrap="square" rtlCol="0">
+            <a:spAutoFit/>
+          </a:bodyPr>
+          <a:lstStyle/>
+          <a:p>
+            <a:pPr algn="ctr"/>
+            <a:r>
+              <a:rPr lang="en-US" altLang="zh-CN" sz="4000" dirty="0" smtClean="0"/>
+              <a:t>TSP-</a:t>
+            </a:r>
+            <a:r>
+              <a:rPr lang="zh-CN" altLang="en-US" sz="4000" dirty="0"/>
+              <a:t>模拟退火</a:t>
+            </a:r>
+            <a:endParaRPr lang="zh-CN" altLang="en-US" sz="4000" dirty="0">
+              <a:solidFill>
+                <a:schemeClr val="tx1"/>
+              </a:solidFill>
+            </a:endParaRPr>
+          </a:p>
+        </p:txBody>
+      </p:sp>
+      <p:sp>
+        <p:nvSpPr>
+          <p:cNvPr id="8" name="矩形 7"/>
+          <p:cNvSpPr/>
+          <p:nvPr/>
+        </p:nvSpPr>
+        <p:spPr>
+          <a:xfrm>
+            <a:off x="8665277" y="4598553"/>
+            <a:ext cx="2723823" cy="923330"/>
+          </a:xfrm>
+          <a:prstGeom prst="rect">
+            <a:avLst/>
+          </a:prstGeom>
+        </p:spPr>
+        <p:txBody>
+          <a:bodyPr wrap="none">
+            <a:spAutoFit/>
+          </a:bodyPr>
+          <a:lstStyle/>
+          <a:p>
+            <a:pPr algn="ctr"/>
+            <a:r>
+              <a:rPr lang="zh-CN" altLang="en-US" dirty="0" smtClean="0"/>
+              <a:t>初温：</a:t>
+            </a:r>
+            <a:r>
+              <a:rPr lang="en-US" altLang="zh-CN" dirty="0" smtClean="0"/>
+              <a:t>4000</a:t>
+            </a:r>
+            <a:r>
+              <a:rPr lang="zh-CN" altLang="en-US" dirty="0" smtClean="0"/>
+              <a:t>℃</a:t>
+            </a:r>
+            <a:endParaRPr lang="en-US" altLang="zh-CN" dirty="0" smtClean="0"/>
+          </a:p>
+          <a:p>
+            <a:pPr algn="ctr"/>
+            <a:r>
+              <a:rPr lang="zh-CN" altLang="en-US" dirty="0"/>
+              <a:t>退火</a:t>
+            </a:r>
+            <a:r>
+              <a:rPr lang="zh-CN" altLang="en-US" dirty="0" smtClean="0"/>
+              <a:t>系数：</a:t>
+            </a:r>
+            <a:r>
+              <a:rPr lang="en-US" altLang="zh-CN" dirty="0" smtClean="0"/>
+              <a:t>0.98</a:t>
+            </a:r>
+          </a:p>
+          <a:p>
+            <a:pPr algn="ctr"/>
+            <a:r>
+              <a:rPr lang="zh-CN" altLang="en-US" dirty="0" smtClean="0"/>
+              <a:t>邻域操作与局域搜索相同</a:t>
+            </a:r>
+            <a:endParaRPr lang="zh-CN" altLang="en-US" dirty="0"/>
+          </a:p>
+        </p:txBody>
+      </p:sp>
+      <p:pic>
+        <p:nvPicPr>
+          <p:cNvPr id="2" name="图片 1"/>
+          <p:cNvPicPr>
+            <a:picLocks noChangeAspect="1"/>
+          </p:cNvPicPr>
+          <p:nvPr/>
+        </p:nvPicPr>
+        <p:blipFill>
+          <a:blip r:embed="rId5">
+            <a:extLst>
+              <a:ext uri="{28A0092B-C50C-407E-A947-70E740481C1C}">
+                <a14:useLocalDpi xmlns:a14="http://schemas.microsoft.com/office/drawing/2010/main" val="0"/>
+              </a:ext>
+            </a:extLst>
+          </a:blip>
+          <a:stretch>
+            <a:fillRect/>
+          </a:stretch>
+        </p:blipFill>
+        <p:spPr>
+          <a:xfrm>
+            <a:off x="4655753" y="1986161"/>
+            <a:ext cx="4009524" cy="2504762"/>
+          </a:xfrm>
+          <a:prstGeom prst="rect">
+            <a:avLst/>
+          </a:prstGeom>
+        </p:spPr>
+      </p:pic>
+      <p:sp>
+        <p:nvSpPr>
+          <p:cNvPr id="13" name="矩形 12"/>
+          <p:cNvSpPr/>
+          <p:nvPr/>
+        </p:nvSpPr>
+        <p:spPr>
+          <a:xfrm>
+            <a:off x="3036445" y="1432163"/>
+            <a:ext cx="2262158" cy="369332"/>
+          </a:xfrm>
+          <a:prstGeom prst="rect">
+            <a:avLst/>
+          </a:prstGeom>
+        </p:spPr>
+        <p:txBody>
+          <a:bodyPr wrap="none">
+            <a:spAutoFit/>
+          </a:bodyPr>
+          <a:lstStyle/>
+          <a:p>
+            <a:pPr algn="ctr"/>
+            <a:r>
+              <a:rPr lang="zh-CN" altLang="en-US" dirty="0" smtClean="0"/>
+              <a:t>避免陷入局部最优：</a:t>
+            </a:r>
+            <a:endParaRPr lang="zh-CN" altLang="en-US" dirty="0"/>
+          </a:p>
+        </p:txBody>
+      </p:sp>
+      <p:cxnSp>
+        <p:nvCxnSpPr>
+          <p:cNvPr id="6" name="直接箭头连接符 5"/>
+          <p:cNvCxnSpPr/>
+          <p:nvPr/>
+        </p:nvCxnSpPr>
+        <p:spPr>
+          <a:xfrm>
+            <a:off x="7728438" y="2540977"/>
+            <a:ext cx="8793" cy="589084"/>
+          </a:xfrm>
+          <a:prstGeom prst="straightConnector1">
+            <a:avLst/>
+          </a:prstGeom>
+          <a:ln>
+            <a:tailEnd type="triangle"/>
+          </a:ln>
+        </p:spPr>
+        <p:style>
+          <a:lnRef idx="1">
+            <a:schemeClr val="accent1"/>
+          </a:lnRef>
+          <a:fillRef idx="0">
+            <a:schemeClr val="accent1"/>
+          </a:fillRef>
+          <a:effectRef idx="0">
+            <a:schemeClr val="accent1"/>
+          </a:effectRef>
+          <a:fontRef idx="minor">
+            <a:schemeClr val="tx1"/>
+          </a:fontRef>
+        </p:style>
+      </p:cxnSp>
+      <p:sp>
+        <p:nvSpPr>
+          <p:cNvPr id="18" name="矩形 17"/>
+          <p:cNvSpPr/>
+          <p:nvPr/>
+        </p:nvSpPr>
+        <p:spPr>
+          <a:xfrm>
+            <a:off x="4550785" y="5430405"/>
+            <a:ext cx="1107997" cy="369332"/>
+          </a:xfrm>
+          <a:prstGeom prst="rect">
+            <a:avLst/>
+          </a:prstGeom>
+        </p:spPr>
+        <p:txBody>
+          <a:bodyPr wrap="none">
+            <a:spAutoFit/>
+          </a:bodyPr>
+          <a:lstStyle/>
+          <a:p>
+            <a:pPr algn="ctr"/>
+            <a:r>
+              <a:rPr lang="zh-CN" altLang="en-US" dirty="0"/>
+              <a:t>←</a:t>
+            </a:r>
+            <a:r>
+              <a:rPr lang="zh-CN" altLang="en-US" dirty="0" smtClean="0"/>
+              <a:t>对比→</a:t>
+            </a:r>
+            <a:endParaRPr lang="zh-CN" altLang="en-US" dirty="0"/>
+          </a:p>
+        </p:txBody>
+      </p:sp>
+      <p:pic>
+        <p:nvPicPr>
+          <p:cNvPr id="16" name="图片 15"/>
+          <p:cNvPicPr>
+            <a:picLocks noChangeAspect="1"/>
+          </p:cNvPicPr>
+          <p:nvPr/>
+        </p:nvPicPr>
+        <p:blipFill>
+          <a:blip r:embed="rId6">
+            <a:extLst>
+              <a:ext uri="{28A0092B-C50C-407E-A947-70E740481C1C}">
+                <a14:useLocalDpi xmlns:a14="http://schemas.microsoft.com/office/drawing/2010/main" val="0"/>
+              </a:ext>
+            </a:extLst>
+          </a:blip>
+          <a:stretch>
+            <a:fillRect/>
+          </a:stretch>
+        </p:blipFill>
+        <p:spPr>
+          <a:xfrm>
+            <a:off x="5843688" y="5315669"/>
+            <a:ext cx="2210482" cy="598805"/>
+          </a:xfrm>
+          <a:prstGeom prst="rect">
+            <a:avLst/>
+          </a:prstGeom>
+        </p:spPr>
+      </p:pic>
+      <p:pic>
+        <p:nvPicPr>
+          <p:cNvPr id="19" name="图片 18"/>
+          <p:cNvPicPr>
+            <a:picLocks noChangeAspect="1"/>
+          </p:cNvPicPr>
+          <p:nvPr/>
+        </p:nvPicPr>
+        <p:blipFill>
+          <a:blip r:embed="rId7">
+            <a:extLst>
+              <a:ext uri="{28A0092B-C50C-407E-A947-70E740481C1C}">
+                <a14:useLocalDpi xmlns:a14="http://schemas.microsoft.com/office/drawing/2010/main" val="0"/>
+              </a:ext>
+            </a:extLst>
+          </a:blip>
+          <a:stretch>
+            <a:fillRect/>
+          </a:stretch>
+        </p:blipFill>
+        <p:spPr>
+          <a:xfrm>
+            <a:off x="2514600" y="5316466"/>
+            <a:ext cx="1851279" cy="598008"/>
+          </a:xfrm>
+          <a:prstGeom prst="rect">
+            <a:avLst/>
+          </a:prstGeom>
+        </p:spPr>
+      </p:pic>
+    </p:spTree>
+    <p:custDataLst>
+      <p:tags r:id="rId1"/>
+    </p:custDataLst>
+    <p:extLst>
+      <p:ext uri="{BB962C8B-B14F-4D97-AF65-F5344CB8AC3E}">
+        <p14:creationId xmlns:p14="http://schemas.microsoft.com/office/powerpoint/2010/main" val="1072680014"/>
+      </p:ext>
+    </p:extLst>
+  </p:cSld>
+  <p:clrMapOvr>
+    <a:masterClrMapping/>
+  </p:clrMapOvr>
+  <p:timing>
+    <p:tnLst>
+      <p:par>
+        <p:cTn id="1" dur="indefinite" restart="never" nodeType="tmRoot"/>
+      </p:par>
+    </p:tnLst>
+  </p:timing>
+</p:sld>
+</file>
+
+<file path=ppt/slides/slide9.xml><?xml version="1.0" encoding="utf-8"?>
+<p:sld xmlns:a="http://schemas.openxmlformats.org/drawingml/2006/main" xmlns:r="http://schemas.openxmlformats.org/officeDocument/2006/relationships" xmlns:p="http://schemas.openxmlformats.org/presentationml/2006/main">
+  <p:cSld>
+    <p:spTree>
+      <p:nvGrpSpPr>
+        <p:cNvPr id="1" name=""/>
+        <p:cNvGrpSpPr/>
+        <p:nvPr/>
+      </p:nvGrpSpPr>
+      <p:grpSpPr>
+        <a:xfrm>
+          <a:off x="0" y="0"/>
+          <a:ext cx="0" cy="0"/>
+          <a:chOff x="0" y="0"/>
+          <a:chExt cx="0" cy="0"/>
+        </a:xfrm>
+      </p:grpSpPr>
+      <p:pic>
+        <p:nvPicPr>
+          <p:cNvPr id="41" name="图片 40" descr="sccnn.com_2018011761074383rpx8_02 [转换]-01"/>
+          <p:cNvPicPr>
+            <a:picLocks noChangeAspect="1"/>
+          </p:cNvPicPr>
+          <p:nvPr/>
+        </p:nvPicPr>
+        <p:blipFill>
+          <a:blip r:embed="rId4"/>
+          <a:srcRect r="43805"/>
+          <a:stretch>
+            <a:fillRect/>
+          </a:stretch>
+        </p:blipFill>
+        <p:spPr>
+          <a:xfrm>
+            <a:off x="-9525" y="22860"/>
+            <a:ext cx="3543300" cy="3557270"/>
+          </a:xfrm>
+          <a:prstGeom prst="rect">
+            <a:avLst/>
+          </a:prstGeom>
+        </p:spPr>
+      </p:pic>
+      <p:sp>
+        <p:nvSpPr>
+          <p:cNvPr id="10" name="文本框 9"/>
+          <p:cNvSpPr txBox="1"/>
+          <p:nvPr/>
+        </p:nvSpPr>
+        <p:spPr>
+          <a:xfrm>
+            <a:off x="3533775" y="454660"/>
+            <a:ext cx="6253480" cy="706755"/>
+          </a:xfrm>
+          <a:prstGeom prst="rect">
+            <a:avLst/>
+          </a:prstGeom>
+          <a:noFill/>
+        </p:spPr>
+        <p:txBody>
+          <a:bodyPr wrap="square" rtlCol="0">
+            <a:spAutoFit/>
+          </a:bodyPr>
+          <a:lstStyle/>
+          <a:p>
+            <a:pPr algn="ctr"/>
+            <a:r>
+              <a:rPr lang="zh-CN" altLang="en-US" sz="4000" dirty="0"/>
+              <a:t>运行结果</a:t>
+            </a:r>
+            <a:endParaRPr lang="zh-CN" altLang="en-US" sz="4000" dirty="0">
+              <a:solidFill>
+                <a:schemeClr val="tx1"/>
+              </a:solidFill>
+            </a:endParaRPr>
+          </a:p>
+        </p:txBody>
+      </p:sp>
+      <p:sp>
+        <p:nvSpPr>
+          <p:cNvPr id="8" name="矩形 7"/>
+          <p:cNvSpPr/>
+          <p:nvPr/>
+        </p:nvSpPr>
+        <p:spPr>
+          <a:xfrm>
+            <a:off x="5462110" y="5574873"/>
+            <a:ext cx="2396810" cy="646331"/>
+          </a:xfrm>
+          <a:prstGeom prst="rect">
+            <a:avLst/>
+          </a:prstGeom>
+        </p:spPr>
+        <p:txBody>
+          <a:bodyPr wrap="none">
+            <a:spAutoFit/>
+          </a:bodyPr>
+          <a:lstStyle/>
+          <a:p>
+            <a:pPr algn="ctr"/>
+            <a:r>
+              <a:rPr lang="zh-CN" altLang="en-US" dirty="0"/>
+              <a:t>局域搜索</a:t>
+            </a:r>
+            <a:r>
+              <a:rPr lang="zh-CN" altLang="en-US" dirty="0" smtClean="0"/>
+              <a:t>：</a:t>
+            </a:r>
+            <a:r>
+              <a:rPr lang="en-US" altLang="zh-CN" dirty="0" smtClean="0"/>
+              <a:t>10%~15%</a:t>
+            </a:r>
+          </a:p>
+          <a:p>
+            <a:pPr algn="ctr"/>
+            <a:r>
+              <a:rPr lang="zh-CN" altLang="en-US" dirty="0"/>
+              <a:t>模拟</a:t>
+            </a:r>
+            <a:r>
+              <a:rPr lang="zh-CN" altLang="en-US" dirty="0" smtClean="0"/>
+              <a:t>退火：</a:t>
+            </a:r>
+            <a:r>
+              <a:rPr lang="en-US" altLang="zh-CN" dirty="0" smtClean="0"/>
+              <a:t>5%~10%</a:t>
+            </a:r>
+            <a:endParaRPr lang="zh-CN" altLang="en-US" dirty="0"/>
+          </a:p>
+        </p:txBody>
+      </p:sp>
+      <p:pic>
+        <p:nvPicPr>
+          <p:cNvPr id="2" name="图片 1"/>
+          <p:cNvPicPr>
+            <a:picLocks noChangeAspect="1"/>
+          </p:cNvPicPr>
+          <p:nvPr/>
+        </p:nvPicPr>
+        <p:blipFill>
+          <a:blip r:embed="rId5">
+            <a:extLst>
+              <a:ext uri="{28A0092B-C50C-407E-A947-70E740481C1C}">
+                <a14:useLocalDpi xmlns:a14="http://schemas.microsoft.com/office/drawing/2010/main" val="0"/>
+              </a:ext>
+            </a:extLst>
+          </a:blip>
+          <a:stretch>
+            <a:fillRect/>
+          </a:stretch>
+        </p:blipFill>
+        <p:spPr>
+          <a:xfrm>
+            <a:off x="3897196" y="1553815"/>
+            <a:ext cx="5526637" cy="3628658"/>
+          </a:xfrm>
+          <a:prstGeom prst="rect">
+            <a:avLst/>
+          </a:prstGeom>
+        </p:spPr>
+      </p:pic>
+    </p:spTree>
+    <p:custDataLst>
+      <p:tags r:id="rId1"/>
+    </p:custDataLst>
+    <p:extLst>
+      <p:ext uri="{BB962C8B-B14F-4D97-AF65-F5344CB8AC3E}">
+        <p14:creationId xmlns:p14="http://schemas.microsoft.com/office/powerpoint/2010/main" val="1406175224"/>
+      </p:ext>
+    </p:extLst>
+  </p:cSld>
+  <p:clrMapOvr>
+    <a:masterClrMapping/>
+  </p:clrMapOvr>
+  <p:timing>
+    <p:tnLst>
+      <p:par>
+        <p:cTn id="1" dur="indefinite" restart="never" nodeType="tmRoot"/>
+      </p:par>
+    </p:tnLst>
+  </p:timing>
 </p:sld>
 </file>
 
 <file path=ppt/tags/tag1.xml><?xml version="1.0" encoding="utf-8"?>
-<p:tagLst xmlns:p="http://schemas.openxmlformats.org/presentationml/2006/main">
+<p:tagLst xmlns:a="http://schemas.openxmlformats.org/drawingml/2006/main" xmlns:r="http://schemas.openxmlformats.org/officeDocument/2006/relationships" xmlns:p="http://schemas.openxmlformats.org/presentationml/2006/main">
   <p:tag name="KSO_WM_TAG_VERSION" val="1.0"/>
   <p:tag name="KSO_WM_TEMPLATE_CATEGORY" val="custom"/>
   <p:tag name="KSO_WM_TEMPLATE_INDEX" val="20184553"/>
 </p:tagLst>
 </file>
 
+<file path=ppt/tags/tag10.xml><?xml version="1.0" encoding="utf-8"?>
+<p:tagLst xmlns:a="http://schemas.openxmlformats.org/drawingml/2006/main" xmlns:r="http://schemas.openxmlformats.org/officeDocument/2006/relationships" xmlns:p="http://schemas.openxmlformats.org/presentationml/2006/main">
+  <p:tag name="KSO_WM_SLIDE_SUBTYPE" val="pureTxt"/>
+  <p:tag name="KSO_WM_TEMPLATE_TOPIC_DEFAULT" val="1"/>
+  <p:tag name="KSO_WM_TEMPLATE_JOB_ID" val="2"/>
+  <p:tag name="KSO_WM_TEMPLATE_SCENE_ID" val="1"/>
+  <p:tag name="KSO_WM_TEMPLATE_OUTLINE_ID" val="15"/>
+  <p:tag name="KSO_WM_TEMPLATE_TOPIC_ID" val="2869567"/>
+  <p:tag name="KSO_WM_SLIDE_SIZE" val="828*343"/>
+  <p:tag name="KSO_WM_SLIDE_POSITION" val="66*144"/>
+  <p:tag name="KSO_WM_BEAUTIFY_FLAG" val="#wm#"/>
+  <p:tag name="KSO_WM_SLIDE_TYPE" val="title"/>
+  <p:tag name="KSO_WM_SLIDE_LAYOUT_CNT" val="1_1"/>
+  <p:tag name="KSO_WM_SLIDE_LAYOUT" val="a_b"/>
+  <p:tag name="KSO_WM_SLIDE_ITEM_CNT" val="2"/>
+  <p:tag name="KSO_WM_SLIDE_INDEX" val="1"/>
+  <p:tag name="KSO_WM_SLIDE_ID" val="custom20184553_1"/>
+  <p:tag name="KSO_WM_TAG_VERSION" val="1.0"/>
+  <p:tag name="KSO_WM_TEMPLATE_INDEX" val="20184553"/>
+  <p:tag name="KSO_WM_TEMPLATE_CATEGORY" val="custom"/>
+  <p:tag name="KSO_WM_TEMPLATE_THUMBS_INDEX" val="1"/>
+</p:tagLst>
+</file>
+
+<file path=ppt/tags/tag11.xml><?xml version="1.0" encoding="utf-8"?>
+<p:tagLst xmlns:a="http://schemas.openxmlformats.org/drawingml/2006/main" xmlns:r="http://schemas.openxmlformats.org/officeDocument/2006/relationships" xmlns:p="http://schemas.openxmlformats.org/presentationml/2006/main">
+  <p:tag name="KSO_WM_SLIDE_SUBTYPE" val="pureTxt"/>
+  <p:tag name="KSO_WM_TEMPLATE_TOPIC_DEFAULT" val="1"/>
+  <p:tag name="KSO_WM_TEMPLATE_JOB_ID" val="2"/>
+  <p:tag name="KSO_WM_TEMPLATE_SCENE_ID" val="1"/>
+  <p:tag name="KSO_WM_TEMPLATE_OUTLINE_ID" val="15"/>
+  <p:tag name="KSO_WM_TEMPLATE_TOPIC_ID" val="2869567"/>
+  <p:tag name="KSO_WM_SLIDE_SIZE" val="828*343"/>
+  <p:tag name="KSO_WM_SLIDE_POSITION" val="66*144"/>
+  <p:tag name="KSO_WM_BEAUTIFY_FLAG" val="#wm#"/>
+  <p:tag name="KSO_WM_SLIDE_TYPE" val="title"/>
+  <p:tag name="KSO_WM_SLIDE_LAYOUT_CNT" val="1_1"/>
+  <p:tag name="KSO_WM_SLIDE_LAYOUT" val="a_b"/>
+  <p:tag name="KSO_WM_SLIDE_ITEM_CNT" val="2"/>
+  <p:tag name="KSO_WM_SLIDE_INDEX" val="1"/>
+  <p:tag name="KSO_WM_SLIDE_ID" val="custom20184553_1"/>
+  <p:tag name="KSO_WM_TAG_VERSION" val="1.0"/>
+  <p:tag name="KSO_WM_TEMPLATE_INDEX" val="20184553"/>
+  <p:tag name="KSO_WM_TEMPLATE_CATEGORY" val="custom"/>
+  <p:tag name="KSO_WM_TEMPLATE_THUMBS_INDEX" val="1"/>
+</p:tagLst>
+</file>
+
+<file path=ppt/tags/tag12.xml><?xml version="1.0" encoding="utf-8"?>
+<p:tagLst xmlns:a="http://schemas.openxmlformats.org/drawingml/2006/main" xmlns:r="http://schemas.openxmlformats.org/officeDocument/2006/relationships" xmlns:p="http://schemas.openxmlformats.org/presentationml/2006/main">
+  <p:tag name="KSO_WM_SLIDE_SUBTYPE" val="pureTxt"/>
+  <p:tag name="KSO_WM_TEMPLATE_TOPIC_DEFAULT" val="1"/>
+  <p:tag name="KSO_WM_TEMPLATE_JOB_ID" val="2"/>
+  <p:tag name="KSO_WM_TEMPLATE_SCENE_ID" val="1"/>
+  <p:tag name="KSO_WM_TEMPLATE_OUTLINE_ID" val="15"/>
+  <p:tag name="KSO_WM_TEMPLATE_TOPIC_ID" val="2869567"/>
+  <p:tag name="KSO_WM_SLIDE_SIZE" val="828*343"/>
+  <p:tag name="KSO_WM_SLIDE_POSITION" val="66*144"/>
+  <p:tag name="KSO_WM_BEAUTIFY_FLAG" val="#wm#"/>
+  <p:tag name="KSO_WM_SLIDE_TYPE" val="title"/>
+  <p:tag name="KSO_WM_SLIDE_LAYOUT_CNT" val="1_1"/>
+  <p:tag name="KSO_WM_SLIDE_LAYOUT" val="a_b"/>
+  <p:tag name="KSO_WM_SLIDE_ITEM_CNT" val="2"/>
+  <p:tag name="KSO_WM_SLIDE_INDEX" val="1"/>
+  <p:tag name="KSO_WM_SLIDE_ID" val="custom20184553_1"/>
+  <p:tag name="KSO_WM_TAG_VERSION" val="1.0"/>
+  <p:tag name="KSO_WM_TEMPLATE_INDEX" val="20184553"/>
+  <p:tag name="KSO_WM_TEMPLATE_CATEGORY" val="custom"/>
+  <p:tag name="KSO_WM_TEMPLATE_THUMBS_INDEX" val="1"/>
+</p:tagLst>
+</file>
+
 <file path=ppt/tags/tag2.xml><?xml version="1.0" encoding="utf-8"?>
-<p:tagLst xmlns:p="http://schemas.openxmlformats.org/presentationml/2006/main">
+<p:tagLst xmlns:a="http://schemas.openxmlformats.org/drawingml/2006/main" xmlns:r="http://schemas.openxmlformats.org/officeDocument/2006/relationships" xmlns:p="http://schemas.openxmlformats.org/presentationml/2006/main">
   <p:tag name="KSO_WM_TAG_VERSION" val="1.0"/>
   <p:tag name="KSO_WM_TEMPLATE_CATEGORY" val="custom"/>
   <p:tag name="KSO_WM_TEMPLATE_INDEX" val="20184553"/>
@@ -5280,7 +6521,7 @@
 </file>
 
 <file path=ppt/tags/tag3.xml><?xml version="1.0" encoding="utf-8"?>
-<p:tagLst xmlns:p="http://schemas.openxmlformats.org/presentationml/2006/main">
+<p:tagLst xmlns:a="http://schemas.openxmlformats.org/drawingml/2006/main" xmlns:r="http://schemas.openxmlformats.org/officeDocument/2006/relationships" xmlns:p="http://schemas.openxmlformats.org/presentationml/2006/main">
   <p:tag name="KSO_WM_TEMPLATE_TOPIC_DEFAULT" val="1"/>
   <p:tag name="KSO_WM_TEMPLATE_JOB_ID" val="2"/>
   <p:tag name="KSO_WM_TEMPLATE_SCENE_ID" val="1"/>
@@ -5295,7 +6536,7 @@
 </file>
 
 <file path=ppt/tags/tag4.xml><?xml version="1.0" encoding="utf-8"?>
-<p:tagLst xmlns:p="http://schemas.openxmlformats.org/presentationml/2006/main">
+<p:tagLst xmlns:a="http://schemas.openxmlformats.org/drawingml/2006/main" xmlns:r="http://schemas.openxmlformats.org/officeDocument/2006/relationships" xmlns:p="http://schemas.openxmlformats.org/presentationml/2006/main">
   <p:tag name="KSO_WM_SLIDE_SUBTYPE" val="pureTxt"/>
   <p:tag name="KSO_WM_TEMPLATE_TOPIC_DEFAULT" val="1"/>
   <p:tag name="KSO_WM_TEMPLATE_JOB_ID" val="2"/>
@@ -5320,7 +6561,7 @@
 </file>
 
 <file path=ppt/tags/tag5.xml><?xml version="1.0" encoding="utf-8"?>
-<p:tagLst xmlns:p="http://schemas.openxmlformats.org/presentationml/2006/main">
+<p:tagLst xmlns:a="http://schemas.openxmlformats.org/drawingml/2006/main" xmlns:r="http://schemas.openxmlformats.org/officeDocument/2006/relationships" xmlns:p="http://schemas.openxmlformats.org/presentationml/2006/main">
   <p:tag name="KSO_WM_SLIDE_SUBTYPE" val="pureTxt"/>
   <p:tag name="KSO_WM_TEMPLATE_TOPIC_DEFAULT" val="1"/>
   <p:tag name="KSO_WM_TEMPLATE_JOB_ID" val="2"/>
@@ -5344,7 +6585,7 @@
 </file>
 
 <file path=ppt/tags/tag6.xml><?xml version="1.0" encoding="utf-8"?>
-<p:tagLst xmlns:p="http://schemas.openxmlformats.org/presentationml/2006/main">
+<p:tagLst xmlns:a="http://schemas.openxmlformats.org/drawingml/2006/main" xmlns:r="http://schemas.openxmlformats.org/officeDocument/2006/relationships" xmlns:p="http://schemas.openxmlformats.org/presentationml/2006/main">
   <p:tag name="KSO_WM_SLIDE_SUBTYPE" val="pureTxt"/>
   <p:tag name="KSO_WM_TEMPLATE_TOPIC_DEFAULT" val="1"/>
   <p:tag name="KSO_WM_TEMPLATE_JOB_ID" val="2"/>
@@ -5368,7 +6609,7 @@
 </file>
 
 <file path=ppt/tags/tag7.xml><?xml version="1.0" encoding="utf-8"?>
-<p:tagLst xmlns:p="http://schemas.openxmlformats.org/presentationml/2006/main">
+<p:tagLst xmlns:a="http://schemas.openxmlformats.org/drawingml/2006/main" xmlns:r="http://schemas.openxmlformats.org/officeDocument/2006/relationships" xmlns:p="http://schemas.openxmlformats.org/presentationml/2006/main">
   <p:tag name="KSO_WM_SLIDE_SUBTYPE" val="pureTxt"/>
   <p:tag name="KSO_WM_TEMPLATE_TOPIC_DEFAULT" val="1"/>
   <p:tag name="KSO_WM_TEMPLATE_JOB_ID" val="2"/>
@@ -5392,7 +6633,7 @@
 </file>
 
 <file path=ppt/tags/tag8.xml><?xml version="1.0" encoding="utf-8"?>
-<p:tagLst xmlns:p="http://schemas.openxmlformats.org/presentationml/2006/main">
+<p:tagLst xmlns:a="http://schemas.openxmlformats.org/drawingml/2006/main" xmlns:r="http://schemas.openxmlformats.org/officeDocument/2006/relationships" xmlns:p="http://schemas.openxmlformats.org/presentationml/2006/main">
   <p:tag name="KSO_WM_SLIDE_SUBTYPE" val="pureTxt"/>
   <p:tag name="KSO_WM_TEMPLATE_TOPIC_DEFAULT" val="1"/>
   <p:tag name="KSO_WM_TEMPLATE_JOB_ID" val="2"/>
@@ -5416,7 +6657,7 @@
 </file>
 
 <file path=ppt/tags/tag9.xml><?xml version="1.0" encoding="utf-8"?>
-<p:tagLst xmlns:p="http://schemas.openxmlformats.org/presentationml/2006/main">
+<p:tagLst xmlns:a="http://schemas.openxmlformats.org/drawingml/2006/main" xmlns:r="http://schemas.openxmlformats.org/officeDocument/2006/relationships" xmlns:p="http://schemas.openxmlformats.org/presentationml/2006/main">
   <p:tag name="KSO_WM_SLIDE_SUBTYPE" val="pureTxt"/>
   <p:tag name="KSO_WM_TEMPLATE_TOPIC_DEFAULT" val="1"/>
   <p:tag name="KSO_WM_TEMPLATE_JOB_ID" val="2"/>
@@ -5630,6 +6871,8 @@
       </a:bgFillStyleLst>
     </a:fmtScheme>
   </a:themeElements>
+  <a:objectDefaults/>
+  <a:extraClrSchemeLst/>
   <a:extLst>
     <a:ext uri="{05A4C25C-085E-4340-85A3-A5531E510DB2}">
       <thm15:themeFamily xmlns:thm15="http://schemas.microsoft.com/office/thememl/2012/main" name="Office Theme" id="{62F939B6-93AF-4DB8-9C6B-D6C7DFDC589F}" vid="{4A3C46E8-61CC-4603-A589-7422A47A8E4A}"/>
@@ -5889,6 +7132,8 @@
       </a:bgFillStyleLst>
     </a:fmtScheme>
   </a:themeElements>
+  <a:objectDefaults/>
+  <a:extraClrSchemeLst/>
   <a:extLst>
     <a:ext uri="{05A4C25C-085E-4340-85A3-A5531E510DB2}">
       <thm15:themeFamily xmlns:thm15="http://schemas.microsoft.com/office/thememl/2012/main" name="Office Theme" id="{62F939B6-93AF-4DB8-9C6B-D6C7DFDC589F}" vid="{4A3C46E8-61CC-4603-A589-7422A47A8E4A}"/>

--- a/AI展示.pptx
+++ b/AI展示.pptx
@@ -1,11 +1,11 @@
 
 <file path=ppt/presentation.xml><?xml version="1.0" encoding="utf-8"?>
-<p:presentation xmlns:a="http://schemas.openxmlformats.org/drawingml/2006/main" xmlns:r="http://schemas.openxmlformats.org/officeDocument/2006/relationships" xmlns:p="http://schemas.openxmlformats.org/presentationml/2006/main" removePersonalInfoOnSave="1">
+<p:presentation xmlns:a="http://schemas.openxmlformats.org/drawingml/2006/main" xmlns:r="http://schemas.openxmlformats.org/officeDocument/2006/relationships" xmlns:p="http://schemas.openxmlformats.org/presentationml/2006/main" removePersonalInfoOnSave="1" saveSubsetFonts="1">
   <p:sldMasterIdLst>
     <p:sldMasterId id="2147483648" r:id="rId1"/>
   </p:sldMasterIdLst>
   <p:notesMasterIdLst>
-    <p:notesMasterId r:id="rId11"/>
+    <p:notesMasterId r:id="rId15"/>
   </p:notesMasterIdLst>
   <p:sldIdLst>
     <p:sldId id="256" r:id="rId2"/>
@@ -17,6 +17,10 @@
     <p:sldId id="275" r:id="rId8"/>
     <p:sldId id="276" r:id="rId9"/>
     <p:sldId id="277" r:id="rId10"/>
+    <p:sldId id="279" r:id="rId11"/>
+    <p:sldId id="280" r:id="rId12"/>
+    <p:sldId id="281" r:id="rId13"/>
+    <p:sldId id="278" r:id="rId14"/>
   </p:sldIdLst>
   <p:sldSz cx="12192000" cy="6858000"/>
   <p:notesSz cx="6858000" cy="9144000"/>
@@ -205,7 +209,7 @@
           <a:p>
             <a:fld id="{7F25A8C7-CC1A-4A08-9B4B-31F43B054C7F}" type="datetimeFigureOut">
               <a:rPr lang="zh-CN" altLang="en-US" smtClean="0"/>
-              <a:t>2018/12/23</a:t>
+              <a:t>2018/12/24</a:t>
             </a:fld>
             <a:endParaRPr lang="zh-CN" altLang="en-US"/>
           </a:p>
@@ -370,6 +374,11 @@
         </p:txBody>
       </p:sp>
     </p:spTree>
+    <p:extLst>
+      <p:ext uri="{BB962C8B-B14F-4D97-AF65-F5344CB8AC3E}">
+        <p14:creationId xmlns:p14="http://schemas.microsoft.com/office/powerpoint/2010/main" val="1052500293"/>
+      </p:ext>
+    </p:extLst>
   </p:cSld>
   <p:clrMap bg1="lt1" tx1="dk1" bg2="lt2" tx2="dk2" accent1="accent1" accent2="accent2" accent3="accent3" accent4="accent4" accent5="accent5" accent6="accent6" hlink="hlink" folHlink="folHlink"/>
   <p:notesStyle>
@@ -579,6 +588,383 @@
         </p:txBody>
       </p:sp>
     </p:spTree>
+    <p:extLst>
+      <p:ext uri="{BB962C8B-B14F-4D97-AF65-F5344CB8AC3E}">
+        <p14:creationId xmlns:p14="http://schemas.microsoft.com/office/powerpoint/2010/main" val="549624112"/>
+      </p:ext>
+    </p:extLst>
+  </p:cSld>
+  <p:clrMapOvr>
+    <a:masterClrMapping/>
+  </p:clrMapOvr>
+</p:notes>
+</file>
+
+<file path=ppt/notesSlides/notesSlide10.xml><?xml version="1.0" encoding="utf-8"?>
+<p:notes xmlns:a="http://schemas.openxmlformats.org/drawingml/2006/main" xmlns:r="http://schemas.openxmlformats.org/officeDocument/2006/relationships" xmlns:p="http://schemas.openxmlformats.org/presentationml/2006/main">
+  <p:cSld>
+    <p:spTree>
+      <p:nvGrpSpPr>
+        <p:cNvPr id="1" name=""/>
+        <p:cNvGrpSpPr/>
+        <p:nvPr/>
+      </p:nvGrpSpPr>
+      <p:grpSpPr>
+        <a:xfrm>
+          <a:off x="0" y="0"/>
+          <a:ext cx="0" cy="0"/>
+          <a:chOff x="0" y="0"/>
+          <a:chExt cx="0" cy="0"/>
+        </a:xfrm>
+      </p:grpSpPr>
+      <p:sp>
+        <p:nvSpPr>
+          <p:cNvPr id="2" name="幻灯片图像占位符 1"/>
+          <p:cNvSpPr>
+            <a:spLocks noGrp="1" noRot="1" noChangeAspect="1"/>
+          </p:cNvSpPr>
+          <p:nvPr>
+            <p:ph type="sldImg"/>
+          </p:nvPr>
+        </p:nvSpPr>
+        <p:spPr/>
+      </p:sp>
+      <p:sp>
+        <p:nvSpPr>
+          <p:cNvPr id="3" name="备注占位符 2"/>
+          <p:cNvSpPr>
+            <a:spLocks noGrp="1"/>
+          </p:cNvSpPr>
+          <p:nvPr>
+            <p:ph type="body" idx="1"/>
+          </p:nvPr>
+        </p:nvSpPr>
+        <p:spPr/>
+        <p:txBody>
+          <a:bodyPr/>
+          <a:lstStyle/>
+          <a:p>
+            <a:endParaRPr lang="zh-CN" altLang="en-US"/>
+          </a:p>
+        </p:txBody>
+      </p:sp>
+      <p:sp>
+        <p:nvSpPr>
+          <p:cNvPr id="4" name="灯片编号占位符 3"/>
+          <p:cNvSpPr>
+            <a:spLocks noGrp="1"/>
+          </p:cNvSpPr>
+          <p:nvPr>
+            <p:ph type="sldNum" sz="quarter" idx="10"/>
+          </p:nvPr>
+        </p:nvSpPr>
+        <p:spPr/>
+        <p:txBody>
+          <a:bodyPr/>
+          <a:lstStyle/>
+          <a:p>
+            <a:pPr marL="0" marR="0" lvl="0" indent="0" algn="r" defTabSz="914400" eaLnBrk="0" fontAlgn="base" latinLnBrk="0" hangingPunct="0">
+              <a:lnSpc>
+                <a:spcPct val="100000"/>
+              </a:lnSpc>
+              <a:spcBef>
+                <a:spcPct val="0"/>
+              </a:spcBef>
+              <a:spcAft>
+                <a:spcPct val="0"/>
+              </a:spcAft>
+              <a:buClrTx/>
+              <a:buSzTx/>
+              <a:buFontTx/>
+              <a:buNone/>
+              <a:defRPr/>
+            </a:pPr>
+            <a:fld id="{39AD698A-D66C-4FA1-BBD8-F72AE9E6E751}" type="slidenum">
+              <a:rPr kumimoji="0" lang="zh-CN" altLang="en-US" sz="1200" b="0" i="0" u="none" strike="noStrike" kern="1200" cap="none" spc="0" normalizeH="0" baseline="0" noProof="0" smtClean="0">
+                <a:ln>
+                  <a:noFill/>
+                </a:ln>
+                <a:solidFill>
+                  <a:prstClr val="black"/>
+                </a:solidFill>
+                <a:effectLst/>
+                <a:uLnTx/>
+                <a:uFillTx/>
+                <a:latin typeface="Calibri" panose="020F0502020204030204" pitchFamily="34" charset="0"/>
+                <a:ea typeface="微软雅黑" panose="020B0503020204020204" pitchFamily="34" charset="-122"/>
+              </a:rPr>
+              <a:t>10</a:t>
+            </a:fld>
+            <a:endParaRPr kumimoji="0" lang="zh-CN" altLang="en-US" sz="1200" b="0" i="0" u="none" strike="noStrike" kern="1200" cap="none" spc="0" normalizeH="0" baseline="0" noProof="0">
+              <a:ln>
+                <a:noFill/>
+              </a:ln>
+              <a:solidFill>
+                <a:prstClr val="black"/>
+              </a:solidFill>
+              <a:effectLst/>
+              <a:uLnTx/>
+              <a:uFillTx/>
+              <a:latin typeface="Calibri" panose="020F0502020204030204" pitchFamily="34" charset="0"/>
+              <a:ea typeface="微软雅黑" panose="020B0503020204020204" pitchFamily="34" charset="-122"/>
+            </a:endParaRPr>
+          </a:p>
+        </p:txBody>
+      </p:sp>
+    </p:spTree>
+    <p:extLst>
+      <p:ext uri="{BB962C8B-B14F-4D97-AF65-F5344CB8AC3E}">
+        <p14:creationId xmlns:p14="http://schemas.microsoft.com/office/powerpoint/2010/main" val="684601424"/>
+      </p:ext>
+    </p:extLst>
+  </p:cSld>
+  <p:clrMapOvr>
+    <a:masterClrMapping/>
+  </p:clrMapOvr>
+</p:notes>
+</file>
+
+<file path=ppt/notesSlides/notesSlide11.xml><?xml version="1.0" encoding="utf-8"?>
+<p:notes xmlns:a="http://schemas.openxmlformats.org/drawingml/2006/main" xmlns:r="http://schemas.openxmlformats.org/officeDocument/2006/relationships" xmlns:p="http://schemas.openxmlformats.org/presentationml/2006/main">
+  <p:cSld>
+    <p:spTree>
+      <p:nvGrpSpPr>
+        <p:cNvPr id="1" name=""/>
+        <p:cNvGrpSpPr/>
+        <p:nvPr/>
+      </p:nvGrpSpPr>
+      <p:grpSpPr>
+        <a:xfrm>
+          <a:off x="0" y="0"/>
+          <a:ext cx="0" cy="0"/>
+          <a:chOff x="0" y="0"/>
+          <a:chExt cx="0" cy="0"/>
+        </a:xfrm>
+      </p:grpSpPr>
+      <p:sp>
+        <p:nvSpPr>
+          <p:cNvPr id="2" name="幻灯片图像占位符 1"/>
+          <p:cNvSpPr>
+            <a:spLocks noGrp="1" noRot="1" noChangeAspect="1"/>
+          </p:cNvSpPr>
+          <p:nvPr>
+            <p:ph type="sldImg"/>
+          </p:nvPr>
+        </p:nvSpPr>
+        <p:spPr/>
+      </p:sp>
+      <p:sp>
+        <p:nvSpPr>
+          <p:cNvPr id="3" name="备注占位符 2"/>
+          <p:cNvSpPr>
+            <a:spLocks noGrp="1"/>
+          </p:cNvSpPr>
+          <p:nvPr>
+            <p:ph type="body" idx="1"/>
+          </p:nvPr>
+        </p:nvSpPr>
+        <p:spPr/>
+        <p:txBody>
+          <a:bodyPr/>
+          <a:lstStyle/>
+          <a:p>
+            <a:endParaRPr lang="zh-CN" altLang="en-US"/>
+          </a:p>
+        </p:txBody>
+      </p:sp>
+      <p:sp>
+        <p:nvSpPr>
+          <p:cNvPr id="4" name="灯片编号占位符 3"/>
+          <p:cNvSpPr>
+            <a:spLocks noGrp="1"/>
+          </p:cNvSpPr>
+          <p:nvPr>
+            <p:ph type="sldNum" sz="quarter" idx="10"/>
+          </p:nvPr>
+        </p:nvSpPr>
+        <p:spPr/>
+        <p:txBody>
+          <a:bodyPr/>
+          <a:lstStyle/>
+          <a:p>
+            <a:pPr marL="0" marR="0" lvl="0" indent="0" algn="r" defTabSz="914400" eaLnBrk="0" fontAlgn="base" latinLnBrk="0" hangingPunct="0">
+              <a:lnSpc>
+                <a:spcPct val="100000"/>
+              </a:lnSpc>
+              <a:spcBef>
+                <a:spcPct val="0"/>
+              </a:spcBef>
+              <a:spcAft>
+                <a:spcPct val="0"/>
+              </a:spcAft>
+              <a:buClrTx/>
+              <a:buSzTx/>
+              <a:buFontTx/>
+              <a:buNone/>
+              <a:defRPr/>
+            </a:pPr>
+            <a:fld id="{39AD698A-D66C-4FA1-BBD8-F72AE9E6E751}" type="slidenum">
+              <a:rPr kumimoji="0" lang="zh-CN" altLang="en-US" sz="1200" b="0" i="0" u="none" strike="noStrike" kern="1200" cap="none" spc="0" normalizeH="0" baseline="0" noProof="0" smtClean="0">
+                <a:ln>
+                  <a:noFill/>
+                </a:ln>
+                <a:solidFill>
+                  <a:prstClr val="black"/>
+                </a:solidFill>
+                <a:effectLst/>
+                <a:uLnTx/>
+                <a:uFillTx/>
+                <a:latin typeface="Calibri" panose="020F0502020204030204" pitchFamily="34" charset="0"/>
+                <a:ea typeface="微软雅黑" panose="020B0503020204020204" pitchFamily="34" charset="-122"/>
+              </a:rPr>
+              <a:t>11</a:t>
+            </a:fld>
+            <a:endParaRPr kumimoji="0" lang="zh-CN" altLang="en-US" sz="1200" b="0" i="0" u="none" strike="noStrike" kern="1200" cap="none" spc="0" normalizeH="0" baseline="0" noProof="0">
+              <a:ln>
+                <a:noFill/>
+              </a:ln>
+              <a:solidFill>
+                <a:prstClr val="black"/>
+              </a:solidFill>
+              <a:effectLst/>
+              <a:uLnTx/>
+              <a:uFillTx/>
+              <a:latin typeface="Calibri" panose="020F0502020204030204" pitchFamily="34" charset="0"/>
+              <a:ea typeface="微软雅黑" panose="020B0503020204020204" pitchFamily="34" charset="-122"/>
+            </a:endParaRPr>
+          </a:p>
+        </p:txBody>
+      </p:sp>
+    </p:spTree>
+    <p:extLst>
+      <p:ext uri="{BB962C8B-B14F-4D97-AF65-F5344CB8AC3E}">
+        <p14:creationId xmlns:p14="http://schemas.microsoft.com/office/powerpoint/2010/main" val="1210696327"/>
+      </p:ext>
+    </p:extLst>
+  </p:cSld>
+  <p:clrMapOvr>
+    <a:masterClrMapping/>
+  </p:clrMapOvr>
+</p:notes>
+</file>
+
+<file path=ppt/notesSlides/notesSlide12.xml><?xml version="1.0" encoding="utf-8"?>
+<p:notes xmlns:a="http://schemas.openxmlformats.org/drawingml/2006/main" xmlns:r="http://schemas.openxmlformats.org/officeDocument/2006/relationships" xmlns:p="http://schemas.openxmlformats.org/presentationml/2006/main">
+  <p:cSld>
+    <p:spTree>
+      <p:nvGrpSpPr>
+        <p:cNvPr id="1" name=""/>
+        <p:cNvGrpSpPr/>
+        <p:nvPr/>
+      </p:nvGrpSpPr>
+      <p:grpSpPr>
+        <a:xfrm>
+          <a:off x="0" y="0"/>
+          <a:ext cx="0" cy="0"/>
+          <a:chOff x="0" y="0"/>
+          <a:chExt cx="0" cy="0"/>
+        </a:xfrm>
+      </p:grpSpPr>
+      <p:sp>
+        <p:nvSpPr>
+          <p:cNvPr id="2" name="幻灯片图像占位符 1"/>
+          <p:cNvSpPr>
+            <a:spLocks noGrp="1" noRot="1" noChangeAspect="1"/>
+          </p:cNvSpPr>
+          <p:nvPr>
+            <p:ph type="sldImg"/>
+          </p:nvPr>
+        </p:nvSpPr>
+        <p:spPr/>
+      </p:sp>
+      <p:sp>
+        <p:nvSpPr>
+          <p:cNvPr id="3" name="备注占位符 2"/>
+          <p:cNvSpPr>
+            <a:spLocks noGrp="1"/>
+          </p:cNvSpPr>
+          <p:nvPr>
+            <p:ph type="body" idx="1"/>
+          </p:nvPr>
+        </p:nvSpPr>
+        <p:spPr/>
+        <p:txBody>
+          <a:bodyPr/>
+          <a:lstStyle/>
+          <a:p>
+            <a:endParaRPr lang="zh-CN" altLang="en-US"/>
+          </a:p>
+        </p:txBody>
+      </p:sp>
+      <p:sp>
+        <p:nvSpPr>
+          <p:cNvPr id="4" name="灯片编号占位符 3"/>
+          <p:cNvSpPr>
+            <a:spLocks noGrp="1"/>
+          </p:cNvSpPr>
+          <p:nvPr>
+            <p:ph type="sldNum" sz="quarter" idx="10"/>
+          </p:nvPr>
+        </p:nvSpPr>
+        <p:spPr/>
+        <p:txBody>
+          <a:bodyPr/>
+          <a:lstStyle/>
+          <a:p>
+            <a:pPr marL="0" marR="0" lvl="0" indent="0" algn="r" defTabSz="914400" eaLnBrk="0" fontAlgn="base" latinLnBrk="0" hangingPunct="0">
+              <a:lnSpc>
+                <a:spcPct val="100000"/>
+              </a:lnSpc>
+              <a:spcBef>
+                <a:spcPct val="0"/>
+              </a:spcBef>
+              <a:spcAft>
+                <a:spcPct val="0"/>
+              </a:spcAft>
+              <a:buClrTx/>
+              <a:buSzTx/>
+              <a:buFontTx/>
+              <a:buNone/>
+              <a:defRPr/>
+            </a:pPr>
+            <a:fld id="{39AD698A-D66C-4FA1-BBD8-F72AE9E6E751}" type="slidenum">
+              <a:rPr kumimoji="0" lang="zh-CN" altLang="en-US" sz="1200" b="0" i="0" u="none" strike="noStrike" kern="1200" cap="none" spc="0" normalizeH="0" baseline="0" noProof="0" smtClean="0">
+                <a:ln>
+                  <a:noFill/>
+                </a:ln>
+                <a:solidFill>
+                  <a:prstClr val="black"/>
+                </a:solidFill>
+                <a:effectLst/>
+                <a:uLnTx/>
+                <a:uFillTx/>
+                <a:latin typeface="Calibri" panose="020F0502020204030204" pitchFamily="34" charset="0"/>
+                <a:ea typeface="微软雅黑" panose="020B0503020204020204" pitchFamily="34" charset="-122"/>
+              </a:rPr>
+              <a:t>12</a:t>
+            </a:fld>
+            <a:endParaRPr kumimoji="0" lang="zh-CN" altLang="en-US" sz="1200" b="0" i="0" u="none" strike="noStrike" kern="1200" cap="none" spc="0" normalizeH="0" baseline="0" noProof="0">
+              <a:ln>
+                <a:noFill/>
+              </a:ln>
+              <a:solidFill>
+                <a:prstClr val="black"/>
+              </a:solidFill>
+              <a:effectLst/>
+              <a:uLnTx/>
+              <a:uFillTx/>
+              <a:latin typeface="Calibri" panose="020F0502020204030204" pitchFamily="34" charset="0"/>
+              <a:ea typeface="微软雅黑" panose="020B0503020204020204" pitchFamily="34" charset="-122"/>
+            </a:endParaRPr>
+          </a:p>
+        </p:txBody>
+      </p:sp>
+    </p:spTree>
+    <p:extLst>
+      <p:ext uri="{BB962C8B-B14F-4D97-AF65-F5344CB8AC3E}">
+        <p14:creationId xmlns:p14="http://schemas.microsoft.com/office/powerpoint/2010/main" val="2021457899"/>
+      </p:ext>
+    </p:extLst>
   </p:cSld>
   <p:clrMapOvr>
     <a:masterClrMapping/>
@@ -698,6 +1084,11 @@
         </p:txBody>
       </p:sp>
     </p:spTree>
+    <p:extLst>
+      <p:ext uri="{BB962C8B-B14F-4D97-AF65-F5344CB8AC3E}">
+        <p14:creationId xmlns:p14="http://schemas.microsoft.com/office/powerpoint/2010/main" val="1205284637"/>
+      </p:ext>
+    </p:extLst>
   </p:cSld>
   <p:clrMapOvr>
     <a:masterClrMapping/>
@@ -817,6 +1208,11 @@
         </p:txBody>
       </p:sp>
     </p:spTree>
+    <p:extLst>
+      <p:ext uri="{BB962C8B-B14F-4D97-AF65-F5344CB8AC3E}">
+        <p14:creationId xmlns:p14="http://schemas.microsoft.com/office/powerpoint/2010/main" val="5651908"/>
+      </p:ext>
+    </p:extLst>
   </p:cSld>
   <p:clrMapOvr>
     <a:masterClrMapping/>
@@ -936,6 +1332,11 @@
         </p:txBody>
       </p:sp>
     </p:spTree>
+    <p:extLst>
+      <p:ext uri="{BB962C8B-B14F-4D97-AF65-F5344CB8AC3E}">
+        <p14:creationId xmlns:p14="http://schemas.microsoft.com/office/powerpoint/2010/main" val="502337288"/>
+      </p:ext>
+    </p:extLst>
   </p:cSld>
   <p:clrMapOvr>
     <a:masterClrMapping/>
@@ -1055,6 +1456,11 @@
         </p:txBody>
       </p:sp>
     </p:spTree>
+    <p:extLst>
+      <p:ext uri="{BB962C8B-B14F-4D97-AF65-F5344CB8AC3E}">
+        <p14:creationId xmlns:p14="http://schemas.microsoft.com/office/powerpoint/2010/main" val="1024583059"/>
+      </p:ext>
+    </p:extLst>
   </p:cSld>
   <p:clrMapOvr>
     <a:masterClrMapping/>
@@ -1174,6 +1580,11 @@
         </p:txBody>
       </p:sp>
     </p:spTree>
+    <p:extLst>
+      <p:ext uri="{BB962C8B-B14F-4D97-AF65-F5344CB8AC3E}">
+        <p14:creationId xmlns:p14="http://schemas.microsoft.com/office/powerpoint/2010/main" val="1643590967"/>
+      </p:ext>
+    </p:extLst>
   </p:cSld>
   <p:clrMapOvr>
     <a:masterClrMapping/>
@@ -1686,7 +2097,7 @@
           <a:p>
             <a:fld id="{D997B5FA-0921-464F-AAE1-844C04324D75}" type="datetimeFigureOut">
               <a:rPr lang="zh-CN" altLang="en-US" smtClean="0"/>
-              <a:t>2018/12/23</a:t>
+              <a:t>2018/12/24</a:t>
             </a:fld>
             <a:endParaRPr lang="zh-CN" altLang="en-US" dirty="0"/>
           </a:p>
@@ -1776,7 +2187,7 @@
           <a:p>
             <a:fld id="{760FBDFE-C587-4B4C-A407-44438C67B59E}" type="datetimeFigureOut">
               <a:rPr lang="zh-CN" altLang="en-US" smtClean="0"/>
-              <a:t>2018/12/23</a:t>
+              <a:t>2018/12/24</a:t>
             </a:fld>
             <a:endParaRPr lang="zh-CN" altLang="en-US"/>
           </a:p>
@@ -2011,7 +2422,7 @@
           <a:p>
             <a:fld id="{760FBDFE-C587-4B4C-A407-44438C67B59E}" type="datetimeFigureOut">
               <a:rPr lang="zh-CN" altLang="en-US" smtClean="0"/>
-              <a:t>2018/12/23</a:t>
+              <a:t>2018/12/24</a:t>
             </a:fld>
             <a:endParaRPr lang="zh-CN" altLang="en-US" dirty="0"/>
           </a:p>
@@ -2252,7 +2663,7 @@
           <a:p>
             <a:fld id="{5CAADBD5-FF6F-4F1F-AF78-B518D2CD176F}" type="datetimeFigureOut">
               <a:rPr lang="zh-CN" altLang="en-US" smtClean="0"/>
-              <a:t>2018/12/23</a:t>
+              <a:t>2018/12/24</a:t>
             </a:fld>
             <a:endParaRPr lang="zh-CN" altLang="en-US"/>
           </a:p>
@@ -2476,7 +2887,7 @@
           <a:p>
             <a:fld id="{760FBDFE-C587-4B4C-A407-44438C67B59E}" type="datetimeFigureOut">
               <a:rPr lang="zh-CN" altLang="en-US" smtClean="0"/>
-              <a:t>2018/12/23</a:t>
+              <a:t>2018/12/24</a:t>
             </a:fld>
             <a:endParaRPr lang="zh-CN" altLang="en-US"/>
           </a:p>
@@ -2835,7 +3246,7 @@
           <a:p>
             <a:fld id="{760FBDFE-C587-4B4C-A407-44438C67B59E}" type="datetimeFigureOut">
               <a:rPr lang="zh-CN" altLang="en-US" smtClean="0"/>
-              <a:t>2018/12/23</a:t>
+              <a:t>2018/12/24</a:t>
             </a:fld>
             <a:endParaRPr lang="zh-CN" altLang="en-US"/>
           </a:p>
@@ -2948,7 +3359,7 @@
           <a:p>
             <a:fld id="{5CAADBD5-FF6F-4F1F-AF78-B518D2CD176F}" type="datetimeFigureOut">
               <a:rPr lang="zh-CN" altLang="en-US" smtClean="0"/>
-              <a:t>2018/12/23</a:t>
+              <a:t>2018/12/24</a:t>
             </a:fld>
             <a:endParaRPr lang="zh-CN" altLang="en-US"/>
           </a:p>
@@ -3038,7 +3449,7 @@
           <a:p>
             <a:fld id="{760FBDFE-C587-4B4C-A407-44438C67B59E}" type="datetimeFigureOut">
               <a:rPr lang="zh-CN" altLang="en-US" smtClean="0"/>
-              <a:t>2018/12/23</a:t>
+              <a:t>2018/12/24</a:t>
             </a:fld>
             <a:endParaRPr lang="zh-CN" altLang="en-US"/>
           </a:p>
@@ -3289,7 +3700,7 @@
           <a:p>
             <a:fld id="{9EFD9D74-47D9-4702-A33C-335B63B48DBF}" type="datetimeFigureOut">
               <a:rPr lang="zh-CN" altLang="en-US" smtClean="0"/>
-              <a:t>2018/12/23</a:t>
+              <a:t>2018/12/24</a:t>
             </a:fld>
             <a:endParaRPr lang="zh-CN" altLang="en-US" dirty="0"/>
           </a:p>
@@ -3468,7 +3879,7 @@
           <a:p>
             <a:fld id="{760FBDFE-C587-4B4C-A407-44438C67B59E}" type="datetimeFigureOut">
               <a:rPr lang="zh-CN" altLang="en-US" smtClean="0"/>
-              <a:t>2018/12/23</a:t>
+              <a:t>2018/12/24</a:t>
             </a:fld>
             <a:endParaRPr lang="zh-CN" altLang="en-US"/>
           </a:p>
@@ -3684,7 +4095,7 @@
           <a:p>
             <a:fld id="{D997B5FA-0921-464F-AAE1-844C04324D75}" type="datetimeFigureOut">
               <a:rPr lang="zh-CN" altLang="en-US" smtClean="0"/>
-              <a:t>2018/12/23</a:t>
+              <a:t>2018/12/24</a:t>
             </a:fld>
             <a:endParaRPr lang="zh-CN" altLang="en-US" dirty="0"/>
           </a:p>
@@ -4210,6 +4621,624 @@
 </p:sld>
 </file>
 
+<file path=ppt/slides/slide10.xml><?xml version="1.0" encoding="utf-8"?>
+<p:sld xmlns:a="http://schemas.openxmlformats.org/drawingml/2006/main" xmlns:r="http://schemas.openxmlformats.org/officeDocument/2006/relationships" xmlns:p="http://schemas.openxmlformats.org/presentationml/2006/main">
+  <p:cSld>
+    <p:spTree>
+      <p:nvGrpSpPr>
+        <p:cNvPr id="1" name=""/>
+        <p:cNvGrpSpPr/>
+        <p:nvPr/>
+      </p:nvGrpSpPr>
+      <p:grpSpPr>
+        <a:xfrm>
+          <a:off x="0" y="0"/>
+          <a:ext cx="0" cy="0"/>
+          <a:chOff x="0" y="0"/>
+          <a:chExt cx="0" cy="0"/>
+        </a:xfrm>
+      </p:grpSpPr>
+      <p:pic>
+        <p:nvPicPr>
+          <p:cNvPr id="41" name="图片 40" descr="sccnn.com_2018011761074383rpx8_02 [转换]-01"/>
+          <p:cNvPicPr>
+            <a:picLocks noChangeAspect="1"/>
+          </p:cNvPicPr>
+          <p:nvPr/>
+        </p:nvPicPr>
+        <p:blipFill>
+          <a:blip r:embed="rId4"/>
+          <a:srcRect r="43805"/>
+          <a:stretch>
+            <a:fillRect/>
+          </a:stretch>
+        </p:blipFill>
+        <p:spPr>
+          <a:xfrm>
+            <a:off x="-9525" y="22860"/>
+            <a:ext cx="3543300" cy="3557270"/>
+          </a:xfrm>
+          <a:prstGeom prst="rect">
+            <a:avLst/>
+          </a:prstGeom>
+        </p:spPr>
+      </p:pic>
+      <p:sp>
+        <p:nvSpPr>
+          <p:cNvPr id="3" name="文本框 2"/>
+          <p:cNvSpPr txBox="1"/>
+          <p:nvPr/>
+        </p:nvSpPr>
+        <p:spPr>
+          <a:xfrm>
+            <a:off x="4734046" y="1423686"/>
+            <a:ext cx="184731" cy="369332"/>
+          </a:xfrm>
+          <a:prstGeom prst="rect">
+            <a:avLst/>
+          </a:prstGeom>
+          <a:noFill/>
+        </p:spPr>
+        <p:txBody>
+          <a:bodyPr wrap="none" rtlCol="0">
+            <a:spAutoFit/>
+          </a:bodyPr>
+          <a:lstStyle/>
+          <a:p>
+            <a:endParaRPr kumimoji="1" lang="zh-CN" altLang="en-US" dirty="0"/>
+          </a:p>
+        </p:txBody>
+      </p:sp>
+      <p:sp>
+        <p:nvSpPr>
+          <p:cNvPr id="4" name="文本框 3"/>
+          <p:cNvSpPr txBox="1"/>
+          <p:nvPr/>
+        </p:nvSpPr>
+        <p:spPr>
+          <a:xfrm>
+            <a:off x="5636871" y="1041722"/>
+            <a:ext cx="184731" cy="369332"/>
+          </a:xfrm>
+          <a:prstGeom prst="rect">
+            <a:avLst/>
+          </a:prstGeom>
+          <a:noFill/>
+        </p:spPr>
+        <p:txBody>
+          <a:bodyPr wrap="none" rtlCol="0">
+            <a:spAutoFit/>
+          </a:bodyPr>
+          <a:lstStyle/>
+          <a:p>
+            <a:endParaRPr kumimoji="1" lang="zh-CN" altLang="en-US" dirty="0"/>
+          </a:p>
+        </p:txBody>
+      </p:sp>
+      <p:sp>
+        <p:nvSpPr>
+          <p:cNvPr id="7" name="文本框 6"/>
+          <p:cNvSpPr txBox="1"/>
+          <p:nvPr/>
+        </p:nvSpPr>
+        <p:spPr>
+          <a:xfrm>
+            <a:off x="4594335" y="509286"/>
+            <a:ext cx="3114403" cy="707886"/>
+          </a:xfrm>
+          <a:prstGeom prst="rect">
+            <a:avLst/>
+          </a:prstGeom>
+          <a:noFill/>
+        </p:spPr>
+        <p:txBody>
+          <a:bodyPr wrap="square" rtlCol="0">
+            <a:spAutoFit/>
+          </a:bodyPr>
+          <a:lstStyle/>
+          <a:p>
+            <a:r>
+              <a:rPr kumimoji="1" lang="en-US" altLang="zh-CN" sz="4000" smtClean="0"/>
+              <a:t>BP</a:t>
+            </a:r>
+            <a:r>
+              <a:rPr kumimoji="1" lang="zh-CN" altLang="en-US" sz="4000" dirty="0" smtClean="0"/>
+              <a:t>神经网络</a:t>
+            </a:r>
+            <a:endParaRPr kumimoji="1" lang="zh-CN" altLang="en-US" sz="4000" dirty="0"/>
+          </a:p>
+        </p:txBody>
+      </p:sp>
+      <p:pic>
+        <p:nvPicPr>
+          <p:cNvPr id="1026" name="Picture 2" descr="ç¥ç»ç½ç»âçå¾çæç´¢ç»æ"/>
+          <p:cNvPicPr>
+            <a:picLocks noChangeAspect="1" noChangeArrowheads="1"/>
+          </p:cNvPicPr>
+          <p:nvPr/>
+        </p:nvPicPr>
+        <p:blipFill>
+          <a:blip r:embed="rId5">
+            <a:extLst>
+              <a:ext uri="{28A0092B-C50C-407E-A947-70E740481C1C}">
+                <a14:useLocalDpi xmlns:a14="http://schemas.microsoft.com/office/drawing/2010/main" val="0"/>
+              </a:ext>
+            </a:extLst>
+          </a:blip>
+          <a:srcRect/>
+          <a:stretch>
+            <a:fillRect/>
+          </a:stretch>
+        </p:blipFill>
+        <p:spPr bwMode="auto">
+          <a:xfrm>
+            <a:off x="3298784" y="1608352"/>
+            <a:ext cx="6423949" cy="3589854"/>
+          </a:xfrm>
+          <a:prstGeom prst="rect">
+            <a:avLst/>
+          </a:prstGeom>
+          <a:noFill/>
+          <a:extLst>
+            <a:ext uri="{909E8E84-426E-40DD-AFC4-6F175D3DCCD1}">
+              <a14:hiddenFill xmlns:a14="http://schemas.microsoft.com/office/drawing/2010/main">
+                <a:solidFill>
+                  <a:srgbClr val="FFFFFF"/>
+                </a:solidFill>
+              </a14:hiddenFill>
+            </a:ext>
+          </a:extLst>
+        </p:spPr>
+      </p:pic>
+      <p:sp>
+        <p:nvSpPr>
+          <p:cNvPr id="9" name="文本框 8"/>
+          <p:cNvSpPr txBox="1"/>
+          <p:nvPr/>
+        </p:nvSpPr>
+        <p:spPr>
+          <a:xfrm>
+            <a:off x="4349390" y="4828874"/>
+            <a:ext cx="569387" cy="369332"/>
+          </a:xfrm>
+          <a:prstGeom prst="rect">
+            <a:avLst/>
+          </a:prstGeom>
+          <a:noFill/>
+        </p:spPr>
+        <p:txBody>
+          <a:bodyPr wrap="none" rtlCol="0">
+            <a:spAutoFit/>
+          </a:bodyPr>
+          <a:lstStyle/>
+          <a:p>
+            <a:r>
+              <a:rPr kumimoji="1" lang="en-US" altLang="zh-CN" smtClean="0"/>
+              <a:t>784</a:t>
+            </a:r>
+            <a:endParaRPr kumimoji="1" lang="zh-CN" altLang="en-US" dirty="0"/>
+          </a:p>
+        </p:txBody>
+      </p:sp>
+      <p:sp>
+        <p:nvSpPr>
+          <p:cNvPr id="11" name="文本框 10"/>
+          <p:cNvSpPr txBox="1"/>
+          <p:nvPr/>
+        </p:nvSpPr>
+        <p:spPr>
+          <a:xfrm>
+            <a:off x="6389225" y="5198206"/>
+            <a:ext cx="441146" cy="369332"/>
+          </a:xfrm>
+          <a:prstGeom prst="rect">
+            <a:avLst/>
+          </a:prstGeom>
+          <a:noFill/>
+        </p:spPr>
+        <p:txBody>
+          <a:bodyPr wrap="none" rtlCol="0">
+            <a:spAutoFit/>
+          </a:bodyPr>
+          <a:lstStyle/>
+          <a:p>
+            <a:r>
+              <a:rPr kumimoji="1" lang="en-US" altLang="zh-CN" smtClean="0"/>
+              <a:t>30</a:t>
+            </a:r>
+            <a:endParaRPr kumimoji="1" lang="zh-CN" altLang="en-US" dirty="0"/>
+          </a:p>
+        </p:txBody>
+      </p:sp>
+      <p:sp>
+        <p:nvSpPr>
+          <p:cNvPr id="12" name="文本框 11"/>
+          <p:cNvSpPr txBox="1"/>
+          <p:nvPr/>
+        </p:nvSpPr>
+        <p:spPr>
+          <a:xfrm>
+            <a:off x="8227086" y="4459542"/>
+            <a:ext cx="441146" cy="369332"/>
+          </a:xfrm>
+          <a:prstGeom prst="rect">
+            <a:avLst/>
+          </a:prstGeom>
+          <a:noFill/>
+        </p:spPr>
+        <p:txBody>
+          <a:bodyPr wrap="none" rtlCol="0">
+            <a:spAutoFit/>
+          </a:bodyPr>
+          <a:lstStyle/>
+          <a:p>
+            <a:r>
+              <a:rPr kumimoji="1" lang="en-US" altLang="zh-CN" smtClean="0"/>
+              <a:t>10</a:t>
+            </a:r>
+            <a:endParaRPr kumimoji="1" lang="zh-CN" altLang="en-US" dirty="0"/>
+          </a:p>
+        </p:txBody>
+      </p:sp>
+    </p:spTree>
+    <p:custDataLst>
+      <p:tags r:id="rId1"/>
+    </p:custDataLst>
+    <p:extLst>
+      <p:ext uri="{BB962C8B-B14F-4D97-AF65-F5344CB8AC3E}">
+        <p14:creationId xmlns:p14="http://schemas.microsoft.com/office/powerpoint/2010/main" val="1852879453"/>
+      </p:ext>
+    </p:extLst>
+  </p:cSld>
+  <p:clrMapOvr>
+    <a:masterClrMapping/>
+  </p:clrMapOvr>
+  <p:timing>
+    <p:tnLst>
+      <p:par>
+        <p:cTn id="1" dur="indefinite" restart="never" nodeType="tmRoot"/>
+      </p:par>
+    </p:tnLst>
+  </p:timing>
+</p:sld>
+</file>
+
+<file path=ppt/slides/slide11.xml><?xml version="1.0" encoding="utf-8"?>
+<p:sld xmlns:a="http://schemas.openxmlformats.org/drawingml/2006/main" xmlns:r="http://schemas.openxmlformats.org/officeDocument/2006/relationships" xmlns:p="http://schemas.openxmlformats.org/presentationml/2006/main">
+  <p:cSld>
+    <p:spTree>
+      <p:nvGrpSpPr>
+        <p:cNvPr id="1" name=""/>
+        <p:cNvGrpSpPr/>
+        <p:nvPr/>
+      </p:nvGrpSpPr>
+      <p:grpSpPr>
+        <a:xfrm>
+          <a:off x="0" y="0"/>
+          <a:ext cx="0" cy="0"/>
+          <a:chOff x="0" y="0"/>
+          <a:chExt cx="0" cy="0"/>
+        </a:xfrm>
+      </p:grpSpPr>
+      <p:pic>
+        <p:nvPicPr>
+          <p:cNvPr id="41" name="图片 40" descr="sccnn.com_2018011761074383rpx8_02 [转换]-01"/>
+          <p:cNvPicPr>
+            <a:picLocks noChangeAspect="1"/>
+          </p:cNvPicPr>
+          <p:nvPr/>
+        </p:nvPicPr>
+        <p:blipFill>
+          <a:blip r:embed="rId4"/>
+          <a:srcRect r="43805"/>
+          <a:stretch>
+            <a:fillRect/>
+          </a:stretch>
+        </p:blipFill>
+        <p:spPr>
+          <a:xfrm>
+            <a:off x="-9525" y="22860"/>
+            <a:ext cx="3543300" cy="3557270"/>
+          </a:xfrm>
+          <a:prstGeom prst="rect">
+            <a:avLst/>
+          </a:prstGeom>
+        </p:spPr>
+      </p:pic>
+      <p:pic>
+        <p:nvPicPr>
+          <p:cNvPr id="7" name="图片 6" descr="sccnn.com_2018011761074383rpx8_02 [转换]-01"/>
+          <p:cNvPicPr>
+            <a:picLocks noChangeAspect="1"/>
+          </p:cNvPicPr>
+          <p:nvPr/>
+        </p:nvPicPr>
+        <p:blipFill>
+          <a:blip r:embed="rId4"/>
+          <a:srcRect r="43805"/>
+          <a:stretch>
+            <a:fillRect/>
+          </a:stretch>
+        </p:blipFill>
+        <p:spPr>
+          <a:xfrm>
+            <a:off x="0" y="0"/>
+            <a:ext cx="3543300" cy="3557270"/>
+          </a:xfrm>
+          <a:prstGeom prst="rect">
+            <a:avLst/>
+          </a:prstGeom>
+        </p:spPr>
+      </p:pic>
+      <p:pic>
+        <p:nvPicPr>
+          <p:cNvPr id="2" name="图片 1"/>
+          <p:cNvPicPr>
+            <a:picLocks noChangeAspect="1"/>
+          </p:cNvPicPr>
+          <p:nvPr/>
+        </p:nvPicPr>
+        <p:blipFill>
+          <a:blip r:embed="rId5"/>
+          <a:stretch>
+            <a:fillRect/>
+          </a:stretch>
+        </p:blipFill>
+        <p:spPr>
+          <a:xfrm>
+            <a:off x="3159286" y="1527859"/>
+            <a:ext cx="7828677" cy="4567512"/>
+          </a:xfrm>
+          <a:prstGeom prst="rect">
+            <a:avLst/>
+          </a:prstGeom>
+        </p:spPr>
+      </p:pic>
+      <p:sp>
+        <p:nvSpPr>
+          <p:cNvPr id="4" name="文本框 3"/>
+          <p:cNvSpPr txBox="1"/>
+          <p:nvPr/>
+        </p:nvSpPr>
+        <p:spPr>
+          <a:xfrm>
+            <a:off x="6169306" y="844952"/>
+            <a:ext cx="2351926" cy="369332"/>
+          </a:xfrm>
+          <a:prstGeom prst="rect">
+            <a:avLst/>
+          </a:prstGeom>
+          <a:noFill/>
+        </p:spPr>
+        <p:txBody>
+          <a:bodyPr wrap="none" rtlCol="0">
+            <a:spAutoFit/>
+          </a:bodyPr>
+          <a:lstStyle/>
+          <a:p>
+            <a:r>
+              <a:rPr kumimoji="1" lang="zh-CN" altLang="en-US" dirty="0" smtClean="0"/>
+              <a:t>识别准确率：</a:t>
+            </a:r>
+            <a:r>
+              <a:rPr kumimoji="1" lang="en-US" altLang="zh-CN" dirty="0" smtClean="0"/>
+              <a:t>76.77%</a:t>
+            </a:r>
+            <a:endParaRPr kumimoji="1" lang="zh-CN" altLang="en-US" dirty="0"/>
+          </a:p>
+        </p:txBody>
+      </p:sp>
+    </p:spTree>
+    <p:custDataLst>
+      <p:tags r:id="rId1"/>
+    </p:custDataLst>
+    <p:extLst>
+      <p:ext uri="{BB962C8B-B14F-4D97-AF65-F5344CB8AC3E}">
+        <p14:creationId xmlns:p14="http://schemas.microsoft.com/office/powerpoint/2010/main" val="1618830310"/>
+      </p:ext>
+    </p:extLst>
+  </p:cSld>
+  <p:clrMapOvr>
+    <a:masterClrMapping/>
+  </p:clrMapOvr>
+  <p:timing>
+    <p:tnLst>
+      <p:par>
+        <p:cTn id="1" dur="indefinite" restart="never" nodeType="tmRoot"/>
+      </p:par>
+    </p:tnLst>
+  </p:timing>
+</p:sld>
+</file>
+
+<file path=ppt/slides/slide12.xml><?xml version="1.0" encoding="utf-8"?>
+<p:sld xmlns:a="http://schemas.openxmlformats.org/drawingml/2006/main" xmlns:r="http://schemas.openxmlformats.org/officeDocument/2006/relationships" xmlns:p="http://schemas.openxmlformats.org/presentationml/2006/main">
+  <p:cSld>
+    <p:spTree>
+      <p:nvGrpSpPr>
+        <p:cNvPr id="1" name=""/>
+        <p:cNvGrpSpPr/>
+        <p:nvPr/>
+      </p:nvGrpSpPr>
+      <p:grpSpPr>
+        <a:xfrm>
+          <a:off x="0" y="0"/>
+          <a:ext cx="0" cy="0"/>
+          <a:chOff x="0" y="0"/>
+          <a:chExt cx="0" cy="0"/>
+        </a:xfrm>
+      </p:grpSpPr>
+      <p:pic>
+        <p:nvPicPr>
+          <p:cNvPr id="41" name="图片 40" descr="sccnn.com_2018011761074383rpx8_02 [转换]-01"/>
+          <p:cNvPicPr>
+            <a:picLocks noChangeAspect="1"/>
+          </p:cNvPicPr>
+          <p:nvPr/>
+        </p:nvPicPr>
+        <p:blipFill>
+          <a:blip r:embed="rId4"/>
+          <a:srcRect r="43805"/>
+          <a:stretch>
+            <a:fillRect/>
+          </a:stretch>
+        </p:blipFill>
+        <p:spPr>
+          <a:xfrm>
+            <a:off x="-9525" y="22860"/>
+            <a:ext cx="3543300" cy="3557270"/>
+          </a:xfrm>
+          <a:prstGeom prst="rect">
+            <a:avLst/>
+          </a:prstGeom>
+        </p:spPr>
+      </p:pic>
+      <p:pic>
+        <p:nvPicPr>
+          <p:cNvPr id="7" name="图片 6" descr="sccnn.com_2018011761074383rpx8_02 [转换]-01"/>
+          <p:cNvPicPr>
+            <a:picLocks noChangeAspect="1"/>
+          </p:cNvPicPr>
+          <p:nvPr/>
+        </p:nvPicPr>
+        <p:blipFill>
+          <a:blip r:embed="rId4"/>
+          <a:srcRect r="43805"/>
+          <a:stretch>
+            <a:fillRect/>
+          </a:stretch>
+        </p:blipFill>
+        <p:spPr>
+          <a:xfrm>
+            <a:off x="0" y="0"/>
+            <a:ext cx="3543300" cy="3557270"/>
+          </a:xfrm>
+          <a:prstGeom prst="rect">
+            <a:avLst/>
+          </a:prstGeom>
+        </p:spPr>
+      </p:pic>
+      <p:pic>
+        <p:nvPicPr>
+          <p:cNvPr id="4" name="图片 3"/>
+          <p:cNvPicPr>
+            <a:picLocks noChangeAspect="1"/>
+          </p:cNvPicPr>
+          <p:nvPr/>
+        </p:nvPicPr>
+        <p:blipFill>
+          <a:blip r:embed="rId5">
+            <a:extLst>
+              <a:ext uri="{28A0092B-C50C-407E-A947-70E740481C1C}">
+                <a14:useLocalDpi xmlns:a14="http://schemas.microsoft.com/office/drawing/2010/main" val="0"/>
+              </a:ext>
+            </a:extLst>
+          </a:blip>
+          <a:stretch>
+            <a:fillRect/>
+          </a:stretch>
+        </p:blipFill>
+        <p:spPr>
+          <a:xfrm>
+            <a:off x="4968432" y="1503377"/>
+            <a:ext cx="3631557" cy="3458626"/>
+          </a:xfrm>
+          <a:prstGeom prst="rect">
+            <a:avLst/>
+          </a:prstGeom>
+        </p:spPr>
+      </p:pic>
+    </p:spTree>
+    <p:custDataLst>
+      <p:tags r:id="rId1"/>
+    </p:custDataLst>
+    <p:extLst>
+      <p:ext uri="{BB962C8B-B14F-4D97-AF65-F5344CB8AC3E}">
+        <p14:creationId xmlns:p14="http://schemas.microsoft.com/office/powerpoint/2010/main" val="2049346355"/>
+      </p:ext>
+    </p:extLst>
+  </p:cSld>
+  <p:clrMapOvr>
+    <a:masterClrMapping/>
+  </p:clrMapOvr>
+  <p:timing>
+    <p:tnLst>
+      <p:par>
+        <p:cTn id="1" dur="indefinite" restart="never" nodeType="tmRoot"/>
+      </p:par>
+    </p:tnLst>
+  </p:timing>
+</p:sld>
+</file>
+
+<file path=ppt/slides/slide13.xml><?xml version="1.0" encoding="utf-8"?>
+<p:sld xmlns:a="http://schemas.openxmlformats.org/drawingml/2006/main" xmlns:r="http://schemas.openxmlformats.org/officeDocument/2006/relationships" xmlns:p="http://schemas.openxmlformats.org/presentationml/2006/main">
+  <p:cSld>
+    <p:spTree>
+      <p:nvGrpSpPr>
+        <p:cNvPr id="1" name=""/>
+        <p:cNvGrpSpPr/>
+        <p:nvPr/>
+      </p:nvGrpSpPr>
+      <p:grpSpPr>
+        <a:xfrm>
+          <a:off x="0" y="0"/>
+          <a:ext cx="0" cy="0"/>
+          <a:chOff x="0" y="0"/>
+          <a:chExt cx="0" cy="0"/>
+        </a:xfrm>
+      </p:grpSpPr>
+      <p:sp>
+        <p:nvSpPr>
+          <p:cNvPr id="2" name="标题 1"/>
+          <p:cNvSpPr>
+            <a:spLocks noGrp="1"/>
+          </p:cNvSpPr>
+          <p:nvPr>
+            <p:ph type="title"/>
+          </p:nvPr>
+        </p:nvSpPr>
+        <p:spPr/>
+        <p:txBody>
+          <a:bodyPr/>
+          <a:lstStyle/>
+          <a:p>
+            <a:endParaRPr kumimoji="1" lang="zh-CN" altLang="en-US" dirty="0"/>
+          </a:p>
+        </p:txBody>
+      </p:sp>
+      <p:sp>
+        <p:nvSpPr>
+          <p:cNvPr id="3" name="内容占位符 2"/>
+          <p:cNvSpPr>
+            <a:spLocks noGrp="1"/>
+          </p:cNvSpPr>
+          <p:nvPr>
+            <p:ph idx="1"/>
+          </p:nvPr>
+        </p:nvSpPr>
+        <p:spPr/>
+        <p:txBody>
+          <a:bodyPr/>
+          <a:lstStyle/>
+          <a:p>
+            <a:endParaRPr kumimoji="1" lang="zh-CN" altLang="en-US"/>
+          </a:p>
+        </p:txBody>
+      </p:sp>
+    </p:spTree>
+    <p:extLst>
+      <p:ext uri="{BB962C8B-B14F-4D97-AF65-F5344CB8AC3E}">
+        <p14:creationId xmlns:p14="http://schemas.microsoft.com/office/powerpoint/2010/main" val="669055166"/>
+      </p:ext>
+    </p:extLst>
+  </p:cSld>
+  <p:clrMapOvr>
+    <a:masterClrMapping/>
+  </p:clrMapOvr>
+</p:sld>
+</file>
+
 <file path=ppt/slides/slide2.xml><?xml version="1.0" encoding="utf-8"?>
 <p:sld xmlns:a="http://schemas.openxmlformats.org/drawingml/2006/main" xmlns:r="http://schemas.openxmlformats.org/officeDocument/2006/relationships" xmlns:p="http://schemas.openxmlformats.org/presentationml/2006/main">
   <p:cSld>
@@ -6489,6 +7518,78 @@
 </file>
 
 <file path=ppt/tags/tag12.xml><?xml version="1.0" encoding="utf-8"?>
+<p:tagLst xmlns:a="http://schemas.openxmlformats.org/drawingml/2006/main" xmlns:r="http://schemas.openxmlformats.org/officeDocument/2006/relationships" xmlns:p="http://schemas.openxmlformats.org/presentationml/2006/main">
+  <p:tag name="KSO_WM_SLIDE_SUBTYPE" val="pureTxt"/>
+  <p:tag name="KSO_WM_TEMPLATE_TOPIC_DEFAULT" val="1"/>
+  <p:tag name="KSO_WM_TEMPLATE_JOB_ID" val="2"/>
+  <p:tag name="KSO_WM_TEMPLATE_SCENE_ID" val="1"/>
+  <p:tag name="KSO_WM_TEMPLATE_OUTLINE_ID" val="15"/>
+  <p:tag name="KSO_WM_TEMPLATE_TOPIC_ID" val="2869567"/>
+  <p:tag name="KSO_WM_SLIDE_SIZE" val="828*343"/>
+  <p:tag name="KSO_WM_SLIDE_POSITION" val="66*144"/>
+  <p:tag name="KSO_WM_BEAUTIFY_FLAG" val="#wm#"/>
+  <p:tag name="KSO_WM_SLIDE_TYPE" val="title"/>
+  <p:tag name="KSO_WM_SLIDE_LAYOUT_CNT" val="1_1"/>
+  <p:tag name="KSO_WM_SLIDE_LAYOUT" val="a_b"/>
+  <p:tag name="KSO_WM_SLIDE_ITEM_CNT" val="2"/>
+  <p:tag name="KSO_WM_SLIDE_INDEX" val="1"/>
+  <p:tag name="KSO_WM_SLIDE_ID" val="custom20184553_1"/>
+  <p:tag name="KSO_WM_TAG_VERSION" val="1.0"/>
+  <p:tag name="KSO_WM_TEMPLATE_INDEX" val="20184553"/>
+  <p:tag name="KSO_WM_TEMPLATE_CATEGORY" val="custom"/>
+  <p:tag name="KSO_WM_TEMPLATE_THUMBS_INDEX" val="1"/>
+</p:tagLst>
+</file>
+
+<file path=ppt/tags/tag13.xml><?xml version="1.0" encoding="utf-8"?>
+<p:tagLst xmlns:a="http://schemas.openxmlformats.org/drawingml/2006/main" xmlns:r="http://schemas.openxmlformats.org/officeDocument/2006/relationships" xmlns:p="http://schemas.openxmlformats.org/presentationml/2006/main">
+  <p:tag name="KSO_WM_SLIDE_SUBTYPE" val="pureTxt"/>
+  <p:tag name="KSO_WM_TEMPLATE_TOPIC_DEFAULT" val="1"/>
+  <p:tag name="KSO_WM_TEMPLATE_JOB_ID" val="2"/>
+  <p:tag name="KSO_WM_TEMPLATE_SCENE_ID" val="1"/>
+  <p:tag name="KSO_WM_TEMPLATE_OUTLINE_ID" val="15"/>
+  <p:tag name="KSO_WM_TEMPLATE_TOPIC_ID" val="2869567"/>
+  <p:tag name="KSO_WM_SLIDE_SIZE" val="828*343"/>
+  <p:tag name="KSO_WM_SLIDE_POSITION" val="66*144"/>
+  <p:tag name="KSO_WM_BEAUTIFY_FLAG" val="#wm#"/>
+  <p:tag name="KSO_WM_SLIDE_TYPE" val="title"/>
+  <p:tag name="KSO_WM_SLIDE_LAYOUT_CNT" val="1_1"/>
+  <p:tag name="KSO_WM_SLIDE_LAYOUT" val="a_b"/>
+  <p:tag name="KSO_WM_SLIDE_ITEM_CNT" val="2"/>
+  <p:tag name="KSO_WM_SLIDE_INDEX" val="1"/>
+  <p:tag name="KSO_WM_SLIDE_ID" val="custom20184553_1"/>
+  <p:tag name="KSO_WM_TAG_VERSION" val="1.0"/>
+  <p:tag name="KSO_WM_TEMPLATE_INDEX" val="20184553"/>
+  <p:tag name="KSO_WM_TEMPLATE_CATEGORY" val="custom"/>
+  <p:tag name="KSO_WM_TEMPLATE_THUMBS_INDEX" val="1"/>
+</p:tagLst>
+</file>
+
+<file path=ppt/tags/tag14.xml><?xml version="1.0" encoding="utf-8"?>
+<p:tagLst xmlns:a="http://schemas.openxmlformats.org/drawingml/2006/main" xmlns:r="http://schemas.openxmlformats.org/officeDocument/2006/relationships" xmlns:p="http://schemas.openxmlformats.org/presentationml/2006/main">
+  <p:tag name="KSO_WM_SLIDE_SUBTYPE" val="pureTxt"/>
+  <p:tag name="KSO_WM_TEMPLATE_TOPIC_DEFAULT" val="1"/>
+  <p:tag name="KSO_WM_TEMPLATE_JOB_ID" val="2"/>
+  <p:tag name="KSO_WM_TEMPLATE_SCENE_ID" val="1"/>
+  <p:tag name="KSO_WM_TEMPLATE_OUTLINE_ID" val="15"/>
+  <p:tag name="KSO_WM_TEMPLATE_TOPIC_ID" val="2869567"/>
+  <p:tag name="KSO_WM_SLIDE_SIZE" val="828*343"/>
+  <p:tag name="KSO_WM_SLIDE_POSITION" val="66*144"/>
+  <p:tag name="KSO_WM_BEAUTIFY_FLAG" val="#wm#"/>
+  <p:tag name="KSO_WM_SLIDE_TYPE" val="title"/>
+  <p:tag name="KSO_WM_SLIDE_LAYOUT_CNT" val="1_1"/>
+  <p:tag name="KSO_WM_SLIDE_LAYOUT" val="a_b"/>
+  <p:tag name="KSO_WM_SLIDE_ITEM_CNT" val="2"/>
+  <p:tag name="KSO_WM_SLIDE_INDEX" val="1"/>
+  <p:tag name="KSO_WM_SLIDE_ID" val="custom20184553_1"/>
+  <p:tag name="KSO_WM_TAG_VERSION" val="1.0"/>
+  <p:tag name="KSO_WM_TEMPLATE_INDEX" val="20184553"/>
+  <p:tag name="KSO_WM_TEMPLATE_CATEGORY" val="custom"/>
+  <p:tag name="KSO_WM_TEMPLATE_THUMBS_INDEX" val="1"/>
+</p:tagLst>
+</file>
+
+<file path=ppt/tags/tag15.xml><?xml version="1.0" encoding="utf-8"?>
 <p:tagLst xmlns:a="http://schemas.openxmlformats.org/drawingml/2006/main" xmlns:r="http://schemas.openxmlformats.org/officeDocument/2006/relationships" xmlns:p="http://schemas.openxmlformats.org/presentationml/2006/main">
   <p:tag name="KSO_WM_SLIDE_SUBTYPE" val="pureTxt"/>
   <p:tag name="KSO_WM_TEMPLATE_TOPIC_DEFAULT" val="1"/>

--- a/AI展示.pptx
+++ b/AI展示.pptx
@@ -125,6 +125,1284 @@
     </p:ext>
   </p:extLst>
 </p:presentation>
+</file>
+
+<file path=ppt/charts/chart1.xml><?xml version="1.0" encoding="utf-8"?>
+<c:chartSpace xmlns:c="http://schemas.openxmlformats.org/drawingml/2006/chart" xmlns:a="http://schemas.openxmlformats.org/drawingml/2006/main" xmlns:r="http://schemas.openxmlformats.org/officeDocument/2006/relationships" xmlns:c16r2="http://schemas.microsoft.com/office/drawing/2015/06/chart">
+  <c:date1904 val="0"/>
+  <c:lang val="zh-CN"/>
+  <c:roundedCorners val="0"/>
+  <mc:AlternateContent xmlns:mc="http://schemas.openxmlformats.org/markup-compatibility/2006">
+    <mc:Choice xmlns:c14="http://schemas.microsoft.com/office/drawing/2007/8/2/chart" Requires="c14">
+      <c14:style val="102"/>
+    </mc:Choice>
+    <mc:Fallback>
+      <c:style val="2"/>
+    </mc:Fallback>
+  </mc:AlternateContent>
+  <c:chart>
+    <c:autoTitleDeleted val="1"/>
+    <c:plotArea>
+      <c:layout>
+        <c:manualLayout>
+          <c:layoutTarget val="inner"/>
+          <c:xMode val="edge"/>
+          <c:yMode val="edge"/>
+          <c:x val="0.13290055411344828"/>
+          <c:y val="8.0163175872303552E-2"/>
+          <c:w val="0.82964326595032156"/>
+          <c:h val="0.80439338395050997"/>
+        </c:manualLayout>
+      </c:layout>
+      <c:lineChart>
+        <c:grouping val="percentStacked"/>
+        <c:varyColors val="0"/>
+        <c:ser>
+          <c:idx val="0"/>
+          <c:order val="0"/>
+          <c:tx>
+            <c:strRef>
+              <c:f>Sheet1!$B$1</c:f>
+              <c:strCache>
+                <c:ptCount val="1"/>
+                <c:pt idx="0">
+                  <c:v>系列 1</c:v>
+                </c:pt>
+              </c:strCache>
+            </c:strRef>
+          </c:tx>
+          <c:spPr>
+            <a:ln w="28575" cap="rnd">
+              <a:solidFill>
+                <a:schemeClr val="accent1"/>
+              </a:solidFill>
+              <a:round/>
+            </a:ln>
+            <a:effectLst/>
+          </c:spPr>
+          <c:marker>
+            <c:symbol val="none"/>
+          </c:marker>
+          <c:cat>
+            <c:numRef>
+              <c:f>Sheet1!$A$2:$A$61</c:f>
+              <c:numCache>
+                <c:formatCode>General</c:formatCode>
+                <c:ptCount val="60"/>
+                <c:pt idx="0">
+                  <c:v>1</c:v>
+                </c:pt>
+                <c:pt idx="1">
+                  <c:v>2</c:v>
+                </c:pt>
+                <c:pt idx="2">
+                  <c:v>3</c:v>
+                </c:pt>
+                <c:pt idx="3">
+                  <c:v>4</c:v>
+                </c:pt>
+                <c:pt idx="4">
+                  <c:v>5</c:v>
+                </c:pt>
+                <c:pt idx="5">
+                  <c:v>6</c:v>
+                </c:pt>
+                <c:pt idx="6">
+                  <c:v>7</c:v>
+                </c:pt>
+                <c:pt idx="7">
+                  <c:v>8</c:v>
+                </c:pt>
+                <c:pt idx="8">
+                  <c:v>9</c:v>
+                </c:pt>
+                <c:pt idx="9">
+                  <c:v>10</c:v>
+                </c:pt>
+                <c:pt idx="10">
+                  <c:v>11</c:v>
+                </c:pt>
+                <c:pt idx="11">
+                  <c:v>12</c:v>
+                </c:pt>
+                <c:pt idx="12">
+                  <c:v>13</c:v>
+                </c:pt>
+                <c:pt idx="13">
+                  <c:v>14</c:v>
+                </c:pt>
+                <c:pt idx="14">
+                  <c:v>15</c:v>
+                </c:pt>
+                <c:pt idx="15">
+                  <c:v>16</c:v>
+                </c:pt>
+                <c:pt idx="16">
+                  <c:v>17</c:v>
+                </c:pt>
+                <c:pt idx="17">
+                  <c:v>18</c:v>
+                </c:pt>
+                <c:pt idx="18">
+                  <c:v>19</c:v>
+                </c:pt>
+                <c:pt idx="19">
+                  <c:v>20</c:v>
+                </c:pt>
+                <c:pt idx="20">
+                  <c:v>21</c:v>
+                </c:pt>
+                <c:pt idx="21">
+                  <c:v>22</c:v>
+                </c:pt>
+                <c:pt idx="22">
+                  <c:v>23</c:v>
+                </c:pt>
+                <c:pt idx="23">
+                  <c:v>24</c:v>
+                </c:pt>
+                <c:pt idx="24">
+                  <c:v>25</c:v>
+                </c:pt>
+                <c:pt idx="25">
+                  <c:v>26</c:v>
+                </c:pt>
+                <c:pt idx="26">
+                  <c:v>27</c:v>
+                </c:pt>
+                <c:pt idx="27">
+                  <c:v>28</c:v>
+                </c:pt>
+                <c:pt idx="28">
+                  <c:v>29</c:v>
+                </c:pt>
+                <c:pt idx="29">
+                  <c:v>30</c:v>
+                </c:pt>
+                <c:pt idx="30">
+                  <c:v>31</c:v>
+                </c:pt>
+                <c:pt idx="31">
+                  <c:v>32</c:v>
+                </c:pt>
+                <c:pt idx="32">
+                  <c:v>33</c:v>
+                </c:pt>
+                <c:pt idx="33">
+                  <c:v>34</c:v>
+                </c:pt>
+                <c:pt idx="34">
+                  <c:v>35</c:v>
+                </c:pt>
+                <c:pt idx="35">
+                  <c:v>36</c:v>
+                </c:pt>
+                <c:pt idx="36">
+                  <c:v>37</c:v>
+                </c:pt>
+                <c:pt idx="37">
+                  <c:v>38</c:v>
+                </c:pt>
+                <c:pt idx="38">
+                  <c:v>39</c:v>
+                </c:pt>
+                <c:pt idx="39">
+                  <c:v>40</c:v>
+                </c:pt>
+                <c:pt idx="40">
+                  <c:v>41</c:v>
+                </c:pt>
+                <c:pt idx="41">
+                  <c:v>42</c:v>
+                </c:pt>
+                <c:pt idx="42">
+                  <c:v>43</c:v>
+                </c:pt>
+                <c:pt idx="43">
+                  <c:v>44</c:v>
+                </c:pt>
+                <c:pt idx="44">
+                  <c:v>45</c:v>
+                </c:pt>
+                <c:pt idx="45">
+                  <c:v>46</c:v>
+                </c:pt>
+                <c:pt idx="46">
+                  <c:v>47</c:v>
+                </c:pt>
+                <c:pt idx="47">
+                  <c:v>48</c:v>
+                </c:pt>
+                <c:pt idx="48">
+                  <c:v>49</c:v>
+                </c:pt>
+                <c:pt idx="49">
+                  <c:v>50</c:v>
+                </c:pt>
+                <c:pt idx="50">
+                  <c:v>51</c:v>
+                </c:pt>
+                <c:pt idx="51">
+                  <c:v>52</c:v>
+                </c:pt>
+                <c:pt idx="52">
+                  <c:v>53</c:v>
+                </c:pt>
+                <c:pt idx="53">
+                  <c:v>54</c:v>
+                </c:pt>
+                <c:pt idx="54">
+                  <c:v>55</c:v>
+                </c:pt>
+                <c:pt idx="55">
+                  <c:v>56</c:v>
+                </c:pt>
+                <c:pt idx="56">
+                  <c:v>57</c:v>
+                </c:pt>
+                <c:pt idx="57">
+                  <c:v>58</c:v>
+                </c:pt>
+                <c:pt idx="58">
+                  <c:v>59</c:v>
+                </c:pt>
+                <c:pt idx="59">
+                  <c:v>60</c:v>
+                </c:pt>
+              </c:numCache>
+            </c:numRef>
+          </c:cat>
+          <c:val>
+            <c:numRef>
+              <c:f>Sheet1!$B$2:$B$61</c:f>
+              <c:numCache>
+                <c:formatCode>General</c:formatCode>
+                <c:ptCount val="60"/>
+                <c:pt idx="0">
+                  <c:v>0</c:v>
+                </c:pt>
+                <c:pt idx="1">
+                  <c:v>0</c:v>
+                </c:pt>
+                <c:pt idx="2">
+                  <c:v>0</c:v>
+                </c:pt>
+                <c:pt idx="3">
+                  <c:v>0</c:v>
+                </c:pt>
+                <c:pt idx="4">
+                  <c:v>0</c:v>
+                </c:pt>
+                <c:pt idx="5">
+                  <c:v>0</c:v>
+                </c:pt>
+                <c:pt idx="6">
+                  <c:v>0</c:v>
+                </c:pt>
+                <c:pt idx="7">
+                  <c:v>0</c:v>
+                </c:pt>
+                <c:pt idx="8">
+                  <c:v>0</c:v>
+                </c:pt>
+                <c:pt idx="9">
+                  <c:v>0</c:v>
+                </c:pt>
+                <c:pt idx="10">
+                  <c:v>0</c:v>
+                </c:pt>
+                <c:pt idx="11">
+                  <c:v>0</c:v>
+                </c:pt>
+                <c:pt idx="12">
+                  <c:v>0</c:v>
+                </c:pt>
+                <c:pt idx="13">
+                  <c:v>0</c:v>
+                </c:pt>
+                <c:pt idx="14">
+                  <c:v>0</c:v>
+                </c:pt>
+                <c:pt idx="15">
+                  <c:v>0</c:v>
+                </c:pt>
+                <c:pt idx="16">
+                  <c:v>0</c:v>
+                </c:pt>
+                <c:pt idx="17">
+                  <c:v>0</c:v>
+                </c:pt>
+                <c:pt idx="18">
+                  <c:v>0</c:v>
+                </c:pt>
+                <c:pt idx="19">
+                  <c:v>0</c:v>
+                </c:pt>
+                <c:pt idx="20">
+                  <c:v>0</c:v>
+                </c:pt>
+                <c:pt idx="21">
+                  <c:v>0</c:v>
+                </c:pt>
+                <c:pt idx="22">
+                  <c:v>0</c:v>
+                </c:pt>
+                <c:pt idx="23">
+                  <c:v>0</c:v>
+                </c:pt>
+                <c:pt idx="24">
+                  <c:v>0</c:v>
+                </c:pt>
+                <c:pt idx="25">
+                  <c:v>0</c:v>
+                </c:pt>
+                <c:pt idx="26">
+                  <c:v>0</c:v>
+                </c:pt>
+                <c:pt idx="27">
+                  <c:v>0</c:v>
+                </c:pt>
+                <c:pt idx="28">
+                  <c:v>0</c:v>
+                </c:pt>
+                <c:pt idx="29">
+                  <c:v>0</c:v>
+                </c:pt>
+                <c:pt idx="30">
+                  <c:v>0</c:v>
+                </c:pt>
+                <c:pt idx="31">
+                  <c:v>0</c:v>
+                </c:pt>
+                <c:pt idx="32">
+                  <c:v>0</c:v>
+                </c:pt>
+                <c:pt idx="33">
+                  <c:v>0</c:v>
+                </c:pt>
+                <c:pt idx="34">
+                  <c:v>0</c:v>
+                </c:pt>
+                <c:pt idx="35">
+                  <c:v>0</c:v>
+                </c:pt>
+                <c:pt idx="36">
+                  <c:v>0</c:v>
+                </c:pt>
+                <c:pt idx="37">
+                  <c:v>0</c:v>
+                </c:pt>
+                <c:pt idx="38">
+                  <c:v>0</c:v>
+                </c:pt>
+                <c:pt idx="39">
+                  <c:v>0</c:v>
+                </c:pt>
+                <c:pt idx="40">
+                  <c:v>0</c:v>
+                </c:pt>
+                <c:pt idx="41">
+                  <c:v>0</c:v>
+                </c:pt>
+                <c:pt idx="42">
+                  <c:v>0</c:v>
+                </c:pt>
+                <c:pt idx="43">
+                  <c:v>0</c:v>
+                </c:pt>
+                <c:pt idx="44">
+                  <c:v>0</c:v>
+                </c:pt>
+                <c:pt idx="45">
+                  <c:v>0</c:v>
+                </c:pt>
+                <c:pt idx="46">
+                  <c:v>0</c:v>
+                </c:pt>
+                <c:pt idx="47">
+                  <c:v>0</c:v>
+                </c:pt>
+                <c:pt idx="48">
+                  <c:v>0</c:v>
+                </c:pt>
+                <c:pt idx="49">
+                  <c:v>0</c:v>
+                </c:pt>
+                <c:pt idx="50">
+                  <c:v>0</c:v>
+                </c:pt>
+                <c:pt idx="51">
+                  <c:v>0</c:v>
+                </c:pt>
+                <c:pt idx="52">
+                  <c:v>0</c:v>
+                </c:pt>
+                <c:pt idx="53">
+                  <c:v>0</c:v>
+                </c:pt>
+                <c:pt idx="54">
+                  <c:v>0</c:v>
+                </c:pt>
+                <c:pt idx="55">
+                  <c:v>0</c:v>
+                </c:pt>
+                <c:pt idx="56">
+                  <c:v>0</c:v>
+                </c:pt>
+                <c:pt idx="57">
+                  <c:v>0</c:v>
+                </c:pt>
+                <c:pt idx="58">
+                  <c:v>0</c:v>
+                </c:pt>
+                <c:pt idx="59">
+                  <c:v>0</c:v>
+                </c:pt>
+              </c:numCache>
+            </c:numRef>
+          </c:val>
+          <c:smooth val="0"/>
+          <c:extLst>
+            <c:ext xmlns:c16="http://schemas.microsoft.com/office/drawing/2014/chart" uri="{C3380CC4-5D6E-409C-BE32-E72D297353CC}">
+              <c16:uniqueId val="{00000000-9579-4CA9-9905-1ACC9FC6F71A}"/>
+            </c:ext>
+          </c:extLst>
+        </c:ser>
+        <c:dLbls>
+          <c:dLblPos val="t"/>
+          <c:showLegendKey val="0"/>
+          <c:showVal val="0"/>
+          <c:showCatName val="0"/>
+          <c:showSerName val="0"/>
+          <c:showPercent val="0"/>
+          <c:showBubbleSize val="0"/>
+        </c:dLbls>
+        <c:smooth val="0"/>
+        <c:axId val="463437695"/>
+        <c:axId val="463435615"/>
+      </c:lineChart>
+      <c:catAx>
+        <c:axId val="463437695"/>
+        <c:scaling>
+          <c:orientation val="minMax"/>
+        </c:scaling>
+        <c:delete val="0"/>
+        <c:axPos val="b"/>
+        <c:title>
+          <c:tx>
+            <c:rich>
+              <a:bodyPr rot="0" spcFirstLastPara="1" vertOverflow="ellipsis" vert="horz" wrap="square" anchor="ctr" anchorCtr="1"/>
+              <a:lstStyle/>
+              <a:p>
+                <a:pPr>
+                  <a:defRPr sz="1330" b="0" i="0" u="none" strike="noStrike" kern="1200" baseline="0">
+                    <a:solidFill>
+                      <a:schemeClr val="tx1">
+                        <a:lumMod val="65000"/>
+                        <a:lumOff val="35000"/>
+                      </a:schemeClr>
+                    </a:solidFill>
+                    <a:latin typeface="+mn-lt"/>
+                    <a:ea typeface="+mn-ea"/>
+                    <a:cs typeface="+mn-cs"/>
+                  </a:defRPr>
+                </a:pPr>
+                <a:r>
+                  <a:rPr lang="en-US" altLang="zh-CN" dirty="0" smtClean="0"/>
+                  <a:t>Samples</a:t>
+                </a:r>
+                <a:endParaRPr lang="zh-CN" altLang="en-US" dirty="0"/>
+              </a:p>
+            </c:rich>
+          </c:tx>
+          <c:layout/>
+          <c:overlay val="0"/>
+          <c:spPr>
+            <a:noFill/>
+            <a:ln>
+              <a:noFill/>
+            </a:ln>
+            <a:effectLst/>
+          </c:spPr>
+          <c:txPr>
+            <a:bodyPr rot="0" spcFirstLastPara="1" vertOverflow="ellipsis" vert="horz" wrap="square" anchor="ctr" anchorCtr="1"/>
+            <a:lstStyle/>
+            <a:p>
+              <a:pPr>
+                <a:defRPr sz="1330" b="0" i="0" u="none" strike="noStrike" kern="1200" baseline="0">
+                  <a:solidFill>
+                    <a:schemeClr val="tx1">
+                      <a:lumMod val="65000"/>
+                      <a:lumOff val="35000"/>
+                    </a:schemeClr>
+                  </a:solidFill>
+                  <a:latin typeface="+mn-lt"/>
+                  <a:ea typeface="+mn-ea"/>
+                  <a:cs typeface="+mn-cs"/>
+                </a:defRPr>
+              </a:pPr>
+              <a:endParaRPr lang="zh-CN"/>
+            </a:p>
+          </c:txPr>
+        </c:title>
+        <c:numFmt formatCode="General" sourceLinked="1"/>
+        <c:majorTickMark val="out"/>
+        <c:minorTickMark val="none"/>
+        <c:tickLblPos val="nextTo"/>
+        <c:spPr>
+          <a:noFill/>
+          <a:ln w="9525" cap="flat" cmpd="sng" algn="ctr">
+            <a:solidFill>
+              <a:schemeClr val="tx1">
+                <a:lumMod val="15000"/>
+                <a:lumOff val="85000"/>
+              </a:schemeClr>
+            </a:solidFill>
+            <a:round/>
+          </a:ln>
+          <a:effectLst/>
+        </c:spPr>
+        <c:txPr>
+          <a:bodyPr rot="-60000000" spcFirstLastPara="1" vertOverflow="ellipsis" vert="horz" wrap="square" anchor="ctr" anchorCtr="1"/>
+          <a:lstStyle/>
+          <a:p>
+            <a:pPr>
+              <a:defRPr sz="1197" b="0" i="0" u="none" strike="noStrike" kern="1200" baseline="0">
+                <a:solidFill>
+                  <a:schemeClr val="tx1">
+                    <a:lumMod val="65000"/>
+                    <a:lumOff val="35000"/>
+                  </a:schemeClr>
+                </a:solidFill>
+                <a:latin typeface="+mn-lt"/>
+                <a:ea typeface="+mn-ea"/>
+                <a:cs typeface="+mn-cs"/>
+              </a:defRPr>
+            </a:pPr>
+            <a:endParaRPr lang="zh-CN"/>
+          </a:p>
+        </c:txPr>
+        <c:crossAx val="463435615"/>
+        <c:crosses val="autoZero"/>
+        <c:auto val="1"/>
+        <c:lblAlgn val="ctr"/>
+        <c:lblOffset val="100"/>
+        <c:noMultiLvlLbl val="0"/>
+      </c:catAx>
+      <c:valAx>
+        <c:axId val="463435615"/>
+        <c:scaling>
+          <c:orientation val="minMax"/>
+        </c:scaling>
+        <c:delete val="0"/>
+        <c:axPos val="l"/>
+        <c:majorGridlines>
+          <c:spPr>
+            <a:ln w="9525" cap="flat" cmpd="sng" algn="ctr">
+              <a:solidFill>
+                <a:schemeClr val="tx1">
+                  <a:lumMod val="15000"/>
+                  <a:lumOff val="85000"/>
+                </a:schemeClr>
+              </a:solidFill>
+              <a:round/>
+            </a:ln>
+            <a:effectLst/>
+          </c:spPr>
+        </c:majorGridlines>
+        <c:title>
+          <c:tx>
+            <c:rich>
+              <a:bodyPr rot="-5400000" spcFirstLastPara="1" vertOverflow="ellipsis" vert="horz" wrap="square" anchor="ctr" anchorCtr="1"/>
+              <a:lstStyle/>
+              <a:p>
+                <a:pPr>
+                  <a:defRPr sz="1330" b="0" i="0" u="none" strike="noStrike" kern="1200" baseline="0">
+                    <a:solidFill>
+                      <a:schemeClr val="tx1">
+                        <a:lumMod val="65000"/>
+                        <a:lumOff val="35000"/>
+                      </a:schemeClr>
+                    </a:solidFill>
+                    <a:latin typeface="+mn-lt"/>
+                    <a:ea typeface="+mn-ea"/>
+                    <a:cs typeface="+mn-cs"/>
+                  </a:defRPr>
+                </a:pPr>
+                <a:r>
+                  <a:rPr lang="en-US" altLang="zh-CN" dirty="0" smtClean="0"/>
+                  <a:t>Accuracy</a:t>
+                </a:r>
+                <a:endParaRPr lang="zh-CN" altLang="en-US" dirty="0"/>
+              </a:p>
+            </c:rich>
+          </c:tx>
+          <c:layout/>
+          <c:overlay val="0"/>
+          <c:spPr>
+            <a:noFill/>
+            <a:ln>
+              <a:noFill/>
+            </a:ln>
+            <a:effectLst/>
+          </c:spPr>
+          <c:txPr>
+            <a:bodyPr rot="-5400000" spcFirstLastPara="1" vertOverflow="ellipsis" vert="horz" wrap="square" anchor="ctr" anchorCtr="1"/>
+            <a:lstStyle/>
+            <a:p>
+              <a:pPr>
+                <a:defRPr sz="1330" b="0" i="0" u="none" strike="noStrike" kern="1200" baseline="0">
+                  <a:solidFill>
+                    <a:schemeClr val="tx1">
+                      <a:lumMod val="65000"/>
+                      <a:lumOff val="35000"/>
+                    </a:schemeClr>
+                  </a:solidFill>
+                  <a:latin typeface="+mn-lt"/>
+                  <a:ea typeface="+mn-ea"/>
+                  <a:cs typeface="+mn-cs"/>
+                </a:defRPr>
+              </a:pPr>
+              <a:endParaRPr lang="zh-CN"/>
+            </a:p>
+          </c:txPr>
+        </c:title>
+        <c:numFmt formatCode="0%" sourceLinked="1"/>
+        <c:majorTickMark val="out"/>
+        <c:minorTickMark val="none"/>
+        <c:tickLblPos val="nextTo"/>
+        <c:spPr>
+          <a:noFill/>
+          <a:ln>
+            <a:noFill/>
+          </a:ln>
+          <a:effectLst/>
+        </c:spPr>
+        <c:txPr>
+          <a:bodyPr rot="-60000000" spcFirstLastPara="1" vertOverflow="ellipsis" vert="horz" wrap="square" anchor="ctr" anchorCtr="1"/>
+          <a:lstStyle/>
+          <a:p>
+            <a:pPr>
+              <a:defRPr sz="1197" b="0" i="0" u="none" strike="noStrike" kern="1200" baseline="0">
+                <a:solidFill>
+                  <a:schemeClr val="tx1">
+                    <a:lumMod val="65000"/>
+                    <a:lumOff val="35000"/>
+                  </a:schemeClr>
+                </a:solidFill>
+                <a:latin typeface="+mn-lt"/>
+                <a:ea typeface="+mn-ea"/>
+                <a:cs typeface="+mn-cs"/>
+              </a:defRPr>
+            </a:pPr>
+            <a:endParaRPr lang="zh-CN"/>
+          </a:p>
+        </c:txPr>
+        <c:crossAx val="463437695"/>
+        <c:crosses val="autoZero"/>
+        <c:crossBetween val="between"/>
+      </c:valAx>
+      <c:spPr>
+        <a:blipFill dpi="0" rotWithShape="1">
+          <a:blip xmlns:r="http://schemas.openxmlformats.org/officeDocument/2006/relationships" r:embed="rId3">
+            <a:extLst>
+              <a:ext uri="{28A0092B-C50C-407E-A947-70E740481C1C}">
+                <a14:useLocalDpi xmlns:a14="http://schemas.microsoft.com/office/drawing/2010/main" val="0"/>
+              </a:ext>
+            </a:extLst>
+          </a:blip>
+          <a:srcRect/>
+          <a:stretch>
+            <a:fillRect/>
+          </a:stretch>
+        </a:blipFill>
+        <a:ln w="25400">
+          <a:noFill/>
+        </a:ln>
+        <a:effectLst/>
+      </c:spPr>
+    </c:plotArea>
+    <c:plotVisOnly val="1"/>
+    <c:dispBlanksAs val="gap"/>
+    <c:showDLblsOverMax val="0"/>
+  </c:chart>
+  <c:spPr>
+    <a:noFill/>
+    <a:ln>
+      <a:noFill/>
+    </a:ln>
+    <a:effectLst/>
+  </c:spPr>
+  <c:txPr>
+    <a:bodyPr/>
+    <a:lstStyle/>
+    <a:p>
+      <a:pPr>
+        <a:defRPr/>
+      </a:pPr>
+      <a:endParaRPr lang="zh-CN"/>
+    </a:p>
+  </c:txPr>
+  <c:externalData r:id="rId4">
+    <c:autoUpdate val="0"/>
+  </c:externalData>
+</c:chartSpace>
+</file>
+
+<file path=ppt/charts/colors1.xml><?xml version="1.0" encoding="utf-8"?>
+<cs:colorStyle xmlns:cs="http://schemas.microsoft.com/office/drawing/2012/chartStyle" xmlns:a="http://schemas.openxmlformats.org/drawingml/2006/main" meth="cycle" id="10">
+  <a:schemeClr val="accent1"/>
+  <a:schemeClr val="accent2"/>
+  <a:schemeClr val="accent3"/>
+  <a:schemeClr val="accent4"/>
+  <a:schemeClr val="accent5"/>
+  <a:schemeClr val="accent6"/>
+  <cs:variation/>
+  <cs:variation>
+    <a:lumMod val="60000"/>
+  </cs:variation>
+  <cs:variation>
+    <a:lumMod val="80000"/>
+    <a:lumOff val="20000"/>
+  </cs:variation>
+  <cs:variation>
+    <a:lumMod val="80000"/>
+  </cs:variation>
+  <cs:variation>
+    <a:lumMod val="60000"/>
+    <a:lumOff val="40000"/>
+  </cs:variation>
+  <cs:variation>
+    <a:lumMod val="50000"/>
+  </cs:variation>
+  <cs:variation>
+    <a:lumMod val="70000"/>
+    <a:lumOff val="30000"/>
+  </cs:variation>
+  <cs:variation>
+    <a:lumMod val="70000"/>
+  </cs:variation>
+  <cs:variation>
+    <a:lumMod val="50000"/>
+    <a:lumOff val="50000"/>
+  </cs:variation>
+</cs:colorStyle>
+</file>
+
+<file path=ppt/charts/style1.xml><?xml version="1.0" encoding="utf-8"?>
+<cs:chartStyle xmlns:cs="http://schemas.microsoft.com/office/drawing/2012/chartStyle" xmlns:a="http://schemas.openxmlformats.org/drawingml/2006/main" id="227">
+  <cs:axisTitle>
+    <cs:lnRef idx="0"/>
+    <cs:fillRef idx="0"/>
+    <cs:effectRef idx="0"/>
+    <cs:fontRef idx="minor">
+      <a:schemeClr val="tx1">
+        <a:lumMod val="65000"/>
+        <a:lumOff val="35000"/>
+      </a:schemeClr>
+    </cs:fontRef>
+    <cs:defRPr sz="1330" kern="1200"/>
+  </cs:axisTitle>
+  <cs:categoryAxis>
+    <cs:lnRef idx="0"/>
+    <cs:fillRef idx="0"/>
+    <cs:effectRef idx="0"/>
+    <cs:fontRef idx="minor">
+      <a:schemeClr val="tx1">
+        <a:lumMod val="65000"/>
+        <a:lumOff val="35000"/>
+      </a:schemeClr>
+    </cs:fontRef>
+    <cs:spPr>
+      <a:ln w="9525" cap="flat" cmpd="sng" algn="ctr">
+        <a:solidFill>
+          <a:schemeClr val="tx1">
+            <a:lumMod val="15000"/>
+            <a:lumOff val="85000"/>
+          </a:schemeClr>
+        </a:solidFill>
+        <a:round/>
+      </a:ln>
+    </cs:spPr>
+    <cs:defRPr sz="1197" kern="1200"/>
+  </cs:categoryAxis>
+  <cs:chartArea mods="allowNoFillOverride allowNoLineOverride">
+    <cs:lnRef idx="0"/>
+    <cs:fillRef idx="0"/>
+    <cs:effectRef idx="0"/>
+    <cs:fontRef idx="minor">
+      <a:schemeClr val="tx1"/>
+    </cs:fontRef>
+    <cs:spPr>
+      <a:solidFill>
+        <a:schemeClr val="bg1"/>
+      </a:solidFill>
+      <a:ln w="9525" cap="flat" cmpd="sng" algn="ctr">
+        <a:solidFill>
+          <a:schemeClr val="tx1">
+            <a:lumMod val="15000"/>
+            <a:lumOff val="85000"/>
+          </a:schemeClr>
+        </a:solidFill>
+        <a:round/>
+      </a:ln>
+    </cs:spPr>
+    <cs:defRPr sz="1330" kern="1200"/>
+  </cs:chartArea>
+  <cs:dataLabel>
+    <cs:lnRef idx="0"/>
+    <cs:fillRef idx="0"/>
+    <cs:effectRef idx="0"/>
+    <cs:fontRef idx="minor">
+      <a:schemeClr val="tx1">
+        <a:lumMod val="75000"/>
+        <a:lumOff val="25000"/>
+      </a:schemeClr>
+    </cs:fontRef>
+    <cs:defRPr sz="1197" kern="1200"/>
+  </cs:dataLabel>
+  <cs:dataLabelCallout>
+    <cs:lnRef idx="0"/>
+    <cs:fillRef idx="0"/>
+    <cs:effectRef idx="0"/>
+    <cs:fontRef idx="minor">
+      <a:schemeClr val="dk1">
+        <a:lumMod val="65000"/>
+        <a:lumOff val="35000"/>
+      </a:schemeClr>
+    </cs:fontRef>
+    <cs:spPr>
+      <a:solidFill>
+        <a:schemeClr val="lt1"/>
+      </a:solidFill>
+      <a:ln>
+        <a:solidFill>
+          <a:schemeClr val="dk1">
+            <a:lumMod val="25000"/>
+            <a:lumOff val="75000"/>
+          </a:schemeClr>
+        </a:solidFill>
+      </a:ln>
+    </cs:spPr>
+    <cs:defRPr sz="1197" kern="1200"/>
+    <cs:bodyPr rot="0" spcFirstLastPara="1" vertOverflow="clip" horzOverflow="clip" vert="horz" wrap="square" lIns="36576" tIns="18288" rIns="36576" bIns="18288" anchor="ctr" anchorCtr="1">
+      <a:spAutoFit/>
+    </cs:bodyPr>
+  </cs:dataLabelCallout>
+  <cs:dataPoint>
+    <cs:lnRef idx="0"/>
+    <cs:fillRef idx="1">
+      <cs:styleClr val="auto"/>
+    </cs:fillRef>
+    <cs:effectRef idx="0"/>
+    <cs:fontRef idx="minor">
+      <a:schemeClr val="tx1"/>
+    </cs:fontRef>
+    <cs:spPr>
+      <a:solidFill>
+        <a:schemeClr val="phClr"/>
+      </a:solidFill>
+    </cs:spPr>
+  </cs:dataPoint>
+  <cs:dataPoint3D>
+    <cs:lnRef idx="0"/>
+    <cs:fillRef idx="1">
+      <cs:styleClr val="auto"/>
+    </cs:fillRef>
+    <cs:effectRef idx="0"/>
+    <cs:fontRef idx="minor">
+      <a:schemeClr val="tx1"/>
+    </cs:fontRef>
+    <cs:spPr>
+      <a:solidFill>
+        <a:schemeClr val="phClr"/>
+      </a:solidFill>
+    </cs:spPr>
+  </cs:dataPoint3D>
+  <cs:dataPointLine>
+    <cs:lnRef idx="0">
+      <cs:styleClr val="auto"/>
+    </cs:lnRef>
+    <cs:fillRef idx="1"/>
+    <cs:effectRef idx="0"/>
+    <cs:fontRef idx="minor">
+      <a:schemeClr val="tx1"/>
+    </cs:fontRef>
+    <cs:spPr>
+      <a:ln w="28575" cap="rnd">
+        <a:solidFill>
+          <a:schemeClr val="phClr"/>
+        </a:solidFill>
+        <a:round/>
+      </a:ln>
+    </cs:spPr>
+  </cs:dataPointLine>
+  <cs:dataPointMarker>
+    <cs:lnRef idx="0">
+      <cs:styleClr val="auto"/>
+    </cs:lnRef>
+    <cs:fillRef idx="1">
+      <cs:styleClr val="auto"/>
+    </cs:fillRef>
+    <cs:effectRef idx="0"/>
+    <cs:fontRef idx="minor">
+      <a:schemeClr val="tx1"/>
+    </cs:fontRef>
+    <cs:spPr>
+      <a:solidFill>
+        <a:schemeClr val="phClr"/>
+      </a:solidFill>
+      <a:ln w="9525">
+        <a:solidFill>
+          <a:schemeClr val="phClr"/>
+        </a:solidFill>
+      </a:ln>
+    </cs:spPr>
+  </cs:dataPointMarker>
+  <cs:dataPointMarkerLayout symbol="circle" size="5"/>
+  <cs:dataPointWireframe>
+    <cs:lnRef idx="0">
+      <cs:styleClr val="auto"/>
+    </cs:lnRef>
+    <cs:fillRef idx="1"/>
+    <cs:effectRef idx="0"/>
+    <cs:fontRef idx="minor">
+      <a:schemeClr val="tx1"/>
+    </cs:fontRef>
+    <cs:spPr>
+      <a:ln w="9525" cap="rnd">
+        <a:solidFill>
+          <a:schemeClr val="phClr"/>
+        </a:solidFill>
+        <a:round/>
+      </a:ln>
+    </cs:spPr>
+  </cs:dataPointWireframe>
+  <cs:dataTable>
+    <cs:lnRef idx="0"/>
+    <cs:fillRef idx="0"/>
+    <cs:effectRef idx="0"/>
+    <cs:fontRef idx="minor">
+      <a:schemeClr val="tx1">
+        <a:lumMod val="65000"/>
+        <a:lumOff val="35000"/>
+      </a:schemeClr>
+    </cs:fontRef>
+    <cs:spPr>
+      <a:noFill/>
+      <a:ln w="9525" cap="flat" cmpd="sng" algn="ctr">
+        <a:solidFill>
+          <a:schemeClr val="tx1">
+            <a:lumMod val="15000"/>
+            <a:lumOff val="85000"/>
+          </a:schemeClr>
+        </a:solidFill>
+        <a:round/>
+      </a:ln>
+    </cs:spPr>
+    <cs:defRPr sz="1197" kern="1200"/>
+  </cs:dataTable>
+  <cs:downBar>
+    <cs:lnRef idx="0"/>
+    <cs:fillRef idx="0"/>
+    <cs:effectRef idx="0"/>
+    <cs:fontRef idx="minor">
+      <a:schemeClr val="dk1"/>
+    </cs:fontRef>
+    <cs:spPr>
+      <a:solidFill>
+        <a:schemeClr val="dk1">
+          <a:lumMod val="65000"/>
+          <a:lumOff val="35000"/>
+        </a:schemeClr>
+      </a:solidFill>
+      <a:ln w="9525">
+        <a:solidFill>
+          <a:schemeClr val="tx1">
+            <a:lumMod val="65000"/>
+            <a:lumOff val="35000"/>
+          </a:schemeClr>
+        </a:solidFill>
+      </a:ln>
+    </cs:spPr>
+  </cs:downBar>
+  <cs:dropLine>
+    <cs:lnRef idx="0"/>
+    <cs:fillRef idx="0"/>
+    <cs:effectRef idx="0"/>
+    <cs:fontRef idx="minor">
+      <a:schemeClr val="tx1"/>
+    </cs:fontRef>
+    <cs:spPr>
+      <a:ln w="9525" cap="flat" cmpd="sng" algn="ctr">
+        <a:solidFill>
+          <a:schemeClr val="tx1">
+            <a:lumMod val="35000"/>
+            <a:lumOff val="65000"/>
+          </a:schemeClr>
+        </a:solidFill>
+        <a:round/>
+      </a:ln>
+    </cs:spPr>
+  </cs:dropLine>
+  <cs:errorBar>
+    <cs:lnRef idx="0"/>
+    <cs:fillRef idx="0"/>
+    <cs:effectRef idx="0"/>
+    <cs:fontRef idx="minor">
+      <a:schemeClr val="tx1"/>
+    </cs:fontRef>
+    <cs:spPr>
+      <a:ln w="9525" cap="flat" cmpd="sng" algn="ctr">
+        <a:solidFill>
+          <a:schemeClr val="tx1">
+            <a:lumMod val="65000"/>
+            <a:lumOff val="35000"/>
+          </a:schemeClr>
+        </a:solidFill>
+        <a:round/>
+      </a:ln>
+    </cs:spPr>
+  </cs:errorBar>
+  <cs:floor>
+    <cs:lnRef idx="0"/>
+    <cs:fillRef idx="0"/>
+    <cs:effectRef idx="0"/>
+    <cs:fontRef idx="minor">
+      <a:schemeClr val="tx1"/>
+    </cs:fontRef>
+    <cs:spPr>
+      <a:noFill/>
+      <a:ln>
+        <a:noFill/>
+      </a:ln>
+    </cs:spPr>
+  </cs:floor>
+  <cs:gridlineMajor>
+    <cs:lnRef idx="0"/>
+    <cs:fillRef idx="0"/>
+    <cs:effectRef idx="0"/>
+    <cs:fontRef idx="minor">
+      <a:schemeClr val="tx1"/>
+    </cs:fontRef>
+    <cs:spPr>
+      <a:ln w="9525" cap="flat" cmpd="sng" algn="ctr">
+        <a:solidFill>
+          <a:schemeClr val="tx1">
+            <a:lumMod val="15000"/>
+            <a:lumOff val="85000"/>
+          </a:schemeClr>
+        </a:solidFill>
+        <a:round/>
+      </a:ln>
+    </cs:spPr>
+  </cs:gridlineMajor>
+  <cs:gridlineMinor>
+    <cs:lnRef idx="0"/>
+    <cs:fillRef idx="0"/>
+    <cs:effectRef idx="0"/>
+    <cs:fontRef idx="minor">
+      <a:schemeClr val="tx1"/>
+    </cs:fontRef>
+    <cs:spPr>
+      <a:ln w="9525" cap="flat" cmpd="sng" algn="ctr">
+        <a:solidFill>
+          <a:schemeClr val="tx1">
+            <a:lumMod val="5000"/>
+            <a:lumOff val="95000"/>
+          </a:schemeClr>
+        </a:solidFill>
+        <a:round/>
+      </a:ln>
+    </cs:spPr>
+  </cs:gridlineMinor>
+  <cs:hiLoLine>
+    <cs:lnRef idx="0"/>
+    <cs:fillRef idx="0"/>
+    <cs:effectRef idx="0"/>
+    <cs:fontRef idx="minor">
+      <a:schemeClr val="tx1"/>
+    </cs:fontRef>
+    <cs:spPr>
+      <a:ln w="9525" cap="flat" cmpd="sng" algn="ctr">
+        <a:solidFill>
+          <a:schemeClr val="tx1">
+            <a:lumMod val="75000"/>
+            <a:lumOff val="25000"/>
+          </a:schemeClr>
+        </a:solidFill>
+        <a:round/>
+      </a:ln>
+    </cs:spPr>
+  </cs:hiLoLine>
+  <cs:leaderLine>
+    <cs:lnRef idx="0"/>
+    <cs:fillRef idx="0"/>
+    <cs:effectRef idx="0"/>
+    <cs:fontRef idx="minor">
+      <a:schemeClr val="tx1"/>
+    </cs:fontRef>
+    <cs:spPr>
+      <a:ln w="9525" cap="flat" cmpd="sng" algn="ctr">
+        <a:solidFill>
+          <a:schemeClr val="tx1">
+            <a:lumMod val="35000"/>
+            <a:lumOff val="65000"/>
+          </a:schemeClr>
+        </a:solidFill>
+        <a:round/>
+      </a:ln>
+    </cs:spPr>
+  </cs:leaderLine>
+  <cs:legend>
+    <cs:lnRef idx="0"/>
+    <cs:fillRef idx="0"/>
+    <cs:effectRef idx="0"/>
+    <cs:fontRef idx="minor">
+      <a:schemeClr val="tx1">
+        <a:lumMod val="65000"/>
+        <a:lumOff val="35000"/>
+      </a:schemeClr>
+    </cs:fontRef>
+    <cs:defRPr sz="1197" kern="1200"/>
+  </cs:legend>
+  <cs:plotArea mods="allowNoFillOverride allowNoLineOverride">
+    <cs:lnRef idx="0"/>
+    <cs:fillRef idx="0"/>
+    <cs:effectRef idx="0"/>
+    <cs:fontRef idx="minor">
+      <a:schemeClr val="tx1"/>
+    </cs:fontRef>
+  </cs:plotArea>
+  <cs:plotArea3D mods="allowNoFillOverride allowNoLineOverride">
+    <cs:lnRef idx="0"/>
+    <cs:fillRef idx="0"/>
+    <cs:effectRef idx="0"/>
+    <cs:fontRef idx="minor">
+      <a:schemeClr val="tx1"/>
+    </cs:fontRef>
+  </cs:plotArea3D>
+  <cs:seriesAxis>
+    <cs:lnRef idx="0"/>
+    <cs:fillRef idx="0"/>
+    <cs:effectRef idx="0"/>
+    <cs:fontRef idx="minor">
+      <a:schemeClr val="tx1">
+        <a:lumMod val="65000"/>
+        <a:lumOff val="35000"/>
+      </a:schemeClr>
+    </cs:fontRef>
+    <cs:defRPr sz="1197" kern="1200"/>
+  </cs:seriesAxis>
+  <cs:seriesLine>
+    <cs:lnRef idx="0"/>
+    <cs:fillRef idx="0"/>
+    <cs:effectRef idx="0"/>
+    <cs:fontRef idx="minor">
+      <a:schemeClr val="tx1"/>
+    </cs:fontRef>
+    <cs:spPr>
+      <a:ln w="9525" cap="flat" cmpd="sng" algn="ctr">
+        <a:solidFill>
+          <a:schemeClr val="tx1">
+            <a:lumMod val="35000"/>
+            <a:lumOff val="65000"/>
+          </a:schemeClr>
+        </a:solidFill>
+        <a:round/>
+      </a:ln>
+    </cs:spPr>
+  </cs:seriesLine>
+  <cs:title>
+    <cs:lnRef idx="0"/>
+    <cs:fillRef idx="0"/>
+    <cs:effectRef idx="0"/>
+    <cs:fontRef idx="minor">
+      <a:schemeClr val="tx1">
+        <a:lumMod val="65000"/>
+        <a:lumOff val="35000"/>
+      </a:schemeClr>
+    </cs:fontRef>
+    <cs:defRPr sz="1862" b="0" kern="1200" spc="0" baseline="0"/>
+  </cs:title>
+  <cs:trendline>
+    <cs:lnRef idx="0">
+      <cs:styleClr val="auto"/>
+    </cs:lnRef>
+    <cs:fillRef idx="0"/>
+    <cs:effectRef idx="0"/>
+    <cs:fontRef idx="minor">
+      <a:schemeClr val="tx1"/>
+    </cs:fontRef>
+    <cs:spPr>
+      <a:ln w="19050" cap="rnd">
+        <a:solidFill>
+          <a:schemeClr val="phClr"/>
+        </a:solidFill>
+        <a:prstDash val="sysDot"/>
+      </a:ln>
+    </cs:spPr>
+  </cs:trendline>
+  <cs:trendlineLabel>
+    <cs:lnRef idx="0"/>
+    <cs:fillRef idx="0"/>
+    <cs:effectRef idx="0"/>
+    <cs:fontRef idx="minor">
+      <a:schemeClr val="tx1">
+        <a:lumMod val="65000"/>
+        <a:lumOff val="35000"/>
+      </a:schemeClr>
+    </cs:fontRef>
+    <cs:defRPr sz="1197" kern="1200"/>
+  </cs:trendlineLabel>
+  <cs:upBar>
+    <cs:lnRef idx="0"/>
+    <cs:fillRef idx="0"/>
+    <cs:effectRef idx="0"/>
+    <cs:fontRef idx="minor">
+      <a:schemeClr val="dk1"/>
+    </cs:fontRef>
+    <cs:spPr>
+      <a:solidFill>
+        <a:schemeClr val="lt1"/>
+      </a:solidFill>
+      <a:ln w="9525">
+        <a:solidFill>
+          <a:schemeClr val="tx1">
+            <a:lumMod val="15000"/>
+            <a:lumOff val="85000"/>
+          </a:schemeClr>
+        </a:solidFill>
+      </a:ln>
+    </cs:spPr>
+  </cs:upBar>
+  <cs:valueAxis>
+    <cs:lnRef idx="0"/>
+    <cs:fillRef idx="0"/>
+    <cs:effectRef idx="0"/>
+    <cs:fontRef idx="minor">
+      <a:schemeClr val="tx1">
+        <a:lumMod val="65000"/>
+        <a:lumOff val="35000"/>
+      </a:schemeClr>
+    </cs:fontRef>
+    <cs:defRPr sz="1197" kern="1200"/>
+  </cs:valueAxis>
+  <cs:wall>
+    <cs:lnRef idx="0"/>
+    <cs:fillRef idx="0"/>
+    <cs:effectRef idx="0"/>
+    <cs:fontRef idx="minor">
+      <a:schemeClr val="tx1"/>
+    </cs:fontRef>
+    <cs:spPr>
+      <a:noFill/>
+      <a:ln>
+        <a:noFill/>
+      </a:ln>
+    </cs:spPr>
+  </cs:wall>
+</cs:chartStyle>
 </file>
 
 <file path=ppt/notesMasters/notesMaster1.xml><?xml version="1.0" encoding="utf-8"?>
@@ -5118,36 +6396,28 @@
           </a:prstGeom>
         </p:spPr>
       </p:pic>
-      <p:pic>
-        <p:nvPicPr>
-          <p:cNvPr id="4" name="图片 3"/>
-          <p:cNvPicPr>
-            <a:picLocks noChangeAspect="1"/>
-          </p:cNvPicPr>
-          <p:nvPr/>
-        </p:nvPicPr>
-        <p:blipFill>
-          <a:blip r:embed="rId5">
-            <a:extLst>
-              <a:ext uri="{28A0092B-C50C-407E-A947-70E740481C1C}">
-                <a14:useLocalDpi xmlns:a14="http://schemas.microsoft.com/office/drawing/2010/main" val="0"/>
-              </a:ext>
-            </a:extLst>
-          </a:blip>
-          <a:stretch>
-            <a:fillRect/>
-          </a:stretch>
-        </p:blipFill>
-        <p:spPr>
-          <a:xfrm>
-            <a:off x="4968432" y="1503377"/>
-            <a:ext cx="3631557" cy="3458626"/>
-          </a:xfrm>
-          <a:prstGeom prst="rect">
-            <a:avLst/>
-          </a:prstGeom>
-        </p:spPr>
-      </p:pic>
+      <p:graphicFrame>
+        <p:nvGraphicFramePr>
+          <p:cNvPr id="14" name="图表 13"/>
+          <p:cNvGraphicFramePr/>
+          <p:nvPr>
+            <p:extLst>
+              <p:ext uri="{D42A27DB-BD31-4B8C-83A1-F6EECF244321}">
+                <p14:modId xmlns:p14="http://schemas.microsoft.com/office/powerpoint/2010/main" val="2464288044"/>
+              </p:ext>
+            </p:extLst>
+          </p:nvPr>
+        </p:nvGraphicFramePr>
+        <p:xfrm>
+          <a:off x="2510972" y="412478"/>
+          <a:ext cx="7707086" cy="6075408"/>
+        </p:xfrm>
+        <a:graphic>
+          <a:graphicData uri="http://schemas.openxmlformats.org/drawingml/2006/chart">
+            <c:chart xmlns:c="http://schemas.openxmlformats.org/drawingml/2006/chart" xmlns:r="http://schemas.openxmlformats.org/officeDocument/2006/relationships" r:id="rId5"/>
+          </a:graphicData>
+        </a:graphic>
+      </p:graphicFrame>
     </p:spTree>
     <p:custDataLst>
       <p:tags r:id="rId1"/>

--- a/AI展示.pptx
+++ b/AI展示.pptx
@@ -569,7 +569,6 @@
           </c:extLst>
         </c:ser>
         <c:dLbls>
-          <c:dLblPos val="t"/>
           <c:showLegendKey val="0"/>
           <c:showVal val="0"/>
           <c:showCatName val="0"/>
@@ -609,7 +608,7 @@
                 </a:pPr>
                 <a:r>
                   <a:rPr lang="en-US" altLang="zh-CN" dirty="0" smtClean="0"/>
-                  <a:t>Samples</a:t>
+                  <a:t>Samples (k)</a:t>
                 </a:r>
                 <a:endParaRPr lang="zh-CN" altLang="en-US" dirty="0"/>
               </a:p>
@@ -849,7 +848,768 @@
 </c:chartSpace>
 </file>
 
+<file path=ppt/charts/chart2.xml><?xml version="1.0" encoding="utf-8"?>
+<c:chartSpace xmlns:c="http://schemas.openxmlformats.org/drawingml/2006/chart" xmlns:a="http://schemas.openxmlformats.org/drawingml/2006/main" xmlns:r="http://schemas.openxmlformats.org/officeDocument/2006/relationships" xmlns:c16r2="http://schemas.microsoft.com/office/drawing/2015/06/chart">
+  <c:date1904 val="0"/>
+  <c:lang val="zh-CN"/>
+  <c:roundedCorners val="0"/>
+  <mc:AlternateContent xmlns:mc="http://schemas.openxmlformats.org/markup-compatibility/2006">
+    <mc:Choice xmlns:c14="http://schemas.microsoft.com/office/drawing/2007/8/2/chart" Requires="c14">
+      <c14:style val="102"/>
+    </mc:Choice>
+    <mc:Fallback>
+      <c:style val="2"/>
+    </mc:Fallback>
+  </mc:AlternateContent>
+  <c:chart>
+    <c:autoTitleDeleted val="1"/>
+    <c:plotArea>
+      <c:layout>
+        <c:manualLayout>
+          <c:layoutTarget val="inner"/>
+          <c:xMode val="edge"/>
+          <c:yMode val="edge"/>
+          <c:x val="0.13290055411344828"/>
+          <c:y val="8.0163175872303552E-2"/>
+          <c:w val="0.82964326595032156"/>
+          <c:h val="0.80439338395050997"/>
+        </c:manualLayout>
+      </c:layout>
+      <c:lineChart>
+        <c:grouping val="percentStacked"/>
+        <c:varyColors val="0"/>
+        <c:ser>
+          <c:idx val="0"/>
+          <c:order val="0"/>
+          <c:tx>
+            <c:strRef>
+              <c:f>Sheet1!$B$1</c:f>
+              <c:strCache>
+                <c:ptCount val="1"/>
+                <c:pt idx="0">
+                  <c:v>系列 1</c:v>
+                </c:pt>
+              </c:strCache>
+            </c:strRef>
+          </c:tx>
+          <c:spPr>
+            <a:ln w="28575" cap="rnd">
+              <a:solidFill>
+                <a:schemeClr val="accent1"/>
+              </a:solidFill>
+              <a:round/>
+            </a:ln>
+            <a:effectLst/>
+          </c:spPr>
+          <c:marker>
+            <c:symbol val="none"/>
+          </c:marker>
+          <c:cat>
+            <c:numRef>
+              <c:f>Sheet1!$A$2:$A$61</c:f>
+              <c:numCache>
+                <c:formatCode>General</c:formatCode>
+                <c:ptCount val="60"/>
+                <c:pt idx="0">
+                  <c:v>1</c:v>
+                </c:pt>
+                <c:pt idx="1">
+                  <c:v>2</c:v>
+                </c:pt>
+                <c:pt idx="2">
+                  <c:v>3</c:v>
+                </c:pt>
+                <c:pt idx="3">
+                  <c:v>4</c:v>
+                </c:pt>
+                <c:pt idx="4">
+                  <c:v>5</c:v>
+                </c:pt>
+                <c:pt idx="5">
+                  <c:v>6</c:v>
+                </c:pt>
+                <c:pt idx="6">
+                  <c:v>7</c:v>
+                </c:pt>
+                <c:pt idx="7">
+                  <c:v>8</c:v>
+                </c:pt>
+                <c:pt idx="8">
+                  <c:v>9</c:v>
+                </c:pt>
+                <c:pt idx="9">
+                  <c:v>10</c:v>
+                </c:pt>
+                <c:pt idx="10">
+                  <c:v>11</c:v>
+                </c:pt>
+                <c:pt idx="11">
+                  <c:v>12</c:v>
+                </c:pt>
+                <c:pt idx="12">
+                  <c:v>13</c:v>
+                </c:pt>
+                <c:pt idx="13">
+                  <c:v>14</c:v>
+                </c:pt>
+                <c:pt idx="14">
+                  <c:v>15</c:v>
+                </c:pt>
+                <c:pt idx="15">
+                  <c:v>16</c:v>
+                </c:pt>
+                <c:pt idx="16">
+                  <c:v>17</c:v>
+                </c:pt>
+                <c:pt idx="17">
+                  <c:v>18</c:v>
+                </c:pt>
+                <c:pt idx="18">
+                  <c:v>19</c:v>
+                </c:pt>
+                <c:pt idx="19">
+                  <c:v>20</c:v>
+                </c:pt>
+                <c:pt idx="20">
+                  <c:v>21</c:v>
+                </c:pt>
+                <c:pt idx="21">
+                  <c:v>22</c:v>
+                </c:pt>
+                <c:pt idx="22">
+                  <c:v>23</c:v>
+                </c:pt>
+                <c:pt idx="23">
+                  <c:v>24</c:v>
+                </c:pt>
+                <c:pt idx="24">
+                  <c:v>25</c:v>
+                </c:pt>
+                <c:pt idx="25">
+                  <c:v>26</c:v>
+                </c:pt>
+                <c:pt idx="26">
+                  <c:v>27</c:v>
+                </c:pt>
+                <c:pt idx="27">
+                  <c:v>28</c:v>
+                </c:pt>
+                <c:pt idx="28">
+                  <c:v>29</c:v>
+                </c:pt>
+                <c:pt idx="29">
+                  <c:v>30</c:v>
+                </c:pt>
+                <c:pt idx="30">
+                  <c:v>31</c:v>
+                </c:pt>
+                <c:pt idx="31">
+                  <c:v>32</c:v>
+                </c:pt>
+                <c:pt idx="32">
+                  <c:v>33</c:v>
+                </c:pt>
+                <c:pt idx="33">
+                  <c:v>34</c:v>
+                </c:pt>
+                <c:pt idx="34">
+                  <c:v>35</c:v>
+                </c:pt>
+                <c:pt idx="35">
+                  <c:v>36</c:v>
+                </c:pt>
+                <c:pt idx="36">
+                  <c:v>37</c:v>
+                </c:pt>
+                <c:pt idx="37">
+                  <c:v>38</c:v>
+                </c:pt>
+                <c:pt idx="38">
+                  <c:v>39</c:v>
+                </c:pt>
+                <c:pt idx="39">
+                  <c:v>40</c:v>
+                </c:pt>
+                <c:pt idx="40">
+                  <c:v>41</c:v>
+                </c:pt>
+                <c:pt idx="41">
+                  <c:v>42</c:v>
+                </c:pt>
+                <c:pt idx="42">
+                  <c:v>43</c:v>
+                </c:pt>
+                <c:pt idx="43">
+                  <c:v>44</c:v>
+                </c:pt>
+                <c:pt idx="44">
+                  <c:v>45</c:v>
+                </c:pt>
+                <c:pt idx="45">
+                  <c:v>46</c:v>
+                </c:pt>
+                <c:pt idx="46">
+                  <c:v>47</c:v>
+                </c:pt>
+                <c:pt idx="47">
+                  <c:v>48</c:v>
+                </c:pt>
+                <c:pt idx="48">
+                  <c:v>49</c:v>
+                </c:pt>
+                <c:pt idx="49">
+                  <c:v>50</c:v>
+                </c:pt>
+                <c:pt idx="50">
+                  <c:v>51</c:v>
+                </c:pt>
+                <c:pt idx="51">
+                  <c:v>52</c:v>
+                </c:pt>
+                <c:pt idx="52">
+                  <c:v>53</c:v>
+                </c:pt>
+                <c:pt idx="53">
+                  <c:v>54</c:v>
+                </c:pt>
+                <c:pt idx="54">
+                  <c:v>55</c:v>
+                </c:pt>
+                <c:pt idx="55">
+                  <c:v>56</c:v>
+                </c:pt>
+                <c:pt idx="56">
+                  <c:v>57</c:v>
+                </c:pt>
+                <c:pt idx="57">
+                  <c:v>58</c:v>
+                </c:pt>
+                <c:pt idx="58">
+                  <c:v>59</c:v>
+                </c:pt>
+                <c:pt idx="59">
+                  <c:v>60</c:v>
+                </c:pt>
+              </c:numCache>
+            </c:numRef>
+          </c:cat>
+          <c:val>
+            <c:numRef>
+              <c:f>Sheet1!$B$2:$B$61</c:f>
+              <c:numCache>
+                <c:formatCode>General</c:formatCode>
+                <c:ptCount val="60"/>
+                <c:pt idx="0">
+                  <c:v>0</c:v>
+                </c:pt>
+                <c:pt idx="1">
+                  <c:v>0</c:v>
+                </c:pt>
+                <c:pt idx="2">
+                  <c:v>0</c:v>
+                </c:pt>
+                <c:pt idx="3">
+                  <c:v>0</c:v>
+                </c:pt>
+                <c:pt idx="4">
+                  <c:v>0</c:v>
+                </c:pt>
+                <c:pt idx="5">
+                  <c:v>0</c:v>
+                </c:pt>
+                <c:pt idx="6">
+                  <c:v>0</c:v>
+                </c:pt>
+                <c:pt idx="7">
+                  <c:v>0</c:v>
+                </c:pt>
+                <c:pt idx="8">
+                  <c:v>0</c:v>
+                </c:pt>
+                <c:pt idx="9">
+                  <c:v>0</c:v>
+                </c:pt>
+                <c:pt idx="10">
+                  <c:v>0</c:v>
+                </c:pt>
+                <c:pt idx="11">
+                  <c:v>0</c:v>
+                </c:pt>
+                <c:pt idx="12">
+                  <c:v>0</c:v>
+                </c:pt>
+                <c:pt idx="13">
+                  <c:v>0</c:v>
+                </c:pt>
+                <c:pt idx="14">
+                  <c:v>0</c:v>
+                </c:pt>
+                <c:pt idx="15">
+                  <c:v>0</c:v>
+                </c:pt>
+                <c:pt idx="16">
+                  <c:v>0</c:v>
+                </c:pt>
+                <c:pt idx="17">
+                  <c:v>0</c:v>
+                </c:pt>
+                <c:pt idx="18">
+                  <c:v>0</c:v>
+                </c:pt>
+                <c:pt idx="19">
+                  <c:v>0</c:v>
+                </c:pt>
+                <c:pt idx="20">
+                  <c:v>0</c:v>
+                </c:pt>
+                <c:pt idx="21">
+                  <c:v>0</c:v>
+                </c:pt>
+                <c:pt idx="22">
+                  <c:v>0</c:v>
+                </c:pt>
+                <c:pt idx="23">
+                  <c:v>0</c:v>
+                </c:pt>
+                <c:pt idx="24">
+                  <c:v>0</c:v>
+                </c:pt>
+                <c:pt idx="25">
+                  <c:v>0</c:v>
+                </c:pt>
+                <c:pt idx="26">
+                  <c:v>0</c:v>
+                </c:pt>
+                <c:pt idx="27">
+                  <c:v>0</c:v>
+                </c:pt>
+                <c:pt idx="28">
+                  <c:v>0</c:v>
+                </c:pt>
+                <c:pt idx="29">
+                  <c:v>0</c:v>
+                </c:pt>
+                <c:pt idx="30">
+                  <c:v>0</c:v>
+                </c:pt>
+                <c:pt idx="31">
+                  <c:v>0</c:v>
+                </c:pt>
+                <c:pt idx="32">
+                  <c:v>0</c:v>
+                </c:pt>
+                <c:pt idx="33">
+                  <c:v>0</c:v>
+                </c:pt>
+                <c:pt idx="34">
+                  <c:v>0</c:v>
+                </c:pt>
+                <c:pt idx="35">
+                  <c:v>0</c:v>
+                </c:pt>
+                <c:pt idx="36">
+                  <c:v>0</c:v>
+                </c:pt>
+                <c:pt idx="37">
+                  <c:v>0</c:v>
+                </c:pt>
+                <c:pt idx="38">
+                  <c:v>0</c:v>
+                </c:pt>
+                <c:pt idx="39">
+                  <c:v>0</c:v>
+                </c:pt>
+                <c:pt idx="40">
+                  <c:v>0</c:v>
+                </c:pt>
+                <c:pt idx="41">
+                  <c:v>0</c:v>
+                </c:pt>
+                <c:pt idx="42">
+                  <c:v>0</c:v>
+                </c:pt>
+                <c:pt idx="43">
+                  <c:v>0</c:v>
+                </c:pt>
+                <c:pt idx="44">
+                  <c:v>0</c:v>
+                </c:pt>
+                <c:pt idx="45">
+                  <c:v>0</c:v>
+                </c:pt>
+                <c:pt idx="46">
+                  <c:v>0</c:v>
+                </c:pt>
+                <c:pt idx="47">
+                  <c:v>0</c:v>
+                </c:pt>
+                <c:pt idx="48">
+                  <c:v>0</c:v>
+                </c:pt>
+                <c:pt idx="49">
+                  <c:v>0</c:v>
+                </c:pt>
+                <c:pt idx="50">
+                  <c:v>0</c:v>
+                </c:pt>
+                <c:pt idx="51">
+                  <c:v>0</c:v>
+                </c:pt>
+                <c:pt idx="52">
+                  <c:v>0</c:v>
+                </c:pt>
+                <c:pt idx="53">
+                  <c:v>0</c:v>
+                </c:pt>
+                <c:pt idx="54">
+                  <c:v>0</c:v>
+                </c:pt>
+                <c:pt idx="55">
+                  <c:v>0</c:v>
+                </c:pt>
+                <c:pt idx="56">
+                  <c:v>0</c:v>
+                </c:pt>
+                <c:pt idx="57">
+                  <c:v>0</c:v>
+                </c:pt>
+                <c:pt idx="58">
+                  <c:v>0</c:v>
+                </c:pt>
+                <c:pt idx="59">
+                  <c:v>0</c:v>
+                </c:pt>
+              </c:numCache>
+            </c:numRef>
+          </c:val>
+          <c:smooth val="0"/>
+          <c:extLst>
+            <c:ext xmlns:c16="http://schemas.microsoft.com/office/drawing/2014/chart" uri="{C3380CC4-5D6E-409C-BE32-E72D297353CC}">
+              <c16:uniqueId val="{00000000-52D9-4ABD-934A-7229DA0C66D1}"/>
+            </c:ext>
+          </c:extLst>
+        </c:ser>
+        <c:dLbls>
+          <c:showLegendKey val="0"/>
+          <c:showVal val="0"/>
+          <c:showCatName val="0"/>
+          <c:showSerName val="0"/>
+          <c:showPercent val="0"/>
+          <c:showBubbleSize val="0"/>
+        </c:dLbls>
+        <c:smooth val="0"/>
+        <c:axId val="463437695"/>
+        <c:axId val="463435615"/>
+      </c:lineChart>
+      <c:catAx>
+        <c:axId val="463437695"/>
+        <c:scaling>
+          <c:orientation val="minMax"/>
+        </c:scaling>
+        <c:delete val="0"/>
+        <c:axPos val="b"/>
+        <c:title>
+          <c:tx>
+            <c:rich>
+              <a:bodyPr rot="0" spcFirstLastPara="1" vertOverflow="ellipsis" vert="horz" wrap="square" anchor="ctr" anchorCtr="1"/>
+              <a:lstStyle/>
+              <a:p>
+                <a:pPr>
+                  <a:defRPr sz="1330" b="0" i="0" u="none" strike="noStrike" kern="1200" baseline="0">
+                    <a:solidFill>
+                      <a:schemeClr val="tx1">
+                        <a:lumMod val="65000"/>
+                        <a:lumOff val="35000"/>
+                      </a:schemeClr>
+                    </a:solidFill>
+                    <a:latin typeface="+mn-lt"/>
+                    <a:ea typeface="+mn-ea"/>
+                    <a:cs typeface="+mn-cs"/>
+                  </a:defRPr>
+                </a:pPr>
+                <a:r>
+                  <a:rPr lang="en-US" altLang="zh-CN" dirty="0" smtClean="0"/>
+                  <a:t>Samples (k)</a:t>
+                </a:r>
+                <a:endParaRPr lang="zh-CN" altLang="en-US" dirty="0"/>
+              </a:p>
+            </c:rich>
+          </c:tx>
+          <c:layout/>
+          <c:overlay val="0"/>
+          <c:spPr>
+            <a:noFill/>
+            <a:ln>
+              <a:noFill/>
+            </a:ln>
+            <a:effectLst/>
+          </c:spPr>
+          <c:txPr>
+            <a:bodyPr rot="0" spcFirstLastPara="1" vertOverflow="ellipsis" vert="horz" wrap="square" anchor="ctr" anchorCtr="1"/>
+            <a:lstStyle/>
+            <a:p>
+              <a:pPr>
+                <a:defRPr sz="1330" b="0" i="0" u="none" strike="noStrike" kern="1200" baseline="0">
+                  <a:solidFill>
+                    <a:schemeClr val="tx1">
+                      <a:lumMod val="65000"/>
+                      <a:lumOff val="35000"/>
+                    </a:schemeClr>
+                  </a:solidFill>
+                  <a:latin typeface="+mn-lt"/>
+                  <a:ea typeface="+mn-ea"/>
+                  <a:cs typeface="+mn-cs"/>
+                </a:defRPr>
+              </a:pPr>
+              <a:endParaRPr lang="zh-CN"/>
+            </a:p>
+          </c:txPr>
+        </c:title>
+        <c:numFmt formatCode="General" sourceLinked="1"/>
+        <c:majorTickMark val="out"/>
+        <c:minorTickMark val="none"/>
+        <c:tickLblPos val="nextTo"/>
+        <c:spPr>
+          <a:noFill/>
+          <a:ln w="9525" cap="flat" cmpd="sng" algn="ctr">
+            <a:solidFill>
+              <a:schemeClr val="tx1">
+                <a:lumMod val="15000"/>
+                <a:lumOff val="85000"/>
+              </a:schemeClr>
+            </a:solidFill>
+            <a:round/>
+          </a:ln>
+          <a:effectLst/>
+        </c:spPr>
+        <c:txPr>
+          <a:bodyPr rot="-60000000" spcFirstLastPara="1" vertOverflow="ellipsis" vert="horz" wrap="square" anchor="ctr" anchorCtr="1"/>
+          <a:lstStyle/>
+          <a:p>
+            <a:pPr>
+              <a:defRPr sz="1197" b="0" i="0" u="none" strike="noStrike" kern="1200" baseline="0">
+                <a:solidFill>
+                  <a:schemeClr val="tx1">
+                    <a:lumMod val="65000"/>
+                    <a:lumOff val="35000"/>
+                  </a:schemeClr>
+                </a:solidFill>
+                <a:latin typeface="+mn-lt"/>
+                <a:ea typeface="+mn-ea"/>
+                <a:cs typeface="+mn-cs"/>
+              </a:defRPr>
+            </a:pPr>
+            <a:endParaRPr lang="zh-CN"/>
+          </a:p>
+        </c:txPr>
+        <c:crossAx val="463435615"/>
+        <c:crosses val="autoZero"/>
+        <c:auto val="1"/>
+        <c:lblAlgn val="ctr"/>
+        <c:lblOffset val="100"/>
+        <c:noMultiLvlLbl val="0"/>
+      </c:catAx>
+      <c:valAx>
+        <c:axId val="463435615"/>
+        <c:scaling>
+          <c:orientation val="minMax"/>
+        </c:scaling>
+        <c:delete val="0"/>
+        <c:axPos val="l"/>
+        <c:majorGridlines>
+          <c:spPr>
+            <a:ln w="9525" cap="flat" cmpd="sng" algn="ctr">
+              <a:solidFill>
+                <a:schemeClr val="tx1">
+                  <a:lumMod val="15000"/>
+                  <a:lumOff val="85000"/>
+                </a:schemeClr>
+              </a:solidFill>
+              <a:round/>
+            </a:ln>
+            <a:effectLst/>
+          </c:spPr>
+        </c:majorGridlines>
+        <c:title>
+          <c:tx>
+            <c:rich>
+              <a:bodyPr rot="-5400000" spcFirstLastPara="1" vertOverflow="ellipsis" vert="horz" wrap="square" anchor="ctr" anchorCtr="1"/>
+              <a:lstStyle/>
+              <a:p>
+                <a:pPr>
+                  <a:defRPr sz="1330" b="0" i="0" u="none" strike="noStrike" kern="1200" baseline="0">
+                    <a:solidFill>
+                      <a:schemeClr val="tx1">
+                        <a:lumMod val="65000"/>
+                        <a:lumOff val="35000"/>
+                      </a:schemeClr>
+                    </a:solidFill>
+                    <a:latin typeface="+mn-lt"/>
+                    <a:ea typeface="+mn-ea"/>
+                    <a:cs typeface="+mn-cs"/>
+                  </a:defRPr>
+                </a:pPr>
+                <a:r>
+                  <a:rPr lang="en-US" altLang="zh-CN" dirty="0" smtClean="0"/>
+                  <a:t>Accuracy</a:t>
+                </a:r>
+                <a:endParaRPr lang="zh-CN" altLang="en-US" dirty="0"/>
+              </a:p>
+            </c:rich>
+          </c:tx>
+          <c:layout/>
+          <c:overlay val="0"/>
+          <c:spPr>
+            <a:noFill/>
+            <a:ln>
+              <a:noFill/>
+            </a:ln>
+            <a:effectLst/>
+          </c:spPr>
+          <c:txPr>
+            <a:bodyPr rot="-5400000" spcFirstLastPara="1" vertOverflow="ellipsis" vert="horz" wrap="square" anchor="ctr" anchorCtr="1"/>
+            <a:lstStyle/>
+            <a:p>
+              <a:pPr>
+                <a:defRPr sz="1330" b="0" i="0" u="none" strike="noStrike" kern="1200" baseline="0">
+                  <a:solidFill>
+                    <a:schemeClr val="tx1">
+                      <a:lumMod val="65000"/>
+                      <a:lumOff val="35000"/>
+                    </a:schemeClr>
+                  </a:solidFill>
+                  <a:latin typeface="+mn-lt"/>
+                  <a:ea typeface="+mn-ea"/>
+                  <a:cs typeface="+mn-cs"/>
+                </a:defRPr>
+              </a:pPr>
+              <a:endParaRPr lang="zh-CN"/>
+            </a:p>
+          </c:txPr>
+        </c:title>
+        <c:numFmt formatCode="0%" sourceLinked="1"/>
+        <c:majorTickMark val="out"/>
+        <c:minorTickMark val="none"/>
+        <c:tickLblPos val="nextTo"/>
+        <c:spPr>
+          <a:noFill/>
+          <a:ln>
+            <a:noFill/>
+          </a:ln>
+          <a:effectLst/>
+        </c:spPr>
+        <c:txPr>
+          <a:bodyPr rot="-60000000" spcFirstLastPara="1" vertOverflow="ellipsis" vert="horz" wrap="square" anchor="ctr" anchorCtr="1"/>
+          <a:lstStyle/>
+          <a:p>
+            <a:pPr>
+              <a:defRPr sz="1197" b="0" i="0" u="none" strike="noStrike" kern="1200" baseline="0">
+                <a:solidFill>
+                  <a:schemeClr val="tx1">
+                    <a:lumMod val="65000"/>
+                    <a:lumOff val="35000"/>
+                  </a:schemeClr>
+                </a:solidFill>
+                <a:latin typeface="+mn-lt"/>
+                <a:ea typeface="+mn-ea"/>
+                <a:cs typeface="+mn-cs"/>
+              </a:defRPr>
+            </a:pPr>
+            <a:endParaRPr lang="zh-CN"/>
+          </a:p>
+        </c:txPr>
+        <c:crossAx val="463437695"/>
+        <c:crosses val="autoZero"/>
+        <c:crossBetween val="between"/>
+      </c:valAx>
+      <c:spPr>
+        <a:blipFill dpi="0" rotWithShape="1">
+          <a:blip xmlns:r="http://schemas.openxmlformats.org/officeDocument/2006/relationships" r:embed="rId3">
+            <a:extLst>
+              <a:ext uri="{28A0092B-C50C-407E-A947-70E740481C1C}">
+                <a14:useLocalDpi xmlns:a14="http://schemas.microsoft.com/office/drawing/2010/main" val="0"/>
+              </a:ext>
+            </a:extLst>
+          </a:blip>
+          <a:srcRect/>
+          <a:stretch>
+            <a:fillRect/>
+          </a:stretch>
+        </a:blipFill>
+        <a:ln w="25400">
+          <a:noFill/>
+        </a:ln>
+        <a:effectLst/>
+      </c:spPr>
+    </c:plotArea>
+    <c:plotVisOnly val="1"/>
+    <c:dispBlanksAs val="gap"/>
+    <c:showDLblsOverMax val="0"/>
+  </c:chart>
+  <c:spPr>
+    <a:noFill/>
+    <a:ln>
+      <a:noFill/>
+    </a:ln>
+    <a:effectLst/>
+  </c:spPr>
+  <c:txPr>
+    <a:bodyPr/>
+    <a:lstStyle/>
+    <a:p>
+      <a:pPr>
+        <a:defRPr/>
+      </a:pPr>
+      <a:endParaRPr lang="zh-CN"/>
+    </a:p>
+  </c:txPr>
+  <c:externalData r:id="rId4">
+    <c:autoUpdate val="0"/>
+  </c:externalData>
+</c:chartSpace>
+</file>
+
 <file path=ppt/charts/colors1.xml><?xml version="1.0" encoding="utf-8"?>
+<cs:colorStyle xmlns:cs="http://schemas.microsoft.com/office/drawing/2012/chartStyle" xmlns:a="http://schemas.openxmlformats.org/drawingml/2006/main" meth="cycle" id="10">
+  <a:schemeClr val="accent1"/>
+  <a:schemeClr val="accent2"/>
+  <a:schemeClr val="accent3"/>
+  <a:schemeClr val="accent4"/>
+  <a:schemeClr val="accent5"/>
+  <a:schemeClr val="accent6"/>
+  <cs:variation/>
+  <cs:variation>
+    <a:lumMod val="60000"/>
+  </cs:variation>
+  <cs:variation>
+    <a:lumMod val="80000"/>
+    <a:lumOff val="20000"/>
+  </cs:variation>
+  <cs:variation>
+    <a:lumMod val="80000"/>
+  </cs:variation>
+  <cs:variation>
+    <a:lumMod val="60000"/>
+    <a:lumOff val="40000"/>
+  </cs:variation>
+  <cs:variation>
+    <a:lumMod val="50000"/>
+  </cs:variation>
+  <cs:variation>
+    <a:lumMod val="70000"/>
+    <a:lumOff val="30000"/>
+  </cs:variation>
+  <cs:variation>
+    <a:lumMod val="70000"/>
+  </cs:variation>
+  <cs:variation>
+    <a:lumMod val="50000"/>
+    <a:lumOff val="50000"/>
+  </cs:variation>
+</cs:colorStyle>
+</file>
+
+<file path=ppt/charts/colors2.xml><?xml version="1.0" encoding="utf-8"?>
 <cs:colorStyle xmlns:cs="http://schemas.microsoft.com/office/drawing/2012/chartStyle" xmlns:a="http://schemas.openxmlformats.org/drawingml/2006/main" meth="cycle" id="10">
   <a:schemeClr val="accent1"/>
   <a:schemeClr val="accent2"/>
@@ -1405,6 +2165,522 @@
 </cs:chartStyle>
 </file>
 
+<file path=ppt/charts/style2.xml><?xml version="1.0" encoding="utf-8"?>
+<cs:chartStyle xmlns:cs="http://schemas.microsoft.com/office/drawing/2012/chartStyle" xmlns:a="http://schemas.openxmlformats.org/drawingml/2006/main" id="227">
+  <cs:axisTitle>
+    <cs:lnRef idx="0"/>
+    <cs:fillRef idx="0"/>
+    <cs:effectRef idx="0"/>
+    <cs:fontRef idx="minor">
+      <a:schemeClr val="tx1">
+        <a:lumMod val="65000"/>
+        <a:lumOff val="35000"/>
+      </a:schemeClr>
+    </cs:fontRef>
+    <cs:defRPr sz="1330" kern="1200"/>
+  </cs:axisTitle>
+  <cs:categoryAxis>
+    <cs:lnRef idx="0"/>
+    <cs:fillRef idx="0"/>
+    <cs:effectRef idx="0"/>
+    <cs:fontRef idx="minor">
+      <a:schemeClr val="tx1">
+        <a:lumMod val="65000"/>
+        <a:lumOff val="35000"/>
+      </a:schemeClr>
+    </cs:fontRef>
+    <cs:spPr>
+      <a:ln w="9525" cap="flat" cmpd="sng" algn="ctr">
+        <a:solidFill>
+          <a:schemeClr val="tx1">
+            <a:lumMod val="15000"/>
+            <a:lumOff val="85000"/>
+          </a:schemeClr>
+        </a:solidFill>
+        <a:round/>
+      </a:ln>
+    </cs:spPr>
+    <cs:defRPr sz="1197" kern="1200"/>
+  </cs:categoryAxis>
+  <cs:chartArea mods="allowNoFillOverride allowNoLineOverride">
+    <cs:lnRef idx="0"/>
+    <cs:fillRef idx="0"/>
+    <cs:effectRef idx="0"/>
+    <cs:fontRef idx="minor">
+      <a:schemeClr val="tx1"/>
+    </cs:fontRef>
+    <cs:spPr>
+      <a:solidFill>
+        <a:schemeClr val="bg1"/>
+      </a:solidFill>
+      <a:ln w="9525" cap="flat" cmpd="sng" algn="ctr">
+        <a:solidFill>
+          <a:schemeClr val="tx1">
+            <a:lumMod val="15000"/>
+            <a:lumOff val="85000"/>
+          </a:schemeClr>
+        </a:solidFill>
+        <a:round/>
+      </a:ln>
+    </cs:spPr>
+    <cs:defRPr sz="1330" kern="1200"/>
+  </cs:chartArea>
+  <cs:dataLabel>
+    <cs:lnRef idx="0"/>
+    <cs:fillRef idx="0"/>
+    <cs:effectRef idx="0"/>
+    <cs:fontRef idx="minor">
+      <a:schemeClr val="tx1">
+        <a:lumMod val="75000"/>
+        <a:lumOff val="25000"/>
+      </a:schemeClr>
+    </cs:fontRef>
+    <cs:defRPr sz="1197" kern="1200"/>
+  </cs:dataLabel>
+  <cs:dataLabelCallout>
+    <cs:lnRef idx="0"/>
+    <cs:fillRef idx="0"/>
+    <cs:effectRef idx="0"/>
+    <cs:fontRef idx="minor">
+      <a:schemeClr val="dk1">
+        <a:lumMod val="65000"/>
+        <a:lumOff val="35000"/>
+      </a:schemeClr>
+    </cs:fontRef>
+    <cs:spPr>
+      <a:solidFill>
+        <a:schemeClr val="lt1"/>
+      </a:solidFill>
+      <a:ln>
+        <a:solidFill>
+          <a:schemeClr val="dk1">
+            <a:lumMod val="25000"/>
+            <a:lumOff val="75000"/>
+          </a:schemeClr>
+        </a:solidFill>
+      </a:ln>
+    </cs:spPr>
+    <cs:defRPr sz="1197" kern="1200"/>
+    <cs:bodyPr rot="0" spcFirstLastPara="1" vertOverflow="clip" horzOverflow="clip" vert="horz" wrap="square" lIns="36576" tIns="18288" rIns="36576" bIns="18288" anchor="ctr" anchorCtr="1">
+      <a:spAutoFit/>
+    </cs:bodyPr>
+  </cs:dataLabelCallout>
+  <cs:dataPoint>
+    <cs:lnRef idx="0"/>
+    <cs:fillRef idx="1">
+      <cs:styleClr val="auto"/>
+    </cs:fillRef>
+    <cs:effectRef idx="0"/>
+    <cs:fontRef idx="minor">
+      <a:schemeClr val="tx1"/>
+    </cs:fontRef>
+    <cs:spPr>
+      <a:solidFill>
+        <a:schemeClr val="phClr"/>
+      </a:solidFill>
+    </cs:spPr>
+  </cs:dataPoint>
+  <cs:dataPoint3D>
+    <cs:lnRef idx="0"/>
+    <cs:fillRef idx="1">
+      <cs:styleClr val="auto"/>
+    </cs:fillRef>
+    <cs:effectRef idx="0"/>
+    <cs:fontRef idx="minor">
+      <a:schemeClr val="tx1"/>
+    </cs:fontRef>
+    <cs:spPr>
+      <a:solidFill>
+        <a:schemeClr val="phClr"/>
+      </a:solidFill>
+    </cs:spPr>
+  </cs:dataPoint3D>
+  <cs:dataPointLine>
+    <cs:lnRef idx="0">
+      <cs:styleClr val="auto"/>
+    </cs:lnRef>
+    <cs:fillRef idx="1"/>
+    <cs:effectRef idx="0"/>
+    <cs:fontRef idx="minor">
+      <a:schemeClr val="tx1"/>
+    </cs:fontRef>
+    <cs:spPr>
+      <a:ln w="28575" cap="rnd">
+        <a:solidFill>
+          <a:schemeClr val="phClr"/>
+        </a:solidFill>
+        <a:round/>
+      </a:ln>
+    </cs:spPr>
+  </cs:dataPointLine>
+  <cs:dataPointMarker>
+    <cs:lnRef idx="0">
+      <cs:styleClr val="auto"/>
+    </cs:lnRef>
+    <cs:fillRef idx="1">
+      <cs:styleClr val="auto"/>
+    </cs:fillRef>
+    <cs:effectRef idx="0"/>
+    <cs:fontRef idx="minor">
+      <a:schemeClr val="tx1"/>
+    </cs:fontRef>
+    <cs:spPr>
+      <a:solidFill>
+        <a:schemeClr val="phClr"/>
+      </a:solidFill>
+      <a:ln w="9525">
+        <a:solidFill>
+          <a:schemeClr val="phClr"/>
+        </a:solidFill>
+      </a:ln>
+    </cs:spPr>
+  </cs:dataPointMarker>
+  <cs:dataPointMarkerLayout symbol="circle" size="5"/>
+  <cs:dataPointWireframe>
+    <cs:lnRef idx="0">
+      <cs:styleClr val="auto"/>
+    </cs:lnRef>
+    <cs:fillRef idx="1"/>
+    <cs:effectRef idx="0"/>
+    <cs:fontRef idx="minor">
+      <a:schemeClr val="tx1"/>
+    </cs:fontRef>
+    <cs:spPr>
+      <a:ln w="9525" cap="rnd">
+        <a:solidFill>
+          <a:schemeClr val="phClr"/>
+        </a:solidFill>
+        <a:round/>
+      </a:ln>
+    </cs:spPr>
+  </cs:dataPointWireframe>
+  <cs:dataTable>
+    <cs:lnRef idx="0"/>
+    <cs:fillRef idx="0"/>
+    <cs:effectRef idx="0"/>
+    <cs:fontRef idx="minor">
+      <a:schemeClr val="tx1">
+        <a:lumMod val="65000"/>
+        <a:lumOff val="35000"/>
+      </a:schemeClr>
+    </cs:fontRef>
+    <cs:spPr>
+      <a:noFill/>
+      <a:ln w="9525" cap="flat" cmpd="sng" algn="ctr">
+        <a:solidFill>
+          <a:schemeClr val="tx1">
+            <a:lumMod val="15000"/>
+            <a:lumOff val="85000"/>
+          </a:schemeClr>
+        </a:solidFill>
+        <a:round/>
+      </a:ln>
+    </cs:spPr>
+    <cs:defRPr sz="1197" kern="1200"/>
+  </cs:dataTable>
+  <cs:downBar>
+    <cs:lnRef idx="0"/>
+    <cs:fillRef idx="0"/>
+    <cs:effectRef idx="0"/>
+    <cs:fontRef idx="minor">
+      <a:schemeClr val="dk1"/>
+    </cs:fontRef>
+    <cs:spPr>
+      <a:solidFill>
+        <a:schemeClr val="dk1">
+          <a:lumMod val="65000"/>
+          <a:lumOff val="35000"/>
+        </a:schemeClr>
+      </a:solidFill>
+      <a:ln w="9525">
+        <a:solidFill>
+          <a:schemeClr val="tx1">
+            <a:lumMod val="65000"/>
+            <a:lumOff val="35000"/>
+          </a:schemeClr>
+        </a:solidFill>
+      </a:ln>
+    </cs:spPr>
+  </cs:downBar>
+  <cs:dropLine>
+    <cs:lnRef idx="0"/>
+    <cs:fillRef idx="0"/>
+    <cs:effectRef idx="0"/>
+    <cs:fontRef idx="minor">
+      <a:schemeClr val="tx1"/>
+    </cs:fontRef>
+    <cs:spPr>
+      <a:ln w="9525" cap="flat" cmpd="sng" algn="ctr">
+        <a:solidFill>
+          <a:schemeClr val="tx1">
+            <a:lumMod val="35000"/>
+            <a:lumOff val="65000"/>
+          </a:schemeClr>
+        </a:solidFill>
+        <a:round/>
+      </a:ln>
+    </cs:spPr>
+  </cs:dropLine>
+  <cs:errorBar>
+    <cs:lnRef idx="0"/>
+    <cs:fillRef idx="0"/>
+    <cs:effectRef idx="0"/>
+    <cs:fontRef idx="minor">
+      <a:schemeClr val="tx1"/>
+    </cs:fontRef>
+    <cs:spPr>
+      <a:ln w="9525" cap="flat" cmpd="sng" algn="ctr">
+        <a:solidFill>
+          <a:schemeClr val="tx1">
+            <a:lumMod val="65000"/>
+            <a:lumOff val="35000"/>
+          </a:schemeClr>
+        </a:solidFill>
+        <a:round/>
+      </a:ln>
+    </cs:spPr>
+  </cs:errorBar>
+  <cs:floor>
+    <cs:lnRef idx="0"/>
+    <cs:fillRef idx="0"/>
+    <cs:effectRef idx="0"/>
+    <cs:fontRef idx="minor">
+      <a:schemeClr val="tx1"/>
+    </cs:fontRef>
+    <cs:spPr>
+      <a:noFill/>
+      <a:ln>
+        <a:noFill/>
+      </a:ln>
+    </cs:spPr>
+  </cs:floor>
+  <cs:gridlineMajor>
+    <cs:lnRef idx="0"/>
+    <cs:fillRef idx="0"/>
+    <cs:effectRef idx="0"/>
+    <cs:fontRef idx="minor">
+      <a:schemeClr val="tx1"/>
+    </cs:fontRef>
+    <cs:spPr>
+      <a:ln w="9525" cap="flat" cmpd="sng" algn="ctr">
+        <a:solidFill>
+          <a:schemeClr val="tx1">
+            <a:lumMod val="15000"/>
+            <a:lumOff val="85000"/>
+          </a:schemeClr>
+        </a:solidFill>
+        <a:round/>
+      </a:ln>
+    </cs:spPr>
+  </cs:gridlineMajor>
+  <cs:gridlineMinor>
+    <cs:lnRef idx="0"/>
+    <cs:fillRef idx="0"/>
+    <cs:effectRef idx="0"/>
+    <cs:fontRef idx="minor">
+      <a:schemeClr val="tx1"/>
+    </cs:fontRef>
+    <cs:spPr>
+      <a:ln w="9525" cap="flat" cmpd="sng" algn="ctr">
+        <a:solidFill>
+          <a:schemeClr val="tx1">
+            <a:lumMod val="5000"/>
+            <a:lumOff val="95000"/>
+          </a:schemeClr>
+        </a:solidFill>
+        <a:round/>
+      </a:ln>
+    </cs:spPr>
+  </cs:gridlineMinor>
+  <cs:hiLoLine>
+    <cs:lnRef idx="0"/>
+    <cs:fillRef idx="0"/>
+    <cs:effectRef idx="0"/>
+    <cs:fontRef idx="minor">
+      <a:schemeClr val="tx1"/>
+    </cs:fontRef>
+    <cs:spPr>
+      <a:ln w="9525" cap="flat" cmpd="sng" algn="ctr">
+        <a:solidFill>
+          <a:schemeClr val="tx1">
+            <a:lumMod val="75000"/>
+            <a:lumOff val="25000"/>
+          </a:schemeClr>
+        </a:solidFill>
+        <a:round/>
+      </a:ln>
+    </cs:spPr>
+  </cs:hiLoLine>
+  <cs:leaderLine>
+    <cs:lnRef idx="0"/>
+    <cs:fillRef idx="0"/>
+    <cs:effectRef idx="0"/>
+    <cs:fontRef idx="minor">
+      <a:schemeClr val="tx1"/>
+    </cs:fontRef>
+    <cs:spPr>
+      <a:ln w="9525" cap="flat" cmpd="sng" algn="ctr">
+        <a:solidFill>
+          <a:schemeClr val="tx1">
+            <a:lumMod val="35000"/>
+            <a:lumOff val="65000"/>
+          </a:schemeClr>
+        </a:solidFill>
+        <a:round/>
+      </a:ln>
+    </cs:spPr>
+  </cs:leaderLine>
+  <cs:legend>
+    <cs:lnRef idx="0"/>
+    <cs:fillRef idx="0"/>
+    <cs:effectRef idx="0"/>
+    <cs:fontRef idx="minor">
+      <a:schemeClr val="tx1">
+        <a:lumMod val="65000"/>
+        <a:lumOff val="35000"/>
+      </a:schemeClr>
+    </cs:fontRef>
+    <cs:defRPr sz="1197" kern="1200"/>
+  </cs:legend>
+  <cs:plotArea mods="allowNoFillOverride allowNoLineOverride">
+    <cs:lnRef idx="0"/>
+    <cs:fillRef idx="0"/>
+    <cs:effectRef idx="0"/>
+    <cs:fontRef idx="minor">
+      <a:schemeClr val="tx1"/>
+    </cs:fontRef>
+  </cs:plotArea>
+  <cs:plotArea3D mods="allowNoFillOverride allowNoLineOverride">
+    <cs:lnRef idx="0"/>
+    <cs:fillRef idx="0"/>
+    <cs:effectRef idx="0"/>
+    <cs:fontRef idx="minor">
+      <a:schemeClr val="tx1"/>
+    </cs:fontRef>
+  </cs:plotArea3D>
+  <cs:seriesAxis>
+    <cs:lnRef idx="0"/>
+    <cs:fillRef idx="0"/>
+    <cs:effectRef idx="0"/>
+    <cs:fontRef idx="minor">
+      <a:schemeClr val="tx1">
+        <a:lumMod val="65000"/>
+        <a:lumOff val="35000"/>
+      </a:schemeClr>
+    </cs:fontRef>
+    <cs:defRPr sz="1197" kern="1200"/>
+  </cs:seriesAxis>
+  <cs:seriesLine>
+    <cs:lnRef idx="0"/>
+    <cs:fillRef idx="0"/>
+    <cs:effectRef idx="0"/>
+    <cs:fontRef idx="minor">
+      <a:schemeClr val="tx1"/>
+    </cs:fontRef>
+    <cs:spPr>
+      <a:ln w="9525" cap="flat" cmpd="sng" algn="ctr">
+        <a:solidFill>
+          <a:schemeClr val="tx1">
+            <a:lumMod val="35000"/>
+            <a:lumOff val="65000"/>
+          </a:schemeClr>
+        </a:solidFill>
+        <a:round/>
+      </a:ln>
+    </cs:spPr>
+  </cs:seriesLine>
+  <cs:title>
+    <cs:lnRef idx="0"/>
+    <cs:fillRef idx="0"/>
+    <cs:effectRef idx="0"/>
+    <cs:fontRef idx="minor">
+      <a:schemeClr val="tx1">
+        <a:lumMod val="65000"/>
+        <a:lumOff val="35000"/>
+      </a:schemeClr>
+    </cs:fontRef>
+    <cs:defRPr sz="1862" b="0" kern="1200" spc="0" baseline="0"/>
+  </cs:title>
+  <cs:trendline>
+    <cs:lnRef idx="0">
+      <cs:styleClr val="auto"/>
+    </cs:lnRef>
+    <cs:fillRef idx="0"/>
+    <cs:effectRef idx="0"/>
+    <cs:fontRef idx="minor">
+      <a:schemeClr val="tx1"/>
+    </cs:fontRef>
+    <cs:spPr>
+      <a:ln w="19050" cap="rnd">
+        <a:solidFill>
+          <a:schemeClr val="phClr"/>
+        </a:solidFill>
+        <a:prstDash val="sysDot"/>
+      </a:ln>
+    </cs:spPr>
+  </cs:trendline>
+  <cs:trendlineLabel>
+    <cs:lnRef idx="0"/>
+    <cs:fillRef idx="0"/>
+    <cs:effectRef idx="0"/>
+    <cs:fontRef idx="minor">
+      <a:schemeClr val="tx1">
+        <a:lumMod val="65000"/>
+        <a:lumOff val="35000"/>
+      </a:schemeClr>
+    </cs:fontRef>
+    <cs:defRPr sz="1197" kern="1200"/>
+  </cs:trendlineLabel>
+  <cs:upBar>
+    <cs:lnRef idx="0"/>
+    <cs:fillRef idx="0"/>
+    <cs:effectRef idx="0"/>
+    <cs:fontRef idx="minor">
+      <a:schemeClr val="dk1"/>
+    </cs:fontRef>
+    <cs:spPr>
+      <a:solidFill>
+        <a:schemeClr val="lt1"/>
+      </a:solidFill>
+      <a:ln w="9525">
+        <a:solidFill>
+          <a:schemeClr val="tx1">
+            <a:lumMod val="15000"/>
+            <a:lumOff val="85000"/>
+          </a:schemeClr>
+        </a:solidFill>
+      </a:ln>
+    </cs:spPr>
+  </cs:upBar>
+  <cs:valueAxis>
+    <cs:lnRef idx="0"/>
+    <cs:fillRef idx="0"/>
+    <cs:effectRef idx="0"/>
+    <cs:fontRef idx="minor">
+      <a:schemeClr val="tx1">
+        <a:lumMod val="65000"/>
+        <a:lumOff val="35000"/>
+      </a:schemeClr>
+    </cs:fontRef>
+    <cs:defRPr sz="1197" kern="1200"/>
+  </cs:valueAxis>
+  <cs:wall>
+    <cs:lnRef idx="0"/>
+    <cs:fillRef idx="0"/>
+    <cs:effectRef idx="0"/>
+    <cs:fontRef idx="minor">
+      <a:schemeClr val="tx1"/>
+    </cs:fontRef>
+    <cs:spPr>
+      <a:noFill/>
+      <a:ln>
+        <a:noFill/>
+      </a:ln>
+    </cs:spPr>
+  </cs:wall>
+</cs:chartStyle>
+</file>
+
 <file path=ppt/notesMasters/notesMaster1.xml><?xml version="1.0" encoding="utf-8"?>
 <p:notesMaster xmlns:a="http://schemas.openxmlformats.org/drawingml/2006/main" xmlns:r="http://schemas.openxmlformats.org/officeDocument/2006/relationships" xmlns:p="http://schemas.openxmlformats.org/presentationml/2006/main">
   <p:cSld>
@@ -6248,6 +7524,40 @@
           </a:prstGeom>
         </p:spPr>
       </p:pic>
+      <p:sp>
+        <p:nvSpPr>
+          <p:cNvPr id="4" name="文本框 3"/>
+          <p:cNvSpPr txBox="1"/>
+          <p:nvPr/>
+        </p:nvSpPr>
+        <p:spPr>
+          <a:xfrm>
+            <a:off x="3835947" y="1070420"/>
+            <a:ext cx="2351926" cy="369332"/>
+          </a:xfrm>
+          <a:prstGeom prst="rect">
+            <a:avLst/>
+          </a:prstGeom>
+          <a:noFill/>
+        </p:spPr>
+        <p:txBody>
+          <a:bodyPr wrap="none" rtlCol="0">
+            <a:spAutoFit/>
+          </a:bodyPr>
+          <a:lstStyle/>
+          <a:p>
+            <a:r>
+              <a:rPr kumimoji="1" lang="zh-CN" altLang="en-US" dirty="0" smtClean="0"/>
+              <a:t>识别准确率：</a:t>
+            </a:r>
+            <a:r>
+              <a:rPr kumimoji="1" lang="en-US" altLang="zh-CN" dirty="0" smtClean="0"/>
+              <a:t>79.19%</a:t>
+            </a:r>
+            <a:endParaRPr kumimoji="1" lang="zh-CN" altLang="en-US" dirty="0"/>
+          </a:p>
+        </p:txBody>
+      </p:sp>
       <p:pic>
         <p:nvPicPr>
           <p:cNvPr id="2" name="图片 1"/>
@@ -6264,48 +7574,14 @@
         </p:blipFill>
         <p:spPr>
           <a:xfrm>
-            <a:off x="3159286" y="1527859"/>
-            <a:ext cx="7828677" cy="4567512"/>
+            <a:off x="3898593" y="1439752"/>
+            <a:ext cx="2366180" cy="4877971"/>
           </a:xfrm>
           <a:prstGeom prst="rect">
             <a:avLst/>
           </a:prstGeom>
         </p:spPr>
       </p:pic>
-      <p:sp>
-        <p:nvSpPr>
-          <p:cNvPr id="4" name="文本框 3"/>
-          <p:cNvSpPr txBox="1"/>
-          <p:nvPr/>
-        </p:nvSpPr>
-        <p:spPr>
-          <a:xfrm>
-            <a:off x="6169306" y="844952"/>
-            <a:ext cx="2351926" cy="369332"/>
-          </a:xfrm>
-          <a:prstGeom prst="rect">
-            <a:avLst/>
-          </a:prstGeom>
-          <a:noFill/>
-        </p:spPr>
-        <p:txBody>
-          <a:bodyPr wrap="none" rtlCol="0">
-            <a:spAutoFit/>
-          </a:bodyPr>
-          <a:lstStyle/>
-          <a:p>
-            <a:r>
-              <a:rPr kumimoji="1" lang="zh-CN" altLang="en-US" dirty="0" smtClean="0"/>
-              <a:t>识别准确率：</a:t>
-            </a:r>
-            <a:r>
-              <a:rPr kumimoji="1" lang="en-US" altLang="zh-CN" dirty="0" smtClean="0"/>
-              <a:t>76.77%</a:t>
-            </a:r>
-            <a:endParaRPr kumimoji="1" lang="zh-CN" altLang="en-US" dirty="0"/>
-          </a:p>
-        </p:txBody>
-      </p:sp>
     </p:spTree>
     <p:custDataLst>
       <p:tags r:id="rId1"/>
@@ -6346,56 +7622,6 @@
           <a:chExt cx="0" cy="0"/>
         </a:xfrm>
       </p:grpSpPr>
-      <p:pic>
-        <p:nvPicPr>
-          <p:cNvPr id="41" name="图片 40" descr="sccnn.com_2018011761074383rpx8_02 [转换]-01"/>
-          <p:cNvPicPr>
-            <a:picLocks noChangeAspect="1"/>
-          </p:cNvPicPr>
-          <p:nvPr/>
-        </p:nvPicPr>
-        <p:blipFill>
-          <a:blip r:embed="rId4"/>
-          <a:srcRect r="43805"/>
-          <a:stretch>
-            <a:fillRect/>
-          </a:stretch>
-        </p:blipFill>
-        <p:spPr>
-          <a:xfrm>
-            <a:off x="-9525" y="22860"/>
-            <a:ext cx="3543300" cy="3557270"/>
-          </a:xfrm>
-          <a:prstGeom prst="rect">
-            <a:avLst/>
-          </a:prstGeom>
-        </p:spPr>
-      </p:pic>
-      <p:pic>
-        <p:nvPicPr>
-          <p:cNvPr id="7" name="图片 6" descr="sccnn.com_2018011761074383rpx8_02 [转换]-01"/>
-          <p:cNvPicPr>
-            <a:picLocks noChangeAspect="1"/>
-          </p:cNvPicPr>
-          <p:nvPr/>
-        </p:nvPicPr>
-        <p:blipFill>
-          <a:blip r:embed="rId4"/>
-          <a:srcRect r="43805"/>
-          <a:stretch>
-            <a:fillRect/>
-          </a:stretch>
-        </p:blipFill>
-        <p:spPr>
-          <a:xfrm>
-            <a:off x="0" y="0"/>
-            <a:ext cx="3543300" cy="3557270"/>
-          </a:xfrm>
-          <a:prstGeom prst="rect">
-            <a:avLst/>
-          </a:prstGeom>
-        </p:spPr>
-      </p:pic>
       <p:graphicFrame>
         <p:nvGraphicFramePr>
           <p:cNvPr id="14" name="图表 13"/>
@@ -6403,21 +7629,223 @@
           <p:nvPr>
             <p:extLst>
               <p:ext uri="{D42A27DB-BD31-4B8C-83A1-F6EECF244321}">
-                <p14:modId xmlns:p14="http://schemas.microsoft.com/office/powerpoint/2010/main" val="2464288044"/>
+                <p14:modId xmlns:p14="http://schemas.microsoft.com/office/powerpoint/2010/main" val="1100884039"/>
               </p:ext>
             </p:extLst>
           </p:nvPr>
         </p:nvGraphicFramePr>
         <p:xfrm>
-          <a:off x="2510972" y="412478"/>
-          <a:ext cx="7707086" cy="6075408"/>
+          <a:off x="137785" y="1478071"/>
+          <a:ext cx="4860099" cy="4128807"/>
         </p:xfrm>
         <a:graphic>
           <a:graphicData uri="http://schemas.openxmlformats.org/drawingml/2006/chart">
-            <c:chart xmlns:c="http://schemas.openxmlformats.org/drawingml/2006/chart" xmlns:r="http://schemas.openxmlformats.org/officeDocument/2006/relationships" r:id="rId5"/>
+            <c:chart xmlns:c="http://schemas.openxmlformats.org/drawingml/2006/chart" xmlns:r="http://schemas.openxmlformats.org/officeDocument/2006/relationships" r:id="rId4"/>
           </a:graphicData>
         </a:graphic>
       </p:graphicFrame>
+      <mc:AlternateContent xmlns:mc="http://schemas.openxmlformats.org/markup-compatibility/2006" xmlns:a14="http://schemas.microsoft.com/office/drawing/2010/main">
+        <mc:Choice Requires="a14">
+          <p:sp>
+            <p:nvSpPr>
+              <p:cNvPr id="2" name="文本框 1"/>
+              <p:cNvSpPr txBox="1"/>
+              <p:nvPr/>
+            </p:nvSpPr>
+            <p:spPr>
+              <a:xfrm>
+                <a:off x="2104405" y="1242164"/>
+                <a:ext cx="926857" cy="276999"/>
+              </a:xfrm>
+              <a:prstGeom prst="rect">
+                <a:avLst/>
+              </a:prstGeom>
+              <a:noFill/>
+            </p:spPr>
+            <p:txBody>
+              <a:bodyPr wrap="none" lIns="0" tIns="0" rIns="0" bIns="0" rtlCol="0">
+                <a:spAutoFit/>
+              </a:bodyPr>
+              <a:lstStyle/>
+              <a:p>
+                <a:pPr/>
+                <a14:m>
+                  <m:oMathPara xmlns:m="http://schemas.openxmlformats.org/officeDocument/2006/math">
+                    <m:oMathParaPr>
+                      <m:jc m:val="centerGroup"/>
+                    </m:oMathParaPr>
+                    <m:oMath xmlns:m="http://schemas.openxmlformats.org/officeDocument/2006/math">
+                      <m:r>
+                        <a:rPr lang="en-US" altLang="zh-CN" b="0" i="1" smtClean="0">
+                          <a:latin typeface="Cambria Math" panose="02040503050406030204" pitchFamily="18" charset="0"/>
+                        </a:rPr>
+                        <m:t>𝜂</m:t>
+                      </m:r>
+                      <m:r>
+                        <a:rPr lang="en-US" altLang="zh-CN" b="0" i="1" smtClean="0">
+                          <a:latin typeface="Cambria Math" panose="02040503050406030204" pitchFamily="18" charset="0"/>
+                        </a:rPr>
+                        <m:t>=0.01</m:t>
+                      </m:r>
+                    </m:oMath>
+                  </m:oMathPara>
+                </a14:m>
+                <a:endParaRPr lang="zh-CN" altLang="en-US" dirty="0"/>
+              </a:p>
+            </p:txBody>
+          </p:sp>
+        </mc:Choice>
+        <mc:Fallback xmlns="">
+          <p:sp>
+            <p:nvSpPr>
+              <p:cNvPr id="2" name="文本框 1"/>
+              <p:cNvSpPr txBox="1">
+                <a:spLocks noRot="1" noChangeAspect="1" noMove="1" noResize="1" noEditPoints="1" noAdjustHandles="1" noChangeArrowheads="1" noChangeShapeType="1" noTextEdit="1"/>
+              </p:cNvSpPr>
+              <p:nvPr/>
+            </p:nvSpPr>
+            <p:spPr>
+              <a:xfrm>
+                <a:off x="2104405" y="1242164"/>
+                <a:ext cx="926857" cy="276999"/>
+              </a:xfrm>
+              <a:prstGeom prst="rect">
+                <a:avLst/>
+              </a:prstGeom>
+              <a:blipFill>
+                <a:blip r:embed="rId5"/>
+                <a:stretch>
+                  <a:fillRect l="-5263" r="-5921" b="-28889"/>
+                </a:stretch>
+              </a:blipFill>
+            </p:spPr>
+            <p:txBody>
+              <a:bodyPr/>
+              <a:lstStyle/>
+              <a:p>
+                <a:r>
+                  <a:rPr lang="zh-CN" altLang="en-US">
+                    <a:noFill/>
+                  </a:rPr>
+                  <a:t> </a:t>
+                </a:r>
+              </a:p>
+            </p:txBody>
+          </p:sp>
+        </mc:Fallback>
+      </mc:AlternateContent>
+      <p:graphicFrame>
+        <p:nvGraphicFramePr>
+          <p:cNvPr id="6" name="图表 5"/>
+          <p:cNvGraphicFramePr/>
+          <p:nvPr>
+            <p:extLst>
+              <p:ext uri="{D42A27DB-BD31-4B8C-83A1-F6EECF244321}">
+                <p14:modId xmlns:p14="http://schemas.microsoft.com/office/powerpoint/2010/main" val="3032294588"/>
+              </p:ext>
+            </p:extLst>
+          </p:nvPr>
+        </p:nvGraphicFramePr>
+        <p:xfrm>
+          <a:off x="5085567" y="1478071"/>
+          <a:ext cx="4835047" cy="4128807"/>
+        </p:xfrm>
+        <a:graphic>
+          <a:graphicData uri="http://schemas.openxmlformats.org/drawingml/2006/chart">
+            <c:chart xmlns:c="http://schemas.openxmlformats.org/drawingml/2006/chart" xmlns:r="http://schemas.openxmlformats.org/officeDocument/2006/relationships" r:id="rId6"/>
+          </a:graphicData>
+        </a:graphic>
+      </p:graphicFrame>
+      <mc:AlternateContent xmlns:mc="http://schemas.openxmlformats.org/markup-compatibility/2006" xmlns:a14="http://schemas.microsoft.com/office/drawing/2010/main">
+        <mc:Choice Requires="a14">
+          <p:sp>
+            <p:nvSpPr>
+              <p:cNvPr id="8" name="文本框 7"/>
+              <p:cNvSpPr txBox="1"/>
+              <p:nvPr/>
+            </p:nvSpPr>
+            <p:spPr>
+              <a:xfrm>
+                <a:off x="7192059" y="1201072"/>
+                <a:ext cx="798617" cy="276999"/>
+              </a:xfrm>
+              <a:prstGeom prst="rect">
+                <a:avLst/>
+              </a:prstGeom>
+              <a:noFill/>
+            </p:spPr>
+            <p:txBody>
+              <a:bodyPr wrap="none" lIns="0" tIns="0" rIns="0" bIns="0" rtlCol="0">
+                <a:spAutoFit/>
+              </a:bodyPr>
+              <a:lstStyle/>
+              <a:p>
+                <a:pPr/>
+                <a14:m>
+                  <m:oMathPara xmlns:m="http://schemas.openxmlformats.org/officeDocument/2006/math">
+                    <m:oMathParaPr>
+                      <m:jc m:val="centerGroup"/>
+                    </m:oMathParaPr>
+                    <m:oMath xmlns:m="http://schemas.openxmlformats.org/officeDocument/2006/math">
+                      <m:r>
+                        <a:rPr lang="en-US" altLang="zh-CN" b="0" i="1" smtClean="0">
+                          <a:latin typeface="Cambria Math" panose="02040503050406030204" pitchFamily="18" charset="0"/>
+                        </a:rPr>
+                        <m:t>𝜂</m:t>
+                      </m:r>
+                      <m:r>
+                        <a:rPr lang="en-US" altLang="zh-CN" b="0" i="1" smtClean="0">
+                          <a:latin typeface="Cambria Math" panose="02040503050406030204" pitchFamily="18" charset="0"/>
+                        </a:rPr>
+                        <m:t>=0.2</m:t>
+                      </m:r>
+                    </m:oMath>
+                  </m:oMathPara>
+                </a14:m>
+                <a:endParaRPr lang="zh-CN" altLang="en-US" dirty="0"/>
+              </a:p>
+            </p:txBody>
+          </p:sp>
+        </mc:Choice>
+        <mc:Fallback xmlns="">
+          <p:sp>
+            <p:nvSpPr>
+              <p:cNvPr id="8" name="文本框 7"/>
+              <p:cNvSpPr txBox="1">
+                <a:spLocks noRot="1" noChangeAspect="1" noMove="1" noResize="1" noEditPoints="1" noAdjustHandles="1" noChangeArrowheads="1" noChangeShapeType="1" noTextEdit="1"/>
+              </p:cNvSpPr>
+              <p:nvPr/>
+            </p:nvSpPr>
+            <p:spPr>
+              <a:xfrm>
+                <a:off x="7192059" y="1201072"/>
+                <a:ext cx="798617" cy="276999"/>
+              </a:xfrm>
+              <a:prstGeom prst="rect">
+                <a:avLst/>
+              </a:prstGeom>
+              <a:blipFill>
+                <a:blip r:embed="rId7"/>
+                <a:stretch>
+                  <a:fillRect l="-6107" r="-6107" b="-28889"/>
+                </a:stretch>
+              </a:blipFill>
+            </p:spPr>
+            <p:txBody>
+              <a:bodyPr/>
+              <a:lstStyle/>
+              <a:p>
+                <a:r>
+                  <a:rPr lang="zh-CN" altLang="en-US">
+                    <a:noFill/>
+                  </a:rPr>
+                  <a:t> </a:t>
+                </a:r>
+              </a:p>
+            </p:txBody>
+          </p:sp>
+        </mc:Fallback>
+      </mc:AlternateContent>
     </p:spTree>
     <p:custDataLst>
       <p:tags r:id="rId1"/>

--- a/AI展示.pptx
+++ b/AI展示.pptx
@@ -1,26 +1,26 @@
 
 <file path=ppt/presentation.xml><?xml version="1.0" encoding="utf-8"?>
-<p:presentation xmlns:a="http://schemas.openxmlformats.org/drawingml/2006/main" xmlns:r="http://schemas.openxmlformats.org/officeDocument/2006/relationships" xmlns:p="http://schemas.openxmlformats.org/presentationml/2006/main" removePersonalInfoOnSave="1" saveSubsetFonts="1">
+<p:presentation xmlns:a="http://schemas.openxmlformats.org/drawingml/2006/main" xmlns:r="http://schemas.openxmlformats.org/officeDocument/2006/relationships" xmlns:p="http://schemas.openxmlformats.org/presentationml/2006/main" removePersonalInfoOnSave="1">
   <p:sldMasterIdLst>
     <p:sldMasterId id="2147483648" r:id="rId1"/>
   </p:sldMasterIdLst>
   <p:notesMasterIdLst>
-    <p:notesMasterId r:id="rId15"/>
+    <p:notesMasterId r:id="rId4"/>
   </p:notesMasterIdLst>
   <p:sldIdLst>
-    <p:sldId id="256" r:id="rId2"/>
-    <p:sldId id="259" r:id="rId3"/>
-    <p:sldId id="272" r:id="rId4"/>
-    <p:sldId id="273" r:id="rId5"/>
-    <p:sldId id="260" r:id="rId6"/>
-    <p:sldId id="274" r:id="rId7"/>
-    <p:sldId id="275" r:id="rId8"/>
-    <p:sldId id="276" r:id="rId9"/>
-    <p:sldId id="277" r:id="rId10"/>
-    <p:sldId id="279" r:id="rId11"/>
-    <p:sldId id="280" r:id="rId12"/>
-    <p:sldId id="281" r:id="rId13"/>
-    <p:sldId id="278" r:id="rId14"/>
+    <p:sldId id="256" r:id="rId3"/>
+    <p:sldId id="259" r:id="rId5"/>
+    <p:sldId id="272" r:id="rId6"/>
+    <p:sldId id="273" r:id="rId7"/>
+    <p:sldId id="260" r:id="rId8"/>
+    <p:sldId id="274" r:id="rId9"/>
+    <p:sldId id="275" r:id="rId10"/>
+    <p:sldId id="276" r:id="rId11"/>
+    <p:sldId id="277" r:id="rId12"/>
+    <p:sldId id="279" r:id="rId13"/>
+    <p:sldId id="280" r:id="rId14"/>
+    <p:sldId id="281" r:id="rId15"/>
+    <p:sldId id="283" r:id="rId16"/>
   </p:sldIdLst>
   <p:sldSz cx="12192000" cy="6858000"/>
   <p:notesSz cx="6858000" cy="9144000"/>
@@ -119,16 +119,11 @@
       </a:defRPr>
     </a:lvl9pPr>
   </p:defaultTextStyle>
-  <p:extLst>
-    <p:ext uri="{EFAFB233-063F-42B5-8137-9DF3F51BA10A}">
-      <p15:sldGuideLst xmlns:p15="http://schemas.microsoft.com/office/powerpoint/2012/main"/>
-    </p:ext>
-  </p:extLst>
 </p:presentation>
 </file>
 
 <file path=ppt/charts/chart1.xml><?xml version="1.0" encoding="utf-8"?>
-<c:chartSpace xmlns:c="http://schemas.openxmlformats.org/drawingml/2006/chart" xmlns:a="http://schemas.openxmlformats.org/drawingml/2006/main" xmlns:r="http://schemas.openxmlformats.org/officeDocument/2006/relationships" xmlns:c16r2="http://schemas.microsoft.com/office/drawing/2015/06/chart">
+<c:chartSpace xmlns:c="http://schemas.openxmlformats.org/drawingml/2006/chart" xmlns:a="http://schemas.openxmlformats.org/drawingml/2006/main" xmlns:r="http://schemas.openxmlformats.org/officeDocument/2006/relationships">
   <c:date1904 val="0"/>
   <c:lang val="zh-CN"/>
   <c:roundedCorners val="0"/>
@@ -148,10 +143,10 @@
           <c:layoutTarget val="inner"/>
           <c:xMode val="edge"/>
           <c:yMode val="edge"/>
-          <c:x val="0.13290055411344828"/>
-          <c:y val="8.0163175872303552E-2"/>
-          <c:w val="0.82964326595032156"/>
-          <c:h val="0.80439338395050997"/>
+          <c:x val="0.132900554113448"/>
+          <c:y val="0.0801631758723036"/>
+          <c:w val="0.829643265950322"/>
+          <c:h val="0.80439338395051"/>
         </c:manualLayout>
       </c:layout>
       <c:lineChart>
@@ -183,6 +178,9 @@
           <c:marker>
             <c:symbol val="none"/>
           </c:marker>
+          <c:dLbls>
+            <c:delete val="1"/>
+          </c:dLbls>
           <c:cat>
             <c:numRef>
               <c:f>Sheet1!$A$2:$A$61</c:f>
@@ -562,11 +560,6 @@
             </c:numRef>
           </c:val>
           <c:smooth val="0"/>
-          <c:extLst>
-            <c:ext xmlns:c16="http://schemas.microsoft.com/office/drawing/2014/chart" uri="{C3380CC4-5D6E-409C-BE32-E72D297353CC}">
-              <c16:uniqueId val="{00000000-9579-4CA9-9905-1ACC9FC6F71A}"/>
-            </c:ext>
-          </c:extLst>
         </c:ser>
         <c:dLbls>
           <c:showLegendKey val="0"/>
@@ -576,6 +569,7 @@
           <c:showPercent val="0"/>
           <c:showBubbleSize val="0"/>
         </c:dLbls>
+        <c:marker val="0"/>
         <c:smooth val="0"/>
         <c:axId val="463437695"/>
         <c:axId val="463435615"/>
@@ -594,7 +588,7 @@
               <a:lstStyle/>
               <a:p>
                 <a:pPr>
-                  <a:defRPr sz="1330" b="0" i="0" u="none" strike="noStrike" kern="1200" baseline="0">
+                  <a:defRPr lang="zh-CN" sz="1330" b="0" i="0" u="none" strike="noStrike" kern="1200" baseline="0">
                     <a:solidFill>
                       <a:schemeClr val="tx1">
                         <a:lumMod val="65000"/>
@@ -623,26 +617,6 @@
             </a:ln>
             <a:effectLst/>
           </c:spPr>
-          <c:txPr>
-            <a:bodyPr rot="0" spcFirstLastPara="1" vertOverflow="ellipsis" vert="horz" wrap="square" anchor="ctr" anchorCtr="1"/>
-            <a:lstStyle/>
-            <a:p>
-              <a:pPr>
-                <a:defRPr sz="1330" b="0" i="0" u="none" strike="noStrike" kern="1200" baseline="0">
-                  <a:solidFill>
-                    <a:schemeClr val="tx1">
-                      <a:lumMod val="65000"/>
-                      <a:lumOff val="35000"/>
-                    </a:schemeClr>
-                  </a:solidFill>
-                  <a:latin typeface="+mn-lt"/>
-                  <a:ea typeface="+mn-ea"/>
-                  <a:cs typeface="+mn-cs"/>
-                </a:defRPr>
-              </a:pPr>
-              <a:endParaRPr lang="zh-CN"/>
-            </a:p>
-          </c:txPr>
         </c:title>
         <c:numFmt formatCode="General" sourceLinked="1"/>
         <c:majorTickMark val="out"/>
@@ -666,7 +640,7 @@
           <a:lstStyle/>
           <a:p>
             <a:pPr>
-              <a:defRPr sz="1197" b="0" i="0" u="none" strike="noStrike" kern="1200" baseline="0">
+              <a:defRPr lang="zh-CN" sz="1195" b="0" i="0" u="none" strike="noStrike" kern="1200" baseline="0">
                 <a:solidFill>
                   <a:schemeClr val="tx1">
                     <a:lumMod val="65000"/>
@@ -678,7 +652,6 @@
                 <a:cs typeface="+mn-cs"/>
               </a:defRPr>
             </a:pPr>
-            <a:endParaRPr lang="zh-CN"/>
           </a:p>
         </c:txPr>
         <c:crossAx val="463435615"/>
@@ -716,7 +689,7 @@
               <a:lstStyle/>
               <a:p>
                 <a:pPr>
-                  <a:defRPr sz="1330" b="0" i="0" u="none" strike="noStrike" kern="1200" baseline="0">
+                  <a:defRPr lang="zh-CN" sz="1330" b="0" i="0" u="none" strike="noStrike" kern="1200" baseline="0">
                     <a:solidFill>
                       <a:schemeClr val="tx1">
                         <a:lumMod val="65000"/>
@@ -745,26 +718,6 @@
             </a:ln>
             <a:effectLst/>
           </c:spPr>
-          <c:txPr>
-            <a:bodyPr rot="-5400000" spcFirstLastPara="1" vertOverflow="ellipsis" vert="horz" wrap="square" anchor="ctr" anchorCtr="1"/>
-            <a:lstStyle/>
-            <a:p>
-              <a:pPr>
-                <a:defRPr sz="1330" b="0" i="0" u="none" strike="noStrike" kern="1200" baseline="0">
-                  <a:solidFill>
-                    <a:schemeClr val="tx1">
-                      <a:lumMod val="65000"/>
-                      <a:lumOff val="35000"/>
-                    </a:schemeClr>
-                  </a:solidFill>
-                  <a:latin typeface="+mn-lt"/>
-                  <a:ea typeface="+mn-ea"/>
-                  <a:cs typeface="+mn-cs"/>
-                </a:defRPr>
-              </a:pPr>
-              <a:endParaRPr lang="zh-CN"/>
-            </a:p>
-          </c:txPr>
         </c:title>
         <c:numFmt formatCode="0%" sourceLinked="1"/>
         <c:majorTickMark val="out"/>
@@ -782,7 +735,7 @@
           <a:lstStyle/>
           <a:p>
             <a:pPr>
-              <a:defRPr sz="1197" b="0" i="0" u="none" strike="noStrike" kern="1200" baseline="0">
+              <a:defRPr lang="zh-CN" sz="1195" b="0" i="0" u="none" strike="noStrike" kern="1200" baseline="0">
                 <a:solidFill>
                   <a:schemeClr val="tx1">
                     <a:lumMod val="65000"/>
@@ -794,7 +747,6 @@
                 <a:cs typeface="+mn-cs"/>
               </a:defRPr>
             </a:pPr>
-            <a:endParaRPr lang="zh-CN"/>
           </a:p>
         </c:txPr>
         <c:crossAx val="463437695"/>
@@ -803,7 +755,7 @@
       </c:valAx>
       <c:spPr>
         <a:blipFill dpi="0" rotWithShape="1">
-          <a:blip xmlns:r="http://schemas.openxmlformats.org/officeDocument/2006/relationships" r:embed="rId3">
+          <a:blip xmlns:r="http://schemas.openxmlformats.org/officeDocument/2006/relationships" r:embed="rId2">
             <a:extLst>
               <a:ext uri="{28A0092B-C50C-407E-A947-70E740481C1C}">
                 <a14:useLocalDpi xmlns:a14="http://schemas.microsoft.com/office/drawing/2010/main" val="0"/>
@@ -837,19 +789,18 @@
     <a:lstStyle/>
     <a:p>
       <a:pPr>
-        <a:defRPr/>
+        <a:defRPr lang="zh-CN"/>
       </a:pPr>
-      <a:endParaRPr lang="zh-CN"/>
     </a:p>
   </c:txPr>
-  <c:externalData r:id="rId4">
+  <c:externalData r:id="rId1">
     <c:autoUpdate val="0"/>
   </c:externalData>
 </c:chartSpace>
 </file>
 
 <file path=ppt/charts/chart2.xml><?xml version="1.0" encoding="utf-8"?>
-<c:chartSpace xmlns:c="http://schemas.openxmlformats.org/drawingml/2006/chart" xmlns:a="http://schemas.openxmlformats.org/drawingml/2006/main" xmlns:r="http://schemas.openxmlformats.org/officeDocument/2006/relationships" xmlns:c16r2="http://schemas.microsoft.com/office/drawing/2015/06/chart">
+<c:chartSpace xmlns:c="http://schemas.openxmlformats.org/drawingml/2006/chart" xmlns:a="http://schemas.openxmlformats.org/drawingml/2006/main" xmlns:r="http://schemas.openxmlformats.org/officeDocument/2006/relationships">
   <c:date1904 val="0"/>
   <c:lang val="zh-CN"/>
   <c:roundedCorners val="0"/>
@@ -869,10 +820,10 @@
           <c:layoutTarget val="inner"/>
           <c:xMode val="edge"/>
           <c:yMode val="edge"/>
-          <c:x val="0.13290055411344828"/>
-          <c:y val="8.0163175872303552E-2"/>
-          <c:w val="0.82964326595032156"/>
-          <c:h val="0.80439338395050997"/>
+          <c:x val="0.132900554113448"/>
+          <c:y val="0.0801631758723036"/>
+          <c:w val="0.829643265950322"/>
+          <c:h val="0.80439338395051"/>
         </c:manualLayout>
       </c:layout>
       <c:lineChart>
@@ -904,6 +855,9 @@
           <c:marker>
             <c:symbol val="none"/>
           </c:marker>
+          <c:dLbls>
+            <c:delete val="1"/>
+          </c:dLbls>
           <c:cat>
             <c:numRef>
               <c:f>Sheet1!$A$2:$A$61</c:f>
@@ -1283,11 +1237,6 @@
             </c:numRef>
           </c:val>
           <c:smooth val="0"/>
-          <c:extLst>
-            <c:ext xmlns:c16="http://schemas.microsoft.com/office/drawing/2014/chart" uri="{C3380CC4-5D6E-409C-BE32-E72D297353CC}">
-              <c16:uniqueId val="{00000000-52D9-4ABD-934A-7229DA0C66D1}"/>
-            </c:ext>
-          </c:extLst>
         </c:ser>
         <c:dLbls>
           <c:showLegendKey val="0"/>
@@ -1297,6 +1246,7 @@
           <c:showPercent val="0"/>
           <c:showBubbleSize val="0"/>
         </c:dLbls>
+        <c:marker val="0"/>
         <c:smooth val="0"/>
         <c:axId val="463437695"/>
         <c:axId val="463435615"/>
@@ -1315,7 +1265,7 @@
               <a:lstStyle/>
               <a:p>
                 <a:pPr>
-                  <a:defRPr sz="1330" b="0" i="0" u="none" strike="noStrike" kern="1200" baseline="0">
+                  <a:defRPr lang="zh-CN" sz="1330" b="0" i="0" u="none" strike="noStrike" kern="1200" baseline="0">
                     <a:solidFill>
                       <a:schemeClr val="tx1">
                         <a:lumMod val="65000"/>
@@ -1344,26 +1294,6 @@
             </a:ln>
             <a:effectLst/>
           </c:spPr>
-          <c:txPr>
-            <a:bodyPr rot="0" spcFirstLastPara="1" vertOverflow="ellipsis" vert="horz" wrap="square" anchor="ctr" anchorCtr="1"/>
-            <a:lstStyle/>
-            <a:p>
-              <a:pPr>
-                <a:defRPr sz="1330" b="0" i="0" u="none" strike="noStrike" kern="1200" baseline="0">
-                  <a:solidFill>
-                    <a:schemeClr val="tx1">
-                      <a:lumMod val="65000"/>
-                      <a:lumOff val="35000"/>
-                    </a:schemeClr>
-                  </a:solidFill>
-                  <a:latin typeface="+mn-lt"/>
-                  <a:ea typeface="+mn-ea"/>
-                  <a:cs typeface="+mn-cs"/>
-                </a:defRPr>
-              </a:pPr>
-              <a:endParaRPr lang="zh-CN"/>
-            </a:p>
-          </c:txPr>
         </c:title>
         <c:numFmt formatCode="General" sourceLinked="1"/>
         <c:majorTickMark val="out"/>
@@ -1387,7 +1317,7 @@
           <a:lstStyle/>
           <a:p>
             <a:pPr>
-              <a:defRPr sz="1197" b="0" i="0" u="none" strike="noStrike" kern="1200" baseline="0">
+              <a:defRPr lang="zh-CN" sz="1195" b="0" i="0" u="none" strike="noStrike" kern="1200" baseline="0">
                 <a:solidFill>
                   <a:schemeClr val="tx1">
                     <a:lumMod val="65000"/>
@@ -1399,7 +1329,6 @@
                 <a:cs typeface="+mn-cs"/>
               </a:defRPr>
             </a:pPr>
-            <a:endParaRPr lang="zh-CN"/>
           </a:p>
         </c:txPr>
         <c:crossAx val="463435615"/>
@@ -1437,7 +1366,7 @@
               <a:lstStyle/>
               <a:p>
                 <a:pPr>
-                  <a:defRPr sz="1330" b="0" i="0" u="none" strike="noStrike" kern="1200" baseline="0">
+                  <a:defRPr lang="zh-CN" sz="1330" b="0" i="0" u="none" strike="noStrike" kern="1200" baseline="0">
                     <a:solidFill>
                       <a:schemeClr val="tx1">
                         <a:lumMod val="65000"/>
@@ -1466,26 +1395,6 @@
             </a:ln>
             <a:effectLst/>
           </c:spPr>
-          <c:txPr>
-            <a:bodyPr rot="-5400000" spcFirstLastPara="1" vertOverflow="ellipsis" vert="horz" wrap="square" anchor="ctr" anchorCtr="1"/>
-            <a:lstStyle/>
-            <a:p>
-              <a:pPr>
-                <a:defRPr sz="1330" b="0" i="0" u="none" strike="noStrike" kern="1200" baseline="0">
-                  <a:solidFill>
-                    <a:schemeClr val="tx1">
-                      <a:lumMod val="65000"/>
-                      <a:lumOff val="35000"/>
-                    </a:schemeClr>
-                  </a:solidFill>
-                  <a:latin typeface="+mn-lt"/>
-                  <a:ea typeface="+mn-ea"/>
-                  <a:cs typeface="+mn-cs"/>
-                </a:defRPr>
-              </a:pPr>
-              <a:endParaRPr lang="zh-CN"/>
-            </a:p>
-          </c:txPr>
         </c:title>
         <c:numFmt formatCode="0%" sourceLinked="1"/>
         <c:majorTickMark val="out"/>
@@ -1503,7 +1412,7 @@
           <a:lstStyle/>
           <a:p>
             <a:pPr>
-              <a:defRPr sz="1197" b="0" i="0" u="none" strike="noStrike" kern="1200" baseline="0">
+              <a:defRPr lang="zh-CN" sz="1195" b="0" i="0" u="none" strike="noStrike" kern="1200" baseline="0">
                 <a:solidFill>
                   <a:schemeClr val="tx1">
                     <a:lumMod val="65000"/>
@@ -1515,7 +1424,6 @@
                 <a:cs typeface="+mn-cs"/>
               </a:defRPr>
             </a:pPr>
-            <a:endParaRPr lang="zh-CN"/>
           </a:p>
         </c:txPr>
         <c:crossAx val="463437695"/>
@@ -1524,7 +1432,7 @@
       </c:valAx>
       <c:spPr>
         <a:blipFill dpi="0" rotWithShape="1">
-          <a:blip xmlns:r="http://schemas.openxmlformats.org/officeDocument/2006/relationships" r:embed="rId3">
+          <a:blip xmlns:r="http://schemas.openxmlformats.org/officeDocument/2006/relationships" r:embed="rId2">
             <a:extLst>
               <a:ext uri="{28A0092B-C50C-407E-A947-70E740481C1C}">
                 <a14:useLocalDpi xmlns:a14="http://schemas.microsoft.com/office/drawing/2010/main" val="0"/>
@@ -1558,12 +1466,11 @@
     <a:lstStyle/>
     <a:p>
       <a:pPr>
-        <a:defRPr/>
+        <a:defRPr lang="zh-CN"/>
       </a:pPr>
-      <a:endParaRPr lang="zh-CN"/>
     </a:p>
   </c:txPr>
-  <c:externalData r:id="rId4">
+  <c:externalData r:id="rId1">
     <c:autoUpdate val="0"/>
   </c:externalData>
 </c:chartSpace>
@@ -1684,7 +1591,7 @@
         <a:round/>
       </a:ln>
     </cs:spPr>
-    <cs:defRPr sz="1197" kern="1200"/>
+    <cs:defRPr sz="1195" kern="1200"/>
   </cs:categoryAxis>
   <cs:chartArea mods="allowNoFillOverride allowNoLineOverride">
     <cs:lnRef idx="0"/>
@@ -1719,7 +1626,7 @@
         <a:lumOff val="25000"/>
       </a:schemeClr>
     </cs:fontRef>
-    <cs:defRPr sz="1197" kern="1200"/>
+    <cs:defRPr sz="1195" kern="1200"/>
   </cs:dataLabel>
   <cs:dataLabelCallout>
     <cs:lnRef idx="0"/>
@@ -1744,7 +1651,7 @@
         </a:solidFill>
       </a:ln>
     </cs:spPr>
-    <cs:defRPr sz="1197" kern="1200"/>
+    <cs:defRPr sz="1195" kern="1200"/>
     <cs:bodyPr rot="0" spcFirstLastPara="1" vertOverflow="clip" horzOverflow="clip" vert="horz" wrap="square" lIns="36576" tIns="18288" rIns="36576" bIns="18288" anchor="ctr" anchorCtr="1">
       <a:spAutoFit/>
     </cs:bodyPr>
@@ -1860,7 +1767,7 @@
         <a:round/>
       </a:ln>
     </cs:spPr>
-    <cs:defRPr sz="1197" kern="1200"/>
+    <cs:defRPr sz="1195" kern="1200"/>
   </cs:dataTable>
   <cs:downBar>
     <cs:lnRef idx="0"/>
@@ -2024,7 +1931,7 @@
         <a:lumOff val="35000"/>
       </a:schemeClr>
     </cs:fontRef>
-    <cs:defRPr sz="1197" kern="1200"/>
+    <cs:defRPr sz="1195" kern="1200"/>
   </cs:legend>
   <cs:plotArea mods="allowNoFillOverride allowNoLineOverride">
     <cs:lnRef idx="0"/>
@@ -2052,7 +1959,7 @@
         <a:lumOff val="35000"/>
       </a:schemeClr>
     </cs:fontRef>
-    <cs:defRPr sz="1197" kern="1200"/>
+    <cs:defRPr sz="1195" kern="1200"/>
   </cs:seriesAxis>
   <cs:seriesLine>
     <cs:lnRef idx="0"/>
@@ -2083,7 +1990,7 @@
         <a:lumOff val="35000"/>
       </a:schemeClr>
     </cs:fontRef>
-    <cs:defRPr sz="1862" b="0" kern="1200" spc="0" baseline="0"/>
+    <cs:defRPr sz="1860" b="0" kern="1200" spc="0" baseline="0"/>
   </cs:title>
   <cs:trendline>
     <cs:lnRef idx="0">
@@ -2113,7 +2020,7 @@
         <a:lumOff val="35000"/>
       </a:schemeClr>
     </cs:fontRef>
-    <cs:defRPr sz="1197" kern="1200"/>
+    <cs:defRPr sz="1195" kern="1200"/>
   </cs:trendlineLabel>
   <cs:upBar>
     <cs:lnRef idx="0"/>
@@ -2146,7 +2053,7 @@
         <a:lumOff val="35000"/>
       </a:schemeClr>
     </cs:fontRef>
-    <cs:defRPr sz="1197" kern="1200"/>
+    <cs:defRPr sz="1195" kern="1200"/>
   </cs:valueAxis>
   <cs:wall>
     <cs:lnRef idx="0"/>
@@ -2200,7 +2107,7 @@
         <a:round/>
       </a:ln>
     </cs:spPr>
-    <cs:defRPr sz="1197" kern="1200"/>
+    <cs:defRPr sz="1195" kern="1200"/>
   </cs:categoryAxis>
   <cs:chartArea mods="allowNoFillOverride allowNoLineOverride">
     <cs:lnRef idx="0"/>
@@ -2235,7 +2142,7 @@
         <a:lumOff val="25000"/>
       </a:schemeClr>
     </cs:fontRef>
-    <cs:defRPr sz="1197" kern="1200"/>
+    <cs:defRPr sz="1195" kern="1200"/>
   </cs:dataLabel>
   <cs:dataLabelCallout>
     <cs:lnRef idx="0"/>
@@ -2260,7 +2167,7 @@
         </a:solidFill>
       </a:ln>
     </cs:spPr>
-    <cs:defRPr sz="1197" kern="1200"/>
+    <cs:defRPr sz="1195" kern="1200"/>
     <cs:bodyPr rot="0" spcFirstLastPara="1" vertOverflow="clip" horzOverflow="clip" vert="horz" wrap="square" lIns="36576" tIns="18288" rIns="36576" bIns="18288" anchor="ctr" anchorCtr="1">
       <a:spAutoFit/>
     </cs:bodyPr>
@@ -2376,7 +2283,7 @@
         <a:round/>
       </a:ln>
     </cs:spPr>
-    <cs:defRPr sz="1197" kern="1200"/>
+    <cs:defRPr sz="1195" kern="1200"/>
   </cs:dataTable>
   <cs:downBar>
     <cs:lnRef idx="0"/>
@@ -2540,7 +2447,7 @@
         <a:lumOff val="35000"/>
       </a:schemeClr>
     </cs:fontRef>
-    <cs:defRPr sz="1197" kern="1200"/>
+    <cs:defRPr sz="1195" kern="1200"/>
   </cs:legend>
   <cs:plotArea mods="allowNoFillOverride allowNoLineOverride">
     <cs:lnRef idx="0"/>
@@ -2568,7 +2475,7 @@
         <a:lumOff val="35000"/>
       </a:schemeClr>
     </cs:fontRef>
-    <cs:defRPr sz="1197" kern="1200"/>
+    <cs:defRPr sz="1195" kern="1200"/>
   </cs:seriesAxis>
   <cs:seriesLine>
     <cs:lnRef idx="0"/>
@@ -2599,7 +2506,7 @@
         <a:lumOff val="35000"/>
       </a:schemeClr>
     </cs:fontRef>
-    <cs:defRPr sz="1862" b="0" kern="1200" spc="0" baseline="0"/>
+    <cs:defRPr sz="1860" b="0" kern="1200" spc="0" baseline="0"/>
   </cs:title>
   <cs:trendline>
     <cs:lnRef idx="0">
@@ -2629,7 +2536,7 @@
         <a:lumOff val="35000"/>
       </a:schemeClr>
     </cs:fontRef>
-    <cs:defRPr sz="1197" kern="1200"/>
+    <cs:defRPr sz="1195" kern="1200"/>
   </cs:trendlineLabel>
   <cs:upBar>
     <cs:lnRef idx="0"/>
@@ -2662,7 +2569,7 @@
         <a:lumOff val="35000"/>
       </a:schemeClr>
     </cs:fontRef>
-    <cs:defRPr sz="1197" kern="1200"/>
+    <cs:defRPr sz="1195" kern="1200"/>
   </cs:valueAxis>
   <cs:wall>
     <cs:lnRef idx="0"/>
@@ -2763,7 +2670,6 @@
           <a:p>
             <a:fld id="{7F25A8C7-CC1A-4A08-9B4B-31F43B054C7F}" type="datetimeFigureOut">
               <a:rPr lang="zh-CN" altLang="en-US" smtClean="0"/>
-              <a:t>2018/12/24</a:t>
             </a:fld>
             <a:endParaRPr lang="zh-CN" altLang="en-US"/>
           </a:p>
@@ -2830,6 +2736,7 @@
               <a:rPr lang="zh-CN" altLang="en-US"/>
               <a:t>单击此处编辑母版文本样式</a:t>
             </a:r>
+            <a:endParaRPr lang="zh-CN" altLang="en-US"/>
           </a:p>
           <a:p>
             <a:pPr lvl="1"/>
@@ -2837,6 +2744,7 @@
               <a:rPr lang="zh-CN" altLang="en-US"/>
               <a:t>第二级</a:t>
             </a:r>
+            <a:endParaRPr lang="zh-CN" altLang="en-US"/>
           </a:p>
           <a:p>
             <a:pPr lvl="2"/>
@@ -2844,6 +2752,7 @@
               <a:rPr lang="zh-CN" altLang="en-US"/>
               <a:t>第三级</a:t>
             </a:r>
+            <a:endParaRPr lang="zh-CN" altLang="en-US"/>
           </a:p>
           <a:p>
             <a:pPr lvl="3"/>
@@ -2851,6 +2760,7 @@
               <a:rPr lang="zh-CN" altLang="en-US"/>
               <a:t>第四级</a:t>
             </a:r>
+            <a:endParaRPr lang="zh-CN" altLang="en-US"/>
           </a:p>
           <a:p>
             <a:pPr lvl="4"/>
@@ -2858,6 +2768,7 @@
               <a:rPr lang="zh-CN" altLang="en-US"/>
               <a:t>第五级</a:t>
             </a:r>
+            <a:endParaRPr lang="zh-CN" altLang="en-US"/>
           </a:p>
         </p:txBody>
       </p:sp>
@@ -2921,18 +2832,12 @@
           <a:p>
             <a:fld id="{F9E1B693-632D-4080-9CF6-EA28B66DC801}" type="slidenum">
               <a:rPr lang="zh-CN" altLang="en-US" smtClean="0"/>
-              <a:t>‹#›</a:t>
             </a:fld>
             <a:endParaRPr lang="zh-CN" altLang="en-US"/>
           </a:p>
         </p:txBody>
       </p:sp>
     </p:spTree>
-    <p:extLst>
-      <p:ext uri="{BB962C8B-B14F-4D97-AF65-F5344CB8AC3E}">
-        <p14:creationId xmlns:p14="http://schemas.microsoft.com/office/powerpoint/2010/main" val="1052500293"/>
-      </p:ext>
-    </p:extLst>
   </p:cSld>
   <p:clrMap bg1="lt1" tx1="dk1" bg2="lt2" tx2="dk2" accent1="accent1" accent2="accent2" accent3="accent3" accent4="accent4" accent5="accent5" accent6="accent6" hlink="hlink" folHlink="folHlink"/>
   <p:notesStyle>
@@ -3123,7 +3028,6 @@
                 <a:latin typeface="Calibri" panose="020F0502020204030204" pitchFamily="34" charset="0"/>
                 <a:ea typeface="微软雅黑" panose="020B0503020204020204" pitchFamily="34" charset="-122"/>
               </a:rPr>
-              <a:t>1</a:t>
             </a:fld>
             <a:endParaRPr kumimoji="0" lang="zh-CN" altLang="en-US" sz="1200" b="0" i="0" u="none" strike="noStrike" kern="1200" cap="none" spc="0" normalizeH="0" baseline="0" noProof="0">
               <a:ln>
@@ -3142,11 +3046,6 @@
         </p:txBody>
       </p:sp>
     </p:spTree>
-    <p:extLst>
-      <p:ext uri="{BB962C8B-B14F-4D97-AF65-F5344CB8AC3E}">
-        <p14:creationId xmlns:p14="http://schemas.microsoft.com/office/powerpoint/2010/main" val="549624112"/>
-      </p:ext>
-    </p:extLst>
   </p:cSld>
   <p:clrMapOvr>
     <a:masterClrMapping/>
@@ -3247,7 +3146,6 @@
                 <a:latin typeface="Calibri" panose="020F0502020204030204" pitchFamily="34" charset="0"/>
                 <a:ea typeface="微软雅黑" panose="020B0503020204020204" pitchFamily="34" charset="-122"/>
               </a:rPr>
-              <a:t>10</a:t>
             </a:fld>
             <a:endParaRPr kumimoji="0" lang="zh-CN" altLang="en-US" sz="1200" b="0" i="0" u="none" strike="noStrike" kern="1200" cap="none" spc="0" normalizeH="0" baseline="0" noProof="0">
               <a:ln>
@@ -3266,11 +3164,6 @@
         </p:txBody>
       </p:sp>
     </p:spTree>
-    <p:extLst>
-      <p:ext uri="{BB962C8B-B14F-4D97-AF65-F5344CB8AC3E}">
-        <p14:creationId xmlns:p14="http://schemas.microsoft.com/office/powerpoint/2010/main" val="684601424"/>
-      </p:ext>
-    </p:extLst>
   </p:cSld>
   <p:clrMapOvr>
     <a:masterClrMapping/>
@@ -3371,7 +3264,6 @@
                 <a:latin typeface="Calibri" panose="020F0502020204030204" pitchFamily="34" charset="0"/>
                 <a:ea typeface="微软雅黑" panose="020B0503020204020204" pitchFamily="34" charset="-122"/>
               </a:rPr>
-              <a:t>11</a:t>
             </a:fld>
             <a:endParaRPr kumimoji="0" lang="zh-CN" altLang="en-US" sz="1200" b="0" i="0" u="none" strike="noStrike" kern="1200" cap="none" spc="0" normalizeH="0" baseline="0" noProof="0">
               <a:ln>
@@ -3390,11 +3282,6 @@
         </p:txBody>
       </p:sp>
     </p:spTree>
-    <p:extLst>
-      <p:ext uri="{BB962C8B-B14F-4D97-AF65-F5344CB8AC3E}">
-        <p14:creationId xmlns:p14="http://schemas.microsoft.com/office/powerpoint/2010/main" val="1210696327"/>
-      </p:ext>
-    </p:extLst>
   </p:cSld>
   <p:clrMapOvr>
     <a:masterClrMapping/>
@@ -3495,7 +3382,6 @@
                 <a:latin typeface="Calibri" panose="020F0502020204030204" pitchFamily="34" charset="0"/>
                 <a:ea typeface="微软雅黑" panose="020B0503020204020204" pitchFamily="34" charset="-122"/>
               </a:rPr>
-              <a:t>12</a:t>
             </a:fld>
             <a:endParaRPr kumimoji="0" lang="zh-CN" altLang="en-US" sz="1200" b="0" i="0" u="none" strike="noStrike" kern="1200" cap="none" spc="0" normalizeH="0" baseline="0" noProof="0">
               <a:ln>
@@ -3514,11 +3400,6 @@
         </p:txBody>
       </p:sp>
     </p:spTree>
-    <p:extLst>
-      <p:ext uri="{BB962C8B-B14F-4D97-AF65-F5344CB8AC3E}">
-        <p14:creationId xmlns:p14="http://schemas.microsoft.com/office/powerpoint/2010/main" val="2021457899"/>
-      </p:ext>
-    </p:extLst>
   </p:cSld>
   <p:clrMapOvr>
     <a:masterClrMapping/>
@@ -3526,7 +3407,7 @@
 </p:notes>
 </file>
 
-<file path=ppt/notesSlides/notesSlide2.xml><?xml version="1.0" encoding="utf-8"?>
+<file path=ppt/notesSlides/notesSlide13.xml><?xml version="1.0" encoding="utf-8"?>
 <p:notes xmlns:a="http://schemas.openxmlformats.org/drawingml/2006/main" xmlns:r="http://schemas.openxmlformats.org/officeDocument/2006/relationships" xmlns:p="http://schemas.openxmlformats.org/presentationml/2006/main">
   <p:cSld>
     <p:spTree>
@@ -3619,7 +3500,6 @@
                 <a:latin typeface="Calibri" panose="020F0502020204030204" pitchFamily="34" charset="0"/>
                 <a:ea typeface="微软雅黑" panose="020B0503020204020204" pitchFamily="34" charset="-122"/>
               </a:rPr>
-              <a:t>2</a:t>
             </a:fld>
             <a:endParaRPr kumimoji="0" lang="zh-CN" altLang="en-US" sz="1200" b="0" i="0" u="none" strike="noStrike" kern="1200" cap="none" spc="0" normalizeH="0" baseline="0" noProof="0">
               <a:ln>
@@ -3638,11 +3518,6 @@
         </p:txBody>
       </p:sp>
     </p:spTree>
-    <p:extLst>
-      <p:ext uri="{BB962C8B-B14F-4D97-AF65-F5344CB8AC3E}">
-        <p14:creationId xmlns:p14="http://schemas.microsoft.com/office/powerpoint/2010/main" val="1205284637"/>
-      </p:ext>
-    </p:extLst>
   </p:cSld>
   <p:clrMapOvr>
     <a:masterClrMapping/>
@@ -3650,7 +3525,7 @@
 </p:notes>
 </file>
 
-<file path=ppt/notesSlides/notesSlide3.xml><?xml version="1.0" encoding="utf-8"?>
+<file path=ppt/notesSlides/notesSlide2.xml><?xml version="1.0" encoding="utf-8"?>
 <p:notes xmlns:a="http://schemas.openxmlformats.org/drawingml/2006/main" xmlns:r="http://schemas.openxmlformats.org/officeDocument/2006/relationships" xmlns:p="http://schemas.openxmlformats.org/presentationml/2006/main">
   <p:cSld>
     <p:spTree>
@@ -3743,7 +3618,6 @@
                 <a:latin typeface="Calibri" panose="020F0502020204030204" pitchFamily="34" charset="0"/>
                 <a:ea typeface="微软雅黑" panose="020B0503020204020204" pitchFamily="34" charset="-122"/>
               </a:rPr>
-              <a:t>3</a:t>
             </a:fld>
             <a:endParaRPr kumimoji="0" lang="zh-CN" altLang="en-US" sz="1200" b="0" i="0" u="none" strike="noStrike" kern="1200" cap="none" spc="0" normalizeH="0" baseline="0" noProof="0">
               <a:ln>
@@ -3762,11 +3636,6 @@
         </p:txBody>
       </p:sp>
     </p:spTree>
-    <p:extLst>
-      <p:ext uri="{BB962C8B-B14F-4D97-AF65-F5344CB8AC3E}">
-        <p14:creationId xmlns:p14="http://schemas.microsoft.com/office/powerpoint/2010/main" val="5651908"/>
-      </p:ext>
-    </p:extLst>
   </p:cSld>
   <p:clrMapOvr>
     <a:masterClrMapping/>
@@ -3774,7 +3643,7 @@
 </p:notes>
 </file>
 
-<file path=ppt/notesSlides/notesSlide4.xml><?xml version="1.0" encoding="utf-8"?>
+<file path=ppt/notesSlides/notesSlide3.xml><?xml version="1.0" encoding="utf-8"?>
 <p:notes xmlns:a="http://schemas.openxmlformats.org/drawingml/2006/main" xmlns:r="http://schemas.openxmlformats.org/officeDocument/2006/relationships" xmlns:p="http://schemas.openxmlformats.org/presentationml/2006/main">
   <p:cSld>
     <p:spTree>
@@ -3867,7 +3736,6 @@
                 <a:latin typeface="Calibri" panose="020F0502020204030204" pitchFamily="34" charset="0"/>
                 <a:ea typeface="微软雅黑" panose="020B0503020204020204" pitchFamily="34" charset="-122"/>
               </a:rPr>
-              <a:t>4</a:t>
             </a:fld>
             <a:endParaRPr kumimoji="0" lang="zh-CN" altLang="en-US" sz="1200" b="0" i="0" u="none" strike="noStrike" kern="1200" cap="none" spc="0" normalizeH="0" baseline="0" noProof="0">
               <a:ln>
@@ -3886,11 +3754,6 @@
         </p:txBody>
       </p:sp>
     </p:spTree>
-    <p:extLst>
-      <p:ext uri="{BB962C8B-B14F-4D97-AF65-F5344CB8AC3E}">
-        <p14:creationId xmlns:p14="http://schemas.microsoft.com/office/powerpoint/2010/main" val="502337288"/>
-      </p:ext>
-    </p:extLst>
   </p:cSld>
   <p:clrMapOvr>
     <a:masterClrMapping/>
@@ -3898,7 +3761,7 @@
 </p:notes>
 </file>
 
-<file path=ppt/notesSlides/notesSlide5.xml><?xml version="1.0" encoding="utf-8"?>
+<file path=ppt/notesSlides/notesSlide4.xml><?xml version="1.0" encoding="utf-8"?>
 <p:notes xmlns:a="http://schemas.openxmlformats.org/drawingml/2006/main" xmlns:r="http://schemas.openxmlformats.org/officeDocument/2006/relationships" xmlns:p="http://schemas.openxmlformats.org/presentationml/2006/main">
   <p:cSld>
     <p:spTree>
@@ -3991,7 +3854,6 @@
                 <a:latin typeface="Calibri" panose="020F0502020204030204" pitchFamily="34" charset="0"/>
                 <a:ea typeface="微软雅黑" panose="020B0503020204020204" pitchFamily="34" charset="-122"/>
               </a:rPr>
-              <a:t>5</a:t>
             </a:fld>
             <a:endParaRPr kumimoji="0" lang="zh-CN" altLang="en-US" sz="1200" b="0" i="0" u="none" strike="noStrike" kern="1200" cap="none" spc="0" normalizeH="0" baseline="0" noProof="0">
               <a:ln>
@@ -4010,11 +3872,6 @@
         </p:txBody>
       </p:sp>
     </p:spTree>
-    <p:extLst>
-      <p:ext uri="{BB962C8B-B14F-4D97-AF65-F5344CB8AC3E}">
-        <p14:creationId xmlns:p14="http://schemas.microsoft.com/office/powerpoint/2010/main" val="1024583059"/>
-      </p:ext>
-    </p:extLst>
   </p:cSld>
   <p:clrMapOvr>
     <a:masterClrMapping/>
@@ -4022,7 +3879,7 @@
 </p:notes>
 </file>
 
-<file path=ppt/notesSlides/notesSlide6.xml><?xml version="1.0" encoding="utf-8"?>
+<file path=ppt/notesSlides/notesSlide5.xml><?xml version="1.0" encoding="utf-8"?>
 <p:notes xmlns:a="http://schemas.openxmlformats.org/drawingml/2006/main" xmlns:r="http://schemas.openxmlformats.org/officeDocument/2006/relationships" xmlns:p="http://schemas.openxmlformats.org/presentationml/2006/main">
   <p:cSld>
     <p:spTree>
@@ -4115,7 +3972,6 @@
                 <a:latin typeface="Calibri" panose="020F0502020204030204" pitchFamily="34" charset="0"/>
                 <a:ea typeface="微软雅黑" panose="020B0503020204020204" pitchFamily="34" charset="-122"/>
               </a:rPr>
-              <a:t>6</a:t>
             </a:fld>
             <a:endParaRPr kumimoji="0" lang="zh-CN" altLang="en-US" sz="1200" b="0" i="0" u="none" strike="noStrike" kern="1200" cap="none" spc="0" normalizeH="0" baseline="0" noProof="0">
               <a:ln>
@@ -4134,11 +3990,6 @@
         </p:txBody>
       </p:sp>
     </p:spTree>
-    <p:extLst>
-      <p:ext uri="{BB962C8B-B14F-4D97-AF65-F5344CB8AC3E}">
-        <p14:creationId xmlns:p14="http://schemas.microsoft.com/office/powerpoint/2010/main" val="1643590967"/>
-      </p:ext>
-    </p:extLst>
   </p:cSld>
   <p:clrMapOvr>
     <a:masterClrMapping/>
@@ -4146,7 +3997,7 @@
 </p:notes>
 </file>
 
-<file path=ppt/notesSlides/notesSlide7.xml><?xml version="1.0" encoding="utf-8"?>
+<file path=ppt/notesSlides/notesSlide6.xml><?xml version="1.0" encoding="utf-8"?>
 <p:notes xmlns:a="http://schemas.openxmlformats.org/drawingml/2006/main" xmlns:r="http://schemas.openxmlformats.org/officeDocument/2006/relationships" xmlns:p="http://schemas.openxmlformats.org/presentationml/2006/main">
   <p:cSld>
     <p:spTree>
@@ -4239,7 +4090,6 @@
                 <a:latin typeface="Calibri" panose="020F0502020204030204" pitchFamily="34" charset="0"/>
                 <a:ea typeface="微软雅黑" panose="020B0503020204020204" pitchFamily="34" charset="-122"/>
               </a:rPr>
-              <a:t>7</a:t>
             </a:fld>
             <a:endParaRPr kumimoji="0" lang="zh-CN" altLang="en-US" sz="1200" b="0" i="0" u="none" strike="noStrike" kern="1200" cap="none" spc="0" normalizeH="0" baseline="0" noProof="0">
               <a:ln>
@@ -4258,11 +4108,6 @@
         </p:txBody>
       </p:sp>
     </p:spTree>
-    <p:extLst>
-      <p:ext uri="{BB962C8B-B14F-4D97-AF65-F5344CB8AC3E}">
-        <p14:creationId xmlns:p14="http://schemas.microsoft.com/office/powerpoint/2010/main" val="1985175509"/>
-      </p:ext>
-    </p:extLst>
   </p:cSld>
   <p:clrMapOvr>
     <a:masterClrMapping/>
@@ -4270,7 +4115,7 @@
 </p:notes>
 </file>
 
-<file path=ppt/notesSlides/notesSlide8.xml><?xml version="1.0" encoding="utf-8"?>
+<file path=ppt/notesSlides/notesSlide7.xml><?xml version="1.0" encoding="utf-8"?>
 <p:notes xmlns:a="http://schemas.openxmlformats.org/drawingml/2006/main" xmlns:r="http://schemas.openxmlformats.org/officeDocument/2006/relationships" xmlns:p="http://schemas.openxmlformats.org/presentationml/2006/main">
   <p:cSld>
     <p:spTree>
@@ -4363,7 +4208,6 @@
                 <a:latin typeface="Calibri" panose="020F0502020204030204" pitchFamily="34" charset="0"/>
                 <a:ea typeface="微软雅黑" panose="020B0503020204020204" pitchFamily="34" charset="-122"/>
               </a:rPr>
-              <a:t>8</a:t>
             </a:fld>
             <a:endParaRPr kumimoji="0" lang="zh-CN" altLang="en-US" sz="1200" b="0" i="0" u="none" strike="noStrike" kern="1200" cap="none" spc="0" normalizeH="0" baseline="0" noProof="0">
               <a:ln>
@@ -4382,11 +4226,6 @@
         </p:txBody>
       </p:sp>
     </p:spTree>
-    <p:extLst>
-      <p:ext uri="{BB962C8B-B14F-4D97-AF65-F5344CB8AC3E}">
-        <p14:creationId xmlns:p14="http://schemas.microsoft.com/office/powerpoint/2010/main" val="793410105"/>
-      </p:ext>
-    </p:extLst>
   </p:cSld>
   <p:clrMapOvr>
     <a:masterClrMapping/>
@@ -4394,7 +4233,7 @@
 </p:notes>
 </file>
 
-<file path=ppt/notesSlides/notesSlide9.xml><?xml version="1.0" encoding="utf-8"?>
+<file path=ppt/notesSlides/notesSlide8.xml><?xml version="1.0" encoding="utf-8"?>
 <p:notes xmlns:a="http://schemas.openxmlformats.org/drawingml/2006/main" xmlns:r="http://schemas.openxmlformats.org/officeDocument/2006/relationships" xmlns:p="http://schemas.openxmlformats.org/presentationml/2006/main">
   <p:cSld>
     <p:spTree>
@@ -4487,7 +4326,6 @@
                 <a:latin typeface="Calibri" panose="020F0502020204030204" pitchFamily="34" charset="0"/>
                 <a:ea typeface="微软雅黑" panose="020B0503020204020204" pitchFamily="34" charset="-122"/>
               </a:rPr>
-              <a:t>9</a:t>
             </a:fld>
             <a:endParaRPr kumimoji="0" lang="zh-CN" altLang="en-US" sz="1200" b="0" i="0" u="none" strike="noStrike" kern="1200" cap="none" spc="0" normalizeH="0" baseline="0" noProof="0">
               <a:ln>
@@ -4506,11 +4344,124 @@
         </p:txBody>
       </p:sp>
     </p:spTree>
-    <p:extLst>
-      <p:ext uri="{BB962C8B-B14F-4D97-AF65-F5344CB8AC3E}">
-        <p14:creationId xmlns:p14="http://schemas.microsoft.com/office/powerpoint/2010/main" val="3245682758"/>
-      </p:ext>
-    </p:extLst>
+  </p:cSld>
+  <p:clrMapOvr>
+    <a:masterClrMapping/>
+  </p:clrMapOvr>
+</p:notes>
+</file>
+
+<file path=ppt/notesSlides/notesSlide9.xml><?xml version="1.0" encoding="utf-8"?>
+<p:notes xmlns:a="http://schemas.openxmlformats.org/drawingml/2006/main" xmlns:r="http://schemas.openxmlformats.org/officeDocument/2006/relationships" xmlns:p="http://schemas.openxmlformats.org/presentationml/2006/main">
+  <p:cSld>
+    <p:spTree>
+      <p:nvGrpSpPr>
+        <p:cNvPr id="1" name=""/>
+        <p:cNvGrpSpPr/>
+        <p:nvPr/>
+      </p:nvGrpSpPr>
+      <p:grpSpPr>
+        <a:xfrm>
+          <a:off x="0" y="0"/>
+          <a:ext cx="0" cy="0"/>
+          <a:chOff x="0" y="0"/>
+          <a:chExt cx="0" cy="0"/>
+        </a:xfrm>
+      </p:grpSpPr>
+      <p:sp>
+        <p:nvSpPr>
+          <p:cNvPr id="2" name="幻灯片图像占位符 1"/>
+          <p:cNvSpPr>
+            <a:spLocks noGrp="1" noRot="1" noChangeAspect="1"/>
+          </p:cNvSpPr>
+          <p:nvPr>
+            <p:ph type="sldImg"/>
+          </p:nvPr>
+        </p:nvSpPr>
+        <p:spPr/>
+      </p:sp>
+      <p:sp>
+        <p:nvSpPr>
+          <p:cNvPr id="3" name="备注占位符 2"/>
+          <p:cNvSpPr>
+            <a:spLocks noGrp="1"/>
+          </p:cNvSpPr>
+          <p:nvPr>
+            <p:ph type="body" idx="1"/>
+          </p:nvPr>
+        </p:nvSpPr>
+        <p:spPr/>
+        <p:txBody>
+          <a:bodyPr/>
+          <a:lstStyle/>
+          <a:p>
+            <a:endParaRPr lang="zh-CN" altLang="en-US"/>
+          </a:p>
+        </p:txBody>
+      </p:sp>
+      <p:sp>
+        <p:nvSpPr>
+          <p:cNvPr id="4" name="灯片编号占位符 3"/>
+          <p:cNvSpPr>
+            <a:spLocks noGrp="1"/>
+          </p:cNvSpPr>
+          <p:nvPr>
+            <p:ph type="sldNum" sz="quarter" idx="10"/>
+          </p:nvPr>
+        </p:nvSpPr>
+        <p:spPr/>
+        <p:txBody>
+          <a:bodyPr/>
+          <a:lstStyle/>
+          <a:p>
+            <a:pPr marL="0" marR="0" lvl="0" indent="0" algn="r" defTabSz="914400" eaLnBrk="0" fontAlgn="base" latinLnBrk="0" hangingPunct="0">
+              <a:lnSpc>
+                <a:spcPct val="100000"/>
+              </a:lnSpc>
+              <a:spcBef>
+                <a:spcPct val="0"/>
+              </a:spcBef>
+              <a:spcAft>
+                <a:spcPct val="0"/>
+              </a:spcAft>
+              <a:buClrTx/>
+              <a:buSzTx/>
+              <a:buFontTx/>
+              <a:buNone/>
+              <a:defRPr/>
+            </a:pPr>
+            <a:fld id="{39AD698A-D66C-4FA1-BBD8-F72AE9E6E751}" type="slidenum">
+              <a:rPr kumimoji="0" lang="zh-CN" altLang="en-US" sz="1200" b="0" i="0" u="none" strike="noStrike" kern="1200" cap="none" spc="0" normalizeH="0" baseline="0" noProof="0" smtClean="0">
+                <a:ln>
+                  <a:noFill/>
+                </a:ln>
+                <a:solidFill>
+                  <a:prstClr val="black"/>
+                </a:solidFill>
+                <a:effectLst/>
+                <a:uLnTx/>
+                <a:uFillTx/>
+                <a:latin typeface="Calibri" panose="020F0502020204030204" pitchFamily="34" charset="0"/>
+                <a:ea typeface="微软雅黑" panose="020B0503020204020204" pitchFamily="34" charset="-122"/>
+              </a:rPr>
+            </a:fld>
+            <a:endParaRPr kumimoji="0" lang="zh-CN" altLang="en-US" sz="1200" b="0" i="0" u="none" strike="noStrike" kern="1200" cap="none" spc="0" normalizeH="0" baseline="0" noProof="0">
+              <a:ln>
+                <a:noFill/>
+              </a:ln>
+              <a:solidFill>
+                <a:prstClr val="black"/>
+              </a:solidFill>
+              <a:effectLst/>
+              <a:uLnTx/>
+              <a:uFillTx/>
+              <a:latin typeface="Calibri" panose="020F0502020204030204" pitchFamily="34" charset="0"/>
+              <a:ea typeface="微软雅黑" panose="020B0503020204020204" pitchFamily="34" charset="-122"/>
+            </a:endParaRPr>
+          </a:p>
+        </p:txBody>
+      </p:sp>
+    </p:spTree>
   </p:cSld>
   <p:clrMapOvr>
     <a:masterClrMapping/>
@@ -4565,6 +4516,7 @@
               <a:rPr lang="zh-CN" altLang="en-US" dirty="0"/>
               <a:t>单击此处编辑标题</a:t>
             </a:r>
+            <a:endParaRPr lang="zh-CN" altLang="en-US" dirty="0"/>
           </a:p>
         </p:txBody>
       </p:sp>
@@ -4631,6 +4583,7 @@
               <a:rPr lang="zh-CN" altLang="en-US" dirty="0"/>
               <a:t>单击此处编辑母版副标题样式</a:t>
             </a:r>
+            <a:endParaRPr lang="zh-CN" altLang="en-US" dirty="0"/>
           </a:p>
         </p:txBody>
       </p:sp>
@@ -4651,7 +4604,6 @@
           <a:p>
             <a:fld id="{D997B5FA-0921-464F-AAE1-844C04324D75}" type="datetimeFigureOut">
               <a:rPr lang="zh-CN" altLang="en-US" smtClean="0"/>
-              <a:t>2018/12/24</a:t>
             </a:fld>
             <a:endParaRPr lang="zh-CN" altLang="en-US" dirty="0"/>
           </a:p>
@@ -4693,7 +4645,6 @@
           <a:p>
             <a:fld id="{565CE74E-AB26-4998-AD42-012C4C1AD076}" type="slidenum">
               <a:rPr lang="zh-CN" altLang="en-US" smtClean="0"/>
-              <a:t>‹#›</a:t>
             </a:fld>
             <a:endParaRPr lang="zh-CN" altLang="en-US"/>
           </a:p>
@@ -4741,7 +4692,6 @@
           <a:p>
             <a:fld id="{760FBDFE-C587-4B4C-A407-44438C67B59E}" type="datetimeFigureOut">
               <a:rPr lang="zh-CN" altLang="en-US" smtClean="0"/>
-              <a:t>2018/12/24</a:t>
             </a:fld>
             <a:endParaRPr lang="zh-CN" altLang="en-US"/>
           </a:p>
@@ -4783,7 +4733,6 @@
           <a:p>
             <a:fld id="{49AE70B2-8BF9-45C0-BB95-33D1B9D3A854}" type="slidenum">
               <a:rPr lang="zh-CN" altLang="en-US" smtClean="0"/>
-              <a:t>‹#›</a:t>
             </a:fld>
             <a:endParaRPr lang="zh-CN" altLang="en-US"/>
           </a:p>
@@ -4814,6 +4763,7 @@
               <a:rPr lang="zh-CN" altLang="en-US" dirty="0"/>
               <a:t>单击此处编辑母版文本样式</a:t>
             </a:r>
+            <a:endParaRPr lang="zh-CN" altLang="en-US" dirty="0"/>
           </a:p>
           <a:p>
             <a:pPr lvl="1"/>
@@ -4821,6 +4771,7 @@
               <a:rPr lang="zh-CN" altLang="en-US" dirty="0"/>
               <a:t>第二级</a:t>
             </a:r>
+            <a:endParaRPr lang="zh-CN" altLang="en-US" dirty="0"/>
           </a:p>
           <a:p>
             <a:pPr lvl="2"/>
@@ -4828,6 +4779,7 @@
               <a:rPr lang="zh-CN" altLang="en-US" dirty="0"/>
               <a:t>第三级</a:t>
             </a:r>
+            <a:endParaRPr lang="zh-CN" altLang="en-US" dirty="0"/>
           </a:p>
           <a:p>
             <a:pPr lvl="3"/>
@@ -4835,6 +4787,7 @@
               <a:rPr lang="zh-CN" altLang="en-US" dirty="0"/>
               <a:t>第四级</a:t>
             </a:r>
+            <a:endParaRPr lang="zh-CN" altLang="en-US" dirty="0"/>
           </a:p>
           <a:p>
             <a:pPr lvl="4"/>
@@ -4842,6 +4795,7 @@
               <a:rPr lang="zh-CN" altLang="en-US" dirty="0"/>
               <a:t>第五级</a:t>
             </a:r>
+            <a:endParaRPr lang="zh-CN" altLang="en-US" dirty="0"/>
           </a:p>
         </p:txBody>
       </p:sp>
@@ -4889,6 +4843,7 @@
               <a:rPr lang="zh-CN" altLang="en-US" dirty="0"/>
               <a:t>单击此处编辑母版标题样式</a:t>
             </a:r>
+            <a:endParaRPr lang="zh-CN" altLang="en-US" dirty="0"/>
           </a:p>
         </p:txBody>
       </p:sp>
@@ -4928,6 +4883,7 @@
               <a:rPr lang="zh-CN" altLang="en-US" dirty="0"/>
               <a:t>单击此处编辑母版文本样式</a:t>
             </a:r>
+            <a:endParaRPr lang="zh-CN" altLang="en-US" dirty="0"/>
           </a:p>
           <a:p>
             <a:pPr lvl="1"/>
@@ -4935,6 +4891,7 @@
               <a:rPr lang="zh-CN" altLang="en-US" dirty="0"/>
               <a:t>第二级</a:t>
             </a:r>
+            <a:endParaRPr lang="zh-CN" altLang="en-US" dirty="0"/>
           </a:p>
           <a:p>
             <a:pPr lvl="2"/>
@@ -4942,6 +4899,7 @@
               <a:rPr lang="zh-CN" altLang="en-US" dirty="0"/>
               <a:t>第三级</a:t>
             </a:r>
+            <a:endParaRPr lang="zh-CN" altLang="en-US" dirty="0"/>
           </a:p>
           <a:p>
             <a:pPr lvl="3"/>
@@ -4949,6 +4907,7 @@
               <a:rPr lang="zh-CN" altLang="en-US" dirty="0"/>
               <a:t>第四级</a:t>
             </a:r>
+            <a:endParaRPr lang="zh-CN" altLang="en-US" dirty="0"/>
           </a:p>
           <a:p>
             <a:pPr lvl="4"/>
@@ -4956,6 +4915,7 @@
               <a:rPr lang="zh-CN" altLang="en-US" dirty="0"/>
               <a:t>第五级</a:t>
             </a:r>
+            <a:endParaRPr lang="zh-CN" altLang="en-US" dirty="0"/>
           </a:p>
         </p:txBody>
       </p:sp>
@@ -4976,7 +4936,6 @@
           <a:p>
             <a:fld id="{760FBDFE-C587-4B4C-A407-44438C67B59E}" type="datetimeFigureOut">
               <a:rPr lang="zh-CN" altLang="en-US" smtClean="0"/>
-              <a:t>2018/12/24</a:t>
             </a:fld>
             <a:endParaRPr lang="zh-CN" altLang="en-US" dirty="0"/>
           </a:p>
@@ -5018,7 +4977,6 @@
           <a:p>
             <a:fld id="{49AE70B2-8BF9-45C0-BB95-33D1B9D3A854}" type="slidenum">
               <a:rPr lang="zh-CN" altLang="en-US" smtClean="0"/>
-              <a:t>‹#›</a:t>
             </a:fld>
             <a:endParaRPr lang="zh-CN" altLang="en-US"/>
           </a:p>
@@ -5197,6 +5155,7 @@
               <a:rPr lang="zh-CN" altLang="en-US" smtClean="0"/>
               <a:t>单击此处编辑母版文本样式</a:t>
             </a:r>
+            <a:endParaRPr lang="zh-CN" altLang="en-US" smtClean="0"/>
           </a:p>
         </p:txBody>
       </p:sp>
@@ -5217,7 +5176,6 @@
           <a:p>
             <a:fld id="{5CAADBD5-FF6F-4F1F-AF78-B518D2CD176F}" type="datetimeFigureOut">
               <a:rPr lang="zh-CN" altLang="en-US" smtClean="0"/>
-              <a:t>2018/12/24</a:t>
             </a:fld>
             <a:endParaRPr lang="zh-CN" altLang="en-US"/>
           </a:p>
@@ -5259,7 +5217,6 @@
           <a:p>
             <a:fld id="{E21C2A10-E97F-46DF-9873-696D05EB38D6}" type="slidenum">
               <a:rPr lang="zh-CN" altLang="en-US" smtClean="0"/>
-              <a:t>‹#›</a:t>
             </a:fld>
             <a:endParaRPr lang="zh-CN" altLang="en-US"/>
           </a:p>
@@ -5309,6 +5266,7 @@
               <a:rPr lang="zh-CN" altLang="en-US"/>
               <a:t>单击此处编辑母版标题样式</a:t>
             </a:r>
+            <a:endParaRPr lang="zh-CN" altLang="en-US"/>
           </a:p>
         </p:txBody>
       </p:sp>
@@ -5337,6 +5295,7 @@
               <a:rPr lang="zh-CN" altLang="en-US" dirty="0"/>
               <a:t>单击此处编辑母版文本样式</a:t>
             </a:r>
+            <a:endParaRPr lang="zh-CN" altLang="en-US" dirty="0"/>
           </a:p>
           <a:p>
             <a:pPr lvl="1"/>
@@ -5344,6 +5303,7 @@
               <a:rPr lang="zh-CN" altLang="en-US" dirty="0"/>
               <a:t>第二级</a:t>
             </a:r>
+            <a:endParaRPr lang="zh-CN" altLang="en-US" dirty="0"/>
           </a:p>
           <a:p>
             <a:pPr lvl="2"/>
@@ -5351,6 +5311,7 @@
               <a:rPr lang="zh-CN" altLang="en-US" dirty="0"/>
               <a:t>第三级</a:t>
             </a:r>
+            <a:endParaRPr lang="zh-CN" altLang="en-US" dirty="0"/>
           </a:p>
           <a:p>
             <a:pPr lvl="3"/>
@@ -5358,6 +5319,7 @@
               <a:rPr lang="zh-CN" altLang="en-US" dirty="0"/>
               <a:t>第四级</a:t>
             </a:r>
+            <a:endParaRPr lang="zh-CN" altLang="en-US" dirty="0"/>
           </a:p>
           <a:p>
             <a:pPr lvl="4"/>
@@ -5365,6 +5327,7 @@
               <a:rPr lang="zh-CN" altLang="en-US" dirty="0"/>
               <a:t>第五级</a:t>
             </a:r>
+            <a:endParaRPr lang="zh-CN" altLang="en-US" dirty="0"/>
           </a:p>
         </p:txBody>
       </p:sp>
@@ -5393,6 +5356,7 @@
               <a:rPr lang="zh-CN" altLang="en-US" dirty="0"/>
               <a:t>单击此处编辑母版文本样式</a:t>
             </a:r>
+            <a:endParaRPr lang="zh-CN" altLang="en-US" dirty="0"/>
           </a:p>
           <a:p>
             <a:pPr lvl="1"/>
@@ -5400,6 +5364,7 @@
               <a:rPr lang="zh-CN" altLang="en-US" dirty="0"/>
               <a:t>第二级</a:t>
             </a:r>
+            <a:endParaRPr lang="zh-CN" altLang="en-US" dirty="0"/>
           </a:p>
           <a:p>
             <a:pPr lvl="2"/>
@@ -5407,6 +5372,7 @@
               <a:rPr lang="zh-CN" altLang="en-US" dirty="0"/>
               <a:t>第三级</a:t>
             </a:r>
+            <a:endParaRPr lang="zh-CN" altLang="en-US" dirty="0"/>
           </a:p>
           <a:p>
             <a:pPr lvl="3"/>
@@ -5414,6 +5380,7 @@
               <a:rPr lang="zh-CN" altLang="en-US" dirty="0"/>
               <a:t>第四级</a:t>
             </a:r>
+            <a:endParaRPr lang="zh-CN" altLang="en-US" dirty="0"/>
           </a:p>
           <a:p>
             <a:pPr lvl="4"/>
@@ -5421,6 +5388,7 @@
               <a:rPr lang="zh-CN" altLang="en-US" dirty="0"/>
               <a:t>第五级</a:t>
             </a:r>
+            <a:endParaRPr lang="zh-CN" altLang="en-US" dirty="0"/>
           </a:p>
         </p:txBody>
       </p:sp>
@@ -5441,7 +5409,6 @@
           <a:p>
             <a:fld id="{760FBDFE-C587-4B4C-A407-44438C67B59E}" type="datetimeFigureOut">
               <a:rPr lang="zh-CN" altLang="en-US" smtClean="0"/>
-              <a:t>2018/12/24</a:t>
             </a:fld>
             <a:endParaRPr lang="zh-CN" altLang="en-US"/>
           </a:p>
@@ -5483,7 +5450,6 @@
           <a:p>
             <a:fld id="{49AE70B2-8BF9-45C0-BB95-33D1B9D3A854}" type="slidenum">
               <a:rPr lang="zh-CN" altLang="en-US" smtClean="0"/>
-              <a:t>‹#›</a:t>
             </a:fld>
             <a:endParaRPr lang="zh-CN" altLang="en-US"/>
           </a:p>
@@ -5538,6 +5504,7 @@
               <a:rPr lang="zh-CN" altLang="en-US"/>
               <a:t>单击此处编辑母版标题样式</a:t>
             </a:r>
+            <a:endParaRPr lang="zh-CN" altLang="en-US"/>
           </a:p>
         </p:txBody>
       </p:sp>
@@ -5603,6 +5570,7 @@
               <a:rPr lang="zh-CN" altLang="en-US" dirty="0"/>
               <a:t>单击此处编辑母版文本样式</a:t>
             </a:r>
+            <a:endParaRPr lang="zh-CN" altLang="en-US" dirty="0"/>
           </a:p>
         </p:txBody>
       </p:sp>
@@ -5631,6 +5599,7 @@
               <a:rPr lang="zh-CN" altLang="en-US" dirty="0"/>
               <a:t>单击此处编辑母版文本样式</a:t>
             </a:r>
+            <a:endParaRPr lang="zh-CN" altLang="en-US" dirty="0"/>
           </a:p>
           <a:p>
             <a:pPr lvl="1"/>
@@ -5638,6 +5607,7 @@
               <a:rPr lang="zh-CN" altLang="en-US" dirty="0"/>
               <a:t>第二级</a:t>
             </a:r>
+            <a:endParaRPr lang="zh-CN" altLang="en-US" dirty="0"/>
           </a:p>
           <a:p>
             <a:pPr lvl="2"/>
@@ -5645,6 +5615,7 @@
               <a:rPr lang="zh-CN" altLang="en-US" dirty="0"/>
               <a:t>第三级</a:t>
             </a:r>
+            <a:endParaRPr lang="zh-CN" altLang="en-US" dirty="0"/>
           </a:p>
           <a:p>
             <a:pPr lvl="3"/>
@@ -5652,6 +5623,7 @@
               <a:rPr lang="zh-CN" altLang="en-US" dirty="0"/>
               <a:t>第四级</a:t>
             </a:r>
+            <a:endParaRPr lang="zh-CN" altLang="en-US" dirty="0"/>
           </a:p>
           <a:p>
             <a:pPr lvl="4"/>
@@ -5659,6 +5631,7 @@
               <a:rPr lang="zh-CN" altLang="en-US" dirty="0"/>
               <a:t>第五级</a:t>
             </a:r>
+            <a:endParaRPr lang="zh-CN" altLang="en-US" dirty="0"/>
           </a:p>
         </p:txBody>
       </p:sp>
@@ -5724,6 +5697,7 @@
               <a:rPr lang="zh-CN" altLang="en-US" dirty="0"/>
               <a:t>单击此处编辑母版文本样式</a:t>
             </a:r>
+            <a:endParaRPr lang="zh-CN" altLang="en-US" dirty="0"/>
           </a:p>
         </p:txBody>
       </p:sp>
@@ -5752,6 +5726,7 @@
               <a:rPr lang="zh-CN" altLang="en-US" dirty="0"/>
               <a:t>单击此处编辑母版文本样式</a:t>
             </a:r>
+            <a:endParaRPr lang="zh-CN" altLang="en-US" dirty="0"/>
           </a:p>
           <a:p>
             <a:pPr lvl="1"/>
@@ -5759,6 +5734,7 @@
               <a:rPr lang="zh-CN" altLang="en-US" dirty="0"/>
               <a:t>第二级</a:t>
             </a:r>
+            <a:endParaRPr lang="zh-CN" altLang="en-US" dirty="0"/>
           </a:p>
           <a:p>
             <a:pPr lvl="2"/>
@@ -5766,6 +5742,7 @@
               <a:rPr lang="zh-CN" altLang="en-US" dirty="0"/>
               <a:t>第三级</a:t>
             </a:r>
+            <a:endParaRPr lang="zh-CN" altLang="en-US" dirty="0"/>
           </a:p>
           <a:p>
             <a:pPr lvl="3"/>
@@ -5773,6 +5750,7 @@
               <a:rPr lang="zh-CN" altLang="en-US" dirty="0"/>
               <a:t>第四级</a:t>
             </a:r>
+            <a:endParaRPr lang="zh-CN" altLang="en-US" dirty="0"/>
           </a:p>
           <a:p>
             <a:pPr lvl="4"/>
@@ -5780,6 +5758,7 @@
               <a:rPr lang="zh-CN" altLang="en-US" dirty="0"/>
               <a:t>第五级</a:t>
             </a:r>
+            <a:endParaRPr lang="zh-CN" altLang="en-US" dirty="0"/>
           </a:p>
         </p:txBody>
       </p:sp>
@@ -5800,7 +5779,6 @@
           <a:p>
             <a:fld id="{760FBDFE-C587-4B4C-A407-44438C67B59E}" type="datetimeFigureOut">
               <a:rPr lang="zh-CN" altLang="en-US" smtClean="0"/>
-              <a:t>2018/12/24</a:t>
             </a:fld>
             <a:endParaRPr lang="zh-CN" altLang="en-US"/>
           </a:p>
@@ -5842,7 +5820,6 @@
           <a:p>
             <a:fld id="{49AE70B2-8BF9-45C0-BB95-33D1B9D3A854}" type="slidenum">
               <a:rPr lang="zh-CN" altLang="en-US" smtClean="0"/>
-              <a:t>‹#›</a:t>
             </a:fld>
             <a:endParaRPr lang="zh-CN" altLang="en-US"/>
           </a:p>
@@ -5913,7 +5890,6 @@
           <a:p>
             <a:fld id="{5CAADBD5-FF6F-4F1F-AF78-B518D2CD176F}" type="datetimeFigureOut">
               <a:rPr lang="zh-CN" altLang="en-US" smtClean="0"/>
-              <a:t>2018/12/24</a:t>
             </a:fld>
             <a:endParaRPr lang="zh-CN" altLang="en-US"/>
           </a:p>
@@ -5955,7 +5931,6 @@
           <a:p>
             <a:fld id="{E21C2A10-E97F-46DF-9873-696D05EB38D6}" type="slidenum">
               <a:rPr lang="zh-CN" altLang="en-US" smtClean="0"/>
-              <a:t>‹#›</a:t>
             </a:fld>
             <a:endParaRPr lang="zh-CN" altLang="en-US"/>
           </a:p>
@@ -6003,7 +5978,6 @@
           <a:p>
             <a:fld id="{760FBDFE-C587-4B4C-A407-44438C67B59E}" type="datetimeFigureOut">
               <a:rPr lang="zh-CN" altLang="en-US" smtClean="0"/>
-              <a:t>2018/12/24</a:t>
             </a:fld>
             <a:endParaRPr lang="zh-CN" altLang="en-US"/>
           </a:p>
@@ -6045,7 +6019,6 @@
           <a:p>
             <a:fld id="{49AE70B2-8BF9-45C0-BB95-33D1B9D3A854}" type="slidenum">
               <a:rPr lang="zh-CN" altLang="en-US" smtClean="0"/>
-              <a:t>‹#›</a:t>
             </a:fld>
             <a:endParaRPr lang="zh-CN" altLang="en-US"/>
           </a:p>
@@ -6106,6 +6079,7 @@
               <a:rPr lang="zh-CN" altLang="en-US" dirty="0"/>
               <a:t>单击此处编辑标题</a:t>
             </a:r>
+            <a:endParaRPr lang="zh-CN" altLang="en-US" dirty="0"/>
           </a:p>
         </p:txBody>
       </p:sp>
@@ -6234,6 +6208,7 @@
               <a:rPr lang="zh-CN" altLang="en-US" dirty="0"/>
               <a:t>单击此处编辑母版文本样式</a:t>
             </a:r>
+            <a:endParaRPr lang="zh-CN" altLang="en-US" dirty="0"/>
           </a:p>
         </p:txBody>
       </p:sp>
@@ -6254,7 +6229,6 @@
           <a:p>
             <a:fld id="{9EFD9D74-47D9-4702-A33C-335B63B48DBF}" type="datetimeFigureOut">
               <a:rPr lang="zh-CN" altLang="en-US" smtClean="0"/>
-              <a:t>2018/12/24</a:t>
             </a:fld>
             <a:endParaRPr lang="zh-CN" altLang="en-US" dirty="0"/>
           </a:p>
@@ -6296,7 +6270,6 @@
           <a:p>
             <a:fld id="{FABC47A4-756D-490B-A52F-7D9E2C9FC05F}" type="slidenum">
               <a:rPr lang="zh-CN" altLang="en-US" smtClean="0"/>
-              <a:t>‹#›</a:t>
             </a:fld>
             <a:endParaRPr lang="zh-CN" altLang="en-US"/>
           </a:p>
@@ -6357,6 +6330,7 @@
               <a:rPr lang="zh-CN" altLang="en-US" dirty="0"/>
               <a:t>单击此处编辑标题</a:t>
             </a:r>
+            <a:endParaRPr lang="zh-CN" altLang="en-US" dirty="0"/>
           </a:p>
         </p:txBody>
       </p:sp>
@@ -6385,6 +6359,7 @@
               <a:rPr lang="zh-CN" altLang="en-US" dirty="0"/>
               <a:t>单击此处编辑母版文本样式</a:t>
             </a:r>
+            <a:endParaRPr lang="zh-CN" altLang="en-US" dirty="0"/>
           </a:p>
           <a:p>
             <a:pPr lvl="1"/>
@@ -6392,6 +6367,7 @@
               <a:rPr lang="zh-CN" altLang="en-US" dirty="0"/>
               <a:t>第二级</a:t>
             </a:r>
+            <a:endParaRPr lang="zh-CN" altLang="en-US" dirty="0"/>
           </a:p>
           <a:p>
             <a:pPr lvl="2"/>
@@ -6399,6 +6375,7 @@
               <a:rPr lang="zh-CN" altLang="en-US" dirty="0"/>
               <a:t>第三级</a:t>
             </a:r>
+            <a:endParaRPr lang="zh-CN" altLang="en-US" dirty="0"/>
           </a:p>
           <a:p>
             <a:pPr lvl="3"/>
@@ -6406,6 +6383,7 @@
               <a:rPr lang="zh-CN" altLang="en-US" dirty="0"/>
               <a:t>第四级</a:t>
             </a:r>
+            <a:endParaRPr lang="zh-CN" altLang="en-US" dirty="0"/>
           </a:p>
           <a:p>
             <a:pPr lvl="4"/>
@@ -6413,6 +6391,7 @@
               <a:rPr lang="zh-CN" altLang="en-US" dirty="0"/>
               <a:t>第五级</a:t>
             </a:r>
+            <a:endParaRPr lang="zh-CN" altLang="en-US" dirty="0"/>
           </a:p>
         </p:txBody>
       </p:sp>
@@ -6433,7 +6412,6 @@
           <a:p>
             <a:fld id="{760FBDFE-C587-4B4C-A407-44438C67B59E}" type="datetimeFigureOut">
               <a:rPr lang="zh-CN" altLang="en-US" smtClean="0"/>
-              <a:t>2018/12/24</a:t>
             </a:fld>
             <a:endParaRPr lang="zh-CN" altLang="en-US"/>
           </a:p>
@@ -6475,7 +6453,6 @@
           <a:p>
             <a:fld id="{49AE70B2-8BF9-45C0-BB95-33D1B9D3A854}" type="slidenum">
               <a:rPr lang="zh-CN" altLang="en-US" smtClean="0"/>
-              <a:t>‹#›</a:t>
             </a:fld>
             <a:endParaRPr lang="zh-CN" altLang="en-US"/>
           </a:p>
@@ -6520,7 +6497,7 @@
           <p:nvPr>
             <p:ph type="title"/>
             <p:custDataLst>
-              <p:tags r:id="rId12"/>
+              <p:tags r:id="rId11"/>
             </p:custDataLst>
           </p:nvPr>
         </p:nvSpPr>
@@ -6543,6 +6520,7 @@
               <a:rPr lang="zh-CN" altLang="en-US" dirty="0"/>
               <a:t>单击此处编辑母版标题样式</a:t>
             </a:r>
+            <a:endParaRPr lang="zh-CN" altLang="en-US" dirty="0"/>
           </a:p>
         </p:txBody>
       </p:sp>
@@ -6555,7 +6533,7 @@
           <p:nvPr>
             <p:ph type="body" idx="1"/>
             <p:custDataLst>
-              <p:tags r:id="rId13"/>
+              <p:tags r:id="rId12"/>
             </p:custDataLst>
           </p:nvPr>
         </p:nvSpPr>
@@ -6579,6 +6557,7 @@
               <a:rPr lang="zh-CN" altLang="en-US" dirty="0"/>
               <a:t>单击此处编辑母版文本样式</a:t>
             </a:r>
+            <a:endParaRPr lang="zh-CN" altLang="en-US" dirty="0"/>
           </a:p>
           <a:p>
             <a:pPr lvl="1"/>
@@ -6586,6 +6565,7 @@
               <a:rPr lang="zh-CN" altLang="en-US" dirty="0"/>
               <a:t>第二级</a:t>
             </a:r>
+            <a:endParaRPr lang="zh-CN" altLang="en-US" dirty="0"/>
           </a:p>
           <a:p>
             <a:pPr lvl="2"/>
@@ -6593,6 +6573,7 @@
               <a:rPr lang="zh-CN" altLang="en-US" dirty="0"/>
               <a:t>第三级</a:t>
             </a:r>
+            <a:endParaRPr lang="zh-CN" altLang="en-US" dirty="0"/>
           </a:p>
           <a:p>
             <a:pPr lvl="3"/>
@@ -6600,6 +6581,7 @@
               <a:rPr lang="zh-CN" altLang="en-US" dirty="0"/>
               <a:t>第四级</a:t>
             </a:r>
+            <a:endParaRPr lang="zh-CN" altLang="en-US" dirty="0"/>
           </a:p>
           <a:p>
             <a:pPr lvl="4"/>
@@ -6607,6 +6589,7 @@
               <a:rPr lang="zh-CN" altLang="en-US" dirty="0"/>
               <a:t>第五级</a:t>
             </a:r>
+            <a:endParaRPr lang="zh-CN" altLang="en-US" dirty="0"/>
           </a:p>
         </p:txBody>
       </p:sp>
@@ -6649,7 +6632,6 @@
           <a:p>
             <a:fld id="{D997B5FA-0921-464F-AAE1-844C04324D75}" type="datetimeFigureOut">
               <a:rPr lang="zh-CN" altLang="en-US" smtClean="0"/>
-              <a:t>2018/12/24</a:t>
             </a:fld>
             <a:endParaRPr lang="zh-CN" altLang="en-US" dirty="0"/>
           </a:p>
@@ -6735,7 +6717,6 @@
           <a:p>
             <a:fld id="{565CE74E-AB26-4998-AD42-012C4C1AD076}" type="slidenum">
               <a:rPr lang="zh-CN" altLang="en-US" smtClean="0"/>
-              <a:t>‹#›</a:t>
             </a:fld>
             <a:endParaRPr lang="zh-CN" altLang="en-US"/>
           </a:p>
@@ -6747,7 +6728,7 @@
           <p:cNvSpPr/>
           <p:nvPr userDrawn="1">
             <p:custDataLst>
-              <p:tags r:id="rId14"/>
+              <p:tags r:id="rId13"/>
             </p:custDataLst>
           </p:nvPr>
         </p:nvSpPr>
@@ -7109,7 +7090,7 @@
           <p:nvPr/>
         </p:nvPicPr>
         <p:blipFill>
-          <a:blip r:embed="rId4"/>
+          <a:blip r:embed="rId1"/>
           <a:stretch>
             <a:fillRect/>
           </a:stretch>
@@ -7166,7 +7147,7 @@
       </p:sp>
     </p:spTree>
     <p:custDataLst>
-      <p:tags r:id="rId1"/>
+      <p:tags r:id="rId2"/>
     </p:custDataLst>
   </p:cSld>
   <p:clrMapOvr>
@@ -7201,7 +7182,7 @@
           <p:nvPr/>
         </p:nvPicPr>
         <p:blipFill>
-          <a:blip r:embed="rId4"/>
+          <a:blip r:embed="rId1"/>
           <a:srcRect r="43805"/>
           <a:stretch>
             <a:fillRect/>
@@ -7312,7 +7293,7 @@
           <p:nvPr/>
         </p:nvPicPr>
         <p:blipFill>
-          <a:blip r:embed="rId5">
+          <a:blip r:embed="rId2">
             <a:extLst>
               <a:ext uri="{28A0092B-C50C-407E-A947-70E740481C1C}">
                 <a14:useLocalDpi xmlns:a14="http://schemas.microsoft.com/office/drawing/2010/main" val="0"/>
@@ -7436,13 +7417,8 @@
       </p:sp>
     </p:spTree>
     <p:custDataLst>
-      <p:tags r:id="rId1"/>
+      <p:tags r:id="rId3"/>
     </p:custDataLst>
-    <p:extLst>
-      <p:ext uri="{BB962C8B-B14F-4D97-AF65-F5344CB8AC3E}">
-        <p14:creationId xmlns:p14="http://schemas.microsoft.com/office/powerpoint/2010/main" val="1852879453"/>
-      </p:ext>
-    </p:extLst>
   </p:cSld>
   <p:clrMapOvr>
     <a:masterClrMapping/>
@@ -7483,7 +7459,7 @@
           <p:nvPr/>
         </p:nvPicPr>
         <p:blipFill>
-          <a:blip r:embed="rId4"/>
+          <a:blip r:embed="rId1"/>
           <a:srcRect r="43805"/>
           <a:stretch>
             <a:fillRect/>
@@ -7508,7 +7484,7 @@
           <p:nvPr/>
         </p:nvPicPr>
         <p:blipFill>
-          <a:blip r:embed="rId4"/>
+          <a:blip r:embed="rId1"/>
           <a:srcRect r="43805"/>
           <a:stretch>
             <a:fillRect/>
@@ -7567,7 +7543,7 @@
           <p:nvPr/>
         </p:nvPicPr>
         <p:blipFill>
-          <a:blip r:embed="rId5"/>
+          <a:blip r:embed="rId2"/>
           <a:stretch>
             <a:fillRect/>
           </a:stretch>
@@ -7584,13 +7560,8 @@
       </p:pic>
     </p:spTree>
     <p:custDataLst>
-      <p:tags r:id="rId1"/>
+      <p:tags r:id="rId3"/>
     </p:custDataLst>
-    <p:extLst>
-      <p:ext uri="{BB962C8B-B14F-4D97-AF65-F5344CB8AC3E}">
-        <p14:creationId xmlns:p14="http://schemas.microsoft.com/office/powerpoint/2010/main" val="1618830310"/>
-      </p:ext>
-    </p:extLst>
   </p:cSld>
   <p:clrMapOvr>
     <a:masterClrMapping/>
@@ -7626,13 +7597,7 @@
         <p:nvGraphicFramePr>
           <p:cNvPr id="14" name="图表 13"/>
           <p:cNvGraphicFramePr/>
-          <p:nvPr>
-            <p:extLst>
-              <p:ext uri="{D42A27DB-BD31-4B8C-83A1-F6EECF244321}">
-                <p14:modId xmlns:p14="http://schemas.microsoft.com/office/powerpoint/2010/main" val="1100884039"/>
-              </p:ext>
-            </p:extLst>
-          </p:nvPr>
+          <p:nvPr/>
         </p:nvGraphicFramePr>
         <p:xfrm>
           <a:off x="137785" y="1478071"/>
@@ -7640,12 +7605,12 @@
         </p:xfrm>
         <a:graphic>
           <a:graphicData uri="http://schemas.openxmlformats.org/drawingml/2006/chart">
-            <c:chart xmlns:c="http://schemas.openxmlformats.org/drawingml/2006/chart" xmlns:r="http://schemas.openxmlformats.org/officeDocument/2006/relationships" r:id="rId4"/>
+            <c:chart xmlns:c="http://schemas.openxmlformats.org/drawingml/2006/chart" xmlns:r="http://schemas.openxmlformats.org/officeDocument/2006/relationships" r:id="rId1"/>
           </a:graphicData>
         </a:graphic>
       </p:graphicFrame>
-      <mc:AlternateContent xmlns:mc="http://schemas.openxmlformats.org/markup-compatibility/2006" xmlns:a14="http://schemas.microsoft.com/office/drawing/2010/main">
-        <mc:Choice Requires="a14">
+      <mc:AlternateContent xmlns:mc="http://schemas.openxmlformats.org/markup-compatibility/2006">
+        <mc:Choice xmlns:a14="http://schemas.microsoft.com/office/drawing/2010/main" Requires="a14">
           <p:sp>
             <p:nvSpPr>
               <p:cNvPr id="2" name="文本框 1"/>
@@ -7695,7 +7660,7 @@
             </p:txBody>
           </p:sp>
         </mc:Choice>
-        <mc:Fallback xmlns="">
+        <mc:Fallback>
           <p:sp>
             <p:nvSpPr>
               <p:cNvPr id="2" name="文本框 1"/>
@@ -7712,8 +7677,8 @@
               <a:prstGeom prst="rect">
                 <a:avLst/>
               </a:prstGeom>
-              <a:blipFill>
-                <a:blip r:embed="rId5"/>
+              <a:blipFill rotWithShape="1">
+                <a:blip r:embed="rId3"/>
                 <a:stretch>
                   <a:fillRect l="-5263" r="-5921" b="-28889"/>
                 </a:stretch>
@@ -7729,6 +7694,9 @@
                   </a:rPr>
                   <a:t> </a:t>
                 </a:r>
+                <a:endParaRPr lang="zh-CN" altLang="en-US">
+                  <a:noFill/>
+                </a:endParaRPr>
               </a:p>
             </p:txBody>
           </p:sp>
@@ -7738,13 +7706,7 @@
         <p:nvGraphicFramePr>
           <p:cNvPr id="6" name="图表 5"/>
           <p:cNvGraphicFramePr/>
-          <p:nvPr>
-            <p:extLst>
-              <p:ext uri="{D42A27DB-BD31-4B8C-83A1-F6EECF244321}">
-                <p14:modId xmlns:p14="http://schemas.microsoft.com/office/powerpoint/2010/main" val="3032294588"/>
-              </p:ext>
-            </p:extLst>
-          </p:nvPr>
+          <p:nvPr/>
         </p:nvGraphicFramePr>
         <p:xfrm>
           <a:off x="5085567" y="1478071"/>
@@ -7752,12 +7714,12 @@
         </p:xfrm>
         <a:graphic>
           <a:graphicData uri="http://schemas.openxmlformats.org/drawingml/2006/chart">
-            <c:chart xmlns:c="http://schemas.openxmlformats.org/drawingml/2006/chart" xmlns:r="http://schemas.openxmlformats.org/officeDocument/2006/relationships" r:id="rId6"/>
+            <c:chart xmlns:c="http://schemas.openxmlformats.org/drawingml/2006/chart" xmlns:r="http://schemas.openxmlformats.org/officeDocument/2006/relationships" r:id="rId2"/>
           </a:graphicData>
         </a:graphic>
       </p:graphicFrame>
-      <mc:AlternateContent xmlns:mc="http://schemas.openxmlformats.org/markup-compatibility/2006" xmlns:a14="http://schemas.microsoft.com/office/drawing/2010/main">
-        <mc:Choice Requires="a14">
+      <mc:AlternateContent xmlns:mc="http://schemas.openxmlformats.org/markup-compatibility/2006">
+        <mc:Choice xmlns:a14="http://schemas.microsoft.com/office/drawing/2010/main" Requires="a14">
           <p:sp>
             <p:nvSpPr>
               <p:cNvPr id="8" name="文本框 7"/>
@@ -7807,7 +7769,7 @@
             </p:txBody>
           </p:sp>
         </mc:Choice>
-        <mc:Fallback xmlns="">
+        <mc:Fallback>
           <p:sp>
             <p:nvSpPr>
               <p:cNvPr id="8" name="文本框 7"/>
@@ -7824,8 +7786,8 @@
               <a:prstGeom prst="rect">
                 <a:avLst/>
               </a:prstGeom>
-              <a:blipFill>
-                <a:blip r:embed="rId7"/>
+              <a:blipFill rotWithShape="1">
+                <a:blip r:embed="rId4"/>
                 <a:stretch>
                   <a:fillRect l="-6107" r="-6107" b="-28889"/>
                 </a:stretch>
@@ -7841,6 +7803,9 @@
                   </a:rPr>
                   <a:t> </a:t>
                 </a:r>
+                <a:endParaRPr lang="zh-CN" altLang="en-US">
+                  <a:noFill/>
+                </a:endParaRPr>
               </a:p>
             </p:txBody>
           </p:sp>
@@ -7848,13 +7813,8 @@
       </mc:AlternateContent>
     </p:spTree>
     <p:custDataLst>
-      <p:tags r:id="rId1"/>
+      <p:tags r:id="rId5"/>
     </p:custDataLst>
-    <p:extLst>
-      <p:ext uri="{BB962C8B-B14F-4D97-AF65-F5344CB8AC3E}">
-        <p14:creationId xmlns:p14="http://schemas.microsoft.com/office/powerpoint/2010/main" val="2049346355"/>
-      </p:ext>
-    </p:extLst>
   </p:cSld>
   <p:clrMapOvr>
     <a:masterClrMapping/>
@@ -7886,54 +7846,100 @@
           <a:chExt cx="0" cy="0"/>
         </a:xfrm>
       </p:grpSpPr>
-      <p:sp>
-        <p:nvSpPr>
-          <p:cNvPr id="2" name="标题 1"/>
-          <p:cNvSpPr>
-            <a:spLocks noGrp="1"/>
-          </p:cNvSpPr>
-          <p:nvPr>
-            <p:ph type="title"/>
-          </p:nvPr>
-        </p:nvSpPr>
-        <p:spPr/>
-        <p:txBody>
-          <a:bodyPr/>
-          <a:lstStyle/>
-          <a:p>
-            <a:endParaRPr kumimoji="1" lang="zh-CN" altLang="en-US" dirty="0"/>
-          </a:p>
-        </p:txBody>
-      </p:sp>
-      <p:sp>
-        <p:nvSpPr>
-          <p:cNvPr id="3" name="内容占位符 2"/>
-          <p:cNvSpPr>
-            <a:spLocks noGrp="1"/>
-          </p:cNvSpPr>
-          <p:nvPr>
-            <p:ph idx="1"/>
-          </p:nvPr>
-        </p:nvSpPr>
-        <p:spPr/>
-        <p:txBody>
-          <a:bodyPr/>
-          <a:lstStyle/>
-          <a:p>
-            <a:endParaRPr kumimoji="1" lang="zh-CN" altLang="en-US"/>
+      <p:pic>
+        <p:nvPicPr>
+          <p:cNvPr id="41" name="图片 40" descr="sccnn.com_2018011761074383rpx8_02 [转换]-01"/>
+          <p:cNvPicPr>
+            <a:picLocks noChangeAspect="1"/>
+          </p:cNvPicPr>
+          <p:nvPr/>
+        </p:nvPicPr>
+        <p:blipFill>
+          <a:blip r:embed="rId1"/>
+          <a:srcRect r="43805"/>
+          <a:stretch>
+            <a:fillRect/>
+          </a:stretch>
+        </p:blipFill>
+        <p:spPr>
+          <a:xfrm>
+            <a:off x="-9525" y="22860"/>
+            <a:ext cx="3543300" cy="3557270"/>
+          </a:xfrm>
+          <a:prstGeom prst="rect">
+            <a:avLst/>
+          </a:prstGeom>
+        </p:spPr>
+      </p:pic>
+      <p:pic>
+        <p:nvPicPr>
+          <p:cNvPr id="7" name="图片 6" descr="sccnn.com_2018011761074383rpx8_02 [转换]-01"/>
+          <p:cNvPicPr>
+            <a:picLocks noChangeAspect="1"/>
+          </p:cNvPicPr>
+          <p:nvPr/>
+        </p:nvPicPr>
+        <p:blipFill>
+          <a:blip r:embed="rId1"/>
+          <a:srcRect r="43805"/>
+          <a:stretch>
+            <a:fillRect/>
+          </a:stretch>
+        </p:blipFill>
+        <p:spPr>
+          <a:xfrm>
+            <a:off x="-9525" y="-104775"/>
+            <a:ext cx="3543300" cy="3557270"/>
+          </a:xfrm>
+          <a:prstGeom prst="rect">
+            <a:avLst/>
+          </a:prstGeom>
+        </p:spPr>
+      </p:pic>
+      <p:sp>
+        <p:nvSpPr>
+          <p:cNvPr id="3" name="文本框 2"/>
+          <p:cNvSpPr txBox="1"/>
+          <p:nvPr/>
+        </p:nvSpPr>
+        <p:spPr>
+          <a:xfrm>
+            <a:off x="4527550" y="3155315"/>
+            <a:ext cx="2954655" cy="706755"/>
+          </a:xfrm>
+          <a:prstGeom prst="rect">
+            <a:avLst/>
+          </a:prstGeom>
+          <a:noFill/>
+        </p:spPr>
+        <p:txBody>
+          <a:bodyPr wrap="square" rtlCol="0">
+            <a:spAutoFit/>
+          </a:bodyPr>
+          <a:p>
+            <a:r>
+              <a:rPr kumimoji="1" lang="en-US" sz="4000" i="1" dirty="0"/>
+              <a:t>Thank You~</a:t>
+            </a:r>
+            <a:endParaRPr kumimoji="1" lang="en-US" sz="4000" i="1" dirty="0"/>
           </a:p>
         </p:txBody>
       </p:sp>
     </p:spTree>
-    <p:extLst>
-      <p:ext uri="{BB962C8B-B14F-4D97-AF65-F5344CB8AC3E}">
-        <p14:creationId xmlns:p14="http://schemas.microsoft.com/office/powerpoint/2010/main" val="669055166"/>
-      </p:ext>
-    </p:extLst>
+    <p:custDataLst>
+      <p:tags r:id="rId2"/>
+    </p:custDataLst>
   </p:cSld>
   <p:clrMapOvr>
     <a:masterClrMapping/>
   </p:clrMapOvr>
+  <p:timing>
+    <p:tnLst>
+      <p:par>
+        <p:cTn id="1" dur="indefinite" restart="never" nodeType="tmRoot"/>
+      </p:par>
+    </p:tnLst>
+  </p:timing>
 </p:sld>
 </file>
 
@@ -7963,7 +7969,7 @@
           <p:nvPr/>
         </p:nvPicPr>
         <p:blipFill>
-          <a:blip r:embed="rId4"/>
+          <a:blip r:embed="rId1"/>
           <a:srcRect r="43805"/>
           <a:stretch>
             <a:fillRect/>
@@ -8075,6 +8081,11 @@
               </a:rPr>
               <a:t>中国象棋</a:t>
             </a:r>
+            <a:endParaRPr lang="zh-CN" altLang="en-US" sz="4000">
+              <a:solidFill>
+                <a:schemeClr val="tx1"/>
+              </a:solidFill>
+            </a:endParaRPr>
           </a:p>
         </p:txBody>
       </p:sp>
@@ -8087,7 +8098,7 @@
           <p:nvPr/>
         </p:nvPicPr>
         <p:blipFill>
-          <a:blip r:embed="rId4"/>
+          <a:blip r:embed="rId1"/>
           <a:srcRect r="43805"/>
           <a:stretch>
             <a:fillRect/>
@@ -8153,6 +8164,11 @@
               </a:rPr>
               <a:t>算法概述：</a:t>
             </a:r>
+            <a:endParaRPr lang="zh-CN" altLang="en-US" sz="3200" dirty="0">
+              <a:solidFill>
+                <a:schemeClr val="tx1"/>
+              </a:solidFill>
+            </a:endParaRPr>
           </a:p>
         </p:txBody>
       </p:sp>
@@ -8206,6 +8222,11 @@
               </a:rPr>
               <a:t>定义极大层的下界为alpha，极小层的上界为beta，alpha-beta剪枝规则描述如下： </a:t>
             </a:r>
+            <a:endParaRPr sz="2000">
+              <a:solidFill>
+                <a:schemeClr val="tx1"/>
+              </a:solidFill>
+            </a:endParaRPr>
           </a:p>
           <a:p>
             <a:pPr algn="ctr"/>
@@ -8225,6 +8246,11 @@
               </a:rPr>
               <a:t>（1）alpha剪枝。若任一极小值层结点的beta值不大于它任一前驱极大值层结点的alpha值，即alpha(前驱层) &gt;= beta(后继层)，则可终止该极小值层中这个MIN结点以下的搜索过程</a:t>
             </a:r>
+            <a:endParaRPr sz="2000">
+              <a:solidFill>
+                <a:schemeClr val="tx1"/>
+              </a:solidFill>
+            </a:endParaRPr>
           </a:p>
           <a:p>
             <a:pPr algn="ctr"/>
@@ -8244,12 +8270,17 @@
               </a:rPr>
               <a:t>（2）beta剪枝。若任一极大值层结点的alpha值不小于它任一前驱极小值层结点的beta值，即alpha(后继层) &gt;= beta(前驱层)，则可以终止该极大值层中这个MAX结点以下的搜索过程</a:t>
             </a:r>
+            <a:endParaRPr sz="2000">
+              <a:solidFill>
+                <a:schemeClr val="tx1"/>
+              </a:solidFill>
+            </a:endParaRPr>
           </a:p>
         </p:txBody>
       </p:sp>
     </p:spTree>
     <p:custDataLst>
-      <p:tags r:id="rId1"/>
+      <p:tags r:id="rId2"/>
     </p:custDataLst>
   </p:cSld>
   <p:clrMapOvr>
@@ -8284,7 +8315,7 @@
           <p:nvPr/>
         </p:nvPicPr>
         <p:blipFill>
-          <a:blip r:embed="rId4"/>
+          <a:blip r:embed="rId1"/>
           <a:srcRect r="43805"/>
           <a:stretch>
             <a:fillRect/>
@@ -8355,7 +8386,7 @@
           <p:nvPr/>
         </p:nvPicPr>
         <p:blipFill>
-          <a:blip r:embed="rId4"/>
+          <a:blip r:embed="rId1"/>
           <a:srcRect r="43805"/>
           <a:stretch>
             <a:fillRect/>
@@ -8380,7 +8411,7 @@
           <p:nvPr/>
         </p:nvPicPr>
         <p:blipFill>
-          <a:blip r:embed="rId5"/>
+          <a:blip r:embed="rId2"/>
           <a:stretch>
             <a:fillRect/>
           </a:stretch>
@@ -8397,7 +8428,7 @@
       </p:pic>
     </p:spTree>
     <p:custDataLst>
-      <p:tags r:id="rId1"/>
+      <p:tags r:id="rId3"/>
     </p:custDataLst>
   </p:cSld>
   <p:clrMapOvr>
@@ -8432,7 +8463,7 @@
           <p:nvPr/>
         </p:nvPicPr>
         <p:blipFill>
-          <a:blip r:embed="rId4"/>
+          <a:blip r:embed="rId1"/>
           <a:srcRect r="43805"/>
           <a:stretch>
             <a:fillRect/>
@@ -8503,7 +8534,7 @@
           <p:nvPr/>
         </p:nvPicPr>
         <p:blipFill>
-          <a:blip r:embed="rId4"/>
+          <a:blip r:embed="rId1"/>
           <a:srcRect r="43805"/>
           <a:stretch>
             <a:fillRect/>
@@ -8569,6 +8600,11 @@
               </a:rPr>
               <a:t>算法实现：</a:t>
             </a:r>
+            <a:endParaRPr lang="zh-CN" altLang="en-US" sz="3200">
+              <a:solidFill>
+                <a:schemeClr val="tx1"/>
+              </a:solidFill>
+            </a:endParaRPr>
           </a:p>
         </p:txBody>
       </p:sp>
@@ -8581,7 +8617,7 @@
           <p:nvPr/>
         </p:nvPicPr>
         <p:blipFill>
-          <a:blip r:embed="rId5"/>
+          <a:blip r:embed="rId2"/>
           <a:stretch>
             <a:fillRect/>
           </a:stretch>
@@ -8605,7 +8641,7 @@
           <p:nvPr/>
         </p:nvPicPr>
         <p:blipFill>
-          <a:blip r:embed="rId6"/>
+          <a:blip r:embed="rId3"/>
           <a:stretch>
             <a:fillRect/>
           </a:stretch>
@@ -8622,7 +8658,7 @@
       </p:pic>
     </p:spTree>
     <p:custDataLst>
-      <p:tags r:id="rId1"/>
+      <p:tags r:id="rId4"/>
     </p:custDataLst>
   </p:cSld>
   <p:clrMapOvr>
@@ -8657,7 +8693,7 @@
           <p:nvPr/>
         </p:nvPicPr>
         <p:blipFill>
-          <a:blip r:embed="rId4"/>
+          <a:blip r:embed="rId1"/>
           <a:srcRect r="43805"/>
           <a:stretch>
             <a:fillRect/>
@@ -8704,6 +8740,11 @@
               </a:rPr>
               <a:t>遗传算法</a:t>
             </a:r>
+            <a:endParaRPr lang="zh-CN" altLang="en-US" sz="4000" dirty="0">
+              <a:solidFill>
+                <a:schemeClr val="tx1"/>
+              </a:solidFill>
+            </a:endParaRPr>
           </a:p>
         </p:txBody>
       </p:sp>
@@ -8716,7 +8757,7 @@
           <p:nvPr/>
         </p:nvPicPr>
         <p:blipFill>
-          <a:blip r:embed="rId5"/>
+          <a:blip r:embed="rId2"/>
           <a:stretch>
             <a:fillRect/>
           </a:stretch>
@@ -8814,8 +8855,13 @@
                   <a:schemeClr val="tx1"/>
                 </a:solidFill>
               </a:rPr>
-              <a:t>选择操作采用轮盘法，其基本思想是：通过上面适应度的计算，将适应度求倒数累加，对更短路径进行选择的概率越大</a:t>
-            </a:r>
+              <a:t>选择操作采用轮盘法，其基本思想是：通过上面适应度的计算，将适应度累加得出总和，对更短路径进行选择的概率越大</a:t>
+            </a:r>
+            <a:endParaRPr lang="zh-CN" altLang="en-US" sz="1600">
+              <a:solidFill>
+                <a:schemeClr val="tx1"/>
+              </a:solidFill>
+            </a:endParaRPr>
           </a:p>
         </p:txBody>
       </p:sp>
@@ -8867,8 +8913,13 @@
                   <a:schemeClr val="tx1"/>
                 </a:solidFill>
               </a:rPr>
-              <a:t>种群个体适应度表现为当前路径的总长度</a:t>
-            </a:r>
+              <a:t>种群个体适应度表现为当前路径的长度倒数</a:t>
+            </a:r>
+            <a:endParaRPr lang="zh-CN" altLang="en-US" sz="1600">
+              <a:solidFill>
+                <a:schemeClr val="tx1"/>
+              </a:solidFill>
+            </a:endParaRPr>
           </a:p>
         </p:txBody>
       </p:sp>
@@ -8914,7 +8965,7 @@
           <p:nvPr/>
         </p:nvPicPr>
         <p:blipFill>
-          <a:blip r:embed="rId6"/>
+          <a:blip r:embed="rId3"/>
           <a:stretch>
             <a:fillRect/>
           </a:stretch>
@@ -8938,7 +8989,7 @@
           <p:nvPr/>
         </p:nvPicPr>
         <p:blipFill>
-          <a:blip r:embed="rId7"/>
+          <a:blip r:embed="rId4"/>
           <a:stretch>
             <a:fillRect/>
           </a:stretch>
@@ -8955,7 +9006,7 @@
       </p:pic>
     </p:spTree>
     <p:custDataLst>
-      <p:tags r:id="rId1"/>
+      <p:tags r:id="rId5"/>
     </p:custDataLst>
   </p:cSld>
   <p:clrMapOvr>
@@ -8997,7 +9048,7 @@
           <p:nvPr/>
         </p:nvPicPr>
         <p:blipFill>
-          <a:blip r:embed="rId4"/>
+          <a:blip r:embed="rId1"/>
           <a:srcRect r="43805"/>
           <a:stretch>
             <a:fillRect/>
@@ -9080,7 +9131,7 @@
           <p:nvPr/>
         </p:nvPicPr>
         <p:blipFill>
-          <a:blip r:embed="rId5"/>
+          <a:blip r:embed="rId2"/>
           <a:stretch>
             <a:fillRect/>
           </a:stretch>
@@ -9145,6 +9196,11 @@
               </a:rPr>
               <a:t>变异操作：</a:t>
             </a:r>
+            <a:endParaRPr lang="zh-CN" sz="1600">
+              <a:solidFill>
+                <a:schemeClr val="tx1"/>
+              </a:solidFill>
+            </a:endParaRPr>
           </a:p>
         </p:txBody>
       </p:sp>
@@ -9206,6 +9262,11 @@
               </a:rPr>
               <a:t>范围倒置变异</a:t>
             </a:r>
+            <a:endParaRPr lang="zh-CN" altLang="en-US" sz="1600">
+              <a:solidFill>
+                <a:schemeClr val="tx1"/>
+              </a:solidFill>
+            </a:endParaRPr>
           </a:p>
         </p:txBody>
       </p:sp>
@@ -9267,6 +9328,11 @@
               </a:rPr>
               <a:t>基本位变异交换</a:t>
             </a:r>
+            <a:endParaRPr lang="zh-CN" altLang="en-US" sz="1600">
+              <a:solidFill>
+                <a:schemeClr val="tx1"/>
+              </a:solidFill>
+            </a:endParaRPr>
           </a:p>
         </p:txBody>
       </p:sp>
@@ -9279,7 +9345,7 @@
           <p:nvPr/>
         </p:nvPicPr>
         <p:blipFill>
-          <a:blip r:embed="rId6"/>
+          <a:blip r:embed="rId3"/>
           <a:stretch>
             <a:fillRect/>
           </a:stretch>
@@ -9296,7 +9362,7 @@
       </p:pic>
     </p:spTree>
     <p:custDataLst>
-      <p:tags r:id="rId1"/>
+      <p:tags r:id="rId4"/>
     </p:custDataLst>
   </p:cSld>
   <p:clrMapOvr>
@@ -9338,7 +9404,7 @@
           <p:nvPr/>
         </p:nvPicPr>
         <p:blipFill>
-          <a:blip r:embed="rId4"/>
+          <a:blip r:embed="rId1"/>
           <a:srcRect r="43805"/>
           <a:stretch>
             <a:fillRect/>
@@ -9482,7 +9548,7 @@
           <p:nvPr/>
         </p:nvPicPr>
         <p:blipFill>
-          <a:blip r:embed="rId5">
+          <a:blip r:embed="rId2">
             <a:extLst>
               <a:ext uri="{28A0092B-C50C-407E-A947-70E740481C1C}">
                 <a14:useLocalDpi xmlns:a14="http://schemas.microsoft.com/office/drawing/2010/main" val="0"/>
@@ -9550,7 +9616,7 @@
           <p:nvPr/>
         </p:nvPicPr>
         <p:blipFill>
-          <a:blip r:embed="rId6">
+          <a:blip r:embed="rId3">
             <a:extLst>
               <a:ext uri="{28A0092B-C50C-407E-A947-70E740481C1C}">
                 <a14:useLocalDpi xmlns:a14="http://schemas.microsoft.com/office/drawing/2010/main" val="0"/>
@@ -9603,13 +9669,8 @@
       </p:sp>
     </p:spTree>
     <p:custDataLst>
-      <p:tags r:id="rId1"/>
+      <p:tags r:id="rId4"/>
     </p:custDataLst>
-    <p:extLst>
-      <p:ext uri="{BB962C8B-B14F-4D97-AF65-F5344CB8AC3E}">
-        <p14:creationId xmlns:p14="http://schemas.microsoft.com/office/powerpoint/2010/main" val="3543819269"/>
-      </p:ext>
-    </p:extLst>
   </p:cSld>
   <p:clrMapOvr>
     <a:masterClrMapping/>
@@ -9650,7 +9711,7 @@
           <p:nvPr/>
         </p:nvPicPr>
         <p:blipFill>
-          <a:blip r:embed="rId4"/>
+          <a:blip r:embed="rId1"/>
           <a:srcRect r="43805"/>
           <a:stretch>
             <a:fillRect/>
@@ -9755,6 +9816,7 @@
               <a:rPr lang="en-US" altLang="zh-CN" dirty="0" smtClean="0"/>
               <a:t>0.98</a:t>
             </a:r>
+            <a:endParaRPr lang="en-US" altLang="zh-CN" dirty="0" smtClean="0"/>
           </a:p>
           <a:p>
             <a:pPr algn="ctr"/>
@@ -9775,7 +9837,7 @@
           <p:nvPr/>
         </p:nvPicPr>
         <p:blipFill>
-          <a:blip r:embed="rId5">
+          <a:blip r:embed="rId2">
             <a:extLst>
               <a:ext uri="{28A0092B-C50C-407E-A947-70E740481C1C}">
                 <a14:useLocalDpi xmlns:a14="http://schemas.microsoft.com/office/drawing/2010/main" val="0"/>
@@ -9902,7 +9964,7 @@
           <p:nvPr/>
         </p:nvPicPr>
         <p:blipFill>
-          <a:blip r:embed="rId6">
+          <a:blip r:embed="rId3">
             <a:extLst>
               <a:ext uri="{28A0092B-C50C-407E-A947-70E740481C1C}">
                 <a14:useLocalDpi xmlns:a14="http://schemas.microsoft.com/office/drawing/2010/main" val="0"/>
@@ -9932,7 +9994,7 @@
           <p:nvPr/>
         </p:nvPicPr>
         <p:blipFill>
-          <a:blip r:embed="rId7">
+          <a:blip r:embed="rId4">
             <a:extLst>
               <a:ext uri="{28A0092B-C50C-407E-A947-70E740481C1C}">
                 <a14:useLocalDpi xmlns:a14="http://schemas.microsoft.com/office/drawing/2010/main" val="0"/>
@@ -9955,13 +10017,8 @@
       </p:pic>
     </p:spTree>
     <p:custDataLst>
-      <p:tags r:id="rId1"/>
+      <p:tags r:id="rId5"/>
     </p:custDataLst>
-    <p:extLst>
-      <p:ext uri="{BB962C8B-B14F-4D97-AF65-F5344CB8AC3E}">
-        <p14:creationId xmlns:p14="http://schemas.microsoft.com/office/powerpoint/2010/main" val="1072680014"/>
-      </p:ext>
-    </p:extLst>
   </p:cSld>
   <p:clrMapOvr>
     <a:masterClrMapping/>
@@ -10002,7 +10059,7 @@
           <p:nvPr/>
         </p:nvPicPr>
         <p:blipFill>
-          <a:blip r:embed="rId4"/>
+          <a:blip r:embed="rId1"/>
           <a:srcRect r="43805"/>
           <a:stretch>
             <a:fillRect/>
@@ -10087,6 +10144,7 @@
               <a:rPr lang="en-US" altLang="zh-CN" dirty="0" smtClean="0"/>
               <a:t>10%~15%</a:t>
             </a:r>
+            <a:endParaRPr lang="en-US" altLang="zh-CN" dirty="0" smtClean="0"/>
           </a:p>
           <a:p>
             <a:pPr algn="ctr"/>
@@ -10115,7 +10173,7 @@
           <p:nvPr/>
         </p:nvPicPr>
         <p:blipFill>
-          <a:blip r:embed="rId5">
+          <a:blip r:embed="rId2">
             <a:extLst>
               <a:ext uri="{28A0092B-C50C-407E-A947-70E740481C1C}">
                 <a14:useLocalDpi xmlns:a14="http://schemas.microsoft.com/office/drawing/2010/main" val="0"/>
@@ -10138,13 +10196,8 @@
       </p:pic>
     </p:spTree>
     <p:custDataLst>
-      <p:tags r:id="rId1"/>
+      <p:tags r:id="rId3"/>
     </p:custDataLst>
-    <p:extLst>
-      <p:ext uri="{BB962C8B-B14F-4D97-AF65-F5344CB8AC3E}">
-        <p14:creationId xmlns:p14="http://schemas.microsoft.com/office/powerpoint/2010/main" val="1406175224"/>
-      </p:ext>
-    </p:extLst>
   </p:cSld>
   <p:clrMapOvr>
     <a:masterClrMapping/>
@@ -10160,7 +10213,7 @@
 </file>
 
 <file path=ppt/tags/tag1.xml><?xml version="1.0" encoding="utf-8"?>
-<p:tagLst xmlns:a="http://schemas.openxmlformats.org/drawingml/2006/main" xmlns:r="http://schemas.openxmlformats.org/officeDocument/2006/relationships" xmlns:p="http://schemas.openxmlformats.org/presentationml/2006/main">
+<p:tagLst xmlns:p="http://schemas.openxmlformats.org/presentationml/2006/main">
   <p:tag name="KSO_WM_TAG_VERSION" val="1.0"/>
   <p:tag name="KSO_WM_TEMPLATE_CATEGORY" val="custom"/>
   <p:tag name="KSO_WM_TEMPLATE_INDEX" val="20184553"/>
@@ -10168,7 +10221,7 @@
 </file>
 
 <file path=ppt/tags/tag10.xml><?xml version="1.0" encoding="utf-8"?>
-<p:tagLst xmlns:a="http://schemas.openxmlformats.org/drawingml/2006/main" xmlns:r="http://schemas.openxmlformats.org/officeDocument/2006/relationships" xmlns:p="http://schemas.openxmlformats.org/presentationml/2006/main">
+<p:tagLst xmlns:p="http://schemas.openxmlformats.org/presentationml/2006/main">
   <p:tag name="KSO_WM_SLIDE_SUBTYPE" val="pureTxt"/>
   <p:tag name="KSO_WM_TEMPLATE_TOPIC_DEFAULT" val="1"/>
   <p:tag name="KSO_WM_TEMPLATE_JOB_ID" val="2"/>
@@ -10192,7 +10245,7 @@
 </file>
 
 <file path=ppt/tags/tag11.xml><?xml version="1.0" encoding="utf-8"?>
-<p:tagLst xmlns:a="http://schemas.openxmlformats.org/drawingml/2006/main" xmlns:r="http://schemas.openxmlformats.org/officeDocument/2006/relationships" xmlns:p="http://schemas.openxmlformats.org/presentationml/2006/main">
+<p:tagLst xmlns:p="http://schemas.openxmlformats.org/presentationml/2006/main">
   <p:tag name="KSO_WM_SLIDE_SUBTYPE" val="pureTxt"/>
   <p:tag name="KSO_WM_TEMPLATE_TOPIC_DEFAULT" val="1"/>
   <p:tag name="KSO_WM_TEMPLATE_JOB_ID" val="2"/>
@@ -10216,7 +10269,7 @@
 </file>
 
 <file path=ppt/tags/tag12.xml><?xml version="1.0" encoding="utf-8"?>
-<p:tagLst xmlns:a="http://schemas.openxmlformats.org/drawingml/2006/main" xmlns:r="http://schemas.openxmlformats.org/officeDocument/2006/relationships" xmlns:p="http://schemas.openxmlformats.org/presentationml/2006/main">
+<p:tagLst xmlns:p="http://schemas.openxmlformats.org/presentationml/2006/main">
   <p:tag name="KSO_WM_SLIDE_SUBTYPE" val="pureTxt"/>
   <p:tag name="KSO_WM_TEMPLATE_TOPIC_DEFAULT" val="1"/>
   <p:tag name="KSO_WM_TEMPLATE_JOB_ID" val="2"/>
@@ -10240,7 +10293,7 @@
 </file>
 
 <file path=ppt/tags/tag13.xml><?xml version="1.0" encoding="utf-8"?>
-<p:tagLst xmlns:a="http://schemas.openxmlformats.org/drawingml/2006/main" xmlns:r="http://schemas.openxmlformats.org/officeDocument/2006/relationships" xmlns:p="http://schemas.openxmlformats.org/presentationml/2006/main">
+<p:tagLst xmlns:p="http://schemas.openxmlformats.org/presentationml/2006/main">
   <p:tag name="KSO_WM_SLIDE_SUBTYPE" val="pureTxt"/>
   <p:tag name="KSO_WM_TEMPLATE_TOPIC_DEFAULT" val="1"/>
   <p:tag name="KSO_WM_TEMPLATE_JOB_ID" val="2"/>
@@ -10264,7 +10317,7 @@
 </file>
 
 <file path=ppt/tags/tag14.xml><?xml version="1.0" encoding="utf-8"?>
-<p:tagLst xmlns:a="http://schemas.openxmlformats.org/drawingml/2006/main" xmlns:r="http://schemas.openxmlformats.org/officeDocument/2006/relationships" xmlns:p="http://schemas.openxmlformats.org/presentationml/2006/main">
+<p:tagLst xmlns:p="http://schemas.openxmlformats.org/presentationml/2006/main">
   <p:tag name="KSO_WM_SLIDE_SUBTYPE" val="pureTxt"/>
   <p:tag name="KSO_WM_TEMPLATE_TOPIC_DEFAULT" val="1"/>
   <p:tag name="KSO_WM_TEMPLATE_JOB_ID" val="2"/>
@@ -10288,7 +10341,31 @@
 </file>
 
 <file path=ppt/tags/tag15.xml><?xml version="1.0" encoding="utf-8"?>
-<p:tagLst xmlns:a="http://schemas.openxmlformats.org/drawingml/2006/main" xmlns:r="http://schemas.openxmlformats.org/officeDocument/2006/relationships" xmlns:p="http://schemas.openxmlformats.org/presentationml/2006/main">
+<p:tagLst xmlns:p="http://schemas.openxmlformats.org/presentationml/2006/main">
+  <p:tag name="KSO_WM_SLIDE_SUBTYPE" val="pureTxt"/>
+  <p:tag name="KSO_WM_TEMPLATE_TOPIC_DEFAULT" val="1"/>
+  <p:tag name="KSO_WM_TEMPLATE_JOB_ID" val="2"/>
+  <p:tag name="KSO_WM_TEMPLATE_SCENE_ID" val="1"/>
+  <p:tag name="KSO_WM_TEMPLATE_OUTLINE_ID" val="15"/>
+  <p:tag name="KSO_WM_TEMPLATE_TOPIC_ID" val="2869567"/>
+  <p:tag name="KSO_WM_SLIDE_SIZE" val="828*343"/>
+  <p:tag name="KSO_WM_SLIDE_POSITION" val="66*144"/>
+  <p:tag name="KSO_WM_BEAUTIFY_FLAG" val="#wm#"/>
+  <p:tag name="KSO_WM_SLIDE_TYPE" val="title"/>
+  <p:tag name="KSO_WM_SLIDE_LAYOUT_CNT" val="1_1"/>
+  <p:tag name="KSO_WM_SLIDE_LAYOUT" val="a_b"/>
+  <p:tag name="KSO_WM_SLIDE_ITEM_CNT" val="2"/>
+  <p:tag name="KSO_WM_SLIDE_INDEX" val="1"/>
+  <p:tag name="KSO_WM_SLIDE_ID" val="custom20184553_1"/>
+  <p:tag name="KSO_WM_TAG_VERSION" val="1.0"/>
+  <p:tag name="KSO_WM_TEMPLATE_INDEX" val="20184553"/>
+  <p:tag name="KSO_WM_TEMPLATE_CATEGORY" val="custom"/>
+  <p:tag name="KSO_WM_TEMPLATE_THUMBS_INDEX" val="1"/>
+</p:tagLst>
+</file>
+
+<file path=ppt/tags/tag16.xml><?xml version="1.0" encoding="utf-8"?>
+<p:tagLst xmlns:p="http://schemas.openxmlformats.org/presentationml/2006/main">
   <p:tag name="KSO_WM_SLIDE_SUBTYPE" val="pureTxt"/>
   <p:tag name="KSO_WM_TEMPLATE_TOPIC_DEFAULT" val="1"/>
   <p:tag name="KSO_WM_TEMPLATE_JOB_ID" val="2"/>
@@ -10312,7 +10389,7 @@
 </file>
 
 <file path=ppt/tags/tag2.xml><?xml version="1.0" encoding="utf-8"?>
-<p:tagLst xmlns:a="http://schemas.openxmlformats.org/drawingml/2006/main" xmlns:r="http://schemas.openxmlformats.org/officeDocument/2006/relationships" xmlns:p="http://schemas.openxmlformats.org/presentationml/2006/main">
+<p:tagLst xmlns:p="http://schemas.openxmlformats.org/presentationml/2006/main">
   <p:tag name="KSO_WM_TAG_VERSION" val="1.0"/>
   <p:tag name="KSO_WM_TEMPLATE_CATEGORY" val="custom"/>
   <p:tag name="KSO_WM_TEMPLATE_INDEX" val="20184553"/>
@@ -10320,7 +10397,7 @@
 </file>
 
 <file path=ppt/tags/tag3.xml><?xml version="1.0" encoding="utf-8"?>
-<p:tagLst xmlns:a="http://schemas.openxmlformats.org/drawingml/2006/main" xmlns:r="http://schemas.openxmlformats.org/officeDocument/2006/relationships" xmlns:p="http://schemas.openxmlformats.org/presentationml/2006/main">
+<p:tagLst xmlns:p="http://schemas.openxmlformats.org/presentationml/2006/main">
   <p:tag name="KSO_WM_TEMPLATE_TOPIC_DEFAULT" val="1"/>
   <p:tag name="KSO_WM_TEMPLATE_JOB_ID" val="2"/>
   <p:tag name="KSO_WM_TEMPLATE_SCENE_ID" val="1"/>
@@ -10335,7 +10412,7 @@
 </file>
 
 <file path=ppt/tags/tag4.xml><?xml version="1.0" encoding="utf-8"?>
-<p:tagLst xmlns:a="http://schemas.openxmlformats.org/drawingml/2006/main" xmlns:r="http://schemas.openxmlformats.org/officeDocument/2006/relationships" xmlns:p="http://schemas.openxmlformats.org/presentationml/2006/main">
+<p:tagLst xmlns:p="http://schemas.openxmlformats.org/presentationml/2006/main">
   <p:tag name="KSO_WM_SLIDE_SUBTYPE" val="pureTxt"/>
   <p:tag name="KSO_WM_TEMPLATE_TOPIC_DEFAULT" val="1"/>
   <p:tag name="KSO_WM_TEMPLATE_JOB_ID" val="2"/>
@@ -10360,7 +10437,7 @@
 </file>
 
 <file path=ppt/tags/tag5.xml><?xml version="1.0" encoding="utf-8"?>
-<p:tagLst xmlns:a="http://schemas.openxmlformats.org/drawingml/2006/main" xmlns:r="http://schemas.openxmlformats.org/officeDocument/2006/relationships" xmlns:p="http://schemas.openxmlformats.org/presentationml/2006/main">
+<p:tagLst xmlns:p="http://schemas.openxmlformats.org/presentationml/2006/main">
   <p:tag name="KSO_WM_SLIDE_SUBTYPE" val="pureTxt"/>
   <p:tag name="KSO_WM_TEMPLATE_TOPIC_DEFAULT" val="1"/>
   <p:tag name="KSO_WM_TEMPLATE_JOB_ID" val="2"/>
@@ -10384,7 +10461,7 @@
 </file>
 
 <file path=ppt/tags/tag6.xml><?xml version="1.0" encoding="utf-8"?>
-<p:tagLst xmlns:a="http://schemas.openxmlformats.org/drawingml/2006/main" xmlns:r="http://schemas.openxmlformats.org/officeDocument/2006/relationships" xmlns:p="http://schemas.openxmlformats.org/presentationml/2006/main">
+<p:tagLst xmlns:p="http://schemas.openxmlformats.org/presentationml/2006/main">
   <p:tag name="KSO_WM_SLIDE_SUBTYPE" val="pureTxt"/>
   <p:tag name="KSO_WM_TEMPLATE_TOPIC_DEFAULT" val="1"/>
   <p:tag name="KSO_WM_TEMPLATE_JOB_ID" val="2"/>
@@ -10408,7 +10485,7 @@
 </file>
 
 <file path=ppt/tags/tag7.xml><?xml version="1.0" encoding="utf-8"?>
-<p:tagLst xmlns:a="http://schemas.openxmlformats.org/drawingml/2006/main" xmlns:r="http://schemas.openxmlformats.org/officeDocument/2006/relationships" xmlns:p="http://schemas.openxmlformats.org/presentationml/2006/main">
+<p:tagLst xmlns:p="http://schemas.openxmlformats.org/presentationml/2006/main">
   <p:tag name="KSO_WM_SLIDE_SUBTYPE" val="pureTxt"/>
   <p:tag name="KSO_WM_TEMPLATE_TOPIC_DEFAULT" val="1"/>
   <p:tag name="KSO_WM_TEMPLATE_JOB_ID" val="2"/>
@@ -10432,7 +10509,7 @@
 </file>
 
 <file path=ppt/tags/tag8.xml><?xml version="1.0" encoding="utf-8"?>
-<p:tagLst xmlns:a="http://schemas.openxmlformats.org/drawingml/2006/main" xmlns:r="http://schemas.openxmlformats.org/officeDocument/2006/relationships" xmlns:p="http://schemas.openxmlformats.org/presentationml/2006/main">
+<p:tagLst xmlns:p="http://schemas.openxmlformats.org/presentationml/2006/main">
   <p:tag name="KSO_WM_SLIDE_SUBTYPE" val="pureTxt"/>
   <p:tag name="KSO_WM_TEMPLATE_TOPIC_DEFAULT" val="1"/>
   <p:tag name="KSO_WM_TEMPLATE_JOB_ID" val="2"/>
@@ -10456,7 +10533,7 @@
 </file>
 
 <file path=ppt/tags/tag9.xml><?xml version="1.0" encoding="utf-8"?>
-<p:tagLst xmlns:a="http://schemas.openxmlformats.org/drawingml/2006/main" xmlns:r="http://schemas.openxmlformats.org/officeDocument/2006/relationships" xmlns:p="http://schemas.openxmlformats.org/presentationml/2006/main">
+<p:tagLst xmlns:p="http://schemas.openxmlformats.org/presentationml/2006/main">
   <p:tag name="KSO_WM_SLIDE_SUBTYPE" val="pureTxt"/>
   <p:tag name="KSO_WM_TEMPLATE_TOPIC_DEFAULT" val="1"/>
   <p:tag name="KSO_WM_TEMPLATE_JOB_ID" val="2"/>
@@ -10670,8 +10747,6 @@
       </a:bgFillStyleLst>
     </a:fmtScheme>
   </a:themeElements>
-  <a:objectDefaults/>
-  <a:extraClrSchemeLst/>
   <a:extLst>
     <a:ext uri="{05A4C25C-085E-4340-85A3-A5531E510DB2}">
       <thm15:themeFamily xmlns:thm15="http://schemas.microsoft.com/office/thememl/2012/main" name="Office Theme" id="{62F939B6-93AF-4DB8-9C6B-D6C7DFDC589F}" vid="{4A3C46E8-61CC-4603-A589-7422A47A8E4A}"/>
@@ -10931,8 +11006,6 @@
       </a:bgFillStyleLst>
     </a:fmtScheme>
   </a:themeElements>
-  <a:objectDefaults/>
-  <a:extraClrSchemeLst/>
   <a:extLst>
     <a:ext uri="{05A4C25C-085E-4340-85A3-A5531E510DB2}">
       <thm15:themeFamily xmlns:thm15="http://schemas.microsoft.com/office/thememl/2012/main" name="Office Theme" id="{62F939B6-93AF-4DB8-9C6B-D6C7DFDC589F}" vid="{4A3C46E8-61CC-4603-A589-7422A47A8E4A}"/>
